--- a/RHStudy/Documents/プレゼンテーション1.pptx
+++ b/RHStudy/Documents/プレゼンテーション1.pptx
@@ -6,6 +6,16 @@
   </p:sldMasterIdLst>
   <p:sldIdLst>
     <p:sldId id="256" r:id="rId2"/>
+    <p:sldId id="266" r:id="rId3"/>
+    <p:sldId id="257" r:id="rId4"/>
+    <p:sldId id="258" r:id="rId5"/>
+    <p:sldId id="259" r:id="rId6"/>
+    <p:sldId id="260" r:id="rId7"/>
+    <p:sldId id="261" r:id="rId8"/>
+    <p:sldId id="262" r:id="rId9"/>
+    <p:sldId id="263" r:id="rId10"/>
+    <p:sldId id="264" r:id="rId11"/>
+    <p:sldId id="265" r:id="rId12"/>
   </p:sldIdLst>
   <p:sldSz cx="12192000" cy="6858000"/>
   <p:notesSz cx="6858000" cy="9144000"/>
@@ -104,6 +114,11 @@
       </a:defRPr>
     </a:lvl9pPr>
   </p:defaultTextStyle>
+  <p:extLst>
+    <p:ext uri="{EFAFB233-063F-42B5-8137-9DF3F51BA10A}">
+      <p15:sldGuideLst xmlns:p15="http://schemas.microsoft.com/office/powerpoint/2012/main"/>
+    </p:ext>
+  </p:extLst>
 </p:presentation>
 </file>
 
@@ -293,7 +308,7 @@
           <a:p>
             <a:fld id="{4AAD347D-5ACD-4C99-B74B-A9C85AD731AF}" type="datetimeFigureOut">
               <a:rPr lang="en-US" dirty="0"/>
-              <a:t>7/29/16</a:t>
+              <a:t>8/1/16</a:t>
             </a:fld>
             <a:endParaRPr lang="en-US" dirty="0"/>
           </a:p>
@@ -563,7 +578,7 @@
           <a:p>
             <a:fld id="{4509A250-FF31-4206-8172-F9D3106AACB1}" type="datetimeFigureOut">
               <a:rPr lang="en-US" dirty="0"/>
-              <a:t>7/29/16</a:t>
+              <a:t>8/1/16</a:t>
             </a:fld>
             <a:endParaRPr lang="en-US" dirty="0"/>
           </a:p>
@@ -752,7 +767,7 @@
           <a:p>
             <a:fld id="{4509A250-FF31-4206-8172-F9D3106AACB1}" type="datetimeFigureOut">
               <a:rPr lang="en-US" dirty="0"/>
-              <a:t>7/29/16</a:t>
+              <a:t>8/1/16</a:t>
             </a:fld>
             <a:endParaRPr lang="en-US" dirty="0"/>
           </a:p>
@@ -1020,7 +1035,7 @@
           <a:p>
             <a:fld id="{4509A250-FF31-4206-8172-F9D3106AACB1}" type="datetimeFigureOut">
               <a:rPr lang="en-US" dirty="0"/>
-              <a:t>7/29/16</a:t>
+              <a:t>8/1/16</a:t>
             </a:fld>
             <a:endParaRPr lang="en-US" dirty="0"/>
           </a:p>
@@ -1356,7 +1371,7 @@
           <a:p>
             <a:fld id="{4509A250-FF31-4206-8172-F9D3106AACB1}" type="datetimeFigureOut">
               <a:rPr lang="en-US" dirty="0"/>
-              <a:t>7/29/16</a:t>
+              <a:t>8/1/16</a:t>
             </a:fld>
             <a:endParaRPr lang="en-US" dirty="0"/>
           </a:p>
@@ -1974,7 +1989,7 @@
           <a:p>
             <a:fld id="{4509A250-FF31-4206-8172-F9D3106AACB1}" type="datetimeFigureOut">
               <a:rPr lang="en-US" dirty="0"/>
-              <a:t>7/29/16</a:t>
+              <a:t>8/1/16</a:t>
             </a:fld>
             <a:endParaRPr lang="en-US" dirty="0"/>
           </a:p>
@@ -2829,7 +2844,7 @@
           <a:p>
             <a:fld id="{4509A250-FF31-4206-8172-F9D3106AACB1}" type="datetimeFigureOut">
               <a:rPr lang="en-US" dirty="0"/>
-              <a:t>7/29/16</a:t>
+              <a:t>8/1/16</a:t>
             </a:fld>
             <a:endParaRPr lang="en-US" dirty="0"/>
           </a:p>
@@ -3026,7 +3041,7 @@
           <a:p>
             <a:fld id="{4509A250-FF31-4206-8172-F9D3106AACB1}" type="datetimeFigureOut">
               <a:rPr lang="en-US" dirty="0"/>
-              <a:t>7/29/16</a:t>
+              <a:t>8/1/16</a:t>
             </a:fld>
             <a:endParaRPr lang="en-US" dirty="0"/>
           </a:p>
@@ -3233,7 +3248,7 @@
           <a:p>
             <a:fld id="{4509A250-FF31-4206-8172-F9D3106AACB1}" type="datetimeFigureOut">
               <a:rPr lang="en-US" dirty="0"/>
-              <a:t>7/29/16</a:t>
+              <a:t>8/1/16</a:t>
             </a:fld>
             <a:endParaRPr lang="en-US" dirty="0"/>
           </a:p>
@@ -3430,7 +3445,7 @@
           <a:p>
             <a:fld id="{4509A250-FF31-4206-8172-F9D3106AACB1}" type="datetimeFigureOut">
               <a:rPr lang="en-US" dirty="0"/>
-              <a:t>7/29/16</a:t>
+              <a:t>8/1/16</a:t>
             </a:fld>
             <a:endParaRPr lang="en-US" dirty="0"/>
           </a:p>
@@ -3672,7 +3687,7 @@
           <a:p>
             <a:fld id="{9796027F-7875-4030-9381-8BD8C4F21935}" type="datetimeFigureOut">
               <a:rPr lang="en-US" dirty="0"/>
-              <a:t>7/29/16</a:t>
+              <a:t>8/1/16</a:t>
             </a:fld>
             <a:endParaRPr lang="en-US" dirty="0"/>
           </a:p>
@@ -4023,7 +4038,7 @@
           <a:p>
             <a:fld id="{9796027F-7875-4030-9381-8BD8C4F21935}" type="datetimeFigureOut">
               <a:rPr lang="en-US" dirty="0"/>
-              <a:t>7/29/16</a:t>
+              <a:t>8/1/16</a:t>
             </a:fld>
             <a:endParaRPr lang="en-US" dirty="0"/>
           </a:p>
@@ -4526,7 +4541,7 @@
           <a:p>
             <a:fld id="{9796027F-7875-4030-9381-8BD8C4F21935}" type="datetimeFigureOut">
               <a:rPr lang="en-US" dirty="0"/>
-              <a:t>7/29/16</a:t>
+              <a:t>8/1/16</a:t>
             </a:fld>
             <a:endParaRPr lang="en-US" dirty="0"/>
           </a:p>
@@ -4639,7 +4654,7 @@
           <a:p>
             <a:fld id="{4509A250-FF31-4206-8172-F9D3106AACB1}" type="datetimeFigureOut">
               <a:rPr lang="en-US" dirty="0"/>
-              <a:t>7/29/16</a:t>
+              <a:t>8/1/16</a:t>
             </a:fld>
             <a:endParaRPr lang="en-US" dirty="0"/>
           </a:p>
@@ -4729,7 +4744,7 @@
           <a:p>
             <a:fld id="{4509A250-FF31-4206-8172-F9D3106AACB1}" type="datetimeFigureOut">
               <a:rPr lang="en-US" dirty="0"/>
-              <a:t>7/29/16</a:t>
+              <a:t>8/1/16</a:t>
             </a:fld>
             <a:endParaRPr lang="en-US" dirty="0"/>
           </a:p>
@@ -5035,7 +5050,7 @@
           <a:p>
             <a:fld id="{4509A250-FF31-4206-8172-F9D3106AACB1}" type="datetimeFigureOut">
               <a:rPr lang="en-US" dirty="0"/>
-              <a:t>7/29/16</a:t>
+              <a:t>8/1/16</a:t>
             </a:fld>
             <a:endParaRPr lang="en-US" dirty="0"/>
           </a:p>
@@ -5305,7 +5320,7 @@
           <a:p>
             <a:fld id="{4509A250-FF31-4206-8172-F9D3106AACB1}" type="datetimeFigureOut">
               <a:rPr lang="en-US" dirty="0"/>
-              <a:t>7/29/16</a:t>
+              <a:t>8/1/16</a:t>
             </a:fld>
             <a:endParaRPr lang="en-US" dirty="0"/>
           </a:p>
@@ -5761,7 +5776,7 @@
           <a:p>
             <a:fld id="{4AAD347D-5ACD-4C99-B74B-A9C85AD731AF}" type="datetimeFigureOut">
               <a:rPr lang="en-US" dirty="0"/>
-              <a:t>7/29/16</a:t>
+              <a:t>8/1/16</a:t>
             </a:fld>
             <a:endParaRPr lang="en-US" dirty="0"/>
           </a:p>
@@ -6362,6 +6377,937 @@
 </p:sld>
 </file>
 
+<file path=ppt/slides/slide10.xml><?xml version="1.0" encoding="utf-8"?>
+<p:sld xmlns:a="http://schemas.openxmlformats.org/drawingml/2006/main" xmlns:r="http://schemas.openxmlformats.org/officeDocument/2006/relationships" xmlns:p="http://schemas.openxmlformats.org/presentationml/2006/main">
+  <p:cSld>
+    <p:spTree>
+      <p:nvGrpSpPr>
+        <p:cNvPr id="1" name=""/>
+        <p:cNvGrpSpPr/>
+        <p:nvPr/>
+      </p:nvGrpSpPr>
+      <p:grpSpPr>
+        <a:xfrm>
+          <a:off x="0" y="0"/>
+          <a:ext cx="0" cy="0"/>
+          <a:chOff x="0" y="0"/>
+          <a:chExt cx="0" cy="0"/>
+        </a:xfrm>
+      </p:grpSpPr>
+      <p:sp>
+        <p:nvSpPr>
+          <p:cNvPr id="2" name="タイトル 1"/>
+          <p:cNvSpPr>
+            <a:spLocks noGrp="1"/>
+          </p:cNvSpPr>
+          <p:nvPr>
+            <p:ph type="title"/>
+          </p:nvPr>
+        </p:nvSpPr>
+        <p:spPr/>
+        <p:txBody>
+          <a:bodyPr/>
+          <a:lstStyle/>
+          <a:p>
+            <a:r>
+              <a:rPr kumimoji="1" lang="ja-JP" altLang="en-US" dirty="0" smtClean="0"/>
+              <a:t>動的、につおい</a:t>
+            </a:r>
+            <a:endParaRPr kumimoji="1" lang="ja-JP" altLang="en-US" dirty="0"/>
+          </a:p>
+        </p:txBody>
+      </p:sp>
+      <p:sp>
+        <p:nvSpPr>
+          <p:cNvPr id="3" name="コンテンツ プレースホルダー 2"/>
+          <p:cNvSpPr>
+            <a:spLocks noGrp="1"/>
+          </p:cNvSpPr>
+          <p:nvPr>
+            <p:ph idx="1"/>
+          </p:nvPr>
+        </p:nvSpPr>
+        <p:spPr/>
+        <p:txBody>
+          <a:bodyPr/>
+          <a:lstStyle/>
+          <a:p>
+            <a:endParaRPr kumimoji="1" lang="ja-JP" altLang="en-US"/>
+          </a:p>
+        </p:txBody>
+      </p:sp>
+    </p:spTree>
+    <p:extLst>
+      <p:ext uri="{BB962C8B-B14F-4D97-AF65-F5344CB8AC3E}">
+        <p14:creationId xmlns:p14="http://schemas.microsoft.com/office/powerpoint/2010/main" val="144684845"/>
+      </p:ext>
+    </p:extLst>
+  </p:cSld>
+  <p:clrMapOvr>
+    <a:masterClrMapping/>
+  </p:clrMapOvr>
+</p:sld>
+</file>
+
+<file path=ppt/slides/slide11.xml><?xml version="1.0" encoding="utf-8"?>
+<p:sld xmlns:a="http://schemas.openxmlformats.org/drawingml/2006/main" xmlns:r="http://schemas.openxmlformats.org/officeDocument/2006/relationships" xmlns:p="http://schemas.openxmlformats.org/presentationml/2006/main">
+  <p:cSld>
+    <p:spTree>
+      <p:nvGrpSpPr>
+        <p:cNvPr id="1" name=""/>
+        <p:cNvGrpSpPr/>
+        <p:nvPr/>
+      </p:nvGrpSpPr>
+      <p:grpSpPr>
+        <a:xfrm>
+          <a:off x="0" y="0"/>
+          <a:ext cx="0" cy="0"/>
+          <a:chOff x="0" y="0"/>
+          <a:chExt cx="0" cy="0"/>
+        </a:xfrm>
+      </p:grpSpPr>
+      <p:sp>
+        <p:nvSpPr>
+          <p:cNvPr id="2" name="タイトル 1"/>
+          <p:cNvSpPr>
+            <a:spLocks noGrp="1"/>
+          </p:cNvSpPr>
+          <p:nvPr>
+            <p:ph type="title"/>
+          </p:nvPr>
+        </p:nvSpPr>
+        <p:spPr/>
+        <p:txBody>
+          <a:bodyPr/>
+          <a:lstStyle/>
+          <a:p>
+            <a:endParaRPr kumimoji="1" lang="ja-JP" altLang="en-US"/>
+          </a:p>
+        </p:txBody>
+      </p:sp>
+      <p:sp>
+        <p:nvSpPr>
+          <p:cNvPr id="3" name="コンテンツ プレースホルダー 2"/>
+          <p:cNvSpPr>
+            <a:spLocks noGrp="1"/>
+          </p:cNvSpPr>
+          <p:nvPr>
+            <p:ph idx="1"/>
+          </p:nvPr>
+        </p:nvSpPr>
+        <p:spPr/>
+        <p:txBody>
+          <a:bodyPr/>
+          <a:lstStyle/>
+          <a:p>
+            <a:endParaRPr kumimoji="1" lang="ja-JP" altLang="en-US"/>
+          </a:p>
+        </p:txBody>
+      </p:sp>
+    </p:spTree>
+    <p:extLst>
+      <p:ext uri="{BB962C8B-B14F-4D97-AF65-F5344CB8AC3E}">
+        <p14:creationId xmlns:p14="http://schemas.microsoft.com/office/powerpoint/2010/main" val="1520664910"/>
+      </p:ext>
+    </p:extLst>
+  </p:cSld>
+  <p:clrMapOvr>
+    <a:masterClrMapping/>
+  </p:clrMapOvr>
+</p:sld>
+</file>
+
+<file path=ppt/slides/slide2.xml><?xml version="1.0" encoding="utf-8"?>
+<p:sld xmlns:a="http://schemas.openxmlformats.org/drawingml/2006/main" xmlns:r="http://schemas.openxmlformats.org/officeDocument/2006/relationships" xmlns:p="http://schemas.openxmlformats.org/presentationml/2006/main">
+  <p:cSld>
+    <p:spTree>
+      <p:nvGrpSpPr>
+        <p:cNvPr id="1" name=""/>
+        <p:cNvGrpSpPr/>
+        <p:nvPr/>
+      </p:nvGrpSpPr>
+      <p:grpSpPr>
+        <a:xfrm>
+          <a:off x="0" y="0"/>
+          <a:ext cx="0" cy="0"/>
+          <a:chOff x="0" y="0"/>
+          <a:chExt cx="0" cy="0"/>
+        </a:xfrm>
+      </p:grpSpPr>
+      <p:sp>
+        <p:nvSpPr>
+          <p:cNvPr id="2" name="タイトル 1"/>
+          <p:cNvSpPr>
+            <a:spLocks noGrp="1"/>
+          </p:cNvSpPr>
+          <p:nvPr>
+            <p:ph type="title"/>
+          </p:nvPr>
+        </p:nvSpPr>
+        <p:spPr/>
+        <p:txBody>
+          <a:bodyPr/>
+          <a:lstStyle/>
+          <a:p>
+            <a:r>
+              <a:rPr lang="ja-JP" altLang="en-US" dirty="0" smtClean="0"/>
+              <a:t>参考</a:t>
+            </a:r>
+            <a:endParaRPr kumimoji="1" lang="ja-JP" altLang="en-US" dirty="0"/>
+          </a:p>
+        </p:txBody>
+      </p:sp>
+      <p:sp>
+        <p:nvSpPr>
+          <p:cNvPr id="3" name="コンテンツ プレースホルダー 2"/>
+          <p:cNvSpPr>
+            <a:spLocks noGrp="1"/>
+          </p:cNvSpPr>
+          <p:nvPr>
+            <p:ph idx="1"/>
+          </p:nvPr>
+        </p:nvSpPr>
+        <p:spPr/>
+        <p:txBody>
+          <a:bodyPr/>
+          <a:lstStyle/>
+          <a:p>
+            <a:r>
+              <a:rPr lang="en-US" altLang="ja-JP"/>
+              <a:t>http://dotween.demigiant.com/documentation.php</a:t>
+            </a:r>
+            <a:endParaRPr kumimoji="1" lang="ja-JP" altLang="en-US"/>
+          </a:p>
+        </p:txBody>
+      </p:sp>
+    </p:spTree>
+    <p:extLst>
+      <p:ext uri="{BB962C8B-B14F-4D97-AF65-F5344CB8AC3E}">
+        <p14:creationId xmlns:p14="http://schemas.microsoft.com/office/powerpoint/2010/main" val="702235136"/>
+      </p:ext>
+    </p:extLst>
+  </p:cSld>
+  <p:clrMapOvr>
+    <a:masterClrMapping/>
+  </p:clrMapOvr>
+</p:sld>
+</file>
+
+<file path=ppt/slides/slide3.xml><?xml version="1.0" encoding="utf-8"?>
+<p:sld xmlns:a="http://schemas.openxmlformats.org/drawingml/2006/main" xmlns:r="http://schemas.openxmlformats.org/officeDocument/2006/relationships" xmlns:p="http://schemas.openxmlformats.org/presentationml/2006/main">
+  <p:cSld>
+    <p:spTree>
+      <p:nvGrpSpPr>
+        <p:cNvPr id="1" name=""/>
+        <p:cNvGrpSpPr/>
+        <p:nvPr/>
+      </p:nvGrpSpPr>
+      <p:grpSpPr>
+        <a:xfrm>
+          <a:off x="0" y="0"/>
+          <a:ext cx="0" cy="0"/>
+          <a:chOff x="0" y="0"/>
+          <a:chExt cx="0" cy="0"/>
+        </a:xfrm>
+      </p:grpSpPr>
+      <p:sp>
+        <p:nvSpPr>
+          <p:cNvPr id="2" name="タイトル 1"/>
+          <p:cNvSpPr>
+            <a:spLocks noGrp="1"/>
+          </p:cNvSpPr>
+          <p:nvPr>
+            <p:ph type="title"/>
+          </p:nvPr>
+        </p:nvSpPr>
+        <p:spPr/>
+        <p:txBody>
+          <a:bodyPr/>
+          <a:lstStyle/>
+          <a:p>
+            <a:r>
+              <a:rPr kumimoji="1" lang="en-US" altLang="ja-JP" dirty="0" err="1" smtClean="0"/>
+              <a:t>DOTween</a:t>
+            </a:r>
+            <a:r>
+              <a:rPr kumimoji="1" lang="ja-JP" altLang="en-US" dirty="0" smtClean="0"/>
+              <a:t>とは何か</a:t>
+            </a:r>
+            <a:endParaRPr kumimoji="1" lang="ja-JP" altLang="en-US" dirty="0"/>
+          </a:p>
+        </p:txBody>
+      </p:sp>
+      <p:sp>
+        <p:nvSpPr>
+          <p:cNvPr id="3" name="コンテンツ プレースホルダー 2"/>
+          <p:cNvSpPr>
+            <a:spLocks noGrp="1"/>
+          </p:cNvSpPr>
+          <p:nvPr>
+            <p:ph idx="1"/>
+          </p:nvPr>
+        </p:nvSpPr>
+        <p:spPr/>
+        <p:txBody>
+          <a:bodyPr/>
+          <a:lstStyle/>
+          <a:p>
+            <a:pPr marL="0" marR="0" lvl="0" indent="0" defTabSz="914400" eaLnBrk="1" fontAlgn="auto" latinLnBrk="0" hangingPunct="1">
+              <a:lnSpc>
+                <a:spcPct val="100000"/>
+              </a:lnSpc>
+              <a:spcBef>
+                <a:spcPts val="0"/>
+              </a:spcBef>
+              <a:spcAft>
+                <a:spcPts val="0"/>
+              </a:spcAft>
+              <a:buClrTx/>
+              <a:buSzTx/>
+              <a:buFontTx/>
+              <a:buNone/>
+              <a:tabLst/>
+              <a:defRPr/>
+            </a:pPr>
+            <a:r>
+              <a:rPr lang="ja-JP" altLang="en-US" dirty="0" smtClean="0"/>
+              <a:t>アニメーションを簡単にスクリプト上で行うことができるライブラリ</a:t>
+            </a:r>
+            <a:endParaRPr lang="en-US" altLang="ja-JP" dirty="0" smtClean="0"/>
+          </a:p>
+          <a:p>
+            <a:pPr marL="0" marR="0" lvl="0" indent="0" defTabSz="914400" eaLnBrk="1" fontAlgn="auto" latinLnBrk="0" hangingPunct="1">
+              <a:lnSpc>
+                <a:spcPct val="100000"/>
+              </a:lnSpc>
+              <a:spcBef>
+                <a:spcPts val="0"/>
+              </a:spcBef>
+              <a:spcAft>
+                <a:spcPts val="0"/>
+              </a:spcAft>
+              <a:buClrTx/>
+              <a:buSzTx/>
+              <a:buFontTx/>
+              <a:buNone/>
+              <a:tabLst/>
+              <a:defRPr/>
+            </a:pPr>
+            <a:endParaRPr lang="en-US" altLang="ja-JP" dirty="0"/>
+          </a:p>
+          <a:p>
+            <a:pPr marL="0" marR="0" lvl="0" indent="0" defTabSz="914400" eaLnBrk="1" fontAlgn="auto" latinLnBrk="0" hangingPunct="1">
+              <a:lnSpc>
+                <a:spcPct val="100000"/>
+              </a:lnSpc>
+              <a:spcBef>
+                <a:spcPts val="0"/>
+              </a:spcBef>
+              <a:spcAft>
+                <a:spcPts val="0"/>
+              </a:spcAft>
+              <a:buClrTx/>
+              <a:buSzTx/>
+              <a:buFontTx/>
+              <a:buNone/>
+              <a:tabLst/>
+              <a:defRPr/>
+            </a:pPr>
+            <a:r>
+              <a:rPr lang="ja-JP" altLang="en-US" dirty="0" smtClean="0"/>
+              <a:t>基本となるのが</a:t>
+            </a:r>
+            <a:r>
+              <a:rPr lang="en-US" altLang="ja-JP" dirty="0" err="1" smtClean="0"/>
+              <a:t>DOTween.To</a:t>
+            </a:r>
+            <a:r>
+              <a:rPr lang="ja-JP" altLang="en-US" dirty="0" smtClean="0"/>
+              <a:t>関数</a:t>
+            </a:r>
+            <a:endParaRPr lang="en-US" altLang="ja-JP" dirty="0" smtClean="0"/>
+          </a:p>
+          <a:p>
+            <a:pPr marL="0" marR="0" lvl="0" indent="0" defTabSz="914400" eaLnBrk="1" fontAlgn="auto" latinLnBrk="0" hangingPunct="1">
+              <a:lnSpc>
+                <a:spcPct val="100000"/>
+              </a:lnSpc>
+              <a:spcBef>
+                <a:spcPts val="0"/>
+              </a:spcBef>
+              <a:spcAft>
+                <a:spcPts val="0"/>
+              </a:spcAft>
+              <a:buClrTx/>
+              <a:buSzTx/>
+              <a:buFontTx/>
+              <a:buNone/>
+              <a:tabLst/>
+              <a:defRPr/>
+            </a:pPr>
+            <a:r>
+              <a:rPr lang="ja-JP" altLang="en-US" dirty="0" smtClean="0"/>
+              <a:t>拡張メソッドを使い、</a:t>
+            </a:r>
+            <a:r>
+              <a:rPr lang="en-US" altLang="ja-JP" dirty="0" smtClean="0"/>
+              <a:t>Unity</a:t>
+            </a:r>
+            <a:r>
+              <a:rPr lang="ja-JP" altLang="en-US" dirty="0" smtClean="0"/>
+              <a:t>で使いやすくしてあるのが</a:t>
+            </a:r>
+            <a:r>
+              <a:rPr lang="en-US" altLang="ja-JP" dirty="0" smtClean="0"/>
+              <a:t/>
+            </a:r>
+            <a:br>
+              <a:rPr lang="en-US" altLang="ja-JP" dirty="0" smtClean="0"/>
+            </a:br>
+            <a:r>
+              <a:rPr lang="en-US" altLang="ja-JP" dirty="0" err="1" smtClean="0"/>
+              <a:t>Transform.DOMoveX</a:t>
+            </a:r>
+            <a:r>
+              <a:rPr lang="ja-JP" altLang="en-US" dirty="0" smtClean="0"/>
+              <a:t>など</a:t>
+            </a:r>
+            <a:endParaRPr lang="en-US" altLang="ja-JP" dirty="0" smtClean="0"/>
+          </a:p>
+        </p:txBody>
+      </p:sp>
+    </p:spTree>
+    <p:extLst>
+      <p:ext uri="{BB962C8B-B14F-4D97-AF65-F5344CB8AC3E}">
+        <p14:creationId xmlns:p14="http://schemas.microsoft.com/office/powerpoint/2010/main" val="1681961548"/>
+      </p:ext>
+    </p:extLst>
+  </p:cSld>
+  <p:clrMapOvr>
+    <a:masterClrMapping/>
+  </p:clrMapOvr>
+</p:sld>
+</file>
+
+<file path=ppt/slides/slide4.xml><?xml version="1.0" encoding="utf-8"?>
+<p:sld xmlns:a="http://schemas.openxmlformats.org/drawingml/2006/main" xmlns:r="http://schemas.openxmlformats.org/officeDocument/2006/relationships" xmlns:p="http://schemas.openxmlformats.org/presentationml/2006/main">
+  <p:cSld>
+    <p:spTree>
+      <p:nvGrpSpPr>
+        <p:cNvPr id="1" name=""/>
+        <p:cNvGrpSpPr/>
+        <p:nvPr/>
+      </p:nvGrpSpPr>
+      <p:grpSpPr>
+        <a:xfrm>
+          <a:off x="0" y="0"/>
+          <a:ext cx="0" cy="0"/>
+          <a:chOff x="0" y="0"/>
+          <a:chExt cx="0" cy="0"/>
+        </a:xfrm>
+      </p:grpSpPr>
+      <p:sp>
+        <p:nvSpPr>
+          <p:cNvPr id="2" name="タイトル 1"/>
+          <p:cNvSpPr>
+            <a:spLocks noGrp="1"/>
+          </p:cNvSpPr>
+          <p:nvPr>
+            <p:ph type="title"/>
+          </p:nvPr>
+        </p:nvSpPr>
+        <p:spPr/>
+        <p:txBody>
+          <a:bodyPr/>
+          <a:lstStyle/>
+          <a:p>
+            <a:r>
+              <a:rPr kumimoji="1" lang="en-US" altLang="ja-JP" dirty="0" err="1" smtClean="0"/>
+              <a:t>DOTween</a:t>
+            </a:r>
+            <a:r>
+              <a:rPr lang="en-US" altLang="ja-JP" dirty="0" err="1" smtClean="0"/>
+              <a:t>.To</a:t>
+            </a:r>
+            <a:r>
+              <a:rPr lang="ja-JP" altLang="en-US" dirty="0" smtClean="0"/>
+              <a:t>関数</a:t>
+            </a:r>
+            <a:endParaRPr kumimoji="1" lang="ja-JP" altLang="en-US" dirty="0"/>
+          </a:p>
+        </p:txBody>
+      </p:sp>
+      <p:sp>
+        <p:nvSpPr>
+          <p:cNvPr id="3" name="コンテンツ プレースホルダー 2"/>
+          <p:cNvSpPr>
+            <a:spLocks noGrp="1"/>
+          </p:cNvSpPr>
+          <p:nvPr>
+            <p:ph idx="1"/>
+          </p:nvPr>
+        </p:nvSpPr>
+        <p:spPr/>
+        <p:txBody>
+          <a:bodyPr/>
+          <a:lstStyle/>
+          <a:p>
+            <a:r>
+              <a:rPr kumimoji="1" lang="en-US" altLang="ja-JP" dirty="0" smtClean="0"/>
+              <a:t>Tween</a:t>
+            </a:r>
+            <a:r>
+              <a:rPr kumimoji="1" lang="ja-JP" altLang="en-US" dirty="0" smtClean="0"/>
+              <a:t>をやる上での基本</a:t>
+            </a:r>
+            <a:endParaRPr kumimoji="1" lang="en-US" altLang="ja-JP" dirty="0" smtClean="0"/>
+          </a:p>
+          <a:p>
+            <a:r>
+              <a:rPr kumimoji="1" lang="en-US" altLang="ja-JP" dirty="0" err="1" smtClean="0"/>
+              <a:t>DOTween.To</a:t>
+            </a:r>
+            <a:r>
+              <a:rPr kumimoji="1" lang="en-US" altLang="ja-JP" dirty="0" smtClean="0"/>
+              <a:t>(getter, setter, to, float duration)</a:t>
+            </a:r>
+          </a:p>
+        </p:txBody>
+      </p:sp>
+    </p:spTree>
+    <p:extLst>
+      <p:ext uri="{BB962C8B-B14F-4D97-AF65-F5344CB8AC3E}">
+        <p14:creationId xmlns:p14="http://schemas.microsoft.com/office/powerpoint/2010/main" val="1492402951"/>
+      </p:ext>
+    </p:extLst>
+  </p:cSld>
+  <p:clrMapOvr>
+    <a:masterClrMapping/>
+  </p:clrMapOvr>
+</p:sld>
+</file>
+
+<file path=ppt/slides/slide5.xml><?xml version="1.0" encoding="utf-8"?>
+<p:sld xmlns:a="http://schemas.openxmlformats.org/drawingml/2006/main" xmlns:r="http://schemas.openxmlformats.org/officeDocument/2006/relationships" xmlns:p="http://schemas.openxmlformats.org/presentationml/2006/main">
+  <p:cSld>
+    <p:spTree>
+      <p:nvGrpSpPr>
+        <p:cNvPr id="1" name=""/>
+        <p:cNvGrpSpPr/>
+        <p:nvPr/>
+      </p:nvGrpSpPr>
+      <p:grpSpPr>
+        <a:xfrm>
+          <a:off x="0" y="0"/>
+          <a:ext cx="0" cy="0"/>
+          <a:chOff x="0" y="0"/>
+          <a:chExt cx="0" cy="0"/>
+        </a:xfrm>
+      </p:grpSpPr>
+      <p:sp>
+        <p:nvSpPr>
+          <p:cNvPr id="2" name="タイトル 1"/>
+          <p:cNvSpPr>
+            <a:spLocks noGrp="1"/>
+          </p:cNvSpPr>
+          <p:nvPr>
+            <p:ph type="title"/>
+          </p:nvPr>
+        </p:nvSpPr>
+        <p:spPr/>
+        <p:txBody>
+          <a:bodyPr/>
+          <a:lstStyle/>
+          <a:p>
+            <a:r>
+              <a:rPr lang="en-US" altLang="ja-JP" dirty="0" err="1" smtClean="0"/>
+              <a:t>Transform.DOMove</a:t>
+            </a:r>
+            <a:r>
+              <a:rPr lang="ja-JP" altLang="en-US" dirty="0" smtClean="0"/>
+              <a:t>関数</a:t>
+            </a:r>
+            <a:endParaRPr kumimoji="1" lang="ja-JP" altLang="en-US" dirty="0"/>
+          </a:p>
+        </p:txBody>
+      </p:sp>
+      <p:sp>
+        <p:nvSpPr>
+          <p:cNvPr id="3" name="コンテンツ プレースホルダー 2"/>
+          <p:cNvSpPr>
+            <a:spLocks noGrp="1"/>
+          </p:cNvSpPr>
+          <p:nvPr>
+            <p:ph idx="1"/>
+          </p:nvPr>
+        </p:nvSpPr>
+        <p:spPr/>
+        <p:txBody>
+          <a:bodyPr/>
+          <a:lstStyle/>
+          <a:p>
+            <a:r>
+              <a:rPr lang="en-US" altLang="ja-JP" dirty="0" err="1" smtClean="0"/>
+              <a:t>Transform.DOMove</a:t>
+            </a:r>
+            <a:r>
+              <a:rPr lang="en-US" altLang="ja-JP" dirty="0" smtClean="0"/>
+              <a:t>(Vector3 </a:t>
+            </a:r>
+            <a:r>
+              <a:rPr lang="en-US" altLang="ja-JP" dirty="0" err="1" smtClean="0"/>
+              <a:t>endValue</a:t>
+            </a:r>
+            <a:r>
+              <a:rPr lang="en-US" altLang="ja-JP" dirty="0" smtClean="0"/>
+              <a:t>, float duration)</a:t>
+            </a:r>
+          </a:p>
+          <a:p>
+            <a:r>
+              <a:rPr kumimoji="1" lang="ja-JP" altLang="en-US" dirty="0" smtClean="0"/>
+              <a:t>匿名メソッドを使用しているので</a:t>
+            </a:r>
+            <a:r>
+              <a:rPr kumimoji="1" lang="en-US" altLang="ja-JP" dirty="0" smtClean="0"/>
+              <a:t/>
+            </a:r>
+            <a:br>
+              <a:rPr kumimoji="1" lang="en-US" altLang="ja-JP" dirty="0" smtClean="0"/>
+            </a:br>
+            <a:r>
+              <a:rPr kumimoji="1" lang="en-US" altLang="ja-JP" dirty="0" smtClean="0"/>
+              <a:t>transform</a:t>
+            </a:r>
+            <a:r>
+              <a:rPr kumimoji="1" lang="ja-JP" altLang="en-US" dirty="0" smtClean="0"/>
+              <a:t>などを簡単にあにめーしょんさせることができる</a:t>
+            </a:r>
+            <a:endParaRPr kumimoji="1" lang="ja-JP" altLang="en-US" dirty="0"/>
+          </a:p>
+        </p:txBody>
+      </p:sp>
+    </p:spTree>
+    <p:extLst>
+      <p:ext uri="{BB962C8B-B14F-4D97-AF65-F5344CB8AC3E}">
+        <p14:creationId xmlns:p14="http://schemas.microsoft.com/office/powerpoint/2010/main" val="750216344"/>
+      </p:ext>
+    </p:extLst>
+  </p:cSld>
+  <p:clrMapOvr>
+    <a:masterClrMapping/>
+  </p:clrMapOvr>
+</p:sld>
+</file>
+
+<file path=ppt/slides/slide6.xml><?xml version="1.0" encoding="utf-8"?>
+<p:sld xmlns:a="http://schemas.openxmlformats.org/drawingml/2006/main" xmlns:r="http://schemas.openxmlformats.org/officeDocument/2006/relationships" xmlns:p="http://schemas.openxmlformats.org/presentationml/2006/main">
+  <p:cSld>
+    <p:spTree>
+      <p:nvGrpSpPr>
+        <p:cNvPr id="1" name=""/>
+        <p:cNvGrpSpPr/>
+        <p:nvPr/>
+      </p:nvGrpSpPr>
+      <p:grpSpPr>
+        <a:xfrm>
+          <a:off x="0" y="0"/>
+          <a:ext cx="0" cy="0"/>
+          <a:chOff x="0" y="0"/>
+          <a:chExt cx="0" cy="0"/>
+        </a:xfrm>
+      </p:grpSpPr>
+      <p:sp>
+        <p:nvSpPr>
+          <p:cNvPr id="2" name="タイトル 1"/>
+          <p:cNvSpPr>
+            <a:spLocks noGrp="1"/>
+          </p:cNvSpPr>
+          <p:nvPr>
+            <p:ph type="title"/>
+          </p:nvPr>
+        </p:nvSpPr>
+        <p:spPr/>
+        <p:txBody>
+          <a:bodyPr/>
+          <a:lstStyle/>
+          <a:p>
+            <a:r>
+              <a:rPr kumimoji="1" lang="ja-JP" altLang="en-US" dirty="0" smtClean="0"/>
+              <a:t>メソッドチェーン</a:t>
+            </a:r>
+            <a:endParaRPr kumimoji="1" lang="ja-JP" altLang="en-US" dirty="0"/>
+          </a:p>
+        </p:txBody>
+      </p:sp>
+      <p:sp>
+        <p:nvSpPr>
+          <p:cNvPr id="3" name="コンテンツ プレースホルダー 2"/>
+          <p:cNvSpPr>
+            <a:spLocks noGrp="1"/>
+          </p:cNvSpPr>
+          <p:nvPr>
+            <p:ph idx="1"/>
+          </p:nvPr>
+        </p:nvSpPr>
+        <p:spPr/>
+        <p:txBody>
+          <a:bodyPr/>
+          <a:lstStyle/>
+          <a:p>
+            <a:r>
+              <a:rPr kumimoji="1" lang="ja-JP" altLang="en-US" dirty="0" smtClean="0"/>
+              <a:t>戻り値が</a:t>
+            </a:r>
+            <a:r>
+              <a:rPr kumimoji="1" lang="en-US" altLang="ja-JP" dirty="0" err="1" smtClean="0"/>
+              <a:t>Tweener</a:t>
+            </a:r>
+            <a:endParaRPr kumimoji="1" lang="en-US" altLang="ja-JP" dirty="0" smtClean="0"/>
+          </a:p>
+        </p:txBody>
+      </p:sp>
+    </p:spTree>
+    <p:extLst>
+      <p:ext uri="{BB962C8B-B14F-4D97-AF65-F5344CB8AC3E}">
+        <p14:creationId xmlns:p14="http://schemas.microsoft.com/office/powerpoint/2010/main" val="1475396733"/>
+      </p:ext>
+    </p:extLst>
+  </p:cSld>
+  <p:clrMapOvr>
+    <a:masterClrMapping/>
+  </p:clrMapOvr>
+</p:sld>
+</file>
+
+<file path=ppt/slides/slide7.xml><?xml version="1.0" encoding="utf-8"?>
+<p:sld xmlns:a="http://schemas.openxmlformats.org/drawingml/2006/main" xmlns:r="http://schemas.openxmlformats.org/officeDocument/2006/relationships" xmlns:p="http://schemas.openxmlformats.org/presentationml/2006/main">
+  <p:cSld>
+    <p:spTree>
+      <p:nvGrpSpPr>
+        <p:cNvPr id="1" name=""/>
+        <p:cNvGrpSpPr/>
+        <p:nvPr/>
+      </p:nvGrpSpPr>
+      <p:grpSpPr>
+        <a:xfrm>
+          <a:off x="0" y="0"/>
+          <a:ext cx="0" cy="0"/>
+          <a:chOff x="0" y="0"/>
+          <a:chExt cx="0" cy="0"/>
+        </a:xfrm>
+      </p:grpSpPr>
+      <p:sp>
+        <p:nvSpPr>
+          <p:cNvPr id="2" name="タイトル 1"/>
+          <p:cNvSpPr>
+            <a:spLocks noGrp="1"/>
+          </p:cNvSpPr>
+          <p:nvPr>
+            <p:ph type="title"/>
+          </p:nvPr>
+        </p:nvSpPr>
+        <p:spPr/>
+        <p:txBody>
+          <a:bodyPr/>
+          <a:lstStyle/>
+          <a:p>
+            <a:r>
+              <a:rPr kumimoji="1" lang="ja-JP" altLang="en-US" dirty="0" smtClean="0"/>
+              <a:t>コールバックの登録</a:t>
+            </a:r>
+            <a:endParaRPr kumimoji="1" lang="ja-JP" altLang="en-US" dirty="0"/>
+          </a:p>
+        </p:txBody>
+      </p:sp>
+      <p:sp>
+        <p:nvSpPr>
+          <p:cNvPr id="3" name="コンテンツ プレースホルダー 2"/>
+          <p:cNvSpPr>
+            <a:spLocks noGrp="1"/>
+          </p:cNvSpPr>
+          <p:nvPr>
+            <p:ph idx="1"/>
+          </p:nvPr>
+        </p:nvSpPr>
+        <p:spPr/>
+        <p:txBody>
+          <a:bodyPr/>
+          <a:lstStyle/>
+          <a:p>
+            <a:r>
+              <a:rPr kumimoji="1" lang="en-US" altLang="ja-JP" dirty="0" err="1" smtClean="0"/>
+              <a:t>OnCompleted</a:t>
+            </a:r>
+            <a:endParaRPr kumimoji="1" lang="en-US" altLang="ja-JP" dirty="0" smtClean="0"/>
+          </a:p>
+        </p:txBody>
+      </p:sp>
+    </p:spTree>
+    <p:extLst>
+      <p:ext uri="{BB962C8B-B14F-4D97-AF65-F5344CB8AC3E}">
+        <p14:creationId xmlns:p14="http://schemas.microsoft.com/office/powerpoint/2010/main" val="1693011125"/>
+      </p:ext>
+    </p:extLst>
+  </p:cSld>
+  <p:clrMapOvr>
+    <a:masterClrMapping/>
+  </p:clrMapOvr>
+</p:sld>
+</file>
+
+<file path=ppt/slides/slide8.xml><?xml version="1.0" encoding="utf-8"?>
+<p:sld xmlns:a="http://schemas.openxmlformats.org/drawingml/2006/main" xmlns:r="http://schemas.openxmlformats.org/officeDocument/2006/relationships" xmlns:p="http://schemas.openxmlformats.org/presentationml/2006/main">
+  <p:cSld>
+    <p:spTree>
+      <p:nvGrpSpPr>
+        <p:cNvPr id="1" name=""/>
+        <p:cNvGrpSpPr/>
+        <p:nvPr/>
+      </p:nvGrpSpPr>
+      <p:grpSpPr>
+        <a:xfrm>
+          <a:off x="0" y="0"/>
+          <a:ext cx="0" cy="0"/>
+          <a:chOff x="0" y="0"/>
+          <a:chExt cx="0" cy="0"/>
+        </a:xfrm>
+      </p:grpSpPr>
+      <p:sp>
+        <p:nvSpPr>
+          <p:cNvPr id="2" name="タイトル 1"/>
+          <p:cNvSpPr>
+            <a:spLocks noGrp="1"/>
+          </p:cNvSpPr>
+          <p:nvPr>
+            <p:ph type="title"/>
+          </p:nvPr>
+        </p:nvSpPr>
+        <p:spPr/>
+        <p:txBody>
+          <a:bodyPr/>
+          <a:lstStyle/>
+          <a:p>
+            <a:r>
+              <a:rPr kumimoji="1" lang="en-US" altLang="ja-JP" dirty="0" err="1" smtClean="0"/>
+              <a:t>DOTween.Sequence</a:t>
+            </a:r>
+            <a:r>
+              <a:rPr kumimoji="1" lang="en-US" altLang="ja-JP" dirty="0" smtClean="0"/>
+              <a:t>()</a:t>
+            </a:r>
+            <a:endParaRPr kumimoji="1" lang="ja-JP" altLang="en-US" dirty="0"/>
+          </a:p>
+        </p:txBody>
+      </p:sp>
+      <p:sp>
+        <p:nvSpPr>
+          <p:cNvPr id="3" name="コンテンツ プレースホルダー 2"/>
+          <p:cNvSpPr>
+            <a:spLocks noGrp="1"/>
+          </p:cNvSpPr>
+          <p:nvPr>
+            <p:ph idx="1"/>
+          </p:nvPr>
+        </p:nvSpPr>
+        <p:spPr/>
+        <p:txBody>
+          <a:bodyPr/>
+          <a:lstStyle/>
+          <a:p>
+            <a:endParaRPr kumimoji="1" lang="ja-JP" altLang="en-US"/>
+          </a:p>
+        </p:txBody>
+      </p:sp>
+    </p:spTree>
+    <p:extLst>
+      <p:ext uri="{BB962C8B-B14F-4D97-AF65-F5344CB8AC3E}">
+        <p14:creationId xmlns:p14="http://schemas.microsoft.com/office/powerpoint/2010/main" val="1812871117"/>
+      </p:ext>
+    </p:extLst>
+  </p:cSld>
+  <p:clrMapOvr>
+    <a:masterClrMapping/>
+  </p:clrMapOvr>
+</p:sld>
+</file>
+
+<file path=ppt/slides/slide9.xml><?xml version="1.0" encoding="utf-8"?>
+<p:sld xmlns:a="http://schemas.openxmlformats.org/drawingml/2006/main" xmlns:r="http://schemas.openxmlformats.org/officeDocument/2006/relationships" xmlns:p="http://schemas.openxmlformats.org/presentationml/2006/main">
+  <p:cSld>
+    <p:spTree>
+      <p:nvGrpSpPr>
+        <p:cNvPr id="1" name=""/>
+        <p:cNvGrpSpPr/>
+        <p:nvPr/>
+      </p:nvGrpSpPr>
+      <p:grpSpPr>
+        <a:xfrm>
+          <a:off x="0" y="0"/>
+          <a:ext cx="0" cy="0"/>
+          <a:chOff x="0" y="0"/>
+          <a:chExt cx="0" cy="0"/>
+        </a:xfrm>
+      </p:grpSpPr>
+      <p:sp>
+        <p:nvSpPr>
+          <p:cNvPr id="2" name="タイトル 1"/>
+          <p:cNvSpPr>
+            <a:spLocks noGrp="1"/>
+          </p:cNvSpPr>
+          <p:nvPr>
+            <p:ph type="title"/>
+          </p:nvPr>
+        </p:nvSpPr>
+        <p:spPr/>
+        <p:txBody>
+          <a:bodyPr/>
+          <a:lstStyle/>
+          <a:p>
+            <a:r>
+              <a:rPr lang="en-US" altLang="ja-JP" dirty="0" err="1" smtClean="0"/>
+              <a:t>DOPath</a:t>
+            </a:r>
+            <a:endParaRPr kumimoji="1" lang="ja-JP" altLang="en-US" dirty="0"/>
+          </a:p>
+        </p:txBody>
+      </p:sp>
+      <p:sp>
+        <p:nvSpPr>
+          <p:cNvPr id="3" name="コンテンツ プレースホルダー 2"/>
+          <p:cNvSpPr>
+            <a:spLocks noGrp="1"/>
+          </p:cNvSpPr>
+          <p:nvPr>
+            <p:ph idx="1"/>
+          </p:nvPr>
+        </p:nvSpPr>
+        <p:spPr/>
+        <p:txBody>
+          <a:bodyPr/>
+          <a:lstStyle/>
+          <a:p>
+            <a:r>
+              <a:rPr kumimoji="1" lang="ja-JP" altLang="en-US" dirty="0" smtClean="0"/>
+              <a:t>ぼくもよくわからない</a:t>
+            </a:r>
+            <a:endParaRPr kumimoji="1" lang="ja-JP" altLang="en-US" dirty="0"/>
+          </a:p>
+        </p:txBody>
+      </p:sp>
+    </p:spTree>
+    <p:extLst>
+      <p:ext uri="{BB962C8B-B14F-4D97-AF65-F5344CB8AC3E}">
+        <p14:creationId xmlns:p14="http://schemas.microsoft.com/office/powerpoint/2010/main" val="772492463"/>
+      </p:ext>
+    </p:extLst>
+  </p:cSld>
+  <p:clrMapOvr>
+    <a:masterClrMapping/>
+  </p:clrMapOvr>
+</p:sld>
+</file>
+
 <file path=ppt/theme/theme1.xml><?xml version="1.0" encoding="utf-8"?>
 <a:theme xmlns:a="http://schemas.openxmlformats.org/drawingml/2006/main" name="イオン">
   <a:themeElements>

--- a/RHStudy/Documents/プレゼンテーション1.pptx
+++ b/RHStudy/Documents/プレゼンテーション1.pptx
@@ -6573,10 +6573,22 @@
           <a:lstStyle/>
           <a:p>
             <a:r>
-              <a:rPr lang="en-US" altLang="ja-JP"/>
-              <a:t>http://dotween.demigiant.com/documentation.php</a:t>
-            </a:r>
-            <a:endParaRPr kumimoji="1" lang="ja-JP" altLang="en-US"/>
+              <a:rPr lang="en-US" altLang="ja-JP" dirty="0"/>
+              <a:t>http://</a:t>
+            </a:r>
+            <a:r>
+              <a:rPr lang="en-US" altLang="ja-JP" dirty="0" err="1"/>
+              <a:t>dotween.demigiant.com</a:t>
+            </a:r>
+            <a:r>
+              <a:rPr lang="en-US" altLang="ja-JP" dirty="0"/>
+              <a:t>/</a:t>
+            </a:r>
+            <a:r>
+              <a:rPr lang="en-US" altLang="ja-JP" dirty="0" err="1"/>
+              <a:t>documentation.php</a:t>
+            </a:r>
+            <a:endParaRPr kumimoji="1" lang="ja-JP" altLang="en-US" dirty="0"/>
           </a:p>
         </p:txBody>
       </p:sp>

--- a/RHStudy/Documents/プレゼンテーション1.pptx
+++ b/RHStudy/Documents/プレゼンテーション1.pptx
@@ -6,15 +6,15 @@
   </p:sldMasterIdLst>
   <p:sldIdLst>
     <p:sldId id="256" r:id="rId2"/>
-    <p:sldId id="266" r:id="rId3"/>
-    <p:sldId id="257" r:id="rId4"/>
-    <p:sldId id="258" r:id="rId5"/>
-    <p:sldId id="259" r:id="rId6"/>
-    <p:sldId id="260" r:id="rId7"/>
-    <p:sldId id="261" r:id="rId8"/>
-    <p:sldId id="262" r:id="rId9"/>
-    <p:sldId id="263" r:id="rId10"/>
-    <p:sldId id="264" r:id="rId11"/>
+    <p:sldId id="257" r:id="rId3"/>
+    <p:sldId id="258" r:id="rId4"/>
+    <p:sldId id="259" r:id="rId5"/>
+    <p:sldId id="260" r:id="rId6"/>
+    <p:sldId id="261" r:id="rId7"/>
+    <p:sldId id="262" r:id="rId8"/>
+    <p:sldId id="263" r:id="rId9"/>
+    <p:sldId id="264" r:id="rId10"/>
+    <p:sldId id="266" r:id="rId11"/>
     <p:sldId id="265" r:id="rId12"/>
   </p:sldIdLst>
   <p:sldSz cx="12192000" cy="6858000"/>
@@ -116,7 +116,7 @@
   </p:defaultTextStyle>
   <p:extLst>
     <p:ext uri="{EFAFB233-063F-42B5-8137-9DF3F51BA10A}">
-      <p15:sldGuideLst xmlns:p15="http://schemas.microsoft.com/office/powerpoint/2012/main"/>
+      <p15:sldGuideLst xmlns:p15="http://schemas.microsoft.com/office/powerpoint/2012/main" xmlns=""/>
     </p:ext>
   </p:extLst>
 </p:presentation>
@@ -308,7 +308,7 @@
           <a:p>
             <a:fld id="{4AAD347D-5ACD-4C99-B74B-A9C85AD731AF}" type="datetimeFigureOut">
               <a:rPr lang="en-US" dirty="0"/>
-              <a:t>8/1/16</a:t>
+              <a:t>16/08/17</a:t>
             </a:fld>
             <a:endParaRPr lang="en-US" dirty="0"/>
           </a:p>
@@ -578,7 +578,7 @@
           <a:p>
             <a:fld id="{4509A250-FF31-4206-8172-F9D3106AACB1}" type="datetimeFigureOut">
               <a:rPr lang="en-US" dirty="0"/>
-              <a:t>8/1/16</a:t>
+              <a:t>16/08/17</a:t>
             </a:fld>
             <a:endParaRPr lang="en-US" dirty="0"/>
           </a:p>
@@ -767,7 +767,7 @@
           <a:p>
             <a:fld id="{4509A250-FF31-4206-8172-F9D3106AACB1}" type="datetimeFigureOut">
               <a:rPr lang="en-US" dirty="0"/>
-              <a:t>8/1/16</a:t>
+              <a:t>16/08/17</a:t>
             </a:fld>
             <a:endParaRPr lang="en-US" dirty="0"/>
           </a:p>
@@ -1035,7 +1035,7 @@
           <a:p>
             <a:fld id="{4509A250-FF31-4206-8172-F9D3106AACB1}" type="datetimeFigureOut">
               <a:rPr lang="en-US" dirty="0"/>
-              <a:t>8/1/16</a:t>
+              <a:t>16/08/17</a:t>
             </a:fld>
             <a:endParaRPr lang="en-US" dirty="0"/>
           </a:p>
@@ -1371,7 +1371,7 @@
           <a:p>
             <a:fld id="{4509A250-FF31-4206-8172-F9D3106AACB1}" type="datetimeFigureOut">
               <a:rPr lang="en-US" dirty="0"/>
-              <a:t>8/1/16</a:t>
+              <a:t>16/08/17</a:t>
             </a:fld>
             <a:endParaRPr lang="en-US" dirty="0"/>
           </a:p>
@@ -1989,7 +1989,7 @@
           <a:p>
             <a:fld id="{4509A250-FF31-4206-8172-F9D3106AACB1}" type="datetimeFigureOut">
               <a:rPr lang="en-US" dirty="0"/>
-              <a:t>8/1/16</a:t>
+              <a:t>16/08/17</a:t>
             </a:fld>
             <a:endParaRPr lang="en-US" dirty="0"/>
           </a:p>
@@ -2844,7 +2844,7 @@
           <a:p>
             <a:fld id="{4509A250-FF31-4206-8172-F9D3106AACB1}" type="datetimeFigureOut">
               <a:rPr lang="en-US" dirty="0"/>
-              <a:t>8/1/16</a:t>
+              <a:t>16/08/17</a:t>
             </a:fld>
             <a:endParaRPr lang="en-US" dirty="0"/>
           </a:p>
@@ -3041,7 +3041,7 @@
           <a:p>
             <a:fld id="{4509A250-FF31-4206-8172-F9D3106AACB1}" type="datetimeFigureOut">
               <a:rPr lang="en-US" dirty="0"/>
-              <a:t>8/1/16</a:t>
+              <a:t>16/08/17</a:t>
             </a:fld>
             <a:endParaRPr lang="en-US" dirty="0"/>
           </a:p>
@@ -3248,7 +3248,7 @@
           <a:p>
             <a:fld id="{4509A250-FF31-4206-8172-F9D3106AACB1}" type="datetimeFigureOut">
               <a:rPr lang="en-US" dirty="0"/>
-              <a:t>8/1/16</a:t>
+              <a:t>16/08/17</a:t>
             </a:fld>
             <a:endParaRPr lang="en-US" dirty="0"/>
           </a:p>
@@ -3445,7 +3445,7 @@
           <a:p>
             <a:fld id="{4509A250-FF31-4206-8172-F9D3106AACB1}" type="datetimeFigureOut">
               <a:rPr lang="en-US" dirty="0"/>
-              <a:t>8/1/16</a:t>
+              <a:t>16/08/17</a:t>
             </a:fld>
             <a:endParaRPr lang="en-US" dirty="0"/>
           </a:p>
@@ -3687,7 +3687,7 @@
           <a:p>
             <a:fld id="{9796027F-7875-4030-9381-8BD8C4F21935}" type="datetimeFigureOut">
               <a:rPr lang="en-US" dirty="0"/>
-              <a:t>8/1/16</a:t>
+              <a:t>16/08/17</a:t>
             </a:fld>
             <a:endParaRPr lang="en-US" dirty="0"/>
           </a:p>
@@ -4038,7 +4038,7 @@
           <a:p>
             <a:fld id="{9796027F-7875-4030-9381-8BD8C4F21935}" type="datetimeFigureOut">
               <a:rPr lang="en-US" dirty="0"/>
-              <a:t>8/1/16</a:t>
+              <a:t>16/08/17</a:t>
             </a:fld>
             <a:endParaRPr lang="en-US" dirty="0"/>
           </a:p>
@@ -4541,7 +4541,7 @@
           <a:p>
             <a:fld id="{9796027F-7875-4030-9381-8BD8C4F21935}" type="datetimeFigureOut">
               <a:rPr lang="en-US" dirty="0"/>
-              <a:t>8/1/16</a:t>
+              <a:t>16/08/17</a:t>
             </a:fld>
             <a:endParaRPr lang="en-US" dirty="0"/>
           </a:p>
@@ -4654,7 +4654,7 @@
           <a:p>
             <a:fld id="{4509A250-FF31-4206-8172-F9D3106AACB1}" type="datetimeFigureOut">
               <a:rPr lang="en-US" dirty="0"/>
-              <a:t>8/1/16</a:t>
+              <a:t>16/08/17</a:t>
             </a:fld>
             <a:endParaRPr lang="en-US" dirty="0"/>
           </a:p>
@@ -4744,7 +4744,7 @@
           <a:p>
             <a:fld id="{4509A250-FF31-4206-8172-F9D3106AACB1}" type="datetimeFigureOut">
               <a:rPr lang="en-US" dirty="0"/>
-              <a:t>8/1/16</a:t>
+              <a:t>16/08/17</a:t>
             </a:fld>
             <a:endParaRPr lang="en-US" dirty="0"/>
           </a:p>
@@ -5050,7 +5050,7 @@
           <a:p>
             <a:fld id="{4509A250-FF31-4206-8172-F9D3106AACB1}" type="datetimeFigureOut">
               <a:rPr lang="en-US" dirty="0"/>
-              <a:t>8/1/16</a:t>
+              <a:t>16/08/17</a:t>
             </a:fld>
             <a:endParaRPr lang="en-US" dirty="0"/>
           </a:p>
@@ -5320,7 +5320,7 @@
           <a:p>
             <a:fld id="{4509A250-FF31-4206-8172-F9D3106AACB1}" type="datetimeFigureOut">
               <a:rPr lang="en-US" dirty="0"/>
-              <a:t>8/1/16</a:t>
+              <a:t>16/08/17</a:t>
             </a:fld>
             <a:endParaRPr lang="en-US" dirty="0"/>
           </a:p>
@@ -5776,7 +5776,7 @@
           <a:p>
             <a:fld id="{4AAD347D-5ACD-4C99-B74B-A9C85AD731AF}" type="datetimeFigureOut">
               <a:rPr lang="en-US" dirty="0"/>
-              <a:t>8/1/16</a:t>
+              <a:t>16/08/17</a:t>
             </a:fld>
             <a:endParaRPr lang="en-US" dirty="0"/>
           </a:p>
@@ -6370,7 +6370,7 @@
   <p:timing>
     <p:tnLst>
       <p:par>
-        <p:cTn id="1" dur="indefinite" restart="never" nodeType="tmRoot"/>
+        <p:cTn xmlns:p14="http://schemas.microsoft.com/office/powerpoint/2010/main" id="1" dur="indefinite" restart="never" nodeType="tmRoot"/>
       </p:par>
     </p:tnLst>
   </p:timing>
@@ -6410,8 +6410,8 @@
           <a:lstStyle/>
           <a:p>
             <a:r>
-              <a:rPr kumimoji="1" lang="ja-JP" altLang="en-US" dirty="0" smtClean="0"/>
-              <a:t>動的、につおい</a:t>
+              <a:rPr lang="ja-JP" altLang="en-US" dirty="0" smtClean="0"/>
+              <a:t>参考</a:t>
             </a:r>
             <a:endParaRPr kumimoji="1" lang="ja-JP" altLang="en-US" dirty="0"/>
           </a:p>
@@ -6432,14 +6432,30 @@
           <a:bodyPr/>
           <a:lstStyle/>
           <a:p>
-            <a:endParaRPr kumimoji="1" lang="ja-JP" altLang="en-US"/>
+            <a:r>
+              <a:rPr lang="en-US" altLang="ja-JP" dirty="0"/>
+              <a:t>http://</a:t>
+            </a:r>
+            <a:r>
+              <a:rPr lang="en-US" altLang="ja-JP" dirty="0" err="1"/>
+              <a:t>dotween.demigiant.com</a:t>
+            </a:r>
+            <a:r>
+              <a:rPr lang="en-US" altLang="ja-JP" dirty="0"/>
+              <a:t>/</a:t>
+            </a:r>
+            <a:r>
+              <a:rPr lang="en-US" altLang="ja-JP" dirty="0" err="1"/>
+              <a:t>documentation.php</a:t>
+            </a:r>
+            <a:endParaRPr kumimoji="1" lang="ja-JP" altLang="en-US" dirty="0"/>
           </a:p>
         </p:txBody>
       </p:sp>
     </p:spTree>
     <p:extLst>
       <p:ext uri="{BB962C8B-B14F-4D97-AF65-F5344CB8AC3E}">
-        <p14:creationId xmlns:p14="http://schemas.microsoft.com/office/powerpoint/2010/main" val="144684845"/>
+        <p14:creationId xmlns:p14="http://schemas.microsoft.com/office/powerpoint/2010/main" val="702235136"/>
       </p:ext>
     </p:extLst>
   </p:cSld>
@@ -6550,52 +6566,160 @@
           <a:lstStyle/>
           <a:p>
             <a:r>
+              <a:rPr kumimoji="1" lang="en-US" altLang="ja-JP" dirty="0" err="1" smtClean="0"/>
+              <a:t>DOTween</a:t>
+            </a:r>
+            <a:r>
+              <a:rPr kumimoji="1" lang="ja-JP" altLang="en-US" dirty="0" smtClean="0"/>
+              <a:t>とは何か</a:t>
+            </a:r>
+            <a:endParaRPr kumimoji="1" lang="ja-JP" altLang="en-US" dirty="0"/>
+          </a:p>
+        </p:txBody>
+      </p:sp>
+      <p:sp>
+        <p:nvSpPr>
+          <p:cNvPr id="3" name="コンテンツ プレースホルダー 2"/>
+          <p:cNvSpPr>
+            <a:spLocks noGrp="1"/>
+          </p:cNvSpPr>
+          <p:nvPr>
+            <p:ph idx="1"/>
+          </p:nvPr>
+        </p:nvSpPr>
+        <p:spPr/>
+        <p:txBody>
+          <a:bodyPr/>
+          <a:lstStyle/>
+          <a:p>
+            <a:pPr marL="0" marR="0" lvl="0" indent="0" defTabSz="914400" eaLnBrk="1" fontAlgn="auto" latinLnBrk="0" hangingPunct="1">
+              <a:lnSpc>
+                <a:spcPct val="100000"/>
+              </a:lnSpc>
+              <a:spcBef>
+                <a:spcPts val="0"/>
+              </a:spcBef>
+              <a:spcAft>
+                <a:spcPts val="0"/>
+              </a:spcAft>
+              <a:buClrTx/>
+              <a:buSzTx/>
+              <a:buFontTx/>
+              <a:buNone/>
+              <a:tabLst/>
+              <a:defRPr/>
+            </a:pPr>
+            <a:r>
               <a:rPr lang="ja-JP" altLang="en-US" dirty="0" smtClean="0"/>
-              <a:t>参考</a:t>
-            </a:r>
-            <a:endParaRPr kumimoji="1" lang="ja-JP" altLang="en-US" dirty="0"/>
-          </a:p>
-        </p:txBody>
-      </p:sp>
-      <p:sp>
-        <p:nvSpPr>
-          <p:cNvPr id="3" name="コンテンツ プレースホルダー 2"/>
-          <p:cNvSpPr>
-            <a:spLocks noGrp="1"/>
-          </p:cNvSpPr>
-          <p:nvPr>
-            <p:ph idx="1"/>
-          </p:nvPr>
-        </p:nvSpPr>
-        <p:spPr/>
-        <p:txBody>
-          <a:bodyPr/>
-          <a:lstStyle/>
-          <a:p>
-            <a:r>
-              <a:rPr lang="en-US" altLang="ja-JP" dirty="0"/>
-              <a:t>http://</a:t>
-            </a:r>
-            <a:r>
-              <a:rPr lang="en-US" altLang="ja-JP" dirty="0" err="1"/>
-              <a:t>dotween.demigiant.com</a:t>
-            </a:r>
-            <a:r>
-              <a:rPr lang="en-US" altLang="ja-JP" dirty="0"/>
-              <a:t>/</a:t>
-            </a:r>
-            <a:r>
-              <a:rPr lang="en-US" altLang="ja-JP" dirty="0" err="1"/>
-              <a:t>documentation.php</a:t>
-            </a:r>
-            <a:endParaRPr kumimoji="1" lang="ja-JP" altLang="en-US" dirty="0"/>
+              <a:t>アニメーションを簡単にスクリプト上で行うことができるライブラリ</a:t>
+            </a:r>
+            <a:endParaRPr lang="en-US" altLang="ja-JP" dirty="0" smtClean="0"/>
+          </a:p>
+          <a:p>
+            <a:pPr marL="0" marR="0" lvl="0" indent="0" defTabSz="914400" eaLnBrk="1" fontAlgn="auto" latinLnBrk="0" hangingPunct="1">
+              <a:lnSpc>
+                <a:spcPct val="100000"/>
+              </a:lnSpc>
+              <a:spcBef>
+                <a:spcPts val="0"/>
+              </a:spcBef>
+              <a:spcAft>
+                <a:spcPts val="0"/>
+              </a:spcAft>
+              <a:buClrTx/>
+              <a:buSzTx/>
+              <a:buFontTx/>
+              <a:buNone/>
+              <a:tabLst/>
+              <a:defRPr/>
+            </a:pPr>
+            <a:endParaRPr lang="en-US" altLang="ja-JP" dirty="0"/>
+          </a:p>
+          <a:p>
+            <a:pPr marL="0" marR="0" lvl="0" indent="0" defTabSz="914400" eaLnBrk="1" fontAlgn="auto" latinLnBrk="0" hangingPunct="1">
+              <a:lnSpc>
+                <a:spcPct val="100000"/>
+              </a:lnSpc>
+              <a:spcBef>
+                <a:spcPts val="0"/>
+              </a:spcBef>
+              <a:spcAft>
+                <a:spcPts val="0"/>
+              </a:spcAft>
+              <a:buClrTx/>
+              <a:buSzTx/>
+              <a:buFontTx/>
+              <a:buNone/>
+              <a:tabLst/>
+              <a:defRPr/>
+            </a:pPr>
+            <a:r>
+              <a:rPr lang="ja-JP" altLang="en-US" dirty="0" smtClean="0"/>
+              <a:t>基本となるのが</a:t>
+            </a:r>
+            <a:r>
+              <a:rPr lang="en-US" altLang="ja-JP" dirty="0" err="1" smtClean="0"/>
+              <a:t>DOTween.To</a:t>
+            </a:r>
+            <a:r>
+              <a:rPr lang="ja-JP" altLang="en-US" dirty="0" smtClean="0"/>
+              <a:t>関数</a:t>
+            </a:r>
+            <a:endParaRPr lang="en-US" altLang="ja-JP" dirty="0" smtClean="0"/>
+          </a:p>
+          <a:p>
+            <a:pPr marL="0" marR="0" lvl="0" indent="0" defTabSz="914400" eaLnBrk="1" fontAlgn="auto" latinLnBrk="0" hangingPunct="1">
+              <a:lnSpc>
+                <a:spcPct val="100000"/>
+              </a:lnSpc>
+              <a:spcBef>
+                <a:spcPts val="0"/>
+              </a:spcBef>
+              <a:spcAft>
+                <a:spcPts val="0"/>
+              </a:spcAft>
+              <a:buClrTx/>
+              <a:buSzTx/>
+              <a:buFontTx/>
+              <a:buNone/>
+              <a:tabLst/>
+              <a:defRPr/>
+            </a:pPr>
+            <a:r>
+              <a:rPr lang="ja-JP" altLang="en-US" dirty="0" smtClean="0"/>
+              <a:t>拡張メソッドを使い、</a:t>
+            </a:r>
+            <a:r>
+              <a:rPr lang="en-US" altLang="ja-JP" dirty="0" smtClean="0"/>
+              <a:t>Unity</a:t>
+            </a:r>
+            <a:r>
+              <a:rPr lang="ja-JP" altLang="en-US" dirty="0" smtClean="0"/>
+              <a:t>で使いやすくしてあるのが</a:t>
+            </a:r>
+            <a:r>
+              <a:rPr lang="en-US" altLang="ja-JP" dirty="0" smtClean="0"/>
+              <a:t/>
+            </a:r>
+            <a:br>
+              <a:rPr lang="en-US" altLang="ja-JP" dirty="0" smtClean="0"/>
+            </a:br>
+            <a:r>
+              <a:rPr lang="en-US" altLang="ja-JP" dirty="0" err="1" smtClean="0"/>
+              <a:t>Transform.DOMoveX</a:t>
+            </a:r>
+            <a:r>
+              <a:rPr lang="ja-JP" altLang="en-US" dirty="0" smtClean="0"/>
+              <a:t>など</a:t>
+            </a:r>
+            <a:endParaRPr lang="en-US" altLang="ja-JP" dirty="0" smtClean="0"/>
           </a:p>
         </p:txBody>
       </p:sp>
     </p:spTree>
     <p:extLst>
       <p:ext uri="{BB962C8B-B14F-4D97-AF65-F5344CB8AC3E}">
-        <p14:creationId xmlns:p14="http://schemas.microsoft.com/office/powerpoint/2010/main" val="702235136"/>
+        <p14:creationId xmlns:p14="http://schemas.microsoft.com/office/powerpoint/2010/main" val="1681961548"/>
       </p:ext>
     </p:extLst>
   </p:cSld>
@@ -6642,156 +6766,58 @@
               <a:t>DOTween</a:t>
             </a:r>
             <a:r>
-              <a:rPr kumimoji="1" lang="ja-JP" altLang="en-US" dirty="0" smtClean="0"/>
-              <a:t>とは何か</a:t>
-            </a:r>
-            <a:endParaRPr kumimoji="1" lang="ja-JP" altLang="en-US" dirty="0"/>
-          </a:p>
-        </p:txBody>
-      </p:sp>
-      <p:sp>
-        <p:nvSpPr>
-          <p:cNvPr id="3" name="コンテンツ プレースホルダー 2"/>
-          <p:cNvSpPr>
-            <a:spLocks noGrp="1"/>
-          </p:cNvSpPr>
-          <p:nvPr>
-            <p:ph idx="1"/>
-          </p:nvPr>
-        </p:nvSpPr>
-        <p:spPr/>
-        <p:txBody>
-          <a:bodyPr/>
-          <a:lstStyle/>
-          <a:p>
-            <a:pPr marL="0" marR="0" lvl="0" indent="0" defTabSz="914400" eaLnBrk="1" fontAlgn="auto" latinLnBrk="0" hangingPunct="1">
-              <a:lnSpc>
-                <a:spcPct val="100000"/>
-              </a:lnSpc>
-              <a:spcBef>
-                <a:spcPts val="0"/>
-              </a:spcBef>
-              <a:spcAft>
-                <a:spcPts val="0"/>
-              </a:spcAft>
-              <a:buClrTx/>
-              <a:buSzTx/>
-              <a:buFontTx/>
-              <a:buNone/>
-              <a:tabLst/>
-              <a:defRPr/>
-            </a:pPr>
-            <a:r>
-              <a:rPr lang="ja-JP" altLang="en-US" dirty="0" smtClean="0"/>
-              <a:t>アニメーションを簡単にスクリプト上で行うことができるライブラリ</a:t>
-            </a:r>
-            <a:endParaRPr lang="en-US" altLang="ja-JP" dirty="0" smtClean="0"/>
-          </a:p>
-          <a:p>
-            <a:pPr marL="0" marR="0" lvl="0" indent="0" defTabSz="914400" eaLnBrk="1" fontAlgn="auto" latinLnBrk="0" hangingPunct="1">
-              <a:lnSpc>
-                <a:spcPct val="100000"/>
-              </a:lnSpc>
-              <a:spcBef>
-                <a:spcPts val="0"/>
-              </a:spcBef>
-              <a:spcAft>
-                <a:spcPts val="0"/>
-              </a:spcAft>
-              <a:buClrTx/>
-              <a:buSzTx/>
-              <a:buFontTx/>
-              <a:buNone/>
-              <a:tabLst/>
-              <a:defRPr/>
-            </a:pPr>
-            <a:endParaRPr lang="en-US" altLang="ja-JP" dirty="0"/>
-          </a:p>
-          <a:p>
-            <a:pPr marL="0" marR="0" lvl="0" indent="0" defTabSz="914400" eaLnBrk="1" fontAlgn="auto" latinLnBrk="0" hangingPunct="1">
-              <a:lnSpc>
-                <a:spcPct val="100000"/>
-              </a:lnSpc>
-              <a:spcBef>
-                <a:spcPts val="0"/>
-              </a:spcBef>
-              <a:spcAft>
-                <a:spcPts val="0"/>
-              </a:spcAft>
-              <a:buClrTx/>
-              <a:buSzTx/>
-              <a:buFontTx/>
-              <a:buNone/>
-              <a:tabLst/>
-              <a:defRPr/>
-            </a:pPr>
-            <a:r>
-              <a:rPr lang="ja-JP" altLang="en-US" dirty="0" smtClean="0"/>
-              <a:t>基本となるのが</a:t>
-            </a:r>
-            <a:r>
               <a:rPr lang="en-US" altLang="ja-JP" dirty="0" err="1" smtClean="0"/>
-              <a:t>DOTween.To</a:t>
+              <a:t>.To</a:t>
             </a:r>
             <a:r>
               <a:rPr lang="ja-JP" altLang="en-US" dirty="0" smtClean="0"/>
               <a:t>関数</a:t>
             </a:r>
-            <a:endParaRPr lang="en-US" altLang="ja-JP" dirty="0" smtClean="0"/>
-          </a:p>
-          <a:p>
-            <a:pPr marL="0" marR="0" lvl="0" indent="0" defTabSz="914400" eaLnBrk="1" fontAlgn="auto" latinLnBrk="0" hangingPunct="1">
-              <a:lnSpc>
-                <a:spcPct val="100000"/>
-              </a:lnSpc>
-              <a:spcBef>
-                <a:spcPts val="0"/>
-              </a:spcBef>
-              <a:spcAft>
-                <a:spcPts val="0"/>
-              </a:spcAft>
-              <a:buClrTx/>
-              <a:buSzTx/>
-              <a:buFontTx/>
-              <a:buNone/>
-              <a:tabLst/>
-              <a:defRPr/>
-            </a:pPr>
-            <a:r>
-              <a:rPr lang="ja-JP" altLang="en-US" dirty="0" smtClean="0"/>
-              <a:t>拡張メソッドを使い、</a:t>
-            </a:r>
-            <a:r>
-              <a:rPr lang="en-US" altLang="ja-JP" dirty="0" smtClean="0"/>
-              <a:t>Unity</a:t>
-            </a:r>
-            <a:r>
-              <a:rPr lang="ja-JP" altLang="en-US" dirty="0" smtClean="0"/>
-              <a:t>で使いやすくしてあるのが</a:t>
-            </a:r>
-            <a:r>
-              <a:rPr lang="en-US" altLang="ja-JP" dirty="0" smtClean="0"/>
-              <a:t/>
-            </a:r>
-            <a:br>
-              <a:rPr lang="en-US" altLang="ja-JP" dirty="0" smtClean="0"/>
-            </a:br>
-            <a:r>
-              <a:rPr lang="en-US" altLang="ja-JP" dirty="0" err="1" smtClean="0"/>
-              <a:t>Transform.DOMoveX</a:t>
-            </a:r>
-            <a:r>
-              <a:rPr lang="ja-JP" altLang="en-US" dirty="0" smtClean="0"/>
-              <a:t>など</a:t>
-            </a:r>
-            <a:endParaRPr lang="en-US" altLang="ja-JP" dirty="0" smtClean="0"/>
+            <a:endParaRPr kumimoji="1" lang="ja-JP" altLang="en-US" dirty="0"/>
+          </a:p>
+        </p:txBody>
+      </p:sp>
+      <p:sp>
+        <p:nvSpPr>
+          <p:cNvPr id="3" name="コンテンツ プレースホルダー 2"/>
+          <p:cNvSpPr>
+            <a:spLocks noGrp="1"/>
+          </p:cNvSpPr>
+          <p:nvPr>
+            <p:ph idx="1"/>
+          </p:nvPr>
+        </p:nvSpPr>
+        <p:spPr/>
+        <p:txBody>
+          <a:bodyPr/>
+          <a:lstStyle/>
+          <a:p>
+            <a:r>
+              <a:rPr kumimoji="1" lang="en-US" altLang="ja-JP" dirty="0" smtClean="0"/>
+              <a:t>Tween</a:t>
+            </a:r>
+            <a:r>
+              <a:rPr kumimoji="1" lang="ja-JP" altLang="en-US" dirty="0" smtClean="0"/>
+              <a:t>をやる上での基本</a:t>
+            </a:r>
+            <a:endParaRPr kumimoji="1" lang="en-US" altLang="ja-JP" dirty="0" smtClean="0"/>
+          </a:p>
+          <a:p>
+            <a:r>
+              <a:rPr kumimoji="1" lang="en-US" altLang="ja-JP" dirty="0" err="1" smtClean="0"/>
+              <a:t>DOTween.To</a:t>
+            </a:r>
+            <a:r>
+              <a:rPr kumimoji="1" lang="en-US" altLang="ja-JP" dirty="0" smtClean="0"/>
+              <a:t>(getter, setter, to, float duration)</a:t>
+            </a:r>
           </a:p>
         </p:txBody>
       </p:sp>
     </p:spTree>
     <p:extLst>
       <p:ext uri="{BB962C8B-B14F-4D97-AF65-F5344CB8AC3E}">
-        <p14:creationId xmlns:p14="http://schemas.microsoft.com/office/powerpoint/2010/main" val="1681961548"/>
+        <p14:creationId xmlns:p14="http://schemas.microsoft.com/office/powerpoint/2010/main" val="1492402951"/>
       </p:ext>
     </p:extLst>
   </p:cSld>
@@ -6834,12 +6860,8 @@
           <a:lstStyle/>
           <a:p>
             <a:r>
-              <a:rPr kumimoji="1" lang="en-US" altLang="ja-JP" dirty="0" err="1" smtClean="0"/>
-              <a:t>DOTween</a:t>
-            </a:r>
-            <a:r>
               <a:rPr lang="en-US" altLang="ja-JP" dirty="0" err="1" smtClean="0"/>
-              <a:t>.To</a:t>
+              <a:t>Transform.DOMove</a:t>
             </a:r>
             <a:r>
               <a:rPr lang="ja-JP" altLang="en-US" dirty="0" smtClean="0"/>
@@ -6865,31 +6887,50 @@
           <a:lstStyle/>
           <a:p>
             <a:r>
+              <a:rPr lang="en-US" altLang="ja-JP" dirty="0" err="1" smtClean="0"/>
+              <a:t>Transform.DOMove</a:t>
+            </a:r>
+            <a:r>
+              <a:rPr lang="en-US" altLang="ja-JP" dirty="0" smtClean="0"/>
+              <a:t>(Vector3 </a:t>
+            </a:r>
+            <a:r>
+              <a:rPr lang="en-US" altLang="ja-JP" dirty="0" err="1" smtClean="0"/>
+              <a:t>endValue</a:t>
+            </a:r>
+            <a:r>
+              <a:rPr lang="en-US" altLang="ja-JP" dirty="0" smtClean="0"/>
+              <a:t>, float duration)</a:t>
+            </a:r>
+          </a:p>
+          <a:p>
+            <a:r>
+              <a:rPr kumimoji="1" lang="ja-JP" altLang="en-US" dirty="0" smtClean="0"/>
+              <a:t>匿名メソッドを使用しているので</a:t>
+            </a:r>
+            <a:r>
               <a:rPr kumimoji="1" lang="en-US" altLang="ja-JP" dirty="0" smtClean="0"/>
-              <a:t>Tween</a:t>
+              <a:t/>
+            </a:r>
+            <a:br>
+              <a:rPr kumimoji="1" lang="en-US" altLang="ja-JP" dirty="0" smtClean="0"/>
+            </a:br>
+            <a:r>
+              <a:rPr kumimoji="1" lang="en-US" altLang="ja-JP" dirty="0" smtClean="0"/>
+              <a:t>transform</a:t>
             </a:r>
             <a:r>
               <a:rPr kumimoji="1" lang="ja-JP" altLang="en-US" dirty="0" smtClean="0"/>
-              <a:t>をやる上での基本</a:t>
-            </a:r>
-            <a:endParaRPr kumimoji="1" lang="en-US" altLang="ja-JP" dirty="0" smtClean="0"/>
-          </a:p>
-          <a:p>
-            <a:r>
-              <a:rPr kumimoji="1" lang="en-US" altLang="ja-JP" dirty="0" err="1" smtClean="0"/>
-              <a:t>DOTween.To</a:t>
-            </a:r>
-            <a:r>
-              <a:rPr kumimoji="1" lang="en-US" altLang="ja-JP" dirty="0" smtClean="0"/>
-              <a:t>(getter, setter, to, float duration)</a:t>
-            </a:r>
+              <a:t>などを簡単にあにめーしょんさせることができる</a:t>
+            </a:r>
+            <a:endParaRPr kumimoji="1" lang="ja-JP" altLang="en-US" dirty="0"/>
           </a:p>
         </p:txBody>
       </p:sp>
     </p:spTree>
     <p:extLst>
       <p:ext uri="{BB962C8B-B14F-4D97-AF65-F5344CB8AC3E}">
-        <p14:creationId xmlns:p14="http://schemas.microsoft.com/office/powerpoint/2010/main" val="1492402951"/>
+        <p14:creationId xmlns:p14="http://schemas.microsoft.com/office/powerpoint/2010/main" val="750216344"/>
       </p:ext>
     </p:extLst>
   </p:cSld>
@@ -6932,12 +6973,8 @@
           <a:lstStyle/>
           <a:p>
             <a:r>
-              <a:rPr lang="en-US" altLang="ja-JP" dirty="0" err="1" smtClean="0"/>
-              <a:t>Transform.DOMove</a:t>
-            </a:r>
-            <a:r>
-              <a:rPr lang="ja-JP" altLang="en-US" dirty="0" smtClean="0"/>
-              <a:t>関数</a:t>
+              <a:rPr kumimoji="1" lang="ja-JP" altLang="en-US" dirty="0" smtClean="0"/>
+              <a:t>メソッドチェーン</a:t>
             </a:r>
             <a:endParaRPr kumimoji="1" lang="ja-JP" altLang="en-US" dirty="0"/>
           </a:p>
@@ -6959,50 +6996,21 @@
           <a:lstStyle/>
           <a:p>
             <a:r>
-              <a:rPr lang="en-US" altLang="ja-JP" dirty="0" err="1" smtClean="0"/>
-              <a:t>Transform.DOMove</a:t>
-            </a:r>
-            <a:r>
-              <a:rPr lang="en-US" altLang="ja-JP" dirty="0" smtClean="0"/>
-              <a:t>(Vector3 </a:t>
-            </a:r>
-            <a:r>
-              <a:rPr lang="en-US" altLang="ja-JP" dirty="0" err="1" smtClean="0"/>
-              <a:t>endValue</a:t>
-            </a:r>
-            <a:r>
-              <a:rPr lang="en-US" altLang="ja-JP" dirty="0" smtClean="0"/>
-              <a:t>, float duration)</a:t>
-            </a:r>
-          </a:p>
-          <a:p>
-            <a:r>
               <a:rPr kumimoji="1" lang="ja-JP" altLang="en-US" dirty="0" smtClean="0"/>
-              <a:t>匿名メソッドを使用しているので</a:t>
-            </a:r>
-            <a:r>
-              <a:rPr kumimoji="1" lang="en-US" altLang="ja-JP" dirty="0" smtClean="0"/>
-              <a:t/>
-            </a:r>
-            <a:br>
-              <a:rPr kumimoji="1" lang="en-US" altLang="ja-JP" dirty="0" smtClean="0"/>
-            </a:br>
-            <a:r>
-              <a:rPr kumimoji="1" lang="en-US" altLang="ja-JP" dirty="0" smtClean="0"/>
-              <a:t>transform</a:t>
-            </a:r>
-            <a:r>
-              <a:rPr kumimoji="1" lang="ja-JP" altLang="en-US" dirty="0" smtClean="0"/>
-              <a:t>などを簡単にあにめーしょんさせることができる</a:t>
-            </a:r>
-            <a:endParaRPr kumimoji="1" lang="ja-JP" altLang="en-US" dirty="0"/>
+              <a:t>戻り値が</a:t>
+            </a:r>
+            <a:r>
+              <a:rPr kumimoji="1" lang="en-US" altLang="ja-JP" dirty="0" err="1" smtClean="0"/>
+              <a:t>Tweener</a:t>
+            </a:r>
+            <a:endParaRPr kumimoji="1" lang="en-US" altLang="ja-JP" dirty="0" smtClean="0"/>
           </a:p>
         </p:txBody>
       </p:sp>
     </p:spTree>
     <p:extLst>
       <p:ext uri="{BB962C8B-B14F-4D97-AF65-F5344CB8AC3E}">
-        <p14:creationId xmlns:p14="http://schemas.microsoft.com/office/powerpoint/2010/main" val="750216344"/>
+        <p14:creationId xmlns:p14="http://schemas.microsoft.com/office/powerpoint/2010/main" val="1475396733"/>
       </p:ext>
     </p:extLst>
   </p:cSld>
@@ -7046,7 +7054,7 @@
           <a:p>
             <a:r>
               <a:rPr kumimoji="1" lang="ja-JP" altLang="en-US" dirty="0" smtClean="0"/>
-              <a:t>メソッドチェーン</a:t>
+              <a:t>コールバックの登録</a:t>
             </a:r>
             <a:endParaRPr kumimoji="1" lang="ja-JP" altLang="en-US" dirty="0"/>
           </a:p>
@@ -7068,12 +7076,8 @@
           <a:lstStyle/>
           <a:p>
             <a:r>
-              <a:rPr kumimoji="1" lang="ja-JP" altLang="en-US" dirty="0" smtClean="0"/>
-              <a:t>戻り値が</a:t>
-            </a:r>
-            <a:r>
               <a:rPr kumimoji="1" lang="en-US" altLang="ja-JP" dirty="0" err="1" smtClean="0"/>
-              <a:t>Tweener</a:t>
+              <a:t>OnCompleted</a:t>
             </a:r>
             <a:endParaRPr kumimoji="1" lang="en-US" altLang="ja-JP" dirty="0" smtClean="0"/>
           </a:p>
@@ -7082,7 +7086,7 @@
     </p:spTree>
     <p:extLst>
       <p:ext uri="{BB962C8B-B14F-4D97-AF65-F5344CB8AC3E}">
-        <p14:creationId xmlns:p14="http://schemas.microsoft.com/office/powerpoint/2010/main" val="1475396733"/>
+        <p14:creationId xmlns:p14="http://schemas.microsoft.com/office/powerpoint/2010/main" val="1693011125"/>
       </p:ext>
     </p:extLst>
   </p:cSld>
@@ -7125,8 +7129,12 @@
           <a:lstStyle/>
           <a:p>
             <a:r>
-              <a:rPr kumimoji="1" lang="ja-JP" altLang="en-US" dirty="0" smtClean="0"/>
-              <a:t>コールバックの登録</a:t>
+              <a:rPr kumimoji="1" lang="en-US" altLang="ja-JP" dirty="0" err="1" smtClean="0"/>
+              <a:t>DOTween.Sequence</a:t>
+            </a:r>
+            <a:r>
+              <a:rPr kumimoji="1" lang="en-US" altLang="ja-JP" dirty="0" smtClean="0"/>
+              <a:t>()</a:t>
             </a:r>
             <a:endParaRPr kumimoji="1" lang="ja-JP" altLang="en-US" dirty="0"/>
           </a:p>
@@ -7147,18 +7155,14 @@
           <a:bodyPr/>
           <a:lstStyle/>
           <a:p>
-            <a:r>
-              <a:rPr kumimoji="1" lang="en-US" altLang="ja-JP" dirty="0" err="1" smtClean="0"/>
-              <a:t>OnCompleted</a:t>
-            </a:r>
-            <a:endParaRPr kumimoji="1" lang="en-US" altLang="ja-JP" dirty="0" smtClean="0"/>
+            <a:endParaRPr kumimoji="1" lang="ja-JP" altLang="en-US"/>
           </a:p>
         </p:txBody>
       </p:sp>
     </p:spTree>
     <p:extLst>
       <p:ext uri="{BB962C8B-B14F-4D97-AF65-F5344CB8AC3E}">
-        <p14:creationId xmlns:p14="http://schemas.microsoft.com/office/powerpoint/2010/main" val="1693011125"/>
+        <p14:creationId xmlns:p14="http://schemas.microsoft.com/office/powerpoint/2010/main" val="1812871117"/>
       </p:ext>
     </p:extLst>
   </p:cSld>
@@ -7201,12 +7205,8 @@
           <a:lstStyle/>
           <a:p>
             <a:r>
-              <a:rPr kumimoji="1" lang="en-US" altLang="ja-JP" dirty="0" err="1" smtClean="0"/>
-              <a:t>DOTween.Sequence</a:t>
-            </a:r>
-            <a:r>
-              <a:rPr kumimoji="1" lang="en-US" altLang="ja-JP" dirty="0" smtClean="0"/>
-              <a:t>()</a:t>
+              <a:rPr lang="en-US" altLang="ja-JP" dirty="0" err="1" smtClean="0"/>
+              <a:t>DOPath</a:t>
             </a:r>
             <a:endParaRPr kumimoji="1" lang="ja-JP" altLang="en-US" dirty="0"/>
           </a:p>
@@ -7227,14 +7227,18 @@
           <a:bodyPr/>
           <a:lstStyle/>
           <a:p>
-            <a:endParaRPr kumimoji="1" lang="ja-JP" altLang="en-US"/>
+            <a:r>
+              <a:rPr kumimoji="1" lang="ja-JP" altLang="en-US" dirty="0" smtClean="0"/>
+              <a:t>ぼくもよくわからない</a:t>
+            </a:r>
+            <a:endParaRPr kumimoji="1" lang="ja-JP" altLang="en-US" dirty="0"/>
           </a:p>
         </p:txBody>
       </p:sp>
     </p:spTree>
     <p:extLst>
       <p:ext uri="{BB962C8B-B14F-4D97-AF65-F5344CB8AC3E}">
-        <p14:creationId xmlns:p14="http://schemas.microsoft.com/office/powerpoint/2010/main" val="1812871117"/>
+        <p14:creationId xmlns:p14="http://schemas.microsoft.com/office/powerpoint/2010/main" val="772492463"/>
       </p:ext>
     </p:extLst>
   </p:cSld>
@@ -7277,8 +7281,8 @@
           <a:lstStyle/>
           <a:p>
             <a:r>
-              <a:rPr lang="en-US" altLang="ja-JP" dirty="0" err="1" smtClean="0"/>
-              <a:t>DOPath</a:t>
+              <a:rPr kumimoji="1" lang="ja-JP" altLang="en-US" dirty="0" smtClean="0"/>
+              <a:t>動的、につおい</a:t>
             </a:r>
             <a:endParaRPr kumimoji="1" lang="ja-JP" altLang="en-US" dirty="0"/>
           </a:p>
@@ -7299,18 +7303,14 @@
           <a:bodyPr/>
           <a:lstStyle/>
           <a:p>
-            <a:r>
-              <a:rPr kumimoji="1" lang="ja-JP" altLang="en-US" dirty="0" smtClean="0"/>
-              <a:t>ぼくもよくわからない</a:t>
-            </a:r>
-            <a:endParaRPr kumimoji="1" lang="ja-JP" altLang="en-US" dirty="0"/>
+            <a:endParaRPr kumimoji="1" lang="ja-JP" altLang="en-US"/>
           </a:p>
         </p:txBody>
       </p:sp>
     </p:spTree>
     <p:extLst>
       <p:ext uri="{BB962C8B-B14F-4D97-AF65-F5344CB8AC3E}">
-        <p14:creationId xmlns:p14="http://schemas.microsoft.com/office/powerpoint/2010/main" val="772492463"/>
+        <p14:creationId xmlns:p14="http://schemas.microsoft.com/office/powerpoint/2010/main" val="144684845"/>
       </p:ext>
     </p:extLst>
   </p:cSld>
@@ -7363,7 +7363,7 @@
     </a:clrScheme>
     <a:fontScheme name="Ion">
       <a:majorFont>
-        <a:latin typeface="Century Gothic" panose="020B0502020202020204"/>
+        <a:latin typeface="Century Gothic"/>
         <a:ea typeface=""/>
         <a:cs typeface=""/>
         <a:font script="Jpan" typeface="メイリオ"/>
@@ -7398,7 +7398,7 @@
         <a:font script="Geor" typeface="Sylfaen"/>
       </a:majorFont>
       <a:minorFont>
-        <a:latin typeface="Century Gothic" panose="020B0502020202020204"/>
+        <a:latin typeface="Century Gothic"/>
         <a:ea typeface=""/>
         <a:cs typeface=""/>
         <a:font script="Jpan" typeface="メイリオ"/>
@@ -7580,7 +7580,7 @@
   <a:extraClrSchemeLst/>
   <a:extLst>
     <a:ext uri="{05A4C25C-085E-4340-85A3-A5531E510DB2}">
-      <thm15:themeFamily xmlns:thm15="http://schemas.microsoft.com/office/thememl/2012/main" name="Ion" id="{B8441ADB-2E43-4AF7-B97A-BD870242C6A8}" vid="{292E63A9-BB86-4E3D-B92A-7223C6510D2E}"/>
+      <thm15:themeFamily xmlns:thm15="http://schemas.microsoft.com/office/thememl/2012/main" xmlns="" name="Ion" id="{B8441ADB-2E43-4AF7-B97A-BD870242C6A8}" vid="{292E63A9-BB86-4E3D-B92A-7223C6510D2E}"/>
     </a:ext>
   </a:extLst>
 </a:theme>

--- a/RHStudy/Documents/プレゼンテーション1.pptx
+++ b/RHStudy/Documents/プレゼンテーション1.pptx
@@ -116,7 +116,18 @@
   </p:defaultTextStyle>
   <p:extLst>
     <p:ext uri="{EFAFB233-063F-42B5-8137-9DF3F51BA10A}">
-      <p15:sldGuideLst xmlns:p15="http://schemas.microsoft.com/office/powerpoint/2012/main" xmlns=""/>
+      <p15:sldGuideLst xmlns:p15="http://schemas.microsoft.com/office/powerpoint/2012/main">
+        <p15:guide id="1" orient="horz" pos="2160">
+          <p15:clr>
+            <a:srgbClr val="A4A3A4"/>
+          </p15:clr>
+        </p15:guide>
+        <p15:guide id="2" pos="3840">
+          <p15:clr>
+            <a:srgbClr val="A4A3A4"/>
+          </p15:clr>
+        </p15:guide>
+      </p15:sldGuideLst>
     </p:ext>
   </p:extLst>
 </p:presentation>
@@ -308,7 +319,7 @@
           <a:p>
             <a:fld id="{4AAD347D-5ACD-4C99-B74B-A9C85AD731AF}" type="datetimeFigureOut">
               <a:rPr lang="en-US" dirty="0"/>
-              <a:t>16/08/17</a:t>
+              <a:t>8/23/16</a:t>
             </a:fld>
             <a:endParaRPr lang="en-US" dirty="0"/>
           </a:p>
@@ -578,7 +589,7 @@
           <a:p>
             <a:fld id="{4509A250-FF31-4206-8172-F9D3106AACB1}" type="datetimeFigureOut">
               <a:rPr lang="en-US" dirty="0"/>
-              <a:t>16/08/17</a:t>
+              <a:t>8/23/16</a:t>
             </a:fld>
             <a:endParaRPr lang="en-US" dirty="0"/>
           </a:p>
@@ -767,7 +778,7 @@
           <a:p>
             <a:fld id="{4509A250-FF31-4206-8172-F9D3106AACB1}" type="datetimeFigureOut">
               <a:rPr lang="en-US" dirty="0"/>
-              <a:t>16/08/17</a:t>
+              <a:t>8/23/16</a:t>
             </a:fld>
             <a:endParaRPr lang="en-US" dirty="0"/>
           </a:p>
@@ -1035,7 +1046,7 @@
           <a:p>
             <a:fld id="{4509A250-FF31-4206-8172-F9D3106AACB1}" type="datetimeFigureOut">
               <a:rPr lang="en-US" dirty="0"/>
-              <a:t>16/08/17</a:t>
+              <a:t>8/23/16</a:t>
             </a:fld>
             <a:endParaRPr lang="en-US" dirty="0"/>
           </a:p>
@@ -1371,7 +1382,7 @@
           <a:p>
             <a:fld id="{4509A250-FF31-4206-8172-F9D3106AACB1}" type="datetimeFigureOut">
               <a:rPr lang="en-US" dirty="0"/>
-              <a:t>16/08/17</a:t>
+              <a:t>8/23/16</a:t>
             </a:fld>
             <a:endParaRPr lang="en-US" dirty="0"/>
           </a:p>
@@ -1989,7 +2000,7 @@
           <a:p>
             <a:fld id="{4509A250-FF31-4206-8172-F9D3106AACB1}" type="datetimeFigureOut">
               <a:rPr lang="en-US" dirty="0"/>
-              <a:t>16/08/17</a:t>
+              <a:t>8/23/16</a:t>
             </a:fld>
             <a:endParaRPr lang="en-US" dirty="0"/>
           </a:p>
@@ -2844,7 +2855,7 @@
           <a:p>
             <a:fld id="{4509A250-FF31-4206-8172-F9D3106AACB1}" type="datetimeFigureOut">
               <a:rPr lang="en-US" dirty="0"/>
-              <a:t>16/08/17</a:t>
+              <a:t>8/23/16</a:t>
             </a:fld>
             <a:endParaRPr lang="en-US" dirty="0"/>
           </a:p>
@@ -3041,7 +3052,7 @@
           <a:p>
             <a:fld id="{4509A250-FF31-4206-8172-F9D3106AACB1}" type="datetimeFigureOut">
               <a:rPr lang="en-US" dirty="0"/>
-              <a:t>16/08/17</a:t>
+              <a:t>8/23/16</a:t>
             </a:fld>
             <a:endParaRPr lang="en-US" dirty="0"/>
           </a:p>
@@ -3248,7 +3259,7 @@
           <a:p>
             <a:fld id="{4509A250-FF31-4206-8172-F9D3106AACB1}" type="datetimeFigureOut">
               <a:rPr lang="en-US" dirty="0"/>
-              <a:t>16/08/17</a:t>
+              <a:t>8/23/16</a:t>
             </a:fld>
             <a:endParaRPr lang="en-US" dirty="0"/>
           </a:p>
@@ -3445,7 +3456,7 @@
           <a:p>
             <a:fld id="{4509A250-FF31-4206-8172-F9D3106AACB1}" type="datetimeFigureOut">
               <a:rPr lang="en-US" dirty="0"/>
-              <a:t>16/08/17</a:t>
+              <a:t>8/23/16</a:t>
             </a:fld>
             <a:endParaRPr lang="en-US" dirty="0"/>
           </a:p>
@@ -3687,7 +3698,7 @@
           <a:p>
             <a:fld id="{9796027F-7875-4030-9381-8BD8C4F21935}" type="datetimeFigureOut">
               <a:rPr lang="en-US" dirty="0"/>
-              <a:t>16/08/17</a:t>
+              <a:t>8/23/16</a:t>
             </a:fld>
             <a:endParaRPr lang="en-US" dirty="0"/>
           </a:p>
@@ -4038,7 +4049,7 @@
           <a:p>
             <a:fld id="{9796027F-7875-4030-9381-8BD8C4F21935}" type="datetimeFigureOut">
               <a:rPr lang="en-US" dirty="0"/>
-              <a:t>16/08/17</a:t>
+              <a:t>8/23/16</a:t>
             </a:fld>
             <a:endParaRPr lang="en-US" dirty="0"/>
           </a:p>
@@ -4541,7 +4552,7 @@
           <a:p>
             <a:fld id="{9796027F-7875-4030-9381-8BD8C4F21935}" type="datetimeFigureOut">
               <a:rPr lang="en-US" dirty="0"/>
-              <a:t>16/08/17</a:t>
+              <a:t>8/23/16</a:t>
             </a:fld>
             <a:endParaRPr lang="en-US" dirty="0"/>
           </a:p>
@@ -4654,7 +4665,7 @@
           <a:p>
             <a:fld id="{4509A250-FF31-4206-8172-F9D3106AACB1}" type="datetimeFigureOut">
               <a:rPr lang="en-US" dirty="0"/>
-              <a:t>16/08/17</a:t>
+              <a:t>8/23/16</a:t>
             </a:fld>
             <a:endParaRPr lang="en-US" dirty="0"/>
           </a:p>
@@ -4744,7 +4755,7 @@
           <a:p>
             <a:fld id="{4509A250-FF31-4206-8172-F9D3106AACB1}" type="datetimeFigureOut">
               <a:rPr lang="en-US" dirty="0"/>
-              <a:t>16/08/17</a:t>
+              <a:t>8/23/16</a:t>
             </a:fld>
             <a:endParaRPr lang="en-US" dirty="0"/>
           </a:p>
@@ -5050,7 +5061,7 @@
           <a:p>
             <a:fld id="{4509A250-FF31-4206-8172-F9D3106AACB1}" type="datetimeFigureOut">
               <a:rPr lang="en-US" dirty="0"/>
-              <a:t>16/08/17</a:t>
+              <a:t>8/23/16</a:t>
             </a:fld>
             <a:endParaRPr lang="en-US" dirty="0"/>
           </a:p>
@@ -5320,7 +5331,7 @@
           <a:p>
             <a:fld id="{4509A250-FF31-4206-8172-F9D3106AACB1}" type="datetimeFigureOut">
               <a:rPr lang="en-US" dirty="0"/>
-              <a:t>16/08/17</a:t>
+              <a:t>8/23/16</a:t>
             </a:fld>
             <a:endParaRPr lang="en-US" dirty="0"/>
           </a:p>
@@ -5776,7 +5787,7 @@
           <a:p>
             <a:fld id="{4AAD347D-5ACD-4C99-B74B-A9C85AD731AF}" type="datetimeFigureOut">
               <a:rPr lang="en-US" dirty="0"/>
-              <a:t>16/08/17</a:t>
+              <a:t>8/23/16</a:t>
             </a:fld>
             <a:endParaRPr lang="en-US" dirty="0"/>
           </a:p>
@@ -6370,7 +6381,7 @@
   <p:timing>
     <p:tnLst>
       <p:par>
-        <p:cTn xmlns:p14="http://schemas.microsoft.com/office/powerpoint/2010/main" id="1" dur="indefinite" restart="never" nodeType="tmRoot"/>
+        <p:cTn id="1" dur="indefinite" restart="never" nodeType="tmRoot"/>
       </p:par>
     </p:tnLst>
   </p:timing>
@@ -6814,6 +6825,36 @@
           </a:p>
         </p:txBody>
       </p:sp>
+      <p:pic>
+        <p:nvPicPr>
+          <p:cNvPr id="4" name="図 3"/>
+          <p:cNvPicPr>
+            <a:picLocks noChangeAspect="1"/>
+          </p:cNvPicPr>
+          <p:nvPr/>
+        </p:nvPicPr>
+        <p:blipFill>
+          <a:blip r:embed="rId2">
+            <a:extLst>
+              <a:ext uri="{28A0092B-C50C-407E-A947-70E740481C1C}">
+                <a14:useLocalDpi xmlns:a14="http://schemas.microsoft.com/office/drawing/2010/main" val="0"/>
+              </a:ext>
+            </a:extLst>
+          </a:blip>
+          <a:stretch>
+            <a:fillRect/>
+          </a:stretch>
+        </p:blipFill>
+        <p:spPr>
+          <a:xfrm>
+            <a:off x="783426" y="3167061"/>
+            <a:ext cx="10625149" cy="461963"/>
+          </a:xfrm>
+          <a:prstGeom prst="rect">
+            <a:avLst/>
+          </a:prstGeom>
+        </p:spPr>
+      </p:pic>
     </p:spTree>
     <p:extLst>
       <p:ext uri="{BB962C8B-B14F-4D97-AF65-F5344CB8AC3E}">
@@ -7580,7 +7621,7 @@
   <a:extraClrSchemeLst/>
   <a:extLst>
     <a:ext uri="{05A4C25C-085E-4340-85A3-A5531E510DB2}">
-      <thm15:themeFamily xmlns:thm15="http://schemas.microsoft.com/office/thememl/2012/main" xmlns="" name="Ion" id="{B8441ADB-2E43-4AF7-B97A-BD870242C6A8}" vid="{292E63A9-BB86-4E3D-B92A-7223C6510D2E}"/>
+      <thm15:themeFamily xmlns:thm15="http://schemas.microsoft.com/office/thememl/2012/main" name="Ion" id="{B8441ADB-2E43-4AF7-B97A-BD870242C6A8}" vid="{292E63A9-BB86-4E3D-B92A-7223C6510D2E}"/>
     </a:ext>
   </a:extLst>
 </a:theme>

--- a/RHStudy/Documents/プレゼンテーション1.pptx
+++ b/RHStudy/Documents/プレゼンテーション1.pptx
@@ -4,18 +4,23 @@
   <p:sldMasterIdLst>
     <p:sldMasterId id="2147483648" r:id="rId1"/>
   </p:sldMasterIdLst>
+  <p:notesMasterIdLst>
+    <p:notesMasterId r:id="rId15"/>
+  </p:notesMasterIdLst>
   <p:sldIdLst>
     <p:sldId id="256" r:id="rId2"/>
     <p:sldId id="257" r:id="rId3"/>
     <p:sldId id="258" r:id="rId4"/>
     <p:sldId id="259" r:id="rId5"/>
-    <p:sldId id="260" r:id="rId6"/>
+    <p:sldId id="267" r:id="rId6"/>
     <p:sldId id="261" r:id="rId7"/>
-    <p:sldId id="262" r:id="rId8"/>
-    <p:sldId id="263" r:id="rId9"/>
-    <p:sldId id="264" r:id="rId10"/>
-    <p:sldId id="266" r:id="rId11"/>
-    <p:sldId id="265" r:id="rId12"/>
+    <p:sldId id="268" r:id="rId8"/>
+    <p:sldId id="260" r:id="rId9"/>
+    <p:sldId id="262" r:id="rId10"/>
+    <p:sldId id="263" r:id="rId11"/>
+    <p:sldId id="264" r:id="rId12"/>
+    <p:sldId id="266" r:id="rId13"/>
+    <p:sldId id="265" r:id="rId14"/>
   </p:sldIdLst>
   <p:sldSz cx="12192000" cy="6858000"/>
   <p:notesSz cx="6858000" cy="9144000"/>
@@ -131,6 +136,472 @@
     </p:ext>
   </p:extLst>
 </p:presentation>
+</file>
+
+<file path=ppt/notesMasters/notesMaster1.xml><?xml version="1.0" encoding="utf-8"?>
+<p:notesMaster xmlns:a="http://schemas.openxmlformats.org/drawingml/2006/main" xmlns:r="http://schemas.openxmlformats.org/officeDocument/2006/relationships" xmlns:p="http://schemas.openxmlformats.org/presentationml/2006/main">
+  <p:cSld>
+    <p:bg>
+      <p:bgRef idx="1001">
+        <a:schemeClr val="bg1"/>
+      </p:bgRef>
+    </p:bg>
+    <p:spTree>
+      <p:nvGrpSpPr>
+        <p:cNvPr id="1" name=""/>
+        <p:cNvGrpSpPr/>
+        <p:nvPr/>
+      </p:nvGrpSpPr>
+      <p:grpSpPr>
+        <a:xfrm>
+          <a:off x="0" y="0"/>
+          <a:ext cx="0" cy="0"/>
+          <a:chOff x="0" y="0"/>
+          <a:chExt cx="0" cy="0"/>
+        </a:xfrm>
+      </p:grpSpPr>
+      <p:sp>
+        <p:nvSpPr>
+          <p:cNvPr id="2" name="ヘッダー プレースホルダー 1"/>
+          <p:cNvSpPr>
+            <a:spLocks noGrp="1"/>
+          </p:cNvSpPr>
+          <p:nvPr>
+            <p:ph type="hdr" sz="quarter"/>
+          </p:nvPr>
+        </p:nvSpPr>
+        <p:spPr>
+          <a:xfrm>
+            <a:off x="0" y="0"/>
+            <a:ext cx="2971800" cy="458788"/>
+          </a:xfrm>
+          <a:prstGeom prst="rect">
+            <a:avLst/>
+          </a:prstGeom>
+        </p:spPr>
+        <p:txBody>
+          <a:bodyPr vert="horz" lIns="91440" tIns="45720" rIns="91440" bIns="45720" rtlCol="0"/>
+          <a:lstStyle>
+            <a:lvl1pPr algn="l">
+              <a:defRPr sz="1200"/>
+            </a:lvl1pPr>
+          </a:lstStyle>
+          <a:p>
+            <a:endParaRPr kumimoji="1" lang="ja-JP" altLang="en-US"/>
+          </a:p>
+        </p:txBody>
+      </p:sp>
+      <p:sp>
+        <p:nvSpPr>
+          <p:cNvPr id="3" name="日付プレースホルダー 2"/>
+          <p:cNvSpPr>
+            <a:spLocks noGrp="1"/>
+          </p:cNvSpPr>
+          <p:nvPr>
+            <p:ph type="dt" idx="1"/>
+          </p:nvPr>
+        </p:nvSpPr>
+        <p:spPr>
+          <a:xfrm>
+            <a:off x="3884613" y="0"/>
+            <a:ext cx="2971800" cy="458788"/>
+          </a:xfrm>
+          <a:prstGeom prst="rect">
+            <a:avLst/>
+          </a:prstGeom>
+        </p:spPr>
+        <p:txBody>
+          <a:bodyPr vert="horz" lIns="91440" tIns="45720" rIns="91440" bIns="45720" rtlCol="0"/>
+          <a:lstStyle>
+            <a:lvl1pPr algn="r">
+              <a:defRPr sz="1200"/>
+            </a:lvl1pPr>
+          </a:lstStyle>
+          <a:p>
+            <a:fld id="{A59D8A1F-F0AA-1E4F-8D40-F254B1315685}" type="datetimeFigureOut">
+              <a:rPr kumimoji="1" lang="ja-JP" altLang="en-US" smtClean="0"/>
+              <a:t>2016/8/23</a:t>
+            </a:fld>
+            <a:endParaRPr kumimoji="1" lang="ja-JP" altLang="en-US"/>
+          </a:p>
+        </p:txBody>
+      </p:sp>
+      <p:sp>
+        <p:nvSpPr>
+          <p:cNvPr id="4" name="スライド イメージ プレースホルダー 3"/>
+          <p:cNvSpPr>
+            <a:spLocks noGrp="1" noRot="1" noChangeAspect="1"/>
+          </p:cNvSpPr>
+          <p:nvPr>
+            <p:ph type="sldImg" idx="2"/>
+          </p:nvPr>
+        </p:nvSpPr>
+        <p:spPr>
+          <a:xfrm>
+            <a:off x="685800" y="1143000"/>
+            <a:ext cx="5486400" cy="3086100"/>
+          </a:xfrm>
+          <a:prstGeom prst="rect">
+            <a:avLst/>
+          </a:prstGeom>
+          <a:noFill/>
+          <a:ln w="12700">
+            <a:solidFill>
+              <a:prstClr val="black"/>
+            </a:solidFill>
+          </a:ln>
+        </p:spPr>
+        <p:txBody>
+          <a:bodyPr vert="horz" lIns="91440" tIns="45720" rIns="91440" bIns="45720" rtlCol="0" anchor="ctr"/>
+          <a:lstStyle/>
+          <a:p>
+            <a:endParaRPr lang="ja-JP" altLang="en-US"/>
+          </a:p>
+        </p:txBody>
+      </p:sp>
+      <p:sp>
+        <p:nvSpPr>
+          <p:cNvPr id="5" name="ノート プレースホルダー 4"/>
+          <p:cNvSpPr>
+            <a:spLocks noGrp="1"/>
+          </p:cNvSpPr>
+          <p:nvPr>
+            <p:ph type="body" sz="quarter" idx="3"/>
+          </p:nvPr>
+        </p:nvSpPr>
+        <p:spPr>
+          <a:xfrm>
+            <a:off x="685800" y="4400550"/>
+            <a:ext cx="5486400" cy="3600450"/>
+          </a:xfrm>
+          <a:prstGeom prst="rect">
+            <a:avLst/>
+          </a:prstGeom>
+        </p:spPr>
+        <p:txBody>
+          <a:bodyPr vert="horz" lIns="91440" tIns="45720" rIns="91440" bIns="45720" rtlCol="0"/>
+          <a:lstStyle/>
+          <a:p>
+            <a:pPr lvl="0"/>
+            <a:r>
+              <a:rPr kumimoji="1" lang="ja-JP" altLang="en-US" smtClean="0"/>
+              <a:t>マスター テキストの書式設定</a:t>
+            </a:r>
+          </a:p>
+          <a:p>
+            <a:pPr lvl="1"/>
+            <a:r>
+              <a:rPr kumimoji="1" lang="ja-JP" altLang="en-US" smtClean="0"/>
+              <a:t>第 </a:t>
+            </a:r>
+            <a:r>
+              <a:rPr kumimoji="1" lang="en-US" altLang="ja-JP" smtClean="0"/>
+              <a:t>2 </a:t>
+            </a:r>
+            <a:r>
+              <a:rPr kumimoji="1" lang="ja-JP" altLang="en-US" smtClean="0"/>
+              <a:t>レベル</a:t>
+            </a:r>
+          </a:p>
+          <a:p>
+            <a:pPr lvl="2"/>
+            <a:r>
+              <a:rPr kumimoji="1" lang="ja-JP" altLang="en-US" smtClean="0"/>
+              <a:t>第 </a:t>
+            </a:r>
+            <a:r>
+              <a:rPr kumimoji="1" lang="en-US" altLang="ja-JP" smtClean="0"/>
+              <a:t>3 </a:t>
+            </a:r>
+            <a:r>
+              <a:rPr kumimoji="1" lang="ja-JP" altLang="en-US" smtClean="0"/>
+              <a:t>レベル</a:t>
+            </a:r>
+          </a:p>
+          <a:p>
+            <a:pPr lvl="3"/>
+            <a:r>
+              <a:rPr kumimoji="1" lang="ja-JP" altLang="en-US" smtClean="0"/>
+              <a:t>第 </a:t>
+            </a:r>
+            <a:r>
+              <a:rPr kumimoji="1" lang="en-US" altLang="ja-JP" smtClean="0"/>
+              <a:t>4 </a:t>
+            </a:r>
+            <a:r>
+              <a:rPr kumimoji="1" lang="ja-JP" altLang="en-US" smtClean="0"/>
+              <a:t>レベル</a:t>
+            </a:r>
+          </a:p>
+          <a:p>
+            <a:pPr lvl="4"/>
+            <a:r>
+              <a:rPr kumimoji="1" lang="ja-JP" altLang="en-US" smtClean="0"/>
+              <a:t>第 </a:t>
+            </a:r>
+            <a:r>
+              <a:rPr kumimoji="1" lang="en-US" altLang="ja-JP" smtClean="0"/>
+              <a:t>5 </a:t>
+            </a:r>
+            <a:r>
+              <a:rPr kumimoji="1" lang="ja-JP" altLang="en-US" smtClean="0"/>
+              <a:t>レベル</a:t>
+            </a:r>
+            <a:endParaRPr kumimoji="1" lang="ja-JP" altLang="en-US"/>
+          </a:p>
+        </p:txBody>
+      </p:sp>
+      <p:sp>
+        <p:nvSpPr>
+          <p:cNvPr id="6" name="フッター プレースホルダー 5"/>
+          <p:cNvSpPr>
+            <a:spLocks noGrp="1"/>
+          </p:cNvSpPr>
+          <p:nvPr>
+            <p:ph type="ftr" sz="quarter" idx="4"/>
+          </p:nvPr>
+        </p:nvSpPr>
+        <p:spPr>
+          <a:xfrm>
+            <a:off x="0" y="8685213"/>
+            <a:ext cx="2971800" cy="458787"/>
+          </a:xfrm>
+          <a:prstGeom prst="rect">
+            <a:avLst/>
+          </a:prstGeom>
+        </p:spPr>
+        <p:txBody>
+          <a:bodyPr vert="horz" lIns="91440" tIns="45720" rIns="91440" bIns="45720" rtlCol="0" anchor="b"/>
+          <a:lstStyle>
+            <a:lvl1pPr algn="l">
+              <a:defRPr sz="1200"/>
+            </a:lvl1pPr>
+          </a:lstStyle>
+          <a:p>
+            <a:endParaRPr kumimoji="1" lang="ja-JP" altLang="en-US"/>
+          </a:p>
+        </p:txBody>
+      </p:sp>
+      <p:sp>
+        <p:nvSpPr>
+          <p:cNvPr id="7" name="スライド番号プレースホルダー 6"/>
+          <p:cNvSpPr>
+            <a:spLocks noGrp="1"/>
+          </p:cNvSpPr>
+          <p:nvPr>
+            <p:ph type="sldNum" sz="quarter" idx="5"/>
+          </p:nvPr>
+        </p:nvSpPr>
+        <p:spPr>
+          <a:xfrm>
+            <a:off x="3884613" y="8685213"/>
+            <a:ext cx="2971800" cy="458787"/>
+          </a:xfrm>
+          <a:prstGeom prst="rect">
+            <a:avLst/>
+          </a:prstGeom>
+        </p:spPr>
+        <p:txBody>
+          <a:bodyPr vert="horz" lIns="91440" tIns="45720" rIns="91440" bIns="45720" rtlCol="0" anchor="b"/>
+          <a:lstStyle>
+            <a:lvl1pPr algn="r">
+              <a:defRPr sz="1200"/>
+            </a:lvl1pPr>
+          </a:lstStyle>
+          <a:p>
+            <a:fld id="{03CC8917-4D48-8149-BC32-9AB0DD2FF5D3}" type="slidenum">
+              <a:rPr kumimoji="1" lang="ja-JP" altLang="en-US" smtClean="0"/>
+              <a:t>‹#›</a:t>
+            </a:fld>
+            <a:endParaRPr kumimoji="1" lang="ja-JP" altLang="en-US"/>
+          </a:p>
+        </p:txBody>
+      </p:sp>
+    </p:spTree>
+    <p:extLst>
+      <p:ext uri="{BB962C8B-B14F-4D97-AF65-F5344CB8AC3E}">
+        <p14:creationId xmlns:p14="http://schemas.microsoft.com/office/powerpoint/2010/main" val="1247226314"/>
+      </p:ext>
+    </p:extLst>
+  </p:cSld>
+  <p:clrMap bg1="lt1" tx1="dk1" bg2="lt2" tx2="dk2" accent1="accent1" accent2="accent2" accent3="accent3" accent4="accent4" accent5="accent5" accent6="accent6" hlink="hlink" folHlink="folHlink"/>
+  <p:notesStyle>
+    <a:lvl1pPr marL="0" algn="l" defTabSz="914400" rtl="0" eaLnBrk="1" latinLnBrk="0" hangingPunct="1">
+      <a:defRPr kumimoji="1" sz="1200" kern="1200">
+        <a:solidFill>
+          <a:schemeClr val="tx1"/>
+        </a:solidFill>
+        <a:latin typeface="+mn-lt"/>
+        <a:ea typeface="+mn-ea"/>
+        <a:cs typeface="+mn-cs"/>
+      </a:defRPr>
+    </a:lvl1pPr>
+    <a:lvl2pPr marL="457200" algn="l" defTabSz="914400" rtl="0" eaLnBrk="1" latinLnBrk="0" hangingPunct="1">
+      <a:defRPr kumimoji="1" sz="1200" kern="1200">
+        <a:solidFill>
+          <a:schemeClr val="tx1"/>
+        </a:solidFill>
+        <a:latin typeface="+mn-lt"/>
+        <a:ea typeface="+mn-ea"/>
+        <a:cs typeface="+mn-cs"/>
+      </a:defRPr>
+    </a:lvl2pPr>
+    <a:lvl3pPr marL="914400" algn="l" defTabSz="914400" rtl="0" eaLnBrk="1" latinLnBrk="0" hangingPunct="1">
+      <a:defRPr kumimoji="1" sz="1200" kern="1200">
+        <a:solidFill>
+          <a:schemeClr val="tx1"/>
+        </a:solidFill>
+        <a:latin typeface="+mn-lt"/>
+        <a:ea typeface="+mn-ea"/>
+        <a:cs typeface="+mn-cs"/>
+      </a:defRPr>
+    </a:lvl3pPr>
+    <a:lvl4pPr marL="1371600" algn="l" defTabSz="914400" rtl="0" eaLnBrk="1" latinLnBrk="0" hangingPunct="1">
+      <a:defRPr kumimoji="1" sz="1200" kern="1200">
+        <a:solidFill>
+          <a:schemeClr val="tx1"/>
+        </a:solidFill>
+        <a:latin typeface="+mn-lt"/>
+        <a:ea typeface="+mn-ea"/>
+        <a:cs typeface="+mn-cs"/>
+      </a:defRPr>
+    </a:lvl4pPr>
+    <a:lvl5pPr marL="1828800" algn="l" defTabSz="914400" rtl="0" eaLnBrk="1" latinLnBrk="0" hangingPunct="1">
+      <a:defRPr kumimoji="1" sz="1200" kern="1200">
+        <a:solidFill>
+          <a:schemeClr val="tx1"/>
+        </a:solidFill>
+        <a:latin typeface="+mn-lt"/>
+        <a:ea typeface="+mn-ea"/>
+        <a:cs typeface="+mn-cs"/>
+      </a:defRPr>
+    </a:lvl5pPr>
+    <a:lvl6pPr marL="2286000" algn="l" defTabSz="914400" rtl="0" eaLnBrk="1" latinLnBrk="0" hangingPunct="1">
+      <a:defRPr kumimoji="1" sz="1200" kern="1200">
+        <a:solidFill>
+          <a:schemeClr val="tx1"/>
+        </a:solidFill>
+        <a:latin typeface="+mn-lt"/>
+        <a:ea typeface="+mn-ea"/>
+        <a:cs typeface="+mn-cs"/>
+      </a:defRPr>
+    </a:lvl6pPr>
+    <a:lvl7pPr marL="2743200" algn="l" defTabSz="914400" rtl="0" eaLnBrk="1" latinLnBrk="0" hangingPunct="1">
+      <a:defRPr kumimoji="1" sz="1200" kern="1200">
+        <a:solidFill>
+          <a:schemeClr val="tx1"/>
+        </a:solidFill>
+        <a:latin typeface="+mn-lt"/>
+        <a:ea typeface="+mn-ea"/>
+        <a:cs typeface="+mn-cs"/>
+      </a:defRPr>
+    </a:lvl7pPr>
+    <a:lvl8pPr marL="3200400" algn="l" defTabSz="914400" rtl="0" eaLnBrk="1" latinLnBrk="0" hangingPunct="1">
+      <a:defRPr kumimoji="1" sz="1200" kern="1200">
+        <a:solidFill>
+          <a:schemeClr val="tx1"/>
+        </a:solidFill>
+        <a:latin typeface="+mn-lt"/>
+        <a:ea typeface="+mn-ea"/>
+        <a:cs typeface="+mn-cs"/>
+      </a:defRPr>
+    </a:lvl8pPr>
+    <a:lvl9pPr marL="3657600" algn="l" defTabSz="914400" rtl="0" eaLnBrk="1" latinLnBrk="0" hangingPunct="1">
+      <a:defRPr kumimoji="1" sz="1200" kern="1200">
+        <a:solidFill>
+          <a:schemeClr val="tx1"/>
+        </a:solidFill>
+        <a:latin typeface="+mn-lt"/>
+        <a:ea typeface="+mn-ea"/>
+        <a:cs typeface="+mn-cs"/>
+      </a:defRPr>
+    </a:lvl9pPr>
+  </p:notesStyle>
+</p:notesMaster>
+</file>
+
+<file path=ppt/notesSlides/notesSlide1.xml><?xml version="1.0" encoding="utf-8"?>
+<p:notes xmlns:a="http://schemas.openxmlformats.org/drawingml/2006/main" xmlns:r="http://schemas.openxmlformats.org/officeDocument/2006/relationships" xmlns:p="http://schemas.openxmlformats.org/presentationml/2006/main">
+  <p:cSld>
+    <p:spTree>
+      <p:nvGrpSpPr>
+        <p:cNvPr id="1" name=""/>
+        <p:cNvGrpSpPr/>
+        <p:nvPr/>
+      </p:nvGrpSpPr>
+      <p:grpSpPr>
+        <a:xfrm>
+          <a:off x="0" y="0"/>
+          <a:ext cx="0" cy="0"/>
+          <a:chOff x="0" y="0"/>
+          <a:chExt cx="0" cy="0"/>
+        </a:xfrm>
+      </p:grpSpPr>
+      <p:sp>
+        <p:nvSpPr>
+          <p:cNvPr id="2" name="スライド イメージ プレースホルダー 1"/>
+          <p:cNvSpPr>
+            <a:spLocks noGrp="1" noRot="1" noChangeAspect="1"/>
+          </p:cNvSpPr>
+          <p:nvPr>
+            <p:ph type="sldImg"/>
+          </p:nvPr>
+        </p:nvSpPr>
+        <p:spPr/>
+      </p:sp>
+      <p:sp>
+        <p:nvSpPr>
+          <p:cNvPr id="3" name="ノート プレースホルダー 2"/>
+          <p:cNvSpPr>
+            <a:spLocks noGrp="1"/>
+          </p:cNvSpPr>
+          <p:nvPr>
+            <p:ph type="body" idx="1"/>
+          </p:nvPr>
+        </p:nvSpPr>
+        <p:spPr/>
+        <p:txBody>
+          <a:bodyPr/>
+          <a:lstStyle/>
+          <a:p>
+            <a:endParaRPr kumimoji="1" lang="ja-JP" altLang="en-US" dirty="0"/>
+          </a:p>
+        </p:txBody>
+      </p:sp>
+      <p:sp>
+        <p:nvSpPr>
+          <p:cNvPr id="4" name="スライド番号プレースホルダー 3"/>
+          <p:cNvSpPr>
+            <a:spLocks noGrp="1"/>
+          </p:cNvSpPr>
+          <p:nvPr>
+            <p:ph type="sldNum" sz="quarter" idx="10"/>
+          </p:nvPr>
+        </p:nvSpPr>
+        <p:spPr/>
+        <p:txBody>
+          <a:bodyPr/>
+          <a:lstStyle/>
+          <a:p>
+            <a:fld id="{03CC8917-4D48-8149-BC32-9AB0DD2FF5D3}" type="slidenum">
+              <a:rPr kumimoji="1" lang="ja-JP" altLang="en-US" smtClean="0"/>
+              <a:t>2</a:t>
+            </a:fld>
+            <a:endParaRPr kumimoji="1" lang="ja-JP" altLang="en-US"/>
+          </a:p>
+        </p:txBody>
+      </p:sp>
+    </p:spTree>
+    <p:extLst>
+      <p:ext uri="{BB962C8B-B14F-4D97-AF65-F5344CB8AC3E}">
+        <p14:creationId xmlns:p14="http://schemas.microsoft.com/office/powerpoint/2010/main" val="544781031"/>
+      </p:ext>
+    </p:extLst>
+  </p:cSld>
+  <p:clrMapOvr>
+    <a:masterClrMapping/>
+  </p:clrMapOvr>
+</p:notes>
 </file>
 
 <file path=ppt/slideLayouts/slideLayout1.xml><?xml version="1.0" encoding="utf-8"?>
@@ -6421,6 +6892,154 @@
           <a:lstStyle/>
           <a:p>
             <a:r>
+              <a:rPr lang="en-US" altLang="ja-JP" dirty="0" err="1" smtClean="0"/>
+              <a:t>DOPath</a:t>
+            </a:r>
+            <a:endParaRPr kumimoji="1" lang="ja-JP" altLang="en-US" dirty="0"/>
+          </a:p>
+        </p:txBody>
+      </p:sp>
+      <p:sp>
+        <p:nvSpPr>
+          <p:cNvPr id="3" name="コンテンツ プレースホルダー 2"/>
+          <p:cNvSpPr>
+            <a:spLocks noGrp="1"/>
+          </p:cNvSpPr>
+          <p:nvPr>
+            <p:ph idx="1"/>
+          </p:nvPr>
+        </p:nvSpPr>
+        <p:spPr/>
+        <p:txBody>
+          <a:bodyPr/>
+          <a:lstStyle/>
+          <a:p>
+            <a:r>
+              <a:rPr kumimoji="1" lang="ja-JP" altLang="en-US" dirty="0" smtClean="0"/>
+              <a:t>ぼくもよくわからない</a:t>
+            </a:r>
+            <a:endParaRPr kumimoji="1" lang="ja-JP" altLang="en-US" dirty="0"/>
+          </a:p>
+        </p:txBody>
+      </p:sp>
+    </p:spTree>
+    <p:extLst>
+      <p:ext uri="{BB962C8B-B14F-4D97-AF65-F5344CB8AC3E}">
+        <p14:creationId xmlns:p14="http://schemas.microsoft.com/office/powerpoint/2010/main" val="772492463"/>
+      </p:ext>
+    </p:extLst>
+  </p:cSld>
+  <p:clrMapOvr>
+    <a:masterClrMapping/>
+  </p:clrMapOvr>
+</p:sld>
+</file>
+
+<file path=ppt/slides/slide11.xml><?xml version="1.0" encoding="utf-8"?>
+<p:sld xmlns:a="http://schemas.openxmlformats.org/drawingml/2006/main" xmlns:r="http://schemas.openxmlformats.org/officeDocument/2006/relationships" xmlns:p="http://schemas.openxmlformats.org/presentationml/2006/main">
+  <p:cSld>
+    <p:spTree>
+      <p:nvGrpSpPr>
+        <p:cNvPr id="1" name=""/>
+        <p:cNvGrpSpPr/>
+        <p:nvPr/>
+      </p:nvGrpSpPr>
+      <p:grpSpPr>
+        <a:xfrm>
+          <a:off x="0" y="0"/>
+          <a:ext cx="0" cy="0"/>
+          <a:chOff x="0" y="0"/>
+          <a:chExt cx="0" cy="0"/>
+        </a:xfrm>
+      </p:grpSpPr>
+      <p:sp>
+        <p:nvSpPr>
+          <p:cNvPr id="2" name="タイトル 1"/>
+          <p:cNvSpPr>
+            <a:spLocks noGrp="1"/>
+          </p:cNvSpPr>
+          <p:nvPr>
+            <p:ph type="title"/>
+          </p:nvPr>
+        </p:nvSpPr>
+        <p:spPr/>
+        <p:txBody>
+          <a:bodyPr/>
+          <a:lstStyle/>
+          <a:p>
+            <a:r>
+              <a:rPr kumimoji="1" lang="ja-JP" altLang="en-US" dirty="0" smtClean="0"/>
+              <a:t>動的、につおい</a:t>
+            </a:r>
+            <a:endParaRPr kumimoji="1" lang="ja-JP" altLang="en-US" dirty="0"/>
+          </a:p>
+        </p:txBody>
+      </p:sp>
+      <p:sp>
+        <p:nvSpPr>
+          <p:cNvPr id="3" name="コンテンツ プレースホルダー 2"/>
+          <p:cNvSpPr>
+            <a:spLocks noGrp="1"/>
+          </p:cNvSpPr>
+          <p:nvPr>
+            <p:ph idx="1"/>
+          </p:nvPr>
+        </p:nvSpPr>
+        <p:spPr/>
+        <p:txBody>
+          <a:bodyPr/>
+          <a:lstStyle/>
+          <a:p>
+            <a:endParaRPr kumimoji="1" lang="ja-JP" altLang="en-US"/>
+          </a:p>
+        </p:txBody>
+      </p:sp>
+    </p:spTree>
+    <p:extLst>
+      <p:ext uri="{BB962C8B-B14F-4D97-AF65-F5344CB8AC3E}">
+        <p14:creationId xmlns:p14="http://schemas.microsoft.com/office/powerpoint/2010/main" val="144684845"/>
+      </p:ext>
+    </p:extLst>
+  </p:cSld>
+  <p:clrMapOvr>
+    <a:masterClrMapping/>
+  </p:clrMapOvr>
+</p:sld>
+</file>
+
+<file path=ppt/slides/slide12.xml><?xml version="1.0" encoding="utf-8"?>
+<p:sld xmlns:a="http://schemas.openxmlformats.org/drawingml/2006/main" xmlns:r="http://schemas.openxmlformats.org/officeDocument/2006/relationships" xmlns:p="http://schemas.openxmlformats.org/presentationml/2006/main">
+  <p:cSld>
+    <p:spTree>
+      <p:nvGrpSpPr>
+        <p:cNvPr id="1" name=""/>
+        <p:cNvGrpSpPr/>
+        <p:nvPr/>
+      </p:nvGrpSpPr>
+      <p:grpSpPr>
+        <a:xfrm>
+          <a:off x="0" y="0"/>
+          <a:ext cx="0" cy="0"/>
+          <a:chOff x="0" y="0"/>
+          <a:chExt cx="0" cy="0"/>
+        </a:xfrm>
+      </p:grpSpPr>
+      <p:sp>
+        <p:nvSpPr>
+          <p:cNvPr id="2" name="タイトル 1"/>
+          <p:cNvSpPr>
+            <a:spLocks noGrp="1"/>
+          </p:cNvSpPr>
+          <p:nvPr>
+            <p:ph type="title"/>
+          </p:nvPr>
+        </p:nvSpPr>
+        <p:spPr/>
+        <p:txBody>
+          <a:bodyPr/>
+          <a:lstStyle/>
+          <a:p>
+            <a:r>
               <a:rPr lang="ja-JP" altLang="en-US" dirty="0" smtClean="0"/>
               <a:t>参考</a:t>
             </a:r>
@@ -6476,7 +7095,7 @@
 </p:sld>
 </file>
 
-<file path=ppt/slides/slide11.xml><?xml version="1.0" encoding="utf-8"?>
+<file path=ppt/slides/slide13.xml><?xml version="1.0" encoding="utf-8"?>
 <p:sld xmlns:a="http://schemas.openxmlformats.org/drawingml/2006/main" xmlns:r="http://schemas.openxmlformats.org/officeDocument/2006/relationships" xmlns:p="http://schemas.openxmlformats.org/presentationml/2006/main">
   <p:cSld>
     <p:spTree>
@@ -6696,6 +7315,26 @@
               <a:tabLst/>
               <a:defRPr/>
             </a:pPr>
+            <a:endParaRPr lang="en-US" altLang="ja-JP" dirty="0" smtClean="0"/>
+          </a:p>
+          <a:p>
+            <a:pPr marL="0" marR="0" lvl="0" indent="0" defTabSz="914400" eaLnBrk="1" fontAlgn="auto" latinLnBrk="0" hangingPunct="1">
+              <a:lnSpc>
+                <a:spcPct val="100000"/>
+              </a:lnSpc>
+              <a:spcBef>
+                <a:spcPts val="0"/>
+              </a:spcBef>
+              <a:spcAft>
+                <a:spcPts val="0"/>
+              </a:spcAft>
+              <a:buClrTx/>
+              <a:buSzTx/>
+              <a:buFontTx/>
+              <a:buNone/>
+              <a:tabLst/>
+              <a:defRPr/>
+            </a:pPr>
             <a:r>
               <a:rPr lang="ja-JP" altLang="en-US" dirty="0" smtClean="0"/>
               <a:t>拡張メソッドを使い、</a:t>
@@ -6717,7 +7356,15 @@
             </a:br>
             <a:r>
               <a:rPr lang="en-US" altLang="ja-JP" dirty="0" err="1" smtClean="0"/>
-              <a:t>Transform.DOMoveX</a:t>
+              <a:t>Transform.DOLocalMove</a:t>
+            </a:r>
+            <a:r>
+              <a:rPr lang="ja-JP" altLang="en-US" dirty="0" smtClean="0"/>
+              <a:t>、</a:t>
+            </a:r>
+            <a:r>
+              <a:rPr lang="en-US" altLang="ja-JP" dirty="0" err="1" smtClean="0"/>
+              <a:t>Color.DOColor</a:t>
             </a:r>
             <a:r>
               <a:rPr lang="ja-JP" altLang="en-US" dirty="0" smtClean="0"/>
@@ -6798,7 +7445,12 @@
             <p:ph idx="1"/>
           </p:nvPr>
         </p:nvSpPr>
-        <p:spPr/>
+        <p:spPr>
+          <a:xfrm>
+            <a:off x="1103312" y="1438549"/>
+            <a:ext cx="8946541" cy="4195481"/>
+          </a:xfrm>
+        </p:spPr>
         <p:txBody>
           <a:bodyPr/>
           <a:lstStyle/>
@@ -6833,7 +7485,7 @@
           </p:cNvPicPr>
           <p:nvPr/>
         </p:nvPicPr>
-        <p:blipFill>
+        <p:blipFill rotWithShape="1">
           <a:blip r:embed="rId2">
             <a:extLst>
               <a:ext uri="{28A0092B-C50C-407E-A947-70E740481C1C}">
@@ -6841,20 +7493,171 @@
               </a:ext>
             </a:extLst>
           </a:blip>
-          <a:stretch>
-            <a:fillRect/>
-          </a:stretch>
+          <a:srcRect l="-25155" r="25155"/>
+          <a:stretch/>
         </p:blipFill>
         <p:spPr>
           <a:xfrm>
-            <a:off x="783426" y="3167061"/>
-            <a:ext cx="10625149" cy="461963"/>
+            <a:off x="-1085875" y="2560668"/>
+            <a:ext cx="11591977" cy="503999"/>
           </a:xfrm>
           <a:prstGeom prst="rect">
             <a:avLst/>
           </a:prstGeom>
         </p:spPr>
       </p:pic>
+      <p:sp>
+        <p:nvSpPr>
+          <p:cNvPr id="5" name="テキスト ボックス 4"/>
+          <p:cNvSpPr txBox="1"/>
+          <p:nvPr/>
+        </p:nvSpPr>
+        <p:spPr>
+          <a:xfrm>
+            <a:off x="1066800" y="3557583"/>
+            <a:ext cx="10058400" cy="3416320"/>
+          </a:xfrm>
+          <a:prstGeom prst="rect">
+            <a:avLst/>
+          </a:prstGeom>
+          <a:noFill/>
+        </p:spPr>
+        <p:txBody>
+          <a:bodyPr wrap="square" rtlCol="0">
+            <a:spAutoFit/>
+          </a:bodyPr>
+          <a:lstStyle/>
+          <a:p>
+            <a:r>
+              <a:rPr kumimoji="1" lang="en-US" altLang="ja-JP" dirty="0" smtClean="0"/>
+              <a:t>getter : () =&gt; </a:t>
+            </a:r>
+            <a:r>
+              <a:rPr kumimoji="1" lang="en-US" altLang="ja-JP" dirty="0" err="1" smtClean="0"/>
+              <a:t>this.scoreNum</a:t>
+            </a:r>
+            <a:endParaRPr kumimoji="1" lang="en-US" altLang="ja-JP" dirty="0" smtClean="0"/>
+          </a:p>
+          <a:p>
+            <a:r>
+              <a:rPr kumimoji="1" lang="en-US" altLang="ja-JP" dirty="0" smtClean="0"/>
+              <a:t>	</a:t>
+            </a:r>
+            <a:r>
+              <a:rPr kumimoji="1" lang="ja-JP" altLang="en-US" dirty="0" smtClean="0">
+                <a:solidFill>
+                  <a:srgbClr val="FFFF00"/>
+                </a:solidFill>
+              </a:rPr>
+              <a:t>どの数値から（初期値）</a:t>
+            </a:r>
+            <a:endParaRPr kumimoji="1" lang="en-US" altLang="ja-JP" dirty="0" smtClean="0">
+              <a:solidFill>
+                <a:srgbClr val="FFFF00"/>
+              </a:solidFill>
+            </a:endParaRPr>
+          </a:p>
+          <a:p>
+            <a:endParaRPr kumimoji="1" lang="en-US" altLang="ja-JP" dirty="0"/>
+          </a:p>
+          <a:p>
+            <a:r>
+              <a:rPr kumimoji="1" lang="en-US" altLang="ja-JP" dirty="0"/>
+              <a:t>s</a:t>
+            </a:r>
+            <a:r>
+              <a:rPr kumimoji="1" lang="en-US" altLang="ja-JP" dirty="0" smtClean="0"/>
+              <a:t>etter : (x) =&gt; </a:t>
+            </a:r>
+            <a:r>
+              <a:rPr kumimoji="1" lang="en-US" altLang="ja-JP" dirty="0" err="1" smtClean="0"/>
+              <a:t>this.scoreNum</a:t>
+            </a:r>
+            <a:r>
+              <a:rPr kumimoji="1" lang="en-US" altLang="ja-JP" dirty="0" smtClean="0"/>
+              <a:t> = x</a:t>
+            </a:r>
+          </a:p>
+          <a:p>
+            <a:r>
+              <a:rPr kumimoji="1" lang="en-US" altLang="ja-JP" dirty="0" smtClean="0"/>
+              <a:t>	</a:t>
+            </a:r>
+            <a:r>
+              <a:rPr kumimoji="1" lang="ja-JP" altLang="en-US" dirty="0" smtClean="0">
+                <a:solidFill>
+                  <a:srgbClr val="FFFF00"/>
+                </a:solidFill>
+              </a:rPr>
+              <a:t>どの数値へ</a:t>
+            </a:r>
+            <a:endParaRPr kumimoji="1" lang="en-US" altLang="ja-JP" dirty="0" smtClean="0">
+              <a:solidFill>
+                <a:srgbClr val="FFFF00"/>
+              </a:solidFill>
+            </a:endParaRPr>
+          </a:p>
+          <a:p>
+            <a:endParaRPr kumimoji="1" lang="en-US" altLang="ja-JP" dirty="0"/>
+          </a:p>
+          <a:p>
+            <a:r>
+              <a:rPr kumimoji="1" lang="en-US" altLang="ja-JP" dirty="0" smtClean="0"/>
+              <a:t>to : 10000</a:t>
+            </a:r>
+          </a:p>
+          <a:p>
+            <a:r>
+              <a:rPr kumimoji="1" lang="en-US" altLang="ja-JP" dirty="0" smtClean="0"/>
+              <a:t>	</a:t>
+            </a:r>
+            <a:r>
+              <a:rPr kumimoji="1" lang="ja-JP" altLang="en-US" dirty="0" smtClean="0">
+                <a:solidFill>
+                  <a:srgbClr val="FFFF00"/>
+                </a:solidFill>
+              </a:rPr>
+              <a:t>どれくらいの数値にするか</a:t>
+            </a:r>
+            <a:endParaRPr kumimoji="1" lang="en-US" altLang="ja-JP" dirty="0" smtClean="0">
+              <a:solidFill>
+                <a:srgbClr val="FFFF00"/>
+              </a:solidFill>
+            </a:endParaRPr>
+          </a:p>
+          <a:p>
+            <a:endParaRPr kumimoji="1" lang="en-US" altLang="ja-JP" dirty="0"/>
+          </a:p>
+          <a:p>
+            <a:r>
+              <a:rPr kumimoji="1" lang="en-US" altLang="ja-JP" dirty="0" smtClean="0"/>
+              <a:t>duration : 1.5f</a:t>
+            </a:r>
+          </a:p>
+          <a:p>
+            <a:r>
+              <a:rPr kumimoji="1" lang="en-US" altLang="ja-JP" dirty="0" smtClean="0"/>
+              <a:t>	</a:t>
+            </a:r>
+            <a:r>
+              <a:rPr kumimoji="1" lang="ja-JP" altLang="en-US" dirty="0" smtClean="0">
+                <a:solidFill>
+                  <a:srgbClr val="FFFF00"/>
+                </a:solidFill>
+              </a:rPr>
+              <a:t>何秒で処理を行うか</a:t>
+            </a:r>
+            <a:endParaRPr kumimoji="1" lang="en-US" altLang="ja-JP" dirty="0" smtClean="0">
+              <a:solidFill>
+                <a:srgbClr val="FFFF00"/>
+              </a:solidFill>
+            </a:endParaRPr>
+          </a:p>
+          <a:p>
+            <a:endParaRPr kumimoji="1" lang="ja-JP" altLang="en-US" dirty="0"/>
+          </a:p>
+        </p:txBody>
+      </p:sp>
     </p:spTree>
     <p:extLst>
       <p:ext uri="{BB962C8B-B14F-4D97-AF65-F5344CB8AC3E}">
@@ -6902,7 +7705,7 @@
           <a:p>
             <a:r>
               <a:rPr lang="en-US" altLang="ja-JP" dirty="0" err="1" smtClean="0"/>
-              <a:t>Transform.DOMove</a:t>
+              <a:t>Transform.DOLocalMove</a:t>
             </a:r>
             <a:r>
               <a:rPr lang="ja-JP" altLang="en-US" dirty="0" smtClean="0"/>
@@ -6922,14 +7725,19 @@
             <p:ph idx="1"/>
           </p:nvPr>
         </p:nvSpPr>
-        <p:spPr/>
+        <p:spPr>
+          <a:xfrm>
+            <a:off x="1103312" y="1367115"/>
+            <a:ext cx="8946541" cy="4195481"/>
+          </a:xfrm>
+        </p:spPr>
         <p:txBody>
           <a:bodyPr/>
           <a:lstStyle/>
           <a:p>
             <a:r>
               <a:rPr lang="en-US" altLang="ja-JP" dirty="0" err="1" smtClean="0"/>
-              <a:t>Transform.DOMove</a:t>
+              <a:t>Transform.DOLocalMove</a:t>
             </a:r>
             <a:r>
               <a:rPr lang="en-US" altLang="ja-JP" dirty="0" smtClean="0"/>
@@ -6946,8 +7754,35 @@
           </a:p>
           <a:p>
             <a:r>
+              <a:rPr lang="ja-JP" altLang="en-US" dirty="0" smtClean="0"/>
+              <a:t>拡張</a:t>
+            </a:r>
+            <a:r>
               <a:rPr kumimoji="1" lang="ja-JP" altLang="en-US" dirty="0" smtClean="0"/>
-              <a:t>匿名メソッドを使用しているので</a:t>
+              <a:t>メソッド</a:t>
+            </a:r>
+            <a:r>
+              <a:rPr kumimoji="1" lang="ja-JP" altLang="en-US" dirty="0" smtClean="0"/>
+              <a:t>を使用している</a:t>
+            </a:r>
+            <a:r>
+              <a:rPr kumimoji="1" lang="ja-JP" altLang="en-US" dirty="0" smtClean="0"/>
+              <a:t>ので</a:t>
+            </a:r>
+            <a:r>
+              <a:rPr lang="en-US" altLang="ja-JP" dirty="0" smtClean="0"/>
+              <a:t/>
+            </a:r>
+            <a:br>
+              <a:rPr lang="en-US" altLang="ja-JP" dirty="0" smtClean="0"/>
+            </a:br>
+            <a:r>
+              <a:rPr lang="en-US" altLang="ja-JP" dirty="0" err="1" smtClean="0"/>
+              <a:t>DOTween.To</a:t>
+            </a:r>
+            <a:r>
+              <a:rPr lang="ja-JP" altLang="en-US" dirty="0" smtClean="0"/>
+              <a:t>を使わずに</a:t>
             </a:r>
             <a:r>
               <a:rPr kumimoji="1" lang="en-US" altLang="ja-JP" dirty="0" smtClean="0"/>
@@ -6962,9 +7797,135 @@
             </a:r>
             <a:r>
               <a:rPr kumimoji="1" lang="ja-JP" altLang="en-US" dirty="0" smtClean="0"/>
-              <a:t>などを簡単にあにめーしょんさせることができる</a:t>
+              <a:t>などを簡単</a:t>
+            </a:r>
+            <a:r>
+              <a:rPr kumimoji="1" lang="ja-JP" altLang="en-US" dirty="0" smtClean="0"/>
+              <a:t>にアニメーションさせる</a:t>
+            </a:r>
+            <a:r>
+              <a:rPr kumimoji="1" lang="ja-JP" altLang="en-US" dirty="0" smtClean="0"/>
+              <a:t>ことができる</a:t>
             </a:r>
             <a:endParaRPr kumimoji="1" lang="ja-JP" altLang="en-US" dirty="0"/>
+          </a:p>
+        </p:txBody>
+      </p:sp>
+      <p:pic>
+        <p:nvPicPr>
+          <p:cNvPr id="5" name="図 4"/>
+          <p:cNvPicPr>
+            <a:picLocks noChangeAspect="1"/>
+          </p:cNvPicPr>
+          <p:nvPr/>
+        </p:nvPicPr>
+        <p:blipFill>
+          <a:blip r:embed="rId2">
+            <a:extLst>
+              <a:ext uri="{28A0092B-C50C-407E-A947-70E740481C1C}">
+                <a14:useLocalDpi xmlns:a14="http://schemas.microsoft.com/office/drawing/2010/main" val="0"/>
+              </a:ext>
+            </a:extLst>
+          </a:blip>
+          <a:stretch>
+            <a:fillRect/>
+          </a:stretch>
+        </p:blipFill>
+        <p:spPr>
+          <a:xfrm>
+            <a:off x="1122770" y="3071811"/>
+            <a:ext cx="9946460" cy="615950"/>
+          </a:xfrm>
+          <a:prstGeom prst="rect">
+            <a:avLst/>
+          </a:prstGeom>
+        </p:spPr>
+      </p:pic>
+      <p:sp>
+        <p:nvSpPr>
+          <p:cNvPr id="6" name="テキスト ボックス 5"/>
+          <p:cNvSpPr txBox="1"/>
+          <p:nvPr/>
+        </p:nvSpPr>
+        <p:spPr>
+          <a:xfrm>
+            <a:off x="1409700" y="3957638"/>
+            <a:ext cx="9372600" cy="1477328"/>
+          </a:xfrm>
+          <a:prstGeom prst="rect">
+            <a:avLst/>
+          </a:prstGeom>
+          <a:noFill/>
+        </p:spPr>
+        <p:txBody>
+          <a:bodyPr wrap="square" rtlCol="0">
+            <a:spAutoFit/>
+          </a:bodyPr>
+          <a:lstStyle/>
+          <a:p>
+            <a:r>
+              <a:rPr kumimoji="1" lang="en-US" altLang="ja-JP" dirty="0" err="1" smtClean="0"/>
+              <a:t>endValue</a:t>
+            </a:r>
+            <a:r>
+              <a:rPr kumimoji="1" lang="en-US" altLang="ja-JP" dirty="0" smtClean="0"/>
+              <a:t> : new Vector3(0f, -200f, 0f)</a:t>
+            </a:r>
+          </a:p>
+          <a:p>
+            <a:r>
+              <a:rPr kumimoji="1" lang="en-US" altLang="ja-JP" dirty="0" smtClean="0"/>
+              <a:t>	</a:t>
+            </a:r>
+            <a:r>
+              <a:rPr kumimoji="1" lang="ja-JP" altLang="en-US" dirty="0" smtClean="0">
+                <a:solidFill>
+                  <a:srgbClr val="FFFF00"/>
+                </a:solidFill>
+              </a:rPr>
+              <a:t>この値にする</a:t>
+            </a:r>
+            <a:endParaRPr kumimoji="1" lang="en-US" altLang="ja-JP" dirty="0" smtClean="0">
+              <a:solidFill>
+                <a:srgbClr val="FFFF00"/>
+              </a:solidFill>
+            </a:endParaRPr>
+          </a:p>
+          <a:p>
+            <a:endParaRPr kumimoji="1" lang="en-US" altLang="ja-JP" dirty="0" smtClean="0"/>
+          </a:p>
+          <a:p>
+            <a:r>
+              <a:rPr kumimoji="1" lang="en-US" altLang="ja-JP" dirty="0" smtClean="0"/>
+              <a:t>duration :</a:t>
+            </a:r>
+            <a:r>
+              <a:rPr kumimoji="1" lang="en-US" altLang="ja-JP" dirty="0"/>
+              <a:t> </a:t>
+            </a:r>
+            <a:r>
+              <a:rPr kumimoji="1" lang="en-US" altLang="ja-JP" dirty="0" smtClean="0"/>
+              <a:t>0.5f</a:t>
+            </a:r>
+          </a:p>
+          <a:p>
+            <a:r>
+              <a:rPr kumimoji="1" lang="en-US" altLang="ja-JP" dirty="0"/>
+              <a:t>	</a:t>
+            </a:r>
+            <a:r>
+              <a:rPr kumimoji="1" lang="ja-JP" altLang="en-US" dirty="0" smtClean="0">
+                <a:solidFill>
+                  <a:srgbClr val="FFFF00"/>
+                </a:solidFill>
+              </a:rPr>
+              <a:t>どれくらいで</a:t>
+            </a:r>
+            <a:endParaRPr kumimoji="1" lang="en-US" altLang="ja-JP" dirty="0">
+              <a:solidFill>
+                <a:srgbClr val="FFFF00"/>
+              </a:solidFill>
+            </a:endParaRPr>
           </a:p>
         </p:txBody>
       </p:sp>
@@ -6978,6 +7939,13 @@
   <p:clrMapOvr>
     <a:masterClrMapping/>
   </p:clrMapOvr>
+  <p:timing>
+    <p:tnLst>
+      <p:par>
+        <p:cTn id="1" dur="indefinite" restart="never" nodeType="tmRoot"/>
+      </p:par>
+    </p:tnLst>
+  </p:timing>
 </p:sld>
 </file>
 
@@ -7014,8 +7982,12 @@
           <a:lstStyle/>
           <a:p>
             <a:r>
+              <a:rPr kumimoji="1" lang="en-US" altLang="ja-JP" dirty="0" err="1" smtClean="0"/>
+              <a:t>Transform.DOLocalMoveY</a:t>
+            </a:r>
+            <a:r>
               <a:rPr kumimoji="1" lang="ja-JP" altLang="en-US" dirty="0" smtClean="0"/>
-              <a:t>メソッドチェーン</a:t>
+              <a:t>関数</a:t>
             </a:r>
             <a:endParaRPr kumimoji="1" lang="ja-JP" altLang="en-US" dirty="0"/>
           </a:p>
@@ -7031,27 +8003,83 @@
             <p:ph idx="1"/>
           </p:nvPr>
         </p:nvSpPr>
-        <p:spPr/>
+        <p:spPr>
+          <a:xfrm>
+            <a:off x="1103312" y="1524275"/>
+            <a:ext cx="8946541" cy="4195481"/>
+          </a:xfrm>
+        </p:spPr>
         <p:txBody>
           <a:bodyPr/>
           <a:lstStyle/>
           <a:p>
             <a:r>
+              <a:rPr kumimoji="1" lang="en-US" altLang="ja-JP" dirty="0" err="1" smtClean="0"/>
+              <a:t>Transform.DOLocalMoveY</a:t>
+            </a:r>
+            <a:r>
+              <a:rPr kumimoji="1" lang="en-US" altLang="ja-JP" dirty="0" smtClean="0"/>
+              <a:t>(float </a:t>
+            </a:r>
+            <a:r>
+              <a:rPr kumimoji="1" lang="en-US" altLang="ja-JP" dirty="0" err="1" smtClean="0"/>
+              <a:t>endValue</a:t>
+            </a:r>
+            <a:r>
+              <a:rPr kumimoji="1" lang="en-US" altLang="ja-JP" dirty="0" smtClean="0"/>
+              <a:t>, float duration)</a:t>
+            </a:r>
+          </a:p>
+          <a:p>
+            <a:r>
+              <a:rPr kumimoji="1" lang="en-US" altLang="ja-JP" dirty="0" smtClean="0"/>
+              <a:t>Y</a:t>
+            </a:r>
+            <a:r>
               <a:rPr kumimoji="1" lang="ja-JP" altLang="en-US" dirty="0" smtClean="0"/>
-              <a:t>戻り値が</a:t>
-            </a:r>
-            <a:r>
-              <a:rPr kumimoji="1" lang="en-US" altLang="ja-JP" dirty="0" err="1" smtClean="0"/>
-              <a:t>Tweener</a:t>
-            </a:r>
-            <a:endParaRPr kumimoji="1" lang="en-US" altLang="ja-JP" dirty="0" smtClean="0"/>
-          </a:p>
-        </p:txBody>
-      </p:sp>
+              <a:t>方向</a:t>
+            </a:r>
+            <a:r>
+              <a:rPr lang="ja-JP" altLang="en-US" dirty="0" smtClean="0"/>
+              <a:t>だけの移動ができるのでシンプル</a:t>
+            </a:r>
+            <a:endParaRPr kumimoji="1" lang="ja-JP" altLang="en-US" dirty="0"/>
+          </a:p>
+        </p:txBody>
+      </p:sp>
+      <p:pic>
+        <p:nvPicPr>
+          <p:cNvPr id="4" name="図 3"/>
+          <p:cNvPicPr>
+            <a:picLocks noChangeAspect="1"/>
+          </p:cNvPicPr>
+          <p:nvPr/>
+        </p:nvPicPr>
+        <p:blipFill rotWithShape="1">
+          <a:blip r:embed="rId2">
+            <a:extLst>
+              <a:ext uri="{28A0092B-C50C-407E-A947-70E740481C1C}">
+                <a14:useLocalDpi xmlns:a14="http://schemas.microsoft.com/office/drawing/2010/main" val="0"/>
+              </a:ext>
+            </a:extLst>
+          </a:blip>
+          <a:srcRect l="-37308" r="37308"/>
+          <a:stretch/>
+        </p:blipFill>
+        <p:spPr>
+          <a:xfrm>
+            <a:off x="-2083146" y="2480613"/>
+            <a:ext cx="11386242" cy="498476"/>
+          </a:xfrm>
+          <a:prstGeom prst="rect">
+            <a:avLst/>
+          </a:prstGeom>
+        </p:spPr>
+      </p:pic>
     </p:spTree>
     <p:extLst>
       <p:ext uri="{BB962C8B-B14F-4D97-AF65-F5344CB8AC3E}">
-        <p14:creationId xmlns:p14="http://schemas.microsoft.com/office/powerpoint/2010/main" val="1475396733"/>
+        <p14:creationId xmlns:p14="http://schemas.microsoft.com/office/powerpoint/2010/main" val="471457660"/>
       </p:ext>
     </p:extLst>
   </p:cSld>
@@ -7116,11 +8144,44 @@
           <a:bodyPr/>
           <a:lstStyle/>
           <a:p>
-            <a:r>
-              <a:rPr kumimoji="1" lang="en-US" altLang="ja-JP" dirty="0" err="1" smtClean="0"/>
-              <a:t>OnCompleted</a:t>
-            </a:r>
-            <a:endParaRPr kumimoji="1" lang="en-US" altLang="ja-JP" dirty="0" smtClean="0"/>
+            <a:pPr marL="0" marR="0" lvl="0" indent="0" defTabSz="914400" eaLnBrk="1" fontAlgn="auto" latinLnBrk="0" hangingPunct="1">
+              <a:lnSpc>
+                <a:spcPct val="100000"/>
+              </a:lnSpc>
+              <a:spcBef>
+                <a:spcPts val="0"/>
+              </a:spcBef>
+              <a:spcAft>
+                <a:spcPts val="0"/>
+              </a:spcAft>
+              <a:buClrTx/>
+              <a:buSzTx/>
+              <a:buFontTx/>
+              <a:buNone/>
+              <a:tabLst/>
+              <a:defRPr/>
+            </a:pPr>
+            <a:endParaRPr lang="en-US" altLang="ja-JP" dirty="0" smtClean="0"/>
+          </a:p>
+          <a:p>
+            <a:pPr marL="0" marR="0" lvl="0" indent="0" defTabSz="914400" eaLnBrk="1" fontAlgn="auto" latinLnBrk="0" hangingPunct="1">
+              <a:lnSpc>
+                <a:spcPct val="100000"/>
+              </a:lnSpc>
+              <a:spcBef>
+                <a:spcPts val="0"/>
+              </a:spcBef>
+              <a:spcAft>
+                <a:spcPts val="0"/>
+              </a:spcAft>
+              <a:buClrTx/>
+              <a:buSzTx/>
+              <a:buFontTx/>
+              <a:buNone/>
+              <a:tabLst/>
+              <a:defRPr/>
+            </a:pPr>
+            <a:endParaRPr lang="en-US" altLang="ja-JP" dirty="0" smtClean="0"/>
           </a:p>
         </p:txBody>
       </p:sp>
@@ -7134,6 +8195,13 @@
   <p:clrMapOvr>
     <a:masterClrMapping/>
   </p:clrMapOvr>
+  <p:timing>
+    <p:tnLst>
+      <p:par>
+        <p:cTn id="1" dur="indefinite" restart="never" nodeType="tmRoot"/>
+      </p:par>
+    </p:tnLst>
+  </p:timing>
 </p:sld>
 </file>
 
@@ -7170,40 +8238,82 @@
           <a:lstStyle/>
           <a:p>
             <a:r>
+              <a:rPr kumimoji="1" lang="ja-JP" altLang="en-US" dirty="0" smtClean="0"/>
+              <a:t>コールバックの登録</a:t>
+            </a:r>
+            <a:endParaRPr kumimoji="1" lang="ja-JP" altLang="en-US" dirty="0"/>
+          </a:p>
+        </p:txBody>
+      </p:sp>
+      <p:sp>
+        <p:nvSpPr>
+          <p:cNvPr id="3" name="コンテンツ プレースホルダー 2"/>
+          <p:cNvSpPr>
+            <a:spLocks noGrp="1"/>
+          </p:cNvSpPr>
+          <p:nvPr>
+            <p:ph idx="1"/>
+          </p:nvPr>
+        </p:nvSpPr>
+        <p:spPr/>
+        <p:txBody>
+          <a:bodyPr/>
+          <a:lstStyle/>
+          <a:p>
+            <a:r>
+              <a:rPr lang="ja-JP" altLang="en-US" dirty="0" smtClean="0"/>
+              <a:t>関数の返り値が</a:t>
+            </a:r>
+            <a:r>
+              <a:rPr lang="en-US" altLang="ja-JP" dirty="0" err="1" smtClean="0"/>
+              <a:t>Tweener</a:t>
+            </a:r>
+            <a:endParaRPr lang="en-US" altLang="ja-JP" dirty="0" smtClean="0"/>
+          </a:p>
+          <a:p>
+            <a:r>
               <a:rPr kumimoji="1" lang="en-US" altLang="ja-JP" dirty="0" err="1" smtClean="0"/>
-              <a:t>DOTween.Sequence</a:t>
-            </a:r>
-            <a:r>
-              <a:rPr kumimoji="1" lang="en-US" altLang="ja-JP" dirty="0" smtClean="0"/>
-              <a:t>()</a:t>
-            </a:r>
-            <a:endParaRPr kumimoji="1" lang="ja-JP" altLang="en-US" dirty="0"/>
-          </a:p>
-        </p:txBody>
-      </p:sp>
-      <p:sp>
-        <p:nvSpPr>
-          <p:cNvPr id="3" name="コンテンツ プレースホルダー 2"/>
-          <p:cNvSpPr>
-            <a:spLocks noGrp="1"/>
-          </p:cNvSpPr>
-          <p:nvPr>
-            <p:ph idx="1"/>
-          </p:nvPr>
-        </p:nvSpPr>
-        <p:spPr/>
-        <p:txBody>
-          <a:bodyPr/>
-          <a:lstStyle/>
-          <a:p>
-            <a:endParaRPr kumimoji="1" lang="ja-JP" altLang="en-US"/>
+              <a:t>Tweener</a:t>
+            </a:r>
+            <a:r>
+              <a:rPr kumimoji="1" lang="ja-JP" altLang="en-US" dirty="0" smtClean="0"/>
+              <a:t>には</a:t>
+            </a:r>
+            <a:r>
+              <a:rPr kumimoji="1" lang="en-US" altLang="ja-JP" dirty="0" err="1" smtClean="0"/>
+              <a:t>OnCompleted</a:t>
+            </a:r>
+            <a:r>
+              <a:rPr kumimoji="1" lang="ja-JP" altLang="en-US" dirty="0" smtClean="0"/>
+              <a:t>関数があり、</a:t>
+            </a:r>
+            <a:r>
+              <a:rPr lang="en-US" altLang="ja-JP" dirty="0" smtClean="0"/>
+              <a:t/>
+            </a:r>
+            <a:br>
+              <a:rPr lang="en-US" altLang="ja-JP" dirty="0" smtClean="0"/>
+            </a:br>
+            <a:r>
+              <a:rPr lang="ja-JP" altLang="en-US" dirty="0" smtClean="0"/>
+              <a:t>別のアクション（</a:t>
+            </a:r>
+            <a:r>
+              <a:rPr lang="en-US" altLang="ja-JP" dirty="0" err="1" smtClean="0"/>
+              <a:t>Tweener</a:t>
+            </a:r>
+            <a:r>
+              <a:rPr lang="ja-JP" altLang="en-US" dirty="0" smtClean="0"/>
+              <a:t>）を登録できる</a:t>
+            </a:r>
+            <a:endParaRPr lang="en-US" altLang="ja-JP" dirty="0"/>
           </a:p>
         </p:txBody>
       </p:sp>
     </p:spTree>
     <p:extLst>
       <p:ext uri="{BB962C8B-B14F-4D97-AF65-F5344CB8AC3E}">
-        <p14:creationId xmlns:p14="http://schemas.microsoft.com/office/powerpoint/2010/main" val="1812871117"/>
+        <p14:creationId xmlns:p14="http://schemas.microsoft.com/office/powerpoint/2010/main" val="1124791764"/>
       </p:ext>
     </p:extLst>
   </p:cSld>
@@ -7246,8 +8356,8 @@
           <a:lstStyle/>
           <a:p>
             <a:r>
-              <a:rPr lang="en-US" altLang="ja-JP" dirty="0" err="1" smtClean="0"/>
-              <a:t>DOPath</a:t>
+              <a:rPr kumimoji="1" lang="ja-JP" altLang="en-US" dirty="0" smtClean="0"/>
+              <a:t>メソッドチェーン</a:t>
             </a:r>
             <a:endParaRPr kumimoji="1" lang="ja-JP" altLang="en-US" dirty="0"/>
           </a:p>
@@ -7270,22 +8380,33 @@
           <a:p>
             <a:r>
               <a:rPr kumimoji="1" lang="ja-JP" altLang="en-US" dirty="0" smtClean="0"/>
-              <a:t>ぼくもよくわからない</a:t>
-            </a:r>
-            <a:endParaRPr kumimoji="1" lang="ja-JP" altLang="en-US" dirty="0"/>
+              <a:t>戻り値が</a:t>
+            </a:r>
+            <a:r>
+              <a:rPr kumimoji="1" lang="en-US" altLang="ja-JP" dirty="0" err="1" smtClean="0"/>
+              <a:t>Tweener</a:t>
+            </a:r>
+            <a:endParaRPr kumimoji="1" lang="en-US" altLang="ja-JP" dirty="0" smtClean="0"/>
           </a:p>
         </p:txBody>
       </p:sp>
     </p:spTree>
     <p:extLst>
       <p:ext uri="{BB962C8B-B14F-4D97-AF65-F5344CB8AC3E}">
-        <p14:creationId xmlns:p14="http://schemas.microsoft.com/office/powerpoint/2010/main" val="772492463"/>
+        <p14:creationId xmlns:p14="http://schemas.microsoft.com/office/powerpoint/2010/main" val="1475396733"/>
       </p:ext>
     </p:extLst>
   </p:cSld>
   <p:clrMapOvr>
     <a:masterClrMapping/>
   </p:clrMapOvr>
+  <p:timing>
+    <p:tnLst>
+      <p:par>
+        <p:cTn id="1" dur="indefinite" restart="never" nodeType="tmRoot"/>
+      </p:par>
+    </p:tnLst>
+  </p:timing>
 </p:sld>
 </file>
 
@@ -7322,8 +8443,12 @@
           <a:lstStyle/>
           <a:p>
             <a:r>
-              <a:rPr kumimoji="1" lang="ja-JP" altLang="en-US" dirty="0" smtClean="0"/>
-              <a:t>動的、につおい</a:t>
+              <a:rPr kumimoji="1" lang="en-US" altLang="ja-JP" dirty="0" err="1" smtClean="0"/>
+              <a:t>DOTween.Sequence</a:t>
+            </a:r>
+            <a:r>
+              <a:rPr kumimoji="1" lang="en-US" altLang="ja-JP" dirty="0" smtClean="0"/>
+              <a:t>()</a:t>
             </a:r>
             <a:endParaRPr kumimoji="1" lang="ja-JP" altLang="en-US" dirty="0"/>
           </a:p>
@@ -7351,7 +8476,7 @@
     </p:spTree>
     <p:extLst>
       <p:ext uri="{BB962C8B-B14F-4D97-AF65-F5344CB8AC3E}">
-        <p14:creationId xmlns:p14="http://schemas.microsoft.com/office/powerpoint/2010/main" val="144684845"/>
+        <p14:creationId xmlns:p14="http://schemas.microsoft.com/office/powerpoint/2010/main" val="1812871117"/>
       </p:ext>
     </p:extLst>
   </p:cSld>
@@ -7625,4 +8750,265 @@
     </a:ext>
   </a:extLst>
 </a:theme>
+</file>
+
+<file path=ppt/theme/theme2.xml><?xml version="1.0" encoding="utf-8"?>
+<a:theme xmlns:a="http://schemas.openxmlformats.org/drawingml/2006/main" name="ホワイト">
+  <a:themeElements>
+    <a:clrScheme name="Office">
+      <a:dk1>
+        <a:sysClr val="windowText" lastClr="000000"/>
+      </a:dk1>
+      <a:lt1>
+        <a:sysClr val="window" lastClr="FFFFFF"/>
+      </a:lt1>
+      <a:dk2>
+        <a:srgbClr val="44546A"/>
+      </a:dk2>
+      <a:lt2>
+        <a:srgbClr val="E7E6E6"/>
+      </a:lt2>
+      <a:accent1>
+        <a:srgbClr val="5B9BD5"/>
+      </a:accent1>
+      <a:accent2>
+        <a:srgbClr val="ED7D31"/>
+      </a:accent2>
+      <a:accent3>
+        <a:srgbClr val="A5A5A5"/>
+      </a:accent3>
+      <a:accent4>
+        <a:srgbClr val="FFC000"/>
+      </a:accent4>
+      <a:accent5>
+        <a:srgbClr val="4472C4"/>
+      </a:accent5>
+      <a:accent6>
+        <a:srgbClr val="70AD47"/>
+      </a:accent6>
+      <a:hlink>
+        <a:srgbClr val="0563C1"/>
+      </a:hlink>
+      <a:folHlink>
+        <a:srgbClr val="954F72"/>
+      </a:folHlink>
+    </a:clrScheme>
+    <a:fontScheme name="Office">
+      <a:majorFont>
+        <a:latin typeface="Yu Gothic Light" panose="020F0302020204030204"/>
+        <a:ea typeface=""/>
+        <a:cs typeface=""/>
+        <a:font script="Jpan" typeface="Yu Gothic Light"/>
+        <a:font script="Hang" typeface="맑은 고딕"/>
+        <a:font script="Hans" typeface="DengXian Light"/>
+        <a:font script="Hant" typeface="新細明體"/>
+        <a:font script="Arab" typeface="Times New Roman"/>
+        <a:font script="Hebr" typeface="Times New Roman"/>
+        <a:font script="Thai" typeface="Angsana New"/>
+        <a:font script="Ethi" typeface="Nyala"/>
+        <a:font script="Beng" typeface="Vrinda"/>
+        <a:font script="Gujr" typeface="Shruti"/>
+        <a:font script="Khmr" typeface="MoolBoran"/>
+        <a:font script="Knda" typeface="Tunga"/>
+        <a:font script="Guru" typeface="Raavi"/>
+        <a:font script="Cans" typeface="Euphemia"/>
+        <a:font script="Cher" typeface="Plantagenet Cherokee"/>
+        <a:font script="Yiii" typeface="Microsoft Yi Baiti"/>
+        <a:font script="Tibt" typeface="Microsoft Himalaya"/>
+        <a:font script="Thaa" typeface="MV Boli"/>
+        <a:font script="Deva" typeface="Mangal"/>
+        <a:font script="Telu" typeface="Gautami"/>
+        <a:font script="Taml" typeface="Latha"/>
+        <a:font script="Syrc" typeface="Estrangelo Edessa"/>
+        <a:font script="Orya" typeface="Kalinga"/>
+        <a:font script="Mlym" typeface="Kartika"/>
+        <a:font script="Laoo" typeface="DokChampa"/>
+        <a:font script="Sinh" typeface="Iskoola Pota"/>
+        <a:font script="Mong" typeface="Mongolian Baiti"/>
+        <a:font script="Viet" typeface="Times New Roman"/>
+        <a:font script="Uigh" typeface="Microsoft Uighur"/>
+        <a:font script="Geor" typeface="Sylfaen"/>
+      </a:majorFont>
+      <a:minorFont>
+        <a:latin typeface="Yu Gothic" panose="020F0502020204030204"/>
+        <a:ea typeface=""/>
+        <a:cs typeface=""/>
+        <a:font script="Jpan" typeface="Yu Gothic"/>
+        <a:font script="Hang" typeface="맑은 고딕"/>
+        <a:font script="Hans" typeface="DengXian"/>
+        <a:font script="Hant" typeface="新細明體"/>
+        <a:font script="Arab" typeface="Arial"/>
+        <a:font script="Hebr" typeface="Arial"/>
+        <a:font script="Thai" typeface="Cordia New"/>
+        <a:font script="Ethi" typeface="Nyala"/>
+        <a:font script="Beng" typeface="Vrinda"/>
+        <a:font script="Gujr" typeface="Shruti"/>
+        <a:font script="Khmr" typeface="DaunPenh"/>
+        <a:font script="Knda" typeface="Tunga"/>
+        <a:font script="Guru" typeface="Raavi"/>
+        <a:font script="Cans" typeface="Euphemia"/>
+        <a:font script="Cher" typeface="Plantagenet Cherokee"/>
+        <a:font script="Yiii" typeface="Microsoft Yi Baiti"/>
+        <a:font script="Tibt" typeface="Microsoft Himalaya"/>
+        <a:font script="Thaa" typeface="MV Boli"/>
+        <a:font script="Deva" typeface="Mangal"/>
+        <a:font script="Telu" typeface="Gautami"/>
+        <a:font script="Taml" typeface="Latha"/>
+        <a:font script="Syrc" typeface="Estrangelo Edessa"/>
+        <a:font script="Orya" typeface="Kalinga"/>
+        <a:font script="Mlym" typeface="Kartika"/>
+        <a:font script="Laoo" typeface="DokChampa"/>
+        <a:font script="Sinh" typeface="Iskoola Pota"/>
+        <a:font script="Mong" typeface="Mongolian Baiti"/>
+        <a:font script="Viet" typeface="Arial"/>
+        <a:font script="Uigh" typeface="Microsoft Uighur"/>
+        <a:font script="Geor" typeface="Sylfaen"/>
+      </a:minorFont>
+    </a:fontScheme>
+    <a:fmtScheme name="Office">
+      <a:fillStyleLst>
+        <a:solidFill>
+          <a:schemeClr val="phClr"/>
+        </a:solidFill>
+        <a:gradFill rotWithShape="1">
+          <a:gsLst>
+            <a:gs pos="0">
+              <a:schemeClr val="phClr">
+                <a:lumMod val="110000"/>
+                <a:satMod val="105000"/>
+                <a:tint val="67000"/>
+              </a:schemeClr>
+            </a:gs>
+            <a:gs pos="50000">
+              <a:schemeClr val="phClr">
+                <a:lumMod val="105000"/>
+                <a:satMod val="103000"/>
+                <a:tint val="73000"/>
+              </a:schemeClr>
+            </a:gs>
+            <a:gs pos="100000">
+              <a:schemeClr val="phClr">
+                <a:lumMod val="105000"/>
+                <a:satMod val="109000"/>
+                <a:tint val="81000"/>
+              </a:schemeClr>
+            </a:gs>
+          </a:gsLst>
+          <a:lin ang="5400000" scaled="0"/>
+        </a:gradFill>
+        <a:gradFill rotWithShape="1">
+          <a:gsLst>
+            <a:gs pos="0">
+              <a:schemeClr val="phClr">
+                <a:satMod val="103000"/>
+                <a:lumMod val="102000"/>
+                <a:tint val="94000"/>
+              </a:schemeClr>
+            </a:gs>
+            <a:gs pos="50000">
+              <a:schemeClr val="phClr">
+                <a:satMod val="110000"/>
+                <a:lumMod val="100000"/>
+                <a:shade val="100000"/>
+              </a:schemeClr>
+            </a:gs>
+            <a:gs pos="100000">
+              <a:schemeClr val="phClr">
+                <a:lumMod val="99000"/>
+                <a:satMod val="120000"/>
+                <a:shade val="78000"/>
+              </a:schemeClr>
+            </a:gs>
+          </a:gsLst>
+          <a:lin ang="5400000" scaled="0"/>
+        </a:gradFill>
+      </a:fillStyleLst>
+      <a:lnStyleLst>
+        <a:ln w="6350" cap="flat" cmpd="sng" algn="ctr">
+          <a:solidFill>
+            <a:schemeClr val="phClr"/>
+          </a:solidFill>
+          <a:prstDash val="solid"/>
+          <a:miter lim="800000"/>
+        </a:ln>
+        <a:ln w="12700" cap="flat" cmpd="sng" algn="ctr">
+          <a:solidFill>
+            <a:schemeClr val="phClr"/>
+          </a:solidFill>
+          <a:prstDash val="solid"/>
+          <a:miter lim="800000"/>
+        </a:ln>
+        <a:ln w="19050" cap="flat" cmpd="sng" algn="ctr">
+          <a:solidFill>
+            <a:schemeClr val="phClr"/>
+          </a:solidFill>
+          <a:prstDash val="solid"/>
+          <a:miter lim="800000"/>
+        </a:ln>
+      </a:lnStyleLst>
+      <a:effectStyleLst>
+        <a:effectStyle>
+          <a:effectLst/>
+        </a:effectStyle>
+        <a:effectStyle>
+          <a:effectLst/>
+        </a:effectStyle>
+        <a:effectStyle>
+          <a:effectLst>
+            <a:outerShdw blurRad="57150" dist="19050" dir="5400000" algn="ctr" rotWithShape="0">
+              <a:srgbClr val="000000">
+                <a:alpha val="63000"/>
+              </a:srgbClr>
+            </a:outerShdw>
+          </a:effectLst>
+        </a:effectStyle>
+      </a:effectStyleLst>
+      <a:bgFillStyleLst>
+        <a:solidFill>
+          <a:schemeClr val="phClr"/>
+        </a:solidFill>
+        <a:solidFill>
+          <a:schemeClr val="phClr">
+            <a:tint val="95000"/>
+            <a:satMod val="170000"/>
+          </a:schemeClr>
+        </a:solidFill>
+        <a:gradFill rotWithShape="1">
+          <a:gsLst>
+            <a:gs pos="0">
+              <a:schemeClr val="phClr">
+                <a:tint val="93000"/>
+                <a:satMod val="150000"/>
+                <a:shade val="98000"/>
+                <a:lumMod val="102000"/>
+              </a:schemeClr>
+            </a:gs>
+            <a:gs pos="50000">
+              <a:schemeClr val="phClr">
+                <a:tint val="98000"/>
+                <a:satMod val="130000"/>
+                <a:shade val="90000"/>
+                <a:lumMod val="103000"/>
+              </a:schemeClr>
+            </a:gs>
+            <a:gs pos="100000">
+              <a:schemeClr val="phClr">
+                <a:shade val="63000"/>
+                <a:satMod val="120000"/>
+              </a:schemeClr>
+            </a:gs>
+          </a:gsLst>
+          <a:lin ang="5400000" scaled="0"/>
+        </a:gradFill>
+      </a:bgFillStyleLst>
+    </a:fmtScheme>
+  </a:themeElements>
+  <a:objectDefaults/>
+  <a:extraClrSchemeLst/>
+  <a:extLst>
+    <a:ext uri="{05A4C25C-085E-4340-85A3-A5531E510DB2}">
+      <thm15:themeFamily xmlns:thm15="http://schemas.microsoft.com/office/thememl/2012/main" name="Office Theme" id="{62F939B6-93AF-4DB8-9C6B-D6C7DFDC589F}" vid="{4A3C46E8-61CC-4603-A589-7422A47A8E4A}"/>
+    </a:ext>
+  </a:extLst>
+</a:theme>
 </file>
--- a/RHStudy/Documents/プレゼンテーション1.pptx
+++ b/RHStudy/Documents/プレゼンテーション1.pptx
@@ -13,7 +13,7 @@
     <p:sldId id="258" r:id="rId4"/>
     <p:sldId id="259" r:id="rId5"/>
     <p:sldId id="267" r:id="rId6"/>
-    <p:sldId id="261" r:id="rId7"/>
+    <p:sldId id="269" r:id="rId7"/>
     <p:sldId id="268" r:id="rId8"/>
     <p:sldId id="260" r:id="rId9"/>
     <p:sldId id="262" r:id="rId10"/>
@@ -121,7 +121,7 @@
   </p:defaultTextStyle>
   <p:extLst>
     <p:ext uri="{EFAFB233-063F-42B5-8137-9DF3F51BA10A}">
-      <p15:sldGuideLst xmlns:p15="http://schemas.microsoft.com/office/powerpoint/2012/main">
+      <p15:sldGuideLst xmlns:p15="http://schemas.microsoft.com/office/powerpoint/2012/main" xmlns="">
         <p15:guide id="1" orient="horz" pos="2160">
           <p15:clr>
             <a:srgbClr val="A4A3A4"/>
@@ -220,7 +220,7 @@
           <a:p>
             <a:fld id="{A59D8A1F-F0AA-1E4F-8D40-F254B1315685}" type="datetimeFigureOut">
               <a:rPr kumimoji="1" lang="ja-JP" altLang="en-US" smtClean="0"/>
-              <a:t>2016/8/23</a:t>
+              <a:t>16/08/24</a:t>
             </a:fld>
             <a:endParaRPr kumimoji="1" lang="ja-JP" altLang="en-US"/>
           </a:p>
@@ -790,7 +790,7 @@
           <a:p>
             <a:fld id="{4AAD347D-5ACD-4C99-B74B-A9C85AD731AF}" type="datetimeFigureOut">
               <a:rPr lang="en-US" dirty="0"/>
-              <a:t>8/23/16</a:t>
+              <a:t>16/08/24</a:t>
             </a:fld>
             <a:endParaRPr lang="en-US" dirty="0"/>
           </a:p>
@@ -1060,7 +1060,7 @@
           <a:p>
             <a:fld id="{4509A250-FF31-4206-8172-F9D3106AACB1}" type="datetimeFigureOut">
               <a:rPr lang="en-US" dirty="0"/>
-              <a:t>8/23/16</a:t>
+              <a:t>16/08/24</a:t>
             </a:fld>
             <a:endParaRPr lang="en-US" dirty="0"/>
           </a:p>
@@ -1249,7 +1249,7 @@
           <a:p>
             <a:fld id="{4509A250-FF31-4206-8172-F9D3106AACB1}" type="datetimeFigureOut">
               <a:rPr lang="en-US" dirty="0"/>
-              <a:t>8/23/16</a:t>
+              <a:t>16/08/24</a:t>
             </a:fld>
             <a:endParaRPr lang="en-US" dirty="0"/>
           </a:p>
@@ -1517,7 +1517,7 @@
           <a:p>
             <a:fld id="{4509A250-FF31-4206-8172-F9D3106AACB1}" type="datetimeFigureOut">
               <a:rPr lang="en-US" dirty="0"/>
-              <a:t>8/23/16</a:t>
+              <a:t>16/08/24</a:t>
             </a:fld>
             <a:endParaRPr lang="en-US" dirty="0"/>
           </a:p>
@@ -1853,7 +1853,7 @@
           <a:p>
             <a:fld id="{4509A250-FF31-4206-8172-F9D3106AACB1}" type="datetimeFigureOut">
               <a:rPr lang="en-US" dirty="0"/>
-              <a:t>8/23/16</a:t>
+              <a:t>16/08/24</a:t>
             </a:fld>
             <a:endParaRPr lang="en-US" dirty="0"/>
           </a:p>
@@ -2471,7 +2471,7 @@
           <a:p>
             <a:fld id="{4509A250-FF31-4206-8172-F9D3106AACB1}" type="datetimeFigureOut">
               <a:rPr lang="en-US" dirty="0"/>
-              <a:t>8/23/16</a:t>
+              <a:t>16/08/24</a:t>
             </a:fld>
             <a:endParaRPr lang="en-US" dirty="0"/>
           </a:p>
@@ -3326,7 +3326,7 @@
           <a:p>
             <a:fld id="{4509A250-FF31-4206-8172-F9D3106AACB1}" type="datetimeFigureOut">
               <a:rPr lang="en-US" dirty="0"/>
-              <a:t>8/23/16</a:t>
+              <a:t>16/08/24</a:t>
             </a:fld>
             <a:endParaRPr lang="en-US" dirty="0"/>
           </a:p>
@@ -3523,7 +3523,7 @@
           <a:p>
             <a:fld id="{4509A250-FF31-4206-8172-F9D3106AACB1}" type="datetimeFigureOut">
               <a:rPr lang="en-US" dirty="0"/>
-              <a:t>8/23/16</a:t>
+              <a:t>16/08/24</a:t>
             </a:fld>
             <a:endParaRPr lang="en-US" dirty="0"/>
           </a:p>
@@ -3730,7 +3730,7 @@
           <a:p>
             <a:fld id="{4509A250-FF31-4206-8172-F9D3106AACB1}" type="datetimeFigureOut">
               <a:rPr lang="en-US" dirty="0"/>
-              <a:t>8/23/16</a:t>
+              <a:t>16/08/24</a:t>
             </a:fld>
             <a:endParaRPr lang="en-US" dirty="0"/>
           </a:p>
@@ -3927,7 +3927,7 @@
           <a:p>
             <a:fld id="{4509A250-FF31-4206-8172-F9D3106AACB1}" type="datetimeFigureOut">
               <a:rPr lang="en-US" dirty="0"/>
-              <a:t>8/23/16</a:t>
+              <a:t>16/08/24</a:t>
             </a:fld>
             <a:endParaRPr lang="en-US" dirty="0"/>
           </a:p>
@@ -4169,7 +4169,7 @@
           <a:p>
             <a:fld id="{9796027F-7875-4030-9381-8BD8C4F21935}" type="datetimeFigureOut">
               <a:rPr lang="en-US" dirty="0"/>
-              <a:t>8/23/16</a:t>
+              <a:t>16/08/24</a:t>
             </a:fld>
             <a:endParaRPr lang="en-US" dirty="0"/>
           </a:p>
@@ -4520,7 +4520,7 @@
           <a:p>
             <a:fld id="{9796027F-7875-4030-9381-8BD8C4F21935}" type="datetimeFigureOut">
               <a:rPr lang="en-US" dirty="0"/>
-              <a:t>8/23/16</a:t>
+              <a:t>16/08/24</a:t>
             </a:fld>
             <a:endParaRPr lang="en-US" dirty="0"/>
           </a:p>
@@ -5023,7 +5023,7 @@
           <a:p>
             <a:fld id="{9796027F-7875-4030-9381-8BD8C4F21935}" type="datetimeFigureOut">
               <a:rPr lang="en-US" dirty="0"/>
-              <a:t>8/23/16</a:t>
+              <a:t>16/08/24</a:t>
             </a:fld>
             <a:endParaRPr lang="en-US" dirty="0"/>
           </a:p>
@@ -5136,7 +5136,7 @@
           <a:p>
             <a:fld id="{4509A250-FF31-4206-8172-F9D3106AACB1}" type="datetimeFigureOut">
               <a:rPr lang="en-US" dirty="0"/>
-              <a:t>8/23/16</a:t>
+              <a:t>16/08/24</a:t>
             </a:fld>
             <a:endParaRPr lang="en-US" dirty="0"/>
           </a:p>
@@ -5226,7 +5226,7 @@
           <a:p>
             <a:fld id="{4509A250-FF31-4206-8172-F9D3106AACB1}" type="datetimeFigureOut">
               <a:rPr lang="en-US" dirty="0"/>
-              <a:t>8/23/16</a:t>
+              <a:t>16/08/24</a:t>
             </a:fld>
             <a:endParaRPr lang="en-US" dirty="0"/>
           </a:p>
@@ -5532,7 +5532,7 @@
           <a:p>
             <a:fld id="{4509A250-FF31-4206-8172-F9D3106AACB1}" type="datetimeFigureOut">
               <a:rPr lang="en-US" dirty="0"/>
-              <a:t>8/23/16</a:t>
+              <a:t>16/08/24</a:t>
             </a:fld>
             <a:endParaRPr lang="en-US" dirty="0"/>
           </a:p>
@@ -5802,7 +5802,7 @@
           <a:p>
             <a:fld id="{4509A250-FF31-4206-8172-F9D3106AACB1}" type="datetimeFigureOut">
               <a:rPr lang="en-US" dirty="0"/>
-              <a:t>8/23/16</a:t>
+              <a:t>16/08/24</a:t>
             </a:fld>
             <a:endParaRPr lang="en-US" dirty="0"/>
           </a:p>
@@ -6258,7 +6258,7 @@
           <a:p>
             <a:fld id="{4AAD347D-5ACD-4C99-B74B-A9C85AD731AF}" type="datetimeFigureOut">
               <a:rPr lang="en-US" dirty="0"/>
-              <a:t>8/23/16</a:t>
+              <a:t>16/08/24</a:t>
             </a:fld>
             <a:endParaRPr lang="en-US" dirty="0"/>
           </a:p>
@@ -6852,7 +6852,7 @@
   <p:timing>
     <p:tnLst>
       <p:par>
-        <p:cTn id="1" dur="indefinite" restart="never" nodeType="tmRoot"/>
+        <p:cTn xmlns:p14="http://schemas.microsoft.com/office/powerpoint/2010/main" id="1" dur="indefinite" restart="never" nodeType="tmRoot"/>
       </p:par>
     </p:tnLst>
   </p:timing>
@@ -7498,7 +7498,7 @@
         </p:blipFill>
         <p:spPr>
           <a:xfrm>
-            <a:off x="-1085875" y="2560668"/>
+            <a:off x="-1480983" y="2560668"/>
             <a:ext cx="11591977" cy="503999"/>
           </a:xfrm>
           <a:prstGeom prst="rect">
@@ -7759,15 +7759,7 @@
             </a:r>
             <a:r>
               <a:rPr kumimoji="1" lang="ja-JP" altLang="en-US" dirty="0" smtClean="0"/>
-              <a:t>メソッド</a:t>
-            </a:r>
-            <a:r>
-              <a:rPr kumimoji="1" lang="ja-JP" altLang="en-US" dirty="0" smtClean="0"/>
-              <a:t>を使用している</a:t>
-            </a:r>
-            <a:r>
-              <a:rPr kumimoji="1" lang="ja-JP" altLang="en-US" dirty="0" smtClean="0"/>
-              <a:t>ので</a:t>
+              <a:t>メソッドを使用しているので</a:t>
             </a:r>
             <a:r>
               <a:rPr lang="en-US" altLang="ja-JP" dirty="0" smtClean="0"/>
@@ -7797,15 +7789,7 @@
             </a:r>
             <a:r>
               <a:rPr kumimoji="1" lang="ja-JP" altLang="en-US" dirty="0" smtClean="0"/>
-              <a:t>などを簡単</a:t>
-            </a:r>
-            <a:r>
-              <a:rPr kumimoji="1" lang="ja-JP" altLang="en-US" dirty="0" smtClean="0"/>
-              <a:t>にアニメーションさせる</a:t>
-            </a:r>
-            <a:r>
-              <a:rPr kumimoji="1" lang="ja-JP" altLang="en-US" dirty="0" smtClean="0"/>
-              <a:t>ことができる</a:t>
+              <a:t>などを簡単にアニメーションさせることができる</a:t>
             </a:r>
             <a:endParaRPr kumimoji="1" lang="ja-JP" altLang="en-US" dirty="0"/>
           </a:p>
@@ -7833,7 +7817,7 @@
         </p:blipFill>
         <p:spPr>
           <a:xfrm>
-            <a:off x="1122770" y="3071811"/>
+            <a:off x="1292102" y="3071811"/>
             <a:ext cx="9946460" cy="615950"/>
           </a:xfrm>
           <a:prstGeom prst="rect">
@@ -7942,7 +7926,7 @@
   <p:timing>
     <p:tnLst>
       <p:par>
-        <p:cTn id="1" dur="indefinite" restart="never" nodeType="tmRoot"/>
+        <p:cTn xmlns:p14="http://schemas.microsoft.com/office/powerpoint/2010/main" id="1" dur="indefinite" restart="never" nodeType="tmRoot"/>
       </p:par>
     </p:tnLst>
   </p:timing>
@@ -8068,7 +8052,7 @@
         </p:blipFill>
         <p:spPr>
           <a:xfrm>
-            <a:off x="-2083146" y="2480613"/>
+            <a:off x="-2746363" y="2480613"/>
             <a:ext cx="11386242" cy="498476"/>
           </a:xfrm>
           <a:prstGeom prst="rect">
@@ -8122,8 +8106,12 @@
           <a:lstStyle/>
           <a:p>
             <a:r>
+              <a:rPr kumimoji="1" lang="en-US" altLang="ja-JP" dirty="0" err="1" smtClean="0"/>
+              <a:t>Tweener</a:t>
+            </a:r>
+            <a:r>
               <a:rPr kumimoji="1" lang="ja-JP" altLang="en-US" dirty="0" smtClean="0"/>
-              <a:t>コールバックの登録</a:t>
+              <a:t>について</a:t>
             </a:r>
             <a:endParaRPr kumimoji="1" lang="ja-JP" altLang="en-US" dirty="0"/>
           </a:p>
@@ -8144,64 +8132,39 @@
           <a:bodyPr/>
           <a:lstStyle/>
           <a:p>
-            <a:pPr marL="0" marR="0" lvl="0" indent="0" defTabSz="914400" eaLnBrk="1" fontAlgn="auto" latinLnBrk="0" hangingPunct="1">
-              <a:lnSpc>
-                <a:spcPct val="100000"/>
-              </a:lnSpc>
-              <a:spcBef>
-                <a:spcPts val="0"/>
-              </a:spcBef>
-              <a:spcAft>
-                <a:spcPts val="0"/>
-              </a:spcAft>
-              <a:buClrTx/>
-              <a:buSzTx/>
-              <a:buFontTx/>
-              <a:buNone/>
-              <a:tabLst/>
-              <a:defRPr/>
-            </a:pPr>
-            <a:endParaRPr lang="en-US" altLang="ja-JP" dirty="0" smtClean="0"/>
-          </a:p>
-          <a:p>
-            <a:pPr marL="0" marR="0" lvl="0" indent="0" defTabSz="914400" eaLnBrk="1" fontAlgn="auto" latinLnBrk="0" hangingPunct="1">
-              <a:lnSpc>
-                <a:spcPct val="100000"/>
-              </a:lnSpc>
-              <a:spcBef>
-                <a:spcPts val="0"/>
-              </a:spcBef>
-              <a:spcAft>
-                <a:spcPts val="0"/>
-              </a:spcAft>
-              <a:buClrTx/>
-              <a:buSzTx/>
-              <a:buFontTx/>
-              <a:buNone/>
-              <a:tabLst/>
-              <a:defRPr/>
-            </a:pPr>
-            <a:endParaRPr lang="en-US" altLang="ja-JP" dirty="0" smtClean="0"/>
+            <a:r>
+              <a:rPr kumimoji="1" lang="en-US" altLang="ja-JP" dirty="0" err="1" smtClean="0"/>
+              <a:t>DOTween</a:t>
+            </a:r>
+            <a:r>
+              <a:rPr kumimoji="1" lang="ja-JP" altLang="en-US" dirty="0" smtClean="0"/>
+              <a:t>の関数は返り値が</a:t>
+            </a:r>
+            <a:r>
+              <a:rPr kumimoji="1" lang="en-US" altLang="ja-JP" dirty="0" err="1" smtClean="0"/>
+              <a:t>Tweener</a:t>
+            </a:r>
+            <a:r>
+              <a:rPr kumimoji="1" lang="ja-JP" altLang="en-US" dirty="0" smtClean="0"/>
+              <a:t>になっている。</a:t>
+            </a:r>
+            <a:endParaRPr kumimoji="1" lang="en-US" altLang="ja-JP" dirty="0" smtClean="0"/>
+          </a:p>
+          <a:p>
+            <a:endParaRPr kumimoji="1" lang="ja-JP" altLang="en-US"/>
           </a:p>
         </p:txBody>
       </p:sp>
     </p:spTree>
     <p:extLst>
       <p:ext uri="{BB962C8B-B14F-4D97-AF65-F5344CB8AC3E}">
-        <p14:creationId xmlns:p14="http://schemas.microsoft.com/office/powerpoint/2010/main" val="1693011125"/>
+        <p14:creationId xmlns:p14="http://schemas.microsoft.com/office/powerpoint/2010/main" val="3558638518"/>
       </p:ext>
     </p:extLst>
   </p:cSld>
   <p:clrMapOvr>
     <a:masterClrMapping/>
   </p:clrMapOvr>
-  <p:timing>
-    <p:tnLst>
-      <p:par>
-        <p:cTn id="1" dur="indefinite" restart="never" nodeType="tmRoot"/>
-      </p:par>
-    </p:tnLst>
-  </p:timing>
 </p:sld>
 </file>
 
@@ -8403,7 +8366,7 @@
   <p:timing>
     <p:tnLst>
       <p:par>
-        <p:cTn id="1" dur="indefinite" restart="never" nodeType="tmRoot"/>
+        <p:cTn xmlns:p14="http://schemas.microsoft.com/office/powerpoint/2010/main" id="1" dur="indefinite" restart="never" nodeType="tmRoot"/>
       </p:par>
     </p:tnLst>
   </p:timing>
@@ -8746,7 +8709,7 @@
   <a:extraClrSchemeLst/>
   <a:extLst>
     <a:ext uri="{05A4C25C-085E-4340-85A3-A5531E510DB2}">
-      <thm15:themeFamily xmlns:thm15="http://schemas.microsoft.com/office/thememl/2012/main" name="Ion" id="{B8441ADB-2E43-4AF7-B97A-BD870242C6A8}" vid="{292E63A9-BB86-4E3D-B92A-7223C6510D2E}"/>
+      <thm15:themeFamily xmlns:thm15="http://schemas.microsoft.com/office/thememl/2012/main" xmlns="" name="Ion" id="{B8441ADB-2E43-4AF7-B97A-BD870242C6A8}" vid="{292E63A9-BB86-4E3D-B92A-7223C6510D2E}"/>
     </a:ext>
   </a:extLst>
 </a:theme>
@@ -8795,7 +8758,7 @@
     </a:clrScheme>
     <a:fontScheme name="Office">
       <a:majorFont>
-        <a:latin typeface="Yu Gothic Light" panose="020F0302020204030204"/>
+        <a:latin typeface="Yu Gothic Light"/>
         <a:ea typeface=""/>
         <a:cs typeface=""/>
         <a:font script="Jpan" typeface="Yu Gothic Light"/>
@@ -8830,7 +8793,7 @@
         <a:font script="Geor" typeface="Sylfaen"/>
       </a:majorFont>
       <a:minorFont>
-        <a:latin typeface="Yu Gothic" panose="020F0502020204030204"/>
+        <a:latin typeface="Yu Gothic"/>
         <a:ea typeface=""/>
         <a:cs typeface=""/>
         <a:font script="Jpan" typeface="Yu Gothic"/>
@@ -9007,7 +8970,7 @@
   <a:extraClrSchemeLst/>
   <a:extLst>
     <a:ext uri="{05A4C25C-085E-4340-85A3-A5531E510DB2}">
-      <thm15:themeFamily xmlns:thm15="http://schemas.microsoft.com/office/thememl/2012/main" name="Office Theme" id="{62F939B6-93AF-4DB8-9C6B-D6C7DFDC589F}" vid="{4A3C46E8-61CC-4603-A589-7422A47A8E4A}"/>
+      <thm15:themeFamily xmlns:thm15="http://schemas.microsoft.com/office/thememl/2012/main" xmlns="" name="Office Theme" id="{62F939B6-93AF-4DB8-9C6B-D6C7DFDC589F}" vid="{4A3C46E8-61CC-4603-A589-7422A47A8E4A}"/>
     </a:ext>
   </a:extLst>
 </a:theme>

--- a/RHStudy/Documents/プレゼンテーション1.pptx
+++ b/RHStudy/Documents/プレゼンテーション1.pptx
@@ -5,7 +5,7 @@
     <p:sldMasterId id="2147483648" r:id="rId1"/>
   </p:sldMasterIdLst>
   <p:notesMasterIdLst>
-    <p:notesMasterId r:id="rId15"/>
+    <p:notesMasterId r:id="rId17"/>
   </p:notesMasterIdLst>
   <p:sldIdLst>
     <p:sldId id="256" r:id="rId2"/>
@@ -17,10 +17,12 @@
     <p:sldId id="268" r:id="rId8"/>
     <p:sldId id="260" r:id="rId9"/>
     <p:sldId id="262" r:id="rId10"/>
-    <p:sldId id="263" r:id="rId11"/>
-    <p:sldId id="264" r:id="rId12"/>
-    <p:sldId id="266" r:id="rId13"/>
-    <p:sldId id="265" r:id="rId14"/>
+    <p:sldId id="271" r:id="rId11"/>
+    <p:sldId id="272" r:id="rId12"/>
+    <p:sldId id="270" r:id="rId13"/>
+    <p:sldId id="264" r:id="rId14"/>
+    <p:sldId id="266" r:id="rId15"/>
+    <p:sldId id="265" r:id="rId16"/>
   </p:sldIdLst>
   <p:sldSz cx="12192000" cy="6858000"/>
   <p:notesSz cx="6858000" cy="9144000"/>
@@ -121,7 +123,7 @@
   </p:defaultTextStyle>
   <p:extLst>
     <p:ext uri="{EFAFB233-063F-42B5-8137-9DF3F51BA10A}">
-      <p15:sldGuideLst xmlns:p15="http://schemas.microsoft.com/office/powerpoint/2012/main" xmlns="">
+      <p15:sldGuideLst xmlns:p15="http://schemas.microsoft.com/office/powerpoint/2012/main">
         <p15:guide id="1" orient="horz" pos="2160">
           <p15:clr>
             <a:srgbClr val="A4A3A4"/>
@@ -220,7 +222,7 @@
           <a:p>
             <a:fld id="{A59D8A1F-F0AA-1E4F-8D40-F254B1315685}" type="datetimeFigureOut">
               <a:rPr kumimoji="1" lang="ja-JP" altLang="en-US" smtClean="0"/>
-              <a:t>16/08/24</a:t>
+              <a:t>2016/8/24</a:t>
             </a:fld>
             <a:endParaRPr kumimoji="1" lang="ja-JP" altLang="en-US"/>
           </a:p>
@@ -790,7 +792,7 @@
           <a:p>
             <a:fld id="{4AAD347D-5ACD-4C99-B74B-A9C85AD731AF}" type="datetimeFigureOut">
               <a:rPr lang="en-US" dirty="0"/>
-              <a:t>16/08/24</a:t>
+              <a:t>8/24/16</a:t>
             </a:fld>
             <a:endParaRPr lang="en-US" dirty="0"/>
           </a:p>
@@ -1060,7 +1062,7 @@
           <a:p>
             <a:fld id="{4509A250-FF31-4206-8172-F9D3106AACB1}" type="datetimeFigureOut">
               <a:rPr lang="en-US" dirty="0"/>
-              <a:t>16/08/24</a:t>
+              <a:t>8/24/16</a:t>
             </a:fld>
             <a:endParaRPr lang="en-US" dirty="0"/>
           </a:p>
@@ -1249,7 +1251,7 @@
           <a:p>
             <a:fld id="{4509A250-FF31-4206-8172-F9D3106AACB1}" type="datetimeFigureOut">
               <a:rPr lang="en-US" dirty="0"/>
-              <a:t>16/08/24</a:t>
+              <a:t>8/24/16</a:t>
             </a:fld>
             <a:endParaRPr lang="en-US" dirty="0"/>
           </a:p>
@@ -1517,7 +1519,7 @@
           <a:p>
             <a:fld id="{4509A250-FF31-4206-8172-F9D3106AACB1}" type="datetimeFigureOut">
               <a:rPr lang="en-US" dirty="0"/>
-              <a:t>16/08/24</a:t>
+              <a:t>8/24/16</a:t>
             </a:fld>
             <a:endParaRPr lang="en-US" dirty="0"/>
           </a:p>
@@ -1853,7 +1855,7 @@
           <a:p>
             <a:fld id="{4509A250-FF31-4206-8172-F9D3106AACB1}" type="datetimeFigureOut">
               <a:rPr lang="en-US" dirty="0"/>
-              <a:t>16/08/24</a:t>
+              <a:t>8/24/16</a:t>
             </a:fld>
             <a:endParaRPr lang="en-US" dirty="0"/>
           </a:p>
@@ -2471,7 +2473,7 @@
           <a:p>
             <a:fld id="{4509A250-FF31-4206-8172-F9D3106AACB1}" type="datetimeFigureOut">
               <a:rPr lang="en-US" dirty="0"/>
-              <a:t>16/08/24</a:t>
+              <a:t>8/24/16</a:t>
             </a:fld>
             <a:endParaRPr lang="en-US" dirty="0"/>
           </a:p>
@@ -3326,7 +3328,7 @@
           <a:p>
             <a:fld id="{4509A250-FF31-4206-8172-F9D3106AACB1}" type="datetimeFigureOut">
               <a:rPr lang="en-US" dirty="0"/>
-              <a:t>16/08/24</a:t>
+              <a:t>8/24/16</a:t>
             </a:fld>
             <a:endParaRPr lang="en-US" dirty="0"/>
           </a:p>
@@ -3523,7 +3525,7 @@
           <a:p>
             <a:fld id="{4509A250-FF31-4206-8172-F9D3106AACB1}" type="datetimeFigureOut">
               <a:rPr lang="en-US" dirty="0"/>
-              <a:t>16/08/24</a:t>
+              <a:t>8/24/16</a:t>
             </a:fld>
             <a:endParaRPr lang="en-US" dirty="0"/>
           </a:p>
@@ -3730,7 +3732,7 @@
           <a:p>
             <a:fld id="{4509A250-FF31-4206-8172-F9D3106AACB1}" type="datetimeFigureOut">
               <a:rPr lang="en-US" dirty="0"/>
-              <a:t>16/08/24</a:t>
+              <a:t>8/24/16</a:t>
             </a:fld>
             <a:endParaRPr lang="en-US" dirty="0"/>
           </a:p>
@@ -3927,7 +3929,7 @@
           <a:p>
             <a:fld id="{4509A250-FF31-4206-8172-F9D3106AACB1}" type="datetimeFigureOut">
               <a:rPr lang="en-US" dirty="0"/>
-              <a:t>16/08/24</a:t>
+              <a:t>8/24/16</a:t>
             </a:fld>
             <a:endParaRPr lang="en-US" dirty="0"/>
           </a:p>
@@ -4169,7 +4171,7 @@
           <a:p>
             <a:fld id="{9796027F-7875-4030-9381-8BD8C4F21935}" type="datetimeFigureOut">
               <a:rPr lang="en-US" dirty="0"/>
-              <a:t>16/08/24</a:t>
+              <a:t>8/24/16</a:t>
             </a:fld>
             <a:endParaRPr lang="en-US" dirty="0"/>
           </a:p>
@@ -4520,7 +4522,7 @@
           <a:p>
             <a:fld id="{9796027F-7875-4030-9381-8BD8C4F21935}" type="datetimeFigureOut">
               <a:rPr lang="en-US" dirty="0"/>
-              <a:t>16/08/24</a:t>
+              <a:t>8/24/16</a:t>
             </a:fld>
             <a:endParaRPr lang="en-US" dirty="0"/>
           </a:p>
@@ -5023,7 +5025,7 @@
           <a:p>
             <a:fld id="{9796027F-7875-4030-9381-8BD8C4F21935}" type="datetimeFigureOut">
               <a:rPr lang="en-US" dirty="0"/>
-              <a:t>16/08/24</a:t>
+              <a:t>8/24/16</a:t>
             </a:fld>
             <a:endParaRPr lang="en-US" dirty="0"/>
           </a:p>
@@ -5136,7 +5138,7 @@
           <a:p>
             <a:fld id="{4509A250-FF31-4206-8172-F9D3106AACB1}" type="datetimeFigureOut">
               <a:rPr lang="en-US" dirty="0"/>
-              <a:t>16/08/24</a:t>
+              <a:t>8/24/16</a:t>
             </a:fld>
             <a:endParaRPr lang="en-US" dirty="0"/>
           </a:p>
@@ -5226,7 +5228,7 @@
           <a:p>
             <a:fld id="{4509A250-FF31-4206-8172-F9D3106AACB1}" type="datetimeFigureOut">
               <a:rPr lang="en-US" dirty="0"/>
-              <a:t>16/08/24</a:t>
+              <a:t>8/24/16</a:t>
             </a:fld>
             <a:endParaRPr lang="en-US" dirty="0"/>
           </a:p>
@@ -5532,7 +5534,7 @@
           <a:p>
             <a:fld id="{4509A250-FF31-4206-8172-F9D3106AACB1}" type="datetimeFigureOut">
               <a:rPr lang="en-US" dirty="0"/>
-              <a:t>16/08/24</a:t>
+              <a:t>8/24/16</a:t>
             </a:fld>
             <a:endParaRPr lang="en-US" dirty="0"/>
           </a:p>
@@ -5802,7 +5804,7 @@
           <a:p>
             <a:fld id="{4509A250-FF31-4206-8172-F9D3106AACB1}" type="datetimeFigureOut">
               <a:rPr lang="en-US" dirty="0"/>
-              <a:t>16/08/24</a:t>
+              <a:t>8/24/16</a:t>
             </a:fld>
             <a:endParaRPr lang="en-US" dirty="0"/>
           </a:p>
@@ -6258,7 +6260,7 @@
           <a:p>
             <a:fld id="{4AAD347D-5ACD-4C99-B74B-A9C85AD731AF}" type="datetimeFigureOut">
               <a:rPr lang="en-US" dirty="0"/>
-              <a:t>16/08/24</a:t>
+              <a:t>8/24/16</a:t>
             </a:fld>
             <a:endParaRPr lang="en-US" dirty="0"/>
           </a:p>
@@ -6852,7 +6854,7 @@
   <p:timing>
     <p:tnLst>
       <p:par>
-        <p:cTn xmlns:p14="http://schemas.microsoft.com/office/powerpoint/2010/main" id="1" dur="indefinite" restart="never" nodeType="tmRoot"/>
+        <p:cTn id="1" dur="indefinite" restart="never" nodeType="tmRoot"/>
       </p:par>
     </p:tnLst>
   </p:timing>
@@ -6892,8 +6894,8 @@
           <a:lstStyle/>
           <a:p>
             <a:r>
-              <a:rPr lang="en-US" altLang="ja-JP" dirty="0" err="1" smtClean="0"/>
-              <a:t>DOPath</a:t>
+              <a:rPr kumimoji="1" lang="en-US" altLang="ja-JP" dirty="0" err="1" smtClean="0"/>
+              <a:t>DOTween.Sequence</a:t>
             </a:r>
             <a:endParaRPr kumimoji="1" lang="ja-JP" altLang="en-US" dirty="0"/>
           </a:p>
@@ -6909,23 +6911,117 @@
             <p:ph idx="1"/>
           </p:nvPr>
         </p:nvSpPr>
-        <p:spPr/>
-        <p:txBody>
-          <a:bodyPr/>
-          <a:lstStyle/>
-          <a:p>
-            <a:r>
-              <a:rPr kumimoji="1" lang="ja-JP" altLang="en-US" dirty="0" smtClean="0"/>
-              <a:t>ぼくもよくわからない</a:t>
-            </a:r>
-            <a:endParaRPr kumimoji="1" lang="ja-JP" altLang="en-US" dirty="0"/>
-          </a:p>
-        </p:txBody>
-      </p:sp>
+        <p:spPr>
+          <a:xfrm>
+            <a:off x="1103312" y="1481412"/>
+            <a:ext cx="8946541" cy="4195481"/>
+          </a:xfrm>
+        </p:spPr>
+        <p:txBody>
+          <a:bodyPr>
+            <a:normAutofit/>
+          </a:bodyPr>
+          <a:lstStyle/>
+          <a:p>
+            <a:r>
+              <a:rPr lang="ja-JP" altLang="en-US" sz="2400" dirty="0" smtClean="0"/>
+              <a:t>メソッドチェーンにすることもできる。</a:t>
+            </a:r>
+            <a:endParaRPr kumimoji="1" lang="ja-JP" altLang="en-US" sz="2400" dirty="0"/>
+          </a:p>
+        </p:txBody>
+      </p:sp>
+      <p:sp>
+        <p:nvSpPr>
+          <p:cNvPr id="5" name="テキスト ボックス 4"/>
+          <p:cNvSpPr txBox="1"/>
+          <p:nvPr/>
+        </p:nvSpPr>
+        <p:spPr>
+          <a:xfrm>
+            <a:off x="1448819" y="4414838"/>
+            <a:ext cx="9566844" cy="830997"/>
+          </a:xfrm>
+          <a:prstGeom prst="rect">
+            <a:avLst/>
+          </a:prstGeom>
+          <a:noFill/>
+        </p:spPr>
+        <p:txBody>
+          <a:bodyPr wrap="square" rtlCol="0">
+            <a:spAutoFit/>
+          </a:bodyPr>
+          <a:lstStyle/>
+          <a:p>
+            <a:r>
+              <a:rPr kumimoji="1" lang="en-US" altLang="ja-JP" sz="2400" dirty="0" smtClean="0"/>
+              <a:t>Append</a:t>
+            </a:r>
+            <a:r>
+              <a:rPr kumimoji="1" lang="ja-JP" altLang="en-US" sz="2400" dirty="0" smtClean="0"/>
+              <a:t>が</a:t>
+            </a:r>
+            <a:r>
+              <a:rPr kumimoji="1" lang="en-US" altLang="ja-JP" sz="2400" dirty="0" smtClean="0"/>
+              <a:t>Sequence</a:t>
+            </a:r>
+            <a:r>
+              <a:rPr kumimoji="1" lang="ja-JP" altLang="en-US" sz="2400" dirty="0" smtClean="0"/>
+              <a:t>を返すので</a:t>
+            </a:r>
+            <a:r>
+              <a:rPr kumimoji="1" lang="en-US" altLang="ja-JP" sz="2400" dirty="0" err="1" smtClean="0"/>
+              <a:t>Tweener</a:t>
+            </a:r>
+            <a:r>
+              <a:rPr kumimoji="1" lang="ja-JP" altLang="en-US" sz="2400" dirty="0" smtClean="0"/>
+              <a:t>と同様に</a:t>
+            </a:r>
+            <a:endParaRPr kumimoji="1" lang="en-US" altLang="ja-JP" sz="2400" dirty="0" smtClean="0"/>
+          </a:p>
+          <a:p>
+            <a:r>
+              <a:rPr kumimoji="1" lang="ja-JP" altLang="en-US" sz="2400" dirty="0" smtClean="0"/>
+              <a:t>メソッドチェーンにできる</a:t>
+            </a:r>
+            <a:endParaRPr kumimoji="1" lang="ja-JP" altLang="en-US" sz="2400" dirty="0"/>
+          </a:p>
+        </p:txBody>
+      </p:sp>
+      <p:pic>
+        <p:nvPicPr>
+          <p:cNvPr id="6" name="図 5"/>
+          <p:cNvPicPr>
+            <a:picLocks noChangeAspect="1"/>
+          </p:cNvPicPr>
+          <p:nvPr/>
+        </p:nvPicPr>
+        <p:blipFill>
+          <a:blip r:embed="rId2">
+            <a:extLst>
+              <a:ext uri="{28A0092B-C50C-407E-A947-70E740481C1C}">
+                <a14:useLocalDpi xmlns:a14="http://schemas.microsoft.com/office/drawing/2010/main" val="0"/>
+              </a:ext>
+            </a:extLst>
+          </a:blip>
+          <a:stretch>
+            <a:fillRect/>
+          </a:stretch>
+        </p:blipFill>
+        <p:spPr>
+          <a:xfrm>
+            <a:off x="1435193" y="2058983"/>
+            <a:ext cx="9064434" cy="1984376"/>
+          </a:xfrm>
+          <a:prstGeom prst="rect">
+            <a:avLst/>
+          </a:prstGeom>
+        </p:spPr>
+      </p:pic>
     </p:spTree>
     <p:extLst>
       <p:ext uri="{BB962C8B-B14F-4D97-AF65-F5344CB8AC3E}">
-        <p14:creationId xmlns:p14="http://schemas.microsoft.com/office/powerpoint/2010/main" val="772492463"/>
+        <p14:creationId xmlns:p14="http://schemas.microsoft.com/office/powerpoint/2010/main" val="1914637014"/>
       </p:ext>
     </p:extLst>
   </p:cSld>
@@ -6968,8 +7064,8 @@
           <a:lstStyle/>
           <a:p>
             <a:r>
-              <a:rPr kumimoji="1" lang="ja-JP" altLang="en-US" dirty="0" smtClean="0"/>
-              <a:t>動的、につおい</a:t>
+              <a:rPr lang="en-US" altLang="ja-JP" dirty="0" smtClean="0"/>
+              <a:t>Sequence</a:t>
             </a:r>
             <a:endParaRPr kumimoji="1" lang="ja-JP" altLang="en-US" dirty="0"/>
           </a:p>
@@ -6985,19 +7081,85 @@
             <p:ph idx="1"/>
           </p:nvPr>
         </p:nvSpPr>
-        <p:spPr/>
-        <p:txBody>
-          <a:bodyPr/>
-          <a:lstStyle/>
-          <a:p>
-            <a:endParaRPr kumimoji="1" lang="ja-JP" altLang="en-US"/>
+        <p:spPr>
+          <a:xfrm>
+            <a:off x="1103312" y="1552849"/>
+            <a:ext cx="8946541" cy="4195481"/>
+          </a:xfrm>
+        </p:spPr>
+        <p:txBody>
+          <a:bodyPr>
+            <a:normAutofit/>
+          </a:bodyPr>
+          <a:lstStyle/>
+          <a:p>
+            <a:r>
+              <a:rPr lang="en-US" altLang="ja-JP" sz="2400" dirty="0" smtClean="0"/>
+              <a:t>Append</a:t>
+            </a:r>
+            <a:br>
+              <a:rPr lang="en-US" altLang="ja-JP" sz="2400" dirty="0" smtClean="0"/>
+            </a:br>
+            <a:r>
+              <a:rPr lang="ja-JP" altLang="en-US" sz="2400" dirty="0" smtClean="0"/>
+              <a:t>基本的に</a:t>
+            </a:r>
+            <a:r>
+              <a:rPr lang="en-US" altLang="ja-JP" sz="2400" dirty="0" smtClean="0"/>
+              <a:t>Tween</a:t>
+            </a:r>
+            <a:r>
+              <a:rPr lang="ja-JP" altLang="en-US" sz="2400" dirty="0" smtClean="0"/>
+              <a:t>を登録</a:t>
+            </a:r>
+            <a:endParaRPr lang="en-US" altLang="ja-JP" sz="2400" dirty="0" smtClean="0"/>
+          </a:p>
+          <a:p>
+            <a:r>
+              <a:rPr kumimoji="1" lang="en-US" altLang="ja-JP" sz="2400" dirty="0" err="1" smtClean="0"/>
+              <a:t>AppendCallback</a:t>
+            </a:r>
+            <a:r>
+              <a:rPr kumimoji="1" lang="en-US" altLang="ja-JP" sz="2400" dirty="0" smtClean="0"/>
+              <a:t/>
+            </a:r>
+            <a:br>
+              <a:rPr kumimoji="1" lang="en-US" altLang="ja-JP" sz="2400" dirty="0" smtClean="0"/>
+            </a:br>
+            <a:r>
+              <a:rPr kumimoji="1" lang="ja-JP" altLang="en-US" sz="2400" dirty="0" smtClean="0"/>
+              <a:t>基本的に関数を登録</a:t>
+            </a:r>
+            <a:endParaRPr kumimoji="1" lang="en-US" altLang="ja-JP" sz="2400" dirty="0" smtClean="0"/>
+          </a:p>
+          <a:p>
+            <a:r>
+              <a:rPr lang="en-US" altLang="ja-JP" sz="2400" dirty="0" err="1" smtClean="0"/>
+              <a:t>AppendInterval</a:t>
+            </a:r>
+            <a:r>
+              <a:rPr lang="en-US" altLang="ja-JP" sz="2400" dirty="0" smtClean="0"/>
+              <a:t/>
+            </a:r>
+            <a:br>
+              <a:rPr lang="en-US" altLang="ja-JP" sz="2400" dirty="0" smtClean="0"/>
+            </a:br>
+            <a:r>
+              <a:rPr lang="en-US" altLang="ja-JP" sz="2400" dirty="0" err="1" smtClean="0"/>
+              <a:t>WaitTime</a:t>
+            </a:r>
+            <a:r>
+              <a:rPr lang="ja-JP" altLang="en-US" sz="2400" dirty="0" smtClean="0"/>
+              <a:t>を設定できる</a:t>
+            </a:r>
+            <a:endParaRPr kumimoji="1" lang="ja-JP" altLang="en-US" sz="2400" dirty="0"/>
           </a:p>
         </p:txBody>
       </p:sp>
     </p:spTree>
     <p:extLst>
       <p:ext uri="{BB962C8B-B14F-4D97-AF65-F5344CB8AC3E}">
-        <p14:creationId xmlns:p14="http://schemas.microsoft.com/office/powerpoint/2010/main" val="144684845"/>
+        <p14:creationId xmlns:p14="http://schemas.microsoft.com/office/powerpoint/2010/main" val="308595272"/>
       </p:ext>
     </p:extLst>
   </p:cSld>
@@ -7040,6 +7202,193 @@
           <a:lstStyle/>
           <a:p>
             <a:r>
+              <a:rPr kumimoji="1" lang="en-US" altLang="ja-JP" dirty="0" err="1" smtClean="0"/>
+              <a:t>EaseType</a:t>
+            </a:r>
+            <a:r>
+              <a:rPr kumimoji="1" lang="ja-JP" altLang="en-US" dirty="0" smtClean="0"/>
+              <a:t>について</a:t>
+            </a:r>
+            <a:endParaRPr kumimoji="1" lang="ja-JP" altLang="en-US" dirty="0"/>
+          </a:p>
+        </p:txBody>
+      </p:sp>
+      <p:sp>
+        <p:nvSpPr>
+          <p:cNvPr id="3" name="コンテンツ プレースホルダー 2"/>
+          <p:cNvSpPr>
+            <a:spLocks noGrp="1"/>
+          </p:cNvSpPr>
+          <p:nvPr>
+            <p:ph idx="1"/>
+          </p:nvPr>
+        </p:nvSpPr>
+        <p:spPr>
+          <a:xfrm>
+            <a:off x="474655" y="1681439"/>
+            <a:ext cx="8946541" cy="4195481"/>
+          </a:xfrm>
+        </p:spPr>
+        <p:txBody>
+          <a:bodyPr/>
+          <a:lstStyle/>
+          <a:p>
+            <a:r>
+              <a:rPr lang="ja-JP" altLang="en-US" dirty="0" smtClean="0"/>
+              <a:t>動きを設定できる</a:t>
+            </a:r>
+            <a:endParaRPr kumimoji="1" lang="ja-JP" altLang="en-US" dirty="0"/>
+          </a:p>
+        </p:txBody>
+      </p:sp>
+      <p:pic>
+        <p:nvPicPr>
+          <p:cNvPr id="4" name="図 3"/>
+          <p:cNvPicPr>
+            <a:picLocks noChangeAspect="1"/>
+          </p:cNvPicPr>
+          <p:nvPr/>
+        </p:nvPicPr>
+        <p:blipFill>
+          <a:blip r:embed="rId2">
+            <a:extLst>
+              <a:ext uri="{28A0092B-C50C-407E-A947-70E740481C1C}">
+                <a14:useLocalDpi xmlns:a14="http://schemas.microsoft.com/office/drawing/2010/main" val="0"/>
+              </a:ext>
+            </a:extLst>
+          </a:blip>
+          <a:stretch>
+            <a:fillRect/>
+          </a:stretch>
+        </p:blipFill>
+        <p:spPr>
+          <a:xfrm>
+            <a:off x="5180035" y="1686349"/>
+            <a:ext cx="6764316" cy="4928618"/>
+          </a:xfrm>
+          <a:prstGeom prst="rect">
+            <a:avLst/>
+          </a:prstGeom>
+        </p:spPr>
+      </p:pic>
+    </p:spTree>
+    <p:extLst>
+      <p:ext uri="{BB962C8B-B14F-4D97-AF65-F5344CB8AC3E}">
+        <p14:creationId xmlns:p14="http://schemas.microsoft.com/office/powerpoint/2010/main" val="801884145"/>
+      </p:ext>
+    </p:extLst>
+  </p:cSld>
+  <p:clrMapOvr>
+    <a:masterClrMapping/>
+  </p:clrMapOvr>
+</p:sld>
+</file>
+
+<file path=ppt/slides/slide13.xml><?xml version="1.0" encoding="utf-8"?>
+<p:sld xmlns:a="http://schemas.openxmlformats.org/drawingml/2006/main" xmlns:r="http://schemas.openxmlformats.org/officeDocument/2006/relationships" xmlns:p="http://schemas.openxmlformats.org/presentationml/2006/main">
+  <p:cSld>
+    <p:spTree>
+      <p:nvGrpSpPr>
+        <p:cNvPr id="1" name=""/>
+        <p:cNvGrpSpPr/>
+        <p:nvPr/>
+      </p:nvGrpSpPr>
+      <p:grpSpPr>
+        <a:xfrm>
+          <a:off x="0" y="0"/>
+          <a:ext cx="0" cy="0"/>
+          <a:chOff x="0" y="0"/>
+          <a:chExt cx="0" cy="0"/>
+        </a:xfrm>
+      </p:grpSpPr>
+      <p:sp>
+        <p:nvSpPr>
+          <p:cNvPr id="2" name="タイトル 1"/>
+          <p:cNvSpPr>
+            <a:spLocks noGrp="1"/>
+          </p:cNvSpPr>
+          <p:nvPr>
+            <p:ph type="title"/>
+          </p:nvPr>
+        </p:nvSpPr>
+        <p:spPr/>
+        <p:txBody>
+          <a:bodyPr/>
+          <a:lstStyle/>
+          <a:p>
+            <a:r>
+              <a:rPr kumimoji="1" lang="ja-JP" altLang="en-US" dirty="0" smtClean="0"/>
+              <a:t>動的、につおい</a:t>
+            </a:r>
+            <a:endParaRPr kumimoji="1" lang="ja-JP" altLang="en-US" dirty="0"/>
+          </a:p>
+        </p:txBody>
+      </p:sp>
+      <p:sp>
+        <p:nvSpPr>
+          <p:cNvPr id="3" name="コンテンツ プレースホルダー 2"/>
+          <p:cNvSpPr>
+            <a:spLocks noGrp="1"/>
+          </p:cNvSpPr>
+          <p:nvPr>
+            <p:ph idx="1"/>
+          </p:nvPr>
+        </p:nvSpPr>
+        <p:spPr/>
+        <p:txBody>
+          <a:bodyPr/>
+          <a:lstStyle/>
+          <a:p>
+            <a:endParaRPr kumimoji="1" lang="ja-JP" altLang="en-US"/>
+          </a:p>
+        </p:txBody>
+      </p:sp>
+    </p:spTree>
+    <p:extLst>
+      <p:ext uri="{BB962C8B-B14F-4D97-AF65-F5344CB8AC3E}">
+        <p14:creationId xmlns:p14="http://schemas.microsoft.com/office/powerpoint/2010/main" val="144684845"/>
+      </p:ext>
+    </p:extLst>
+  </p:cSld>
+  <p:clrMapOvr>
+    <a:masterClrMapping/>
+  </p:clrMapOvr>
+</p:sld>
+</file>
+
+<file path=ppt/slides/slide14.xml><?xml version="1.0" encoding="utf-8"?>
+<p:sld xmlns:a="http://schemas.openxmlformats.org/drawingml/2006/main" xmlns:r="http://schemas.openxmlformats.org/officeDocument/2006/relationships" xmlns:p="http://schemas.openxmlformats.org/presentationml/2006/main">
+  <p:cSld>
+    <p:spTree>
+      <p:nvGrpSpPr>
+        <p:cNvPr id="1" name=""/>
+        <p:cNvGrpSpPr/>
+        <p:nvPr/>
+      </p:nvGrpSpPr>
+      <p:grpSpPr>
+        <a:xfrm>
+          <a:off x="0" y="0"/>
+          <a:ext cx="0" cy="0"/>
+          <a:chOff x="0" y="0"/>
+          <a:chExt cx="0" cy="0"/>
+        </a:xfrm>
+      </p:grpSpPr>
+      <p:sp>
+        <p:nvSpPr>
+          <p:cNvPr id="2" name="タイトル 1"/>
+          <p:cNvSpPr>
+            <a:spLocks noGrp="1"/>
+          </p:cNvSpPr>
+          <p:nvPr>
+            <p:ph type="title"/>
+          </p:nvPr>
+        </p:nvSpPr>
+        <p:spPr/>
+        <p:txBody>
+          <a:bodyPr/>
+          <a:lstStyle/>
+          <a:p>
+            <a:r>
               <a:rPr lang="ja-JP" altLang="en-US" dirty="0" smtClean="0"/>
               <a:t>参考</a:t>
             </a:r>
@@ -7095,7 +7444,7 @@
 </p:sld>
 </file>
 
-<file path=ppt/slides/slide13.xml><?xml version="1.0" encoding="utf-8"?>
+<file path=ppt/slides/slide15.xml><?xml version="1.0" encoding="utf-8"?>
 <p:sld xmlns:a="http://schemas.openxmlformats.org/drawingml/2006/main" xmlns:r="http://schemas.openxmlformats.org/officeDocument/2006/relationships" xmlns:p="http://schemas.openxmlformats.org/presentationml/2006/main">
   <p:cSld>
     <p:spTree>
@@ -7217,9 +7566,16 @@
             <p:ph idx="1"/>
           </p:nvPr>
         </p:nvSpPr>
-        <p:spPr/>
-        <p:txBody>
-          <a:bodyPr/>
+        <p:spPr>
+          <a:xfrm>
+            <a:off x="1103312" y="1752876"/>
+            <a:ext cx="9955213" cy="4195481"/>
+          </a:xfrm>
+        </p:spPr>
+        <p:txBody>
+          <a:bodyPr>
+            <a:normAutofit/>
+          </a:bodyPr>
           <a:lstStyle/>
           <a:p>
             <a:pPr marL="0" marR="0" lvl="0" indent="0" defTabSz="914400" eaLnBrk="1" fontAlgn="auto" latinLnBrk="0" hangingPunct="1">
@@ -7240,10 +7596,10 @@
               <a:defRPr/>
             </a:pPr>
             <a:r>
-              <a:rPr lang="ja-JP" altLang="en-US" dirty="0" smtClean="0"/>
+              <a:rPr lang="ja-JP" altLang="en-US" sz="2400" dirty="0" smtClean="0"/>
               <a:t>アニメーションを簡単にスクリプト上で行うことができるライブラリ</a:t>
             </a:r>
-            <a:endParaRPr lang="en-US" altLang="ja-JP" dirty="0" smtClean="0"/>
+            <a:endParaRPr lang="en-US" altLang="ja-JP" sz="2400" dirty="0" smtClean="0"/>
           </a:p>
           <a:p>
             <a:pPr marL="0" marR="0" lvl="0" indent="0" defTabSz="914400" eaLnBrk="1" fontAlgn="auto" latinLnBrk="0" hangingPunct="1">
@@ -7263,7 +7619,7 @@
               <a:tabLst/>
               <a:defRPr/>
             </a:pPr>
-            <a:endParaRPr lang="en-US" altLang="ja-JP" dirty="0"/>
+            <a:endParaRPr lang="en-US" altLang="ja-JP" sz="2400" dirty="0"/>
           </a:p>
           <a:p>
             <a:pPr marL="0" marR="0" lvl="0" indent="0" defTabSz="914400" eaLnBrk="1" fontAlgn="auto" latinLnBrk="0" hangingPunct="1">
@@ -7284,18 +7640,18 @@
               <a:defRPr/>
             </a:pPr>
             <a:r>
-              <a:rPr lang="ja-JP" altLang="en-US" dirty="0" smtClean="0"/>
+              <a:rPr lang="ja-JP" altLang="en-US" sz="2400" dirty="0" smtClean="0"/>
               <a:t>基本となるのが</a:t>
             </a:r>
             <a:r>
-              <a:rPr lang="en-US" altLang="ja-JP" dirty="0" err="1" smtClean="0"/>
+              <a:rPr lang="en-US" altLang="ja-JP" sz="2400" dirty="0" err="1" smtClean="0"/>
               <a:t>DOTween.To</a:t>
             </a:r>
             <a:r>
-              <a:rPr lang="ja-JP" altLang="en-US" dirty="0" smtClean="0"/>
+              <a:rPr lang="ja-JP" altLang="en-US" sz="2400" dirty="0" smtClean="0"/>
               <a:t>関数</a:t>
             </a:r>
-            <a:endParaRPr lang="en-US" altLang="ja-JP" dirty="0" smtClean="0"/>
+            <a:endParaRPr lang="en-US" altLang="ja-JP" sz="2400" dirty="0" smtClean="0"/>
           </a:p>
           <a:p>
             <a:pPr marL="0" marR="0" lvl="0" indent="0" defTabSz="914400" eaLnBrk="1" fontAlgn="auto" latinLnBrk="0" hangingPunct="1">
@@ -7315,7 +7671,7 @@
               <a:tabLst/>
               <a:defRPr/>
             </a:pPr>
-            <a:endParaRPr lang="en-US" altLang="ja-JP" dirty="0" smtClean="0"/>
+            <a:endParaRPr lang="en-US" altLang="ja-JP" sz="2400" dirty="0" smtClean="0"/>
           </a:p>
           <a:p>
             <a:pPr marL="0" marR="0" lvl="0" indent="0" defTabSz="914400" eaLnBrk="1" fontAlgn="auto" latinLnBrk="0" hangingPunct="1">
@@ -7336,41 +7692,41 @@
               <a:defRPr/>
             </a:pPr>
             <a:r>
-              <a:rPr lang="ja-JP" altLang="en-US" dirty="0" smtClean="0"/>
+              <a:rPr lang="ja-JP" altLang="en-US" sz="2400" dirty="0" smtClean="0"/>
               <a:t>拡張メソッドを使い、</a:t>
             </a:r>
             <a:r>
-              <a:rPr lang="en-US" altLang="ja-JP" dirty="0" smtClean="0"/>
+              <a:rPr lang="en-US" altLang="ja-JP" sz="2400" dirty="0" smtClean="0"/>
               <a:t>Unity</a:t>
             </a:r>
             <a:r>
-              <a:rPr lang="ja-JP" altLang="en-US" dirty="0" smtClean="0"/>
+              <a:rPr lang="ja-JP" altLang="en-US" sz="2400" dirty="0" smtClean="0"/>
               <a:t>で使いやすくしてあるのが</a:t>
             </a:r>
             <a:r>
-              <a:rPr lang="en-US" altLang="ja-JP" dirty="0" smtClean="0"/>
+              <a:rPr lang="en-US" altLang="ja-JP" sz="2400" dirty="0" smtClean="0"/>
               <a:t/>
             </a:r>
             <a:br>
-              <a:rPr lang="en-US" altLang="ja-JP" dirty="0" smtClean="0"/>
+              <a:rPr lang="en-US" altLang="ja-JP" sz="2400" dirty="0" smtClean="0"/>
             </a:br>
             <a:r>
-              <a:rPr lang="en-US" altLang="ja-JP" dirty="0" err="1" smtClean="0"/>
+              <a:rPr lang="en-US" altLang="ja-JP" sz="2400" dirty="0" err="1" smtClean="0"/>
               <a:t>Transform.DOLocalMove</a:t>
             </a:r>
             <a:r>
-              <a:rPr lang="ja-JP" altLang="en-US" dirty="0" smtClean="0"/>
+              <a:rPr lang="ja-JP" altLang="en-US" sz="2400" dirty="0" smtClean="0"/>
               <a:t>、</a:t>
             </a:r>
             <a:r>
-              <a:rPr lang="en-US" altLang="ja-JP" dirty="0" err="1" smtClean="0"/>
+              <a:rPr lang="en-US" altLang="ja-JP" sz="2400" dirty="0" err="1" smtClean="0"/>
               <a:t>Color.DOColor</a:t>
             </a:r>
             <a:r>
-              <a:rPr lang="ja-JP" altLang="en-US" dirty="0" smtClean="0"/>
+              <a:rPr lang="ja-JP" altLang="en-US" sz="2400" dirty="0" smtClean="0"/>
               <a:t>など</a:t>
             </a:r>
-            <a:endParaRPr lang="en-US" altLang="ja-JP" dirty="0" smtClean="0"/>
+            <a:endParaRPr lang="en-US" altLang="ja-JP" sz="2400" dirty="0" smtClean="0"/>
           </a:p>
         </p:txBody>
       </p:sp>
@@ -7452,26 +7808,28 @@
           </a:xfrm>
         </p:spPr>
         <p:txBody>
-          <a:bodyPr/>
-          <a:lstStyle/>
-          <a:p>
-            <a:r>
-              <a:rPr kumimoji="1" lang="en-US" altLang="ja-JP" dirty="0" smtClean="0"/>
+          <a:bodyPr>
+            <a:normAutofit/>
+          </a:bodyPr>
+          <a:lstStyle/>
+          <a:p>
+            <a:r>
+              <a:rPr kumimoji="1" lang="en-US" altLang="ja-JP" sz="2400" dirty="0" smtClean="0"/>
               <a:t>Tween</a:t>
             </a:r>
             <a:r>
-              <a:rPr kumimoji="1" lang="ja-JP" altLang="en-US" dirty="0" smtClean="0"/>
+              <a:rPr kumimoji="1" lang="ja-JP" altLang="en-US" sz="2400" dirty="0" smtClean="0"/>
               <a:t>をやる上での基本</a:t>
             </a:r>
-            <a:endParaRPr kumimoji="1" lang="en-US" altLang="ja-JP" dirty="0" smtClean="0"/>
-          </a:p>
-          <a:p>
-            <a:r>
-              <a:rPr kumimoji="1" lang="en-US" altLang="ja-JP" dirty="0" err="1" smtClean="0"/>
+            <a:endParaRPr kumimoji="1" lang="en-US" altLang="ja-JP" sz="2400" dirty="0" smtClean="0"/>
+          </a:p>
+          <a:p>
+            <a:r>
+              <a:rPr kumimoji="1" lang="en-US" altLang="ja-JP" sz="2400" dirty="0" err="1" smtClean="0"/>
               <a:t>DOTween.To</a:t>
             </a:r>
             <a:r>
-              <a:rPr kumimoji="1" lang="en-US" altLang="ja-JP" dirty="0" smtClean="0"/>
+              <a:rPr kumimoji="1" lang="en-US" altLang="ja-JP" sz="2400" dirty="0" smtClean="0"/>
               <a:t>(getter, setter, to, float duration)</a:t>
             </a:r>
           </a:p>
@@ -7514,8 +7872,8 @@
         </p:nvSpPr>
         <p:spPr>
           <a:xfrm>
-            <a:off x="1066800" y="3557583"/>
-            <a:ext cx="10058400" cy="3416320"/>
+            <a:off x="1409705" y="3300406"/>
+            <a:ext cx="10058400" cy="3046988"/>
           </a:xfrm>
           <a:prstGeom prst="rect">
             <a:avLst/>
@@ -7529,132 +7887,140 @@
           <a:lstStyle/>
           <a:p>
             <a:r>
-              <a:rPr kumimoji="1" lang="en-US" altLang="ja-JP" dirty="0" smtClean="0"/>
+              <a:rPr kumimoji="1" lang="en-US" altLang="ja-JP" sz="2400" dirty="0" smtClean="0"/>
               <a:t>getter : () =&gt; </a:t>
             </a:r>
             <a:r>
-              <a:rPr kumimoji="1" lang="en-US" altLang="ja-JP" dirty="0" err="1" smtClean="0"/>
+              <a:rPr kumimoji="1" lang="en-US" altLang="ja-JP" sz="2400" dirty="0" err="1" smtClean="0"/>
               <a:t>this.scoreNum</a:t>
             </a:r>
-            <a:endParaRPr kumimoji="1" lang="en-US" altLang="ja-JP" dirty="0" smtClean="0"/>
-          </a:p>
-          <a:p>
-            <a:r>
-              <a:rPr kumimoji="1" lang="en-US" altLang="ja-JP" dirty="0" smtClean="0"/>
+            <a:endParaRPr kumimoji="1" lang="en-US" altLang="ja-JP" sz="2400" dirty="0" smtClean="0"/>
+          </a:p>
+          <a:p>
+            <a:r>
+              <a:rPr kumimoji="1" lang="en-US" altLang="ja-JP" sz="2400" dirty="0" smtClean="0"/>
               <a:t>	</a:t>
             </a:r>
             <a:r>
-              <a:rPr kumimoji="1" lang="ja-JP" altLang="en-US" dirty="0" smtClean="0">
+              <a:rPr kumimoji="1" lang="ja-JP" altLang="en-US" sz="2400" dirty="0" smtClean="0">
                 <a:solidFill>
                   <a:srgbClr val="FFFF00"/>
                 </a:solidFill>
               </a:rPr>
-              <a:t>どの数値から（初期値）</a:t>
-            </a:r>
-            <a:endParaRPr kumimoji="1" lang="en-US" altLang="ja-JP" dirty="0" smtClean="0">
+              <a:t>どの数値から（初期値</a:t>
+            </a:r>
+            <a:r>
+              <a:rPr kumimoji="1" lang="ja-JP" altLang="en-US" sz="2400" dirty="0" smtClean="0">
+                <a:solidFill>
+                  <a:srgbClr val="FFFF00"/>
+                </a:solidFill>
+              </a:rPr>
+              <a:t>）</a:t>
+            </a:r>
+            <a:endParaRPr kumimoji="1" lang="en-US" altLang="ja-JP" sz="2400" dirty="0"/>
+          </a:p>
+          <a:p>
+            <a:r>
+              <a:rPr kumimoji="1" lang="en-US" altLang="ja-JP" sz="2400" dirty="0"/>
+              <a:t>s</a:t>
+            </a:r>
+            <a:r>
+              <a:rPr kumimoji="1" lang="en-US" altLang="ja-JP" sz="2400" dirty="0" smtClean="0"/>
+              <a:t>etter : (x) =&gt; </a:t>
+            </a:r>
+            <a:r>
+              <a:rPr kumimoji="1" lang="en-US" altLang="ja-JP" sz="2400" dirty="0" err="1" smtClean="0"/>
+              <a:t>this.scoreNum</a:t>
+            </a:r>
+            <a:r>
+              <a:rPr kumimoji="1" lang="en-US" altLang="ja-JP" sz="2400" dirty="0" smtClean="0"/>
+              <a:t> = x</a:t>
+            </a:r>
+          </a:p>
+          <a:p>
+            <a:r>
+              <a:rPr kumimoji="1" lang="en-US" altLang="ja-JP" sz="2400" dirty="0" smtClean="0"/>
+              <a:t>	</a:t>
+            </a:r>
+            <a:r>
+              <a:rPr kumimoji="1" lang="ja-JP" altLang="en-US" sz="2400" dirty="0" smtClean="0">
+                <a:solidFill>
+                  <a:srgbClr val="FFFF00"/>
+                </a:solidFill>
+              </a:rPr>
+              <a:t>どの数値</a:t>
+            </a:r>
+            <a:r>
+              <a:rPr kumimoji="1" lang="ja-JP" altLang="en-US" sz="2400" dirty="0" smtClean="0">
+                <a:solidFill>
+                  <a:srgbClr val="FFFF00"/>
+                </a:solidFill>
+              </a:rPr>
+              <a:t>へ</a:t>
+            </a:r>
+            <a:endParaRPr kumimoji="1" lang="en-US" altLang="ja-JP" sz="2400" dirty="0"/>
+          </a:p>
+          <a:p>
+            <a:r>
+              <a:rPr kumimoji="1" lang="en-US" altLang="ja-JP" sz="2400" dirty="0" smtClean="0"/>
+              <a:t>to : 10000</a:t>
+            </a:r>
+          </a:p>
+          <a:p>
+            <a:r>
+              <a:rPr kumimoji="1" lang="en-US" altLang="ja-JP" sz="2400" dirty="0" smtClean="0"/>
+              <a:t>	</a:t>
+            </a:r>
+            <a:r>
+              <a:rPr kumimoji="1" lang="ja-JP" altLang="en-US" sz="2400" dirty="0" smtClean="0">
+                <a:solidFill>
+                  <a:srgbClr val="FFFF00"/>
+                </a:solidFill>
+              </a:rPr>
+              <a:t>どれくらいの数値にする</a:t>
+            </a:r>
+            <a:r>
+              <a:rPr kumimoji="1" lang="ja-JP" altLang="en-US" sz="2400" dirty="0" smtClean="0">
+                <a:solidFill>
+                  <a:srgbClr val="FFFF00"/>
+                </a:solidFill>
+              </a:rPr>
+              <a:t>か</a:t>
+            </a:r>
+            <a:endParaRPr kumimoji="1" lang="en-US" altLang="ja-JP" sz="2400" dirty="0"/>
+          </a:p>
+          <a:p>
+            <a:r>
+              <a:rPr kumimoji="1" lang="en-US" altLang="ja-JP" sz="2400" dirty="0" smtClean="0"/>
+              <a:t>duration : 1.5f</a:t>
+            </a:r>
+          </a:p>
+          <a:p>
+            <a:r>
+              <a:rPr kumimoji="1" lang="en-US" altLang="ja-JP" sz="2400" dirty="0" smtClean="0"/>
+              <a:t>	</a:t>
+            </a:r>
+            <a:r>
+              <a:rPr kumimoji="1" lang="ja-JP" altLang="en-US" sz="2400" dirty="0" smtClean="0">
+                <a:solidFill>
+                  <a:srgbClr val="FFFF00"/>
+                </a:solidFill>
+              </a:rPr>
+              <a:t>何秒で処理を行う</a:t>
+            </a:r>
+            <a:r>
+              <a:rPr kumimoji="1" lang="ja-JP" altLang="en-US" sz="2400" dirty="0" smtClean="0">
+                <a:solidFill>
+                  <a:srgbClr val="FFFF00"/>
+                </a:solidFill>
+              </a:rPr>
+              <a:t>か</a:t>
+            </a:r>
+            <a:endParaRPr kumimoji="1" lang="en-US" altLang="ja-JP" sz="2400" dirty="0" smtClean="0">
               <a:solidFill>
                 <a:srgbClr val="FFFF00"/>
               </a:solidFill>
             </a:endParaRPr>
-          </a:p>
-          <a:p>
-            <a:endParaRPr kumimoji="1" lang="en-US" altLang="ja-JP" dirty="0"/>
-          </a:p>
-          <a:p>
-            <a:r>
-              <a:rPr kumimoji="1" lang="en-US" altLang="ja-JP" dirty="0"/>
-              <a:t>s</a:t>
-            </a:r>
-            <a:r>
-              <a:rPr kumimoji="1" lang="en-US" altLang="ja-JP" dirty="0" smtClean="0"/>
-              <a:t>etter : (x) =&gt; </a:t>
-            </a:r>
-            <a:r>
-              <a:rPr kumimoji="1" lang="en-US" altLang="ja-JP" dirty="0" err="1" smtClean="0"/>
-              <a:t>this.scoreNum</a:t>
-            </a:r>
-            <a:r>
-              <a:rPr kumimoji="1" lang="en-US" altLang="ja-JP" dirty="0" smtClean="0"/>
-              <a:t> = x</a:t>
-            </a:r>
-          </a:p>
-          <a:p>
-            <a:r>
-              <a:rPr kumimoji="1" lang="en-US" altLang="ja-JP" dirty="0" smtClean="0"/>
-              <a:t>	</a:t>
-            </a:r>
-            <a:r>
-              <a:rPr kumimoji="1" lang="ja-JP" altLang="en-US" dirty="0" smtClean="0">
-                <a:solidFill>
-                  <a:srgbClr val="FFFF00"/>
-                </a:solidFill>
-              </a:rPr>
-              <a:t>どの数値へ</a:t>
-            </a:r>
-            <a:endParaRPr kumimoji="1" lang="en-US" altLang="ja-JP" dirty="0" smtClean="0">
-              <a:solidFill>
-                <a:srgbClr val="FFFF00"/>
-              </a:solidFill>
-            </a:endParaRPr>
-          </a:p>
-          <a:p>
-            <a:endParaRPr kumimoji="1" lang="en-US" altLang="ja-JP" dirty="0"/>
-          </a:p>
-          <a:p>
-            <a:r>
-              <a:rPr kumimoji="1" lang="en-US" altLang="ja-JP" dirty="0" smtClean="0"/>
-              <a:t>to : 10000</a:t>
-            </a:r>
-          </a:p>
-          <a:p>
-            <a:r>
-              <a:rPr kumimoji="1" lang="en-US" altLang="ja-JP" dirty="0" smtClean="0"/>
-              <a:t>	</a:t>
-            </a:r>
-            <a:r>
-              <a:rPr kumimoji="1" lang="ja-JP" altLang="en-US" dirty="0" smtClean="0">
-                <a:solidFill>
-                  <a:srgbClr val="FFFF00"/>
-                </a:solidFill>
-              </a:rPr>
-              <a:t>どれくらいの数値にするか</a:t>
-            </a:r>
-            <a:endParaRPr kumimoji="1" lang="en-US" altLang="ja-JP" dirty="0" smtClean="0">
-              <a:solidFill>
-                <a:srgbClr val="FFFF00"/>
-              </a:solidFill>
-            </a:endParaRPr>
-          </a:p>
-          <a:p>
-            <a:endParaRPr kumimoji="1" lang="en-US" altLang="ja-JP" dirty="0"/>
-          </a:p>
-          <a:p>
-            <a:r>
-              <a:rPr kumimoji="1" lang="en-US" altLang="ja-JP" dirty="0" smtClean="0"/>
-              <a:t>duration : 1.5f</a:t>
-            </a:r>
-          </a:p>
-          <a:p>
-            <a:r>
-              <a:rPr kumimoji="1" lang="en-US" altLang="ja-JP" dirty="0" smtClean="0"/>
-              <a:t>	</a:t>
-            </a:r>
-            <a:r>
-              <a:rPr kumimoji="1" lang="ja-JP" altLang="en-US" dirty="0" smtClean="0">
-                <a:solidFill>
-                  <a:srgbClr val="FFFF00"/>
-                </a:solidFill>
-              </a:rPr>
-              <a:t>何秒で処理を行うか</a:t>
-            </a:r>
-            <a:endParaRPr kumimoji="1" lang="en-US" altLang="ja-JP" dirty="0" smtClean="0">
-              <a:solidFill>
-                <a:srgbClr val="FFFF00"/>
-              </a:solidFill>
-            </a:endParaRPr>
-          </a:p>
-          <a:p>
-            <a:endParaRPr kumimoji="1" lang="ja-JP" altLang="en-US" dirty="0"/>
           </a:p>
         </p:txBody>
       </p:sp>
@@ -7728,70 +8094,72 @@
         <p:spPr>
           <a:xfrm>
             <a:off x="1103312" y="1367115"/>
-            <a:ext cx="8946541" cy="4195481"/>
+            <a:ext cx="9869488" cy="4195481"/>
           </a:xfrm>
         </p:spPr>
         <p:txBody>
-          <a:bodyPr/>
-          <a:lstStyle/>
-          <a:p>
-            <a:r>
-              <a:rPr lang="en-US" altLang="ja-JP" dirty="0" err="1" smtClean="0"/>
+          <a:bodyPr>
+            <a:normAutofit/>
+          </a:bodyPr>
+          <a:lstStyle/>
+          <a:p>
+            <a:r>
+              <a:rPr lang="en-US" altLang="ja-JP" sz="2400" dirty="0" err="1" smtClean="0"/>
               <a:t>Transform.DOLocalMove</a:t>
             </a:r>
             <a:r>
-              <a:rPr lang="en-US" altLang="ja-JP" dirty="0" smtClean="0"/>
+              <a:rPr lang="en-US" altLang="ja-JP" sz="2400" dirty="0" smtClean="0"/>
               <a:t>(Vector3 </a:t>
             </a:r>
             <a:r>
-              <a:rPr lang="en-US" altLang="ja-JP" dirty="0" err="1" smtClean="0"/>
+              <a:rPr lang="en-US" altLang="ja-JP" sz="2400" dirty="0" err="1" smtClean="0"/>
               <a:t>endValue</a:t>
             </a:r>
             <a:r>
-              <a:rPr lang="en-US" altLang="ja-JP" dirty="0" smtClean="0"/>
+              <a:rPr lang="en-US" altLang="ja-JP" sz="2400" dirty="0" smtClean="0"/>
               <a:t>, float duration)</a:t>
             </a:r>
           </a:p>
           <a:p>
             <a:r>
-              <a:rPr lang="ja-JP" altLang="en-US" dirty="0" smtClean="0"/>
+              <a:rPr lang="ja-JP" altLang="en-US" sz="2400" dirty="0" smtClean="0"/>
               <a:t>拡張</a:t>
             </a:r>
             <a:r>
-              <a:rPr kumimoji="1" lang="ja-JP" altLang="en-US" dirty="0" smtClean="0"/>
+              <a:rPr kumimoji="1" lang="ja-JP" altLang="en-US" sz="2400" dirty="0" smtClean="0"/>
               <a:t>メソッドを使用しているので</a:t>
             </a:r>
             <a:r>
-              <a:rPr lang="en-US" altLang="ja-JP" dirty="0" smtClean="0"/>
+              <a:rPr lang="en-US" altLang="ja-JP" sz="2400" dirty="0" smtClean="0"/>
               <a:t/>
             </a:r>
             <a:br>
-              <a:rPr lang="en-US" altLang="ja-JP" dirty="0" smtClean="0"/>
+              <a:rPr lang="en-US" altLang="ja-JP" sz="2400" dirty="0" smtClean="0"/>
             </a:br>
             <a:r>
-              <a:rPr lang="en-US" altLang="ja-JP" dirty="0" err="1" smtClean="0"/>
+              <a:rPr lang="en-US" altLang="ja-JP" sz="2400" dirty="0" err="1" smtClean="0"/>
               <a:t>DOTween.To</a:t>
             </a:r>
             <a:r>
-              <a:rPr lang="ja-JP" altLang="en-US" dirty="0" smtClean="0"/>
+              <a:rPr lang="ja-JP" altLang="en-US" sz="2400" dirty="0" smtClean="0"/>
               <a:t>を使わずに</a:t>
             </a:r>
             <a:r>
-              <a:rPr kumimoji="1" lang="en-US" altLang="ja-JP" dirty="0" smtClean="0"/>
+              <a:rPr kumimoji="1" lang="en-US" altLang="ja-JP" sz="2400" dirty="0" smtClean="0"/>
               <a:t/>
             </a:r>
             <a:br>
-              <a:rPr kumimoji="1" lang="en-US" altLang="ja-JP" dirty="0" smtClean="0"/>
+              <a:rPr kumimoji="1" lang="en-US" altLang="ja-JP" sz="2400" dirty="0" smtClean="0"/>
             </a:br>
             <a:r>
-              <a:rPr kumimoji="1" lang="en-US" altLang="ja-JP" dirty="0" smtClean="0"/>
+              <a:rPr kumimoji="1" lang="en-US" altLang="ja-JP" sz="2400" dirty="0" smtClean="0"/>
               <a:t>transform</a:t>
             </a:r>
             <a:r>
-              <a:rPr kumimoji="1" lang="ja-JP" altLang="en-US" dirty="0" smtClean="0"/>
+              <a:rPr kumimoji="1" lang="ja-JP" altLang="en-US" sz="2400" dirty="0" smtClean="0"/>
               <a:t>などを簡単にアニメーションさせることができる</a:t>
             </a:r>
-            <a:endParaRPr kumimoji="1" lang="ja-JP" altLang="en-US" dirty="0"/>
+            <a:endParaRPr kumimoji="1" lang="ja-JP" altLang="en-US" sz="2400" dirty="0"/>
           </a:p>
         </p:txBody>
       </p:sp>
@@ -7834,7 +8202,7 @@
         <p:spPr>
           <a:xfrm>
             <a:off x="1409700" y="3957638"/>
-            <a:ext cx="9372600" cy="1477328"/>
+            <a:ext cx="9372600" cy="1938992"/>
           </a:xfrm>
           <a:prstGeom prst="rect">
             <a:avLst/>
@@ -7848,64 +8216,64 @@
           <a:lstStyle/>
           <a:p>
             <a:r>
-              <a:rPr kumimoji="1" lang="en-US" altLang="ja-JP" dirty="0" err="1" smtClean="0"/>
+              <a:rPr kumimoji="1" lang="en-US" altLang="ja-JP" sz="2400" dirty="0" err="1" smtClean="0"/>
               <a:t>endValue</a:t>
             </a:r>
             <a:r>
-              <a:rPr kumimoji="1" lang="en-US" altLang="ja-JP" dirty="0" smtClean="0"/>
+              <a:rPr kumimoji="1" lang="en-US" altLang="ja-JP" sz="2400" dirty="0" smtClean="0"/>
               <a:t> : new Vector3(0f, -200f, 0f)</a:t>
             </a:r>
           </a:p>
           <a:p>
             <a:r>
-              <a:rPr kumimoji="1" lang="en-US" altLang="ja-JP" dirty="0" smtClean="0"/>
+              <a:rPr kumimoji="1" lang="en-US" altLang="ja-JP" sz="2400" dirty="0" smtClean="0"/>
               <a:t>	</a:t>
             </a:r>
             <a:r>
-              <a:rPr kumimoji="1" lang="ja-JP" altLang="en-US" dirty="0" smtClean="0">
+              <a:rPr kumimoji="1" lang="ja-JP" altLang="en-US" sz="2400" dirty="0" smtClean="0">
                 <a:solidFill>
                   <a:srgbClr val="FFFF00"/>
                 </a:solidFill>
               </a:rPr>
               <a:t>この値にする</a:t>
             </a:r>
-            <a:endParaRPr kumimoji="1" lang="en-US" altLang="ja-JP" dirty="0" smtClean="0">
+            <a:endParaRPr kumimoji="1" lang="en-US" altLang="ja-JP" sz="2400" dirty="0" smtClean="0">
               <a:solidFill>
                 <a:srgbClr val="FFFF00"/>
               </a:solidFill>
             </a:endParaRPr>
           </a:p>
           <a:p>
-            <a:endParaRPr kumimoji="1" lang="en-US" altLang="ja-JP" dirty="0" smtClean="0"/>
-          </a:p>
-          <a:p>
-            <a:r>
-              <a:rPr kumimoji="1" lang="en-US" altLang="ja-JP" dirty="0" smtClean="0"/>
+            <a:endParaRPr kumimoji="1" lang="en-US" altLang="ja-JP" sz="2400" dirty="0" smtClean="0"/>
+          </a:p>
+          <a:p>
+            <a:r>
+              <a:rPr kumimoji="1" lang="en-US" altLang="ja-JP" sz="2400" dirty="0" smtClean="0"/>
               <a:t>duration :</a:t>
             </a:r>
             <a:r>
-              <a:rPr kumimoji="1" lang="en-US" altLang="ja-JP" dirty="0"/>
+              <a:rPr kumimoji="1" lang="en-US" altLang="ja-JP" sz="2400" dirty="0"/>
               <a:t> </a:t>
             </a:r>
             <a:r>
-              <a:rPr kumimoji="1" lang="en-US" altLang="ja-JP" dirty="0" smtClean="0"/>
+              <a:rPr kumimoji="1" lang="en-US" altLang="ja-JP" sz="2400" dirty="0" smtClean="0"/>
               <a:t>0.5f</a:t>
             </a:r>
           </a:p>
           <a:p>
             <a:r>
-              <a:rPr kumimoji="1" lang="en-US" altLang="ja-JP" dirty="0"/>
+              <a:rPr kumimoji="1" lang="en-US" altLang="ja-JP" sz="2400" dirty="0"/>
               <a:t>	</a:t>
             </a:r>
             <a:r>
-              <a:rPr kumimoji="1" lang="ja-JP" altLang="en-US" dirty="0" smtClean="0">
+              <a:rPr kumimoji="1" lang="ja-JP" altLang="en-US" sz="2400" dirty="0" smtClean="0">
                 <a:solidFill>
                   <a:srgbClr val="FFFF00"/>
                 </a:solidFill>
               </a:rPr>
               <a:t>どれくらいで</a:t>
             </a:r>
-            <a:endParaRPr kumimoji="1" lang="en-US" altLang="ja-JP" dirty="0">
+            <a:endParaRPr kumimoji="1" lang="en-US" altLang="ja-JP" sz="2400" dirty="0">
               <a:solidFill>
                 <a:srgbClr val="FFFF00"/>
               </a:solidFill>
@@ -7926,7 +8294,7 @@
   <p:timing>
     <p:tnLst>
       <p:par>
-        <p:cTn xmlns:p14="http://schemas.microsoft.com/office/powerpoint/2010/main" id="1" dur="indefinite" restart="never" nodeType="tmRoot"/>
+        <p:cTn id="1" dur="indefinite" restart="never" nodeType="tmRoot"/>
       </p:par>
     </p:tnLst>
   </p:timing>
@@ -7994,40 +8362,42 @@
           </a:xfrm>
         </p:spPr>
         <p:txBody>
-          <a:bodyPr/>
-          <a:lstStyle/>
-          <a:p>
-            <a:r>
-              <a:rPr kumimoji="1" lang="en-US" altLang="ja-JP" dirty="0" err="1" smtClean="0"/>
+          <a:bodyPr>
+            <a:normAutofit/>
+          </a:bodyPr>
+          <a:lstStyle/>
+          <a:p>
+            <a:r>
+              <a:rPr kumimoji="1" lang="en-US" altLang="ja-JP" sz="2400" dirty="0" err="1" smtClean="0"/>
               <a:t>Transform.DOLocalMoveY</a:t>
             </a:r>
             <a:r>
-              <a:rPr kumimoji="1" lang="en-US" altLang="ja-JP" dirty="0" smtClean="0"/>
+              <a:rPr kumimoji="1" lang="en-US" altLang="ja-JP" sz="2400" dirty="0" smtClean="0"/>
               <a:t>(float </a:t>
             </a:r>
             <a:r>
-              <a:rPr kumimoji="1" lang="en-US" altLang="ja-JP" dirty="0" err="1" smtClean="0"/>
+              <a:rPr kumimoji="1" lang="en-US" altLang="ja-JP" sz="2400" dirty="0" err="1" smtClean="0"/>
               <a:t>endValue</a:t>
             </a:r>
             <a:r>
-              <a:rPr kumimoji="1" lang="en-US" altLang="ja-JP" dirty="0" smtClean="0"/>
+              <a:rPr kumimoji="1" lang="en-US" altLang="ja-JP" sz="2400" dirty="0" smtClean="0"/>
               <a:t>, float duration)</a:t>
             </a:r>
           </a:p>
           <a:p>
             <a:r>
-              <a:rPr kumimoji="1" lang="en-US" altLang="ja-JP" dirty="0" smtClean="0"/>
+              <a:rPr kumimoji="1" lang="en-US" altLang="ja-JP" sz="2400" dirty="0" smtClean="0"/>
               <a:t>Y</a:t>
             </a:r>
             <a:r>
-              <a:rPr kumimoji="1" lang="ja-JP" altLang="en-US" dirty="0" smtClean="0"/>
+              <a:rPr kumimoji="1" lang="ja-JP" altLang="en-US" sz="2400" dirty="0" smtClean="0"/>
               <a:t>方向</a:t>
             </a:r>
             <a:r>
-              <a:rPr lang="ja-JP" altLang="en-US" dirty="0" smtClean="0"/>
+              <a:rPr lang="ja-JP" altLang="en-US" sz="2400" dirty="0" smtClean="0"/>
               <a:t>だけの移動ができるのでシンプル</a:t>
             </a:r>
-            <a:endParaRPr kumimoji="1" lang="ja-JP" altLang="en-US" dirty="0"/>
+            <a:endParaRPr kumimoji="1" lang="ja-JP" altLang="en-US" sz="2400" dirty="0"/>
           </a:p>
         </p:txBody>
       </p:sp>
@@ -8129,29 +8499,31 @@
         </p:nvSpPr>
         <p:spPr/>
         <p:txBody>
-          <a:bodyPr/>
-          <a:lstStyle/>
-          <a:p>
-            <a:r>
-              <a:rPr kumimoji="1" lang="en-US" altLang="ja-JP" dirty="0" err="1" smtClean="0"/>
+          <a:bodyPr>
+            <a:normAutofit/>
+          </a:bodyPr>
+          <a:lstStyle/>
+          <a:p>
+            <a:r>
+              <a:rPr kumimoji="1" lang="en-US" altLang="ja-JP" sz="2400" dirty="0" err="1" smtClean="0"/>
               <a:t>DOTween</a:t>
             </a:r>
             <a:r>
-              <a:rPr kumimoji="1" lang="ja-JP" altLang="en-US" dirty="0" smtClean="0"/>
+              <a:rPr kumimoji="1" lang="ja-JP" altLang="en-US" sz="2400" dirty="0" smtClean="0"/>
               <a:t>の関数は返り値が</a:t>
             </a:r>
             <a:r>
-              <a:rPr kumimoji="1" lang="en-US" altLang="ja-JP" dirty="0" err="1" smtClean="0"/>
+              <a:rPr kumimoji="1" lang="en-US" altLang="ja-JP" sz="2400" dirty="0" err="1" smtClean="0"/>
               <a:t>Tweener</a:t>
             </a:r>
             <a:r>
-              <a:rPr kumimoji="1" lang="ja-JP" altLang="en-US" dirty="0" smtClean="0"/>
+              <a:rPr kumimoji="1" lang="ja-JP" altLang="en-US" sz="2400" dirty="0" smtClean="0"/>
               <a:t>になっている。</a:t>
             </a:r>
-            <a:endParaRPr kumimoji="1" lang="en-US" altLang="ja-JP" dirty="0" smtClean="0"/>
-          </a:p>
-          <a:p>
-            <a:endParaRPr kumimoji="1" lang="ja-JP" altLang="en-US"/>
+            <a:endParaRPr kumimoji="1" lang="en-US" altLang="ja-JP" sz="2400" dirty="0" smtClean="0"/>
+          </a:p>
+          <a:p>
+            <a:endParaRPr kumimoji="1" lang="ja-JP" altLang="en-US" sz="2400" dirty="0"/>
           </a:p>
         </p:txBody>
       </p:sp>
@@ -8218,61 +8590,87 @@
             <p:ph idx="1"/>
           </p:nvPr>
         </p:nvSpPr>
-        <p:spPr/>
-        <p:txBody>
-          <a:bodyPr/>
-          <a:lstStyle/>
-          <a:p>
-            <a:r>
-              <a:rPr lang="ja-JP" altLang="en-US" dirty="0" smtClean="0"/>
-              <a:t>関数の返り値が</a:t>
-            </a:r>
-            <a:r>
-              <a:rPr lang="en-US" altLang="ja-JP" dirty="0" err="1" smtClean="0"/>
+        <p:spPr>
+          <a:xfrm>
+            <a:off x="1103312" y="1610004"/>
+            <a:ext cx="8946541" cy="4195481"/>
+          </a:xfrm>
+        </p:spPr>
+        <p:txBody>
+          <a:bodyPr>
+            <a:normAutofit/>
+          </a:bodyPr>
+          <a:lstStyle/>
+          <a:p>
+            <a:r>
+              <a:rPr kumimoji="1" lang="en-US" altLang="ja-JP" sz="2400" dirty="0" err="1" smtClean="0"/>
               <a:t>Tweener</a:t>
             </a:r>
-            <a:endParaRPr lang="en-US" altLang="ja-JP" dirty="0" smtClean="0"/>
-          </a:p>
-          <a:p>
-            <a:r>
-              <a:rPr kumimoji="1" lang="en-US" altLang="ja-JP" dirty="0" err="1" smtClean="0"/>
-              <a:t>Tweener</a:t>
-            </a:r>
-            <a:r>
-              <a:rPr kumimoji="1" lang="ja-JP" altLang="en-US" dirty="0" smtClean="0"/>
+            <a:r>
+              <a:rPr kumimoji="1" lang="ja-JP" altLang="en-US" sz="2400" dirty="0" smtClean="0"/>
               <a:t>には</a:t>
             </a:r>
             <a:r>
-              <a:rPr kumimoji="1" lang="en-US" altLang="ja-JP" dirty="0" err="1" smtClean="0"/>
-              <a:t>OnCompleted</a:t>
-            </a:r>
-            <a:r>
-              <a:rPr kumimoji="1" lang="ja-JP" altLang="en-US" dirty="0" smtClean="0"/>
-              <a:t>関数があり、</a:t>
-            </a:r>
-            <a:r>
-              <a:rPr lang="en-US" altLang="ja-JP" dirty="0" smtClean="0"/>
+              <a:rPr kumimoji="1" lang="en-US" altLang="ja-JP" sz="2400" dirty="0" err="1" smtClean="0"/>
+              <a:t>OnComplete</a:t>
+            </a:r>
+            <a:r>
+              <a:rPr kumimoji="1" lang="ja-JP" altLang="en-US" sz="2400" dirty="0" smtClean="0"/>
+              <a:t>関数</a:t>
+            </a:r>
+            <a:r>
+              <a:rPr kumimoji="1" lang="ja-JP" altLang="en-US" sz="2400" dirty="0" smtClean="0"/>
+              <a:t>があり、</a:t>
+            </a:r>
+            <a:r>
+              <a:rPr lang="en-US" altLang="ja-JP" sz="2400" dirty="0" smtClean="0"/>
               <a:t/>
             </a:r>
             <a:br>
-              <a:rPr lang="en-US" altLang="ja-JP" dirty="0" smtClean="0"/>
+              <a:rPr lang="en-US" altLang="ja-JP" sz="2400" dirty="0" smtClean="0"/>
             </a:br>
             <a:r>
-              <a:rPr lang="ja-JP" altLang="en-US" dirty="0" smtClean="0"/>
-              <a:t>別のアクション（</a:t>
-            </a:r>
-            <a:r>
-              <a:rPr lang="en-US" altLang="ja-JP" dirty="0" err="1" smtClean="0"/>
-              <a:t>Tweener</a:t>
-            </a:r>
-            <a:r>
-              <a:rPr lang="ja-JP" altLang="en-US" dirty="0" smtClean="0"/>
-              <a:t>）を登録できる</a:t>
-            </a:r>
-            <a:endParaRPr lang="en-US" altLang="ja-JP" dirty="0"/>
-          </a:p>
-        </p:txBody>
-      </p:sp>
+              <a:rPr lang="ja-JP" altLang="en-US" sz="2400" dirty="0" smtClean="0"/>
+              <a:t>アニメーション終了時コールバックを</a:t>
+            </a:r>
+            <a:r>
+              <a:rPr lang="ja-JP" altLang="en-US" sz="2400" dirty="0" smtClean="0"/>
+              <a:t>登録できる</a:t>
+            </a:r>
+            <a:endParaRPr lang="en-US" altLang="ja-JP" sz="2400" dirty="0"/>
+          </a:p>
+        </p:txBody>
+      </p:sp>
+      <p:pic>
+        <p:nvPicPr>
+          <p:cNvPr id="4" name="図 3"/>
+          <p:cNvPicPr>
+            <a:picLocks noChangeAspect="1"/>
+          </p:cNvPicPr>
+          <p:nvPr/>
+        </p:nvPicPr>
+        <p:blipFill>
+          <a:blip r:embed="rId2">
+            <a:extLst>
+              <a:ext uri="{28A0092B-C50C-407E-A947-70E740481C1C}">
+                <a14:useLocalDpi xmlns:a14="http://schemas.microsoft.com/office/drawing/2010/main" val="0"/>
+              </a:ext>
+            </a:extLst>
+          </a:blip>
+          <a:stretch>
+            <a:fillRect/>
+          </a:stretch>
+        </p:blipFill>
+        <p:spPr>
+          <a:xfrm>
+            <a:off x="935953" y="2886072"/>
+            <a:ext cx="10720150" cy="771526"/>
+          </a:xfrm>
+          <a:prstGeom prst="rect">
+            <a:avLst/>
+          </a:prstGeom>
+        </p:spPr>
+      </p:pic>
     </p:spTree>
     <p:extLst>
       <p:ext uri="{BB962C8B-B14F-4D97-AF65-F5344CB8AC3E}">
@@ -8336,20 +8734,125 @@
             <p:ph idx="1"/>
           </p:nvPr>
         </p:nvSpPr>
-        <p:spPr/>
-        <p:txBody>
-          <a:bodyPr/>
-          <a:lstStyle/>
-          <a:p>
-            <a:r>
-              <a:rPr kumimoji="1" lang="ja-JP" altLang="en-US" dirty="0" smtClean="0"/>
-              <a:t>戻り値が</a:t>
-            </a:r>
-            <a:r>
-              <a:rPr kumimoji="1" lang="en-US" altLang="ja-JP" dirty="0" err="1" smtClean="0"/>
+        <p:spPr>
+          <a:xfrm>
+            <a:off x="1103312" y="1452836"/>
+            <a:ext cx="8946541" cy="4195481"/>
+          </a:xfrm>
+        </p:spPr>
+        <p:txBody>
+          <a:bodyPr>
+            <a:normAutofit/>
+          </a:bodyPr>
+          <a:lstStyle/>
+          <a:p>
+            <a:r>
+              <a:rPr kumimoji="1" lang="en-US" altLang="ja-JP" sz="2400" dirty="0" err="1" smtClean="0"/>
               <a:t>Tweener</a:t>
             </a:r>
-            <a:endParaRPr kumimoji="1" lang="en-US" altLang="ja-JP" dirty="0" smtClean="0"/>
+            <a:r>
+              <a:rPr kumimoji="1" lang="ja-JP" altLang="en-US" sz="2400" dirty="0" smtClean="0"/>
+              <a:t>には</a:t>
+            </a:r>
+            <a:r>
+              <a:rPr lang="en-US" altLang="ja-JP" sz="2400" dirty="0" err="1" smtClean="0"/>
+              <a:t>OnComplete</a:t>
+            </a:r>
+            <a:r>
+              <a:rPr lang="ja-JP" altLang="en-US" sz="2400" dirty="0" smtClean="0"/>
+              <a:t>があり、</a:t>
+            </a:r>
+            <a:r>
+              <a:rPr lang="en-US" altLang="ja-JP" sz="2400" dirty="0" smtClean="0"/>
+              <a:t/>
+            </a:r>
+            <a:br>
+              <a:rPr lang="en-US" altLang="ja-JP" sz="2400" dirty="0" smtClean="0"/>
+            </a:br>
+            <a:r>
+              <a:rPr lang="en-US" altLang="ja-JP" sz="2400" dirty="0" err="1" smtClean="0"/>
+              <a:t>OnCompleted</a:t>
+            </a:r>
+            <a:r>
+              <a:rPr lang="ja-JP" altLang="en-US" sz="2400" dirty="0" smtClean="0"/>
+              <a:t>の返り値も</a:t>
+            </a:r>
+            <a:r>
+              <a:rPr lang="en-US" altLang="ja-JP" sz="2400" dirty="0" err="1" smtClean="0"/>
+              <a:t>Tweener</a:t>
+            </a:r>
+            <a:r>
+              <a:rPr lang="ja-JP" altLang="en-US" sz="2400" dirty="0" smtClean="0"/>
+              <a:t>になるようになっている</a:t>
+            </a:r>
+            <a:endParaRPr kumimoji="1" lang="en-US" altLang="ja-JP" sz="2400" dirty="0" smtClean="0"/>
+          </a:p>
+        </p:txBody>
+      </p:sp>
+      <p:pic>
+        <p:nvPicPr>
+          <p:cNvPr id="4" name="図 3"/>
+          <p:cNvPicPr>
+            <a:picLocks noChangeAspect="1"/>
+          </p:cNvPicPr>
+          <p:nvPr/>
+        </p:nvPicPr>
+        <p:blipFill>
+          <a:blip r:embed="rId2">
+            <a:extLst>
+              <a:ext uri="{28A0092B-C50C-407E-A947-70E740481C1C}">
+                <a14:useLocalDpi xmlns:a14="http://schemas.microsoft.com/office/drawing/2010/main" val="0"/>
+              </a:ext>
+            </a:extLst>
+          </a:blip>
+          <a:stretch>
+            <a:fillRect/>
+          </a:stretch>
+        </p:blipFill>
+        <p:spPr>
+          <a:xfrm>
+            <a:off x="1309052" y="2316157"/>
+            <a:ext cx="10031104" cy="1555750"/>
+          </a:xfrm>
+          <a:prstGeom prst="rect">
+            <a:avLst/>
+          </a:prstGeom>
+        </p:spPr>
+      </p:pic>
+      <p:sp>
+        <p:nvSpPr>
+          <p:cNvPr id="5" name="テキスト ボックス 4"/>
+          <p:cNvSpPr txBox="1"/>
+          <p:nvPr/>
+        </p:nvSpPr>
+        <p:spPr>
+          <a:xfrm>
+            <a:off x="1502569" y="4071938"/>
+            <a:ext cx="9186862" cy="830997"/>
+          </a:xfrm>
+          <a:prstGeom prst="rect">
+            <a:avLst/>
+          </a:prstGeom>
+          <a:noFill/>
+        </p:spPr>
+        <p:txBody>
+          <a:bodyPr wrap="square" rtlCol="0">
+            <a:spAutoFit/>
+          </a:bodyPr>
+          <a:lstStyle/>
+          <a:p>
+            <a:r>
+              <a:rPr kumimoji="1" lang="ja-JP" altLang="en-US" sz="2400" dirty="0" smtClean="0"/>
+              <a:t>こういったように、アニメーション終了時に次はこれ！</a:t>
+            </a:r>
+            <a:endParaRPr kumimoji="1" lang="en-US" altLang="ja-JP" sz="2400" dirty="0" smtClean="0"/>
+          </a:p>
+          <a:p>
+            <a:r>
+              <a:rPr kumimoji="1" lang="ja-JP" altLang="en-US" sz="2400" dirty="0" smtClean="0"/>
+              <a:t>というような連続したアニメーションができる。</a:t>
+            </a:r>
+            <a:endParaRPr kumimoji="1" lang="ja-JP" altLang="en-US" sz="2400" dirty="0"/>
           </a:p>
         </p:txBody>
       </p:sp>
@@ -8366,7 +8869,7 @@
   <p:timing>
     <p:tnLst>
       <p:par>
-        <p:cTn xmlns:p14="http://schemas.microsoft.com/office/powerpoint/2010/main" id="1" dur="indefinite" restart="never" nodeType="tmRoot"/>
+        <p:cTn id="1" dur="indefinite" restart="never" nodeType="tmRoot"/>
       </p:par>
     </p:tnLst>
   </p:timing>
@@ -8409,10 +8912,6 @@
               <a:rPr kumimoji="1" lang="en-US" altLang="ja-JP" dirty="0" err="1" smtClean="0"/>
               <a:t>DOTween.Sequence</a:t>
             </a:r>
-            <a:r>
-              <a:rPr kumimoji="1" lang="en-US" altLang="ja-JP" dirty="0" smtClean="0"/>
-              <a:t>()</a:t>
-            </a:r>
             <a:endParaRPr kumimoji="1" lang="ja-JP" altLang="en-US" dirty="0"/>
           </a:p>
         </p:txBody>
@@ -8427,12 +8926,125 @@
             <p:ph idx="1"/>
           </p:nvPr>
         </p:nvSpPr>
-        <p:spPr/>
-        <p:txBody>
-          <a:bodyPr/>
-          <a:lstStyle/>
-          <a:p>
-            <a:endParaRPr kumimoji="1" lang="ja-JP" altLang="en-US"/>
+        <p:spPr>
+          <a:xfrm>
+            <a:off x="1103312" y="1481412"/>
+            <a:ext cx="8946541" cy="4195481"/>
+          </a:xfrm>
+        </p:spPr>
+        <p:txBody>
+          <a:bodyPr>
+            <a:normAutofit/>
+          </a:bodyPr>
+          <a:lstStyle/>
+          <a:p>
+            <a:r>
+              <a:rPr lang="ja-JP" altLang="en-US" sz="2400" dirty="0" smtClean="0"/>
+              <a:t>特別な</a:t>
+            </a:r>
+            <a:r>
+              <a:rPr lang="en-US" altLang="ja-JP" sz="2400" dirty="0" smtClean="0"/>
+              <a:t>Tween</a:t>
+            </a:r>
+            <a:r>
+              <a:rPr lang="ja-JP" altLang="en-US" sz="2400" dirty="0" smtClean="0"/>
+              <a:t>で他の</a:t>
+            </a:r>
+            <a:r>
+              <a:rPr lang="en-US" altLang="ja-JP" sz="2400" dirty="0" smtClean="0"/>
+              <a:t>Tween</a:t>
+            </a:r>
+            <a:r>
+              <a:rPr lang="ja-JP" altLang="en-US" sz="2400" dirty="0" smtClean="0"/>
+              <a:t>をまとめる役目がある。</a:t>
+            </a:r>
+            <a:endParaRPr kumimoji="1" lang="ja-JP" altLang="en-US" sz="2400" dirty="0"/>
+          </a:p>
+        </p:txBody>
+      </p:sp>
+      <p:pic>
+        <p:nvPicPr>
+          <p:cNvPr id="4" name="図 3"/>
+          <p:cNvPicPr>
+            <a:picLocks noChangeAspect="1"/>
+          </p:cNvPicPr>
+          <p:nvPr/>
+        </p:nvPicPr>
+        <p:blipFill>
+          <a:blip r:embed="rId2">
+            <a:extLst>
+              <a:ext uri="{28A0092B-C50C-407E-A947-70E740481C1C}">
+                <a14:useLocalDpi xmlns:a14="http://schemas.microsoft.com/office/drawing/2010/main" val="0"/>
+              </a:ext>
+            </a:extLst>
+          </a:blip>
+          <a:stretch>
+            <a:fillRect/>
+          </a:stretch>
+        </p:blipFill>
+        <p:spPr>
+          <a:xfrm>
+            <a:off x="1448819" y="2058983"/>
+            <a:ext cx="9294362" cy="2012950"/>
+          </a:xfrm>
+          <a:prstGeom prst="rect">
+            <a:avLst/>
+          </a:prstGeom>
+        </p:spPr>
+      </p:pic>
+      <p:sp>
+        <p:nvSpPr>
+          <p:cNvPr id="5" name="テキスト ボックス 4"/>
+          <p:cNvSpPr txBox="1"/>
+          <p:nvPr/>
+        </p:nvSpPr>
+        <p:spPr>
+          <a:xfrm>
+            <a:off x="1448819" y="4414838"/>
+            <a:ext cx="9566844" cy="1200329"/>
+          </a:xfrm>
+          <a:prstGeom prst="rect">
+            <a:avLst/>
+          </a:prstGeom>
+          <a:noFill/>
+        </p:spPr>
+        <p:txBody>
+          <a:bodyPr wrap="square" rtlCol="0">
+            <a:spAutoFit/>
+          </a:bodyPr>
+          <a:lstStyle/>
+          <a:p>
+            <a:r>
+              <a:rPr kumimoji="1" lang="en-US" altLang="ja-JP" sz="2400" dirty="0" smtClean="0"/>
+              <a:t>Append</a:t>
+            </a:r>
+            <a:r>
+              <a:rPr kumimoji="1" lang="ja-JP" altLang="en-US" sz="2400" dirty="0" smtClean="0"/>
+              <a:t>することで順々に処理を進めていく</a:t>
+            </a:r>
+            <a:endParaRPr kumimoji="1" lang="en-US" altLang="ja-JP" sz="2400" dirty="0"/>
+          </a:p>
+          <a:p>
+            <a:r>
+              <a:rPr kumimoji="1" lang="ja-JP" altLang="en-US" sz="2400" dirty="0" smtClean="0"/>
+              <a:t>また途中に</a:t>
+            </a:r>
+            <a:r>
+              <a:rPr kumimoji="1" lang="en-US" altLang="ja-JP" sz="2400" dirty="0" err="1" smtClean="0"/>
+              <a:t>AppendInterval</a:t>
+            </a:r>
+            <a:r>
+              <a:rPr kumimoji="1" lang="ja-JP" altLang="en-US" sz="2400" dirty="0" smtClean="0"/>
+              <a:t>を挟むことで</a:t>
+            </a:r>
+            <a:endParaRPr kumimoji="1" lang="en-US" altLang="ja-JP" sz="2400" dirty="0"/>
+          </a:p>
+          <a:p>
+            <a:r>
+              <a:rPr kumimoji="1" lang="ja-JP" altLang="en-US" sz="2400" dirty="0" smtClean="0"/>
+              <a:t>時間差で次の処理を実行できる</a:t>
+            </a:r>
+            <a:endParaRPr kumimoji="1" lang="ja-JP" altLang="en-US" sz="2400" dirty="0"/>
           </a:p>
         </p:txBody>
       </p:sp>
@@ -8709,7 +9321,7 @@
   <a:extraClrSchemeLst/>
   <a:extLst>
     <a:ext uri="{05A4C25C-085E-4340-85A3-A5531E510DB2}">
-      <thm15:themeFamily xmlns:thm15="http://schemas.microsoft.com/office/thememl/2012/main" xmlns="" name="Ion" id="{B8441ADB-2E43-4AF7-B97A-BD870242C6A8}" vid="{292E63A9-BB86-4E3D-B92A-7223C6510D2E}"/>
+      <thm15:themeFamily xmlns:thm15="http://schemas.microsoft.com/office/thememl/2012/main" name="Ion" id="{B8441ADB-2E43-4AF7-B97A-BD870242C6A8}" vid="{292E63A9-BB86-4E3D-B92A-7223C6510D2E}"/>
     </a:ext>
   </a:extLst>
 </a:theme>
@@ -8970,7 +9582,7 @@
   <a:extraClrSchemeLst/>
   <a:extLst>
     <a:ext uri="{05A4C25C-085E-4340-85A3-A5531E510DB2}">
-      <thm15:themeFamily xmlns:thm15="http://schemas.microsoft.com/office/thememl/2012/main" xmlns="" name="Office Theme" id="{62F939B6-93AF-4DB8-9C6B-D6C7DFDC589F}" vid="{4A3C46E8-61CC-4603-A589-7422A47A8E4A}"/>
+      <thm15:themeFamily xmlns:thm15="http://schemas.microsoft.com/office/thememl/2012/main" name="Office Theme" id="{62F939B6-93AF-4DB8-9C6B-D6C7DFDC589F}" vid="{4A3C46E8-61CC-4603-A589-7422A47A8E4A}"/>
     </a:ext>
   </a:extLst>
 </a:theme>

--- a/RHStudy/Documents/プレゼンテーション1.pptx
+++ b/RHStudy/Documents/プレゼンテーション1.pptx
@@ -5,7 +5,7 @@
     <p:sldMasterId id="2147483648" r:id="rId1"/>
   </p:sldMasterIdLst>
   <p:notesMasterIdLst>
-    <p:notesMasterId r:id="rId17"/>
+    <p:notesMasterId r:id="rId19"/>
   </p:notesMasterIdLst>
   <p:sldIdLst>
     <p:sldId id="256" r:id="rId2"/>
@@ -19,10 +19,12 @@
     <p:sldId id="262" r:id="rId10"/>
     <p:sldId id="271" r:id="rId11"/>
     <p:sldId id="272" r:id="rId12"/>
-    <p:sldId id="270" r:id="rId13"/>
-    <p:sldId id="264" r:id="rId14"/>
-    <p:sldId id="266" r:id="rId15"/>
-    <p:sldId id="265" r:id="rId16"/>
+    <p:sldId id="274" r:id="rId13"/>
+    <p:sldId id="275" r:id="rId14"/>
+    <p:sldId id="270" r:id="rId15"/>
+    <p:sldId id="273" r:id="rId16"/>
+    <p:sldId id="266" r:id="rId17"/>
+    <p:sldId id="265" r:id="rId18"/>
   </p:sldIdLst>
   <p:sldSz cx="12192000" cy="6858000"/>
   <p:notesSz cx="6858000" cy="9144000"/>
@@ -7202,6 +7204,254 @@
           <a:lstStyle/>
           <a:p>
             <a:r>
+              <a:rPr lang="en-US" altLang="ja-JP" dirty="0" smtClean="0"/>
+              <a:t>Sequence</a:t>
+            </a:r>
+            <a:endParaRPr kumimoji="1" lang="ja-JP" altLang="en-US" dirty="0"/>
+          </a:p>
+        </p:txBody>
+      </p:sp>
+      <p:sp>
+        <p:nvSpPr>
+          <p:cNvPr id="3" name="コンテンツ プレースホルダー 2"/>
+          <p:cNvSpPr>
+            <a:spLocks noGrp="1"/>
+          </p:cNvSpPr>
+          <p:nvPr>
+            <p:ph idx="1"/>
+          </p:nvPr>
+        </p:nvSpPr>
+        <p:spPr>
+          <a:xfrm>
+            <a:off x="1103312" y="1552849"/>
+            <a:ext cx="8946541" cy="4195481"/>
+          </a:xfrm>
+        </p:spPr>
+        <p:txBody>
+          <a:bodyPr>
+            <a:normAutofit/>
+          </a:bodyPr>
+          <a:lstStyle/>
+          <a:p>
+            <a:r>
+              <a:rPr lang="en-US" altLang="ja-JP" sz="2400" dirty="0" smtClean="0"/>
+              <a:t>Join</a:t>
+            </a:r>
+            <a:r>
+              <a:rPr lang="en-US" altLang="ja-JP" sz="2400" dirty="0" smtClean="0"/>
+              <a:t/>
+            </a:r>
+            <a:br>
+              <a:rPr lang="en-US" altLang="ja-JP" sz="2400" dirty="0" smtClean="0"/>
+            </a:br>
+            <a:r>
+              <a:rPr lang="ja-JP" altLang="en-US" sz="2400" dirty="0" smtClean="0"/>
+              <a:t>基本的に</a:t>
+            </a:r>
+            <a:r>
+              <a:rPr lang="en-US" altLang="ja-JP" sz="2400" dirty="0" smtClean="0"/>
+              <a:t>Tween</a:t>
+            </a:r>
+            <a:r>
+              <a:rPr lang="ja-JP" altLang="en-US" sz="2400" dirty="0" smtClean="0"/>
+              <a:t>を登録</a:t>
+            </a:r>
+            <a:endParaRPr lang="en-US" altLang="ja-JP" sz="2400" dirty="0" smtClean="0"/>
+          </a:p>
+          <a:p>
+            <a:r>
+              <a:rPr kumimoji="1" lang="en-US" altLang="ja-JP" sz="2400" dirty="0" err="1" smtClean="0"/>
+              <a:t>JoinCallback</a:t>
+            </a:r>
+            <a:r>
+              <a:rPr kumimoji="1" lang="en-US" altLang="ja-JP" sz="2400" dirty="0" smtClean="0"/>
+              <a:t/>
+            </a:r>
+            <a:br>
+              <a:rPr kumimoji="1" lang="en-US" altLang="ja-JP" sz="2400" dirty="0" smtClean="0"/>
+            </a:br>
+            <a:r>
+              <a:rPr kumimoji="1" lang="ja-JP" altLang="en-US" sz="2400" dirty="0" smtClean="0"/>
+              <a:t>基本的に関数を</a:t>
+            </a:r>
+            <a:r>
+              <a:rPr kumimoji="1" lang="ja-JP" altLang="en-US" sz="2400" dirty="0" smtClean="0"/>
+              <a:t>登録</a:t>
+            </a:r>
+            <a:endParaRPr kumimoji="1" lang="en-US" altLang="ja-JP" sz="2400" dirty="0" smtClean="0"/>
+          </a:p>
+        </p:txBody>
+      </p:sp>
+    </p:spTree>
+    <p:extLst>
+      <p:ext uri="{BB962C8B-B14F-4D97-AF65-F5344CB8AC3E}">
+        <p14:creationId xmlns:p14="http://schemas.microsoft.com/office/powerpoint/2010/main" val="1367286450"/>
+      </p:ext>
+    </p:extLst>
+  </p:cSld>
+  <p:clrMapOvr>
+    <a:masterClrMapping/>
+  </p:clrMapOvr>
+</p:sld>
+</file>
+
+<file path=ppt/slides/slide13.xml><?xml version="1.0" encoding="utf-8"?>
+<p:sld xmlns:a="http://schemas.openxmlformats.org/drawingml/2006/main" xmlns:r="http://schemas.openxmlformats.org/officeDocument/2006/relationships" xmlns:p="http://schemas.openxmlformats.org/presentationml/2006/main">
+  <p:cSld>
+    <p:spTree>
+      <p:nvGrpSpPr>
+        <p:cNvPr id="1" name=""/>
+        <p:cNvGrpSpPr/>
+        <p:nvPr/>
+      </p:nvGrpSpPr>
+      <p:grpSpPr>
+        <a:xfrm>
+          <a:off x="0" y="0"/>
+          <a:ext cx="0" cy="0"/>
+          <a:chOff x="0" y="0"/>
+          <a:chExt cx="0" cy="0"/>
+        </a:xfrm>
+      </p:grpSpPr>
+      <p:sp>
+        <p:nvSpPr>
+          <p:cNvPr id="2" name="タイトル 1"/>
+          <p:cNvSpPr>
+            <a:spLocks noGrp="1"/>
+          </p:cNvSpPr>
+          <p:nvPr>
+            <p:ph type="title"/>
+          </p:nvPr>
+        </p:nvSpPr>
+        <p:spPr/>
+        <p:txBody>
+          <a:bodyPr/>
+          <a:lstStyle/>
+          <a:p>
+            <a:r>
+              <a:rPr lang="en-US" altLang="ja-JP" dirty="0" smtClean="0"/>
+              <a:t>Sequence</a:t>
+            </a:r>
+            <a:endParaRPr kumimoji="1" lang="ja-JP" altLang="en-US" dirty="0"/>
+          </a:p>
+        </p:txBody>
+      </p:sp>
+      <p:sp>
+        <p:nvSpPr>
+          <p:cNvPr id="3" name="コンテンツ プレースホルダー 2"/>
+          <p:cNvSpPr>
+            <a:spLocks noGrp="1"/>
+          </p:cNvSpPr>
+          <p:nvPr>
+            <p:ph idx="1"/>
+          </p:nvPr>
+        </p:nvSpPr>
+        <p:spPr>
+          <a:xfrm>
+            <a:off x="1103312" y="1552849"/>
+            <a:ext cx="8946541" cy="4195481"/>
+          </a:xfrm>
+        </p:spPr>
+        <p:txBody>
+          <a:bodyPr>
+            <a:normAutofit/>
+          </a:bodyPr>
+          <a:lstStyle/>
+          <a:p>
+            <a:r>
+              <a:rPr lang="en-US" altLang="ja-JP" sz="2400" dirty="0" smtClean="0"/>
+              <a:t>Insert</a:t>
+            </a:r>
+            <a:r>
+              <a:rPr lang="en-US" altLang="ja-JP" sz="2400" dirty="0" smtClean="0"/>
+              <a:t/>
+            </a:r>
+            <a:br>
+              <a:rPr lang="en-US" altLang="ja-JP" sz="2400" dirty="0" smtClean="0"/>
+            </a:br>
+            <a:r>
+              <a:rPr lang="ja-JP" altLang="en-US" sz="2400" dirty="0" smtClean="0"/>
+              <a:t>基本的に</a:t>
+            </a:r>
+            <a:r>
+              <a:rPr lang="en-US" altLang="ja-JP" sz="2400" dirty="0" smtClean="0"/>
+              <a:t>Tween</a:t>
+            </a:r>
+            <a:r>
+              <a:rPr lang="ja-JP" altLang="en-US" sz="2400" dirty="0" smtClean="0"/>
+              <a:t>を登録</a:t>
+            </a:r>
+            <a:endParaRPr lang="en-US" altLang="ja-JP" sz="2400" dirty="0" smtClean="0"/>
+          </a:p>
+          <a:p>
+            <a:r>
+              <a:rPr kumimoji="1" lang="en-US" altLang="ja-JP" sz="2400" smtClean="0"/>
+              <a:t>InsertCallback</a:t>
+            </a:r>
+            <a:r>
+              <a:rPr kumimoji="1" lang="en-US" altLang="ja-JP" sz="2400" dirty="0" smtClean="0"/>
+              <a:t/>
+            </a:r>
+            <a:br>
+              <a:rPr kumimoji="1" lang="en-US" altLang="ja-JP" sz="2400" dirty="0" smtClean="0"/>
+            </a:br>
+            <a:r>
+              <a:rPr kumimoji="1" lang="ja-JP" altLang="en-US" sz="2400" dirty="0" smtClean="0"/>
+              <a:t>基本的に関数を</a:t>
+            </a:r>
+            <a:r>
+              <a:rPr kumimoji="1" lang="ja-JP" altLang="en-US" sz="2400" dirty="0" smtClean="0"/>
+              <a:t>登録</a:t>
+            </a:r>
+            <a:endParaRPr kumimoji="1" lang="en-US" altLang="ja-JP" sz="2400" dirty="0" smtClean="0"/>
+          </a:p>
+        </p:txBody>
+      </p:sp>
+    </p:spTree>
+    <p:extLst>
+      <p:ext uri="{BB962C8B-B14F-4D97-AF65-F5344CB8AC3E}">
+        <p14:creationId xmlns:p14="http://schemas.microsoft.com/office/powerpoint/2010/main" val="878709102"/>
+      </p:ext>
+    </p:extLst>
+  </p:cSld>
+  <p:clrMapOvr>
+    <a:masterClrMapping/>
+  </p:clrMapOvr>
+</p:sld>
+</file>
+
+<file path=ppt/slides/slide14.xml><?xml version="1.0" encoding="utf-8"?>
+<p:sld xmlns:a="http://schemas.openxmlformats.org/drawingml/2006/main" xmlns:r="http://schemas.openxmlformats.org/officeDocument/2006/relationships" xmlns:p="http://schemas.openxmlformats.org/presentationml/2006/main">
+  <p:cSld>
+    <p:spTree>
+      <p:nvGrpSpPr>
+        <p:cNvPr id="1" name=""/>
+        <p:cNvGrpSpPr/>
+        <p:nvPr/>
+      </p:nvGrpSpPr>
+      <p:grpSpPr>
+        <a:xfrm>
+          <a:off x="0" y="0"/>
+          <a:ext cx="0" cy="0"/>
+          <a:chOff x="0" y="0"/>
+          <a:chExt cx="0" cy="0"/>
+        </a:xfrm>
+      </p:grpSpPr>
+      <p:sp>
+        <p:nvSpPr>
+          <p:cNvPr id="2" name="タイトル 1"/>
+          <p:cNvSpPr>
+            <a:spLocks noGrp="1"/>
+          </p:cNvSpPr>
+          <p:nvPr>
+            <p:ph type="title"/>
+          </p:nvPr>
+        </p:nvSpPr>
+        <p:spPr/>
+        <p:txBody>
+          <a:bodyPr/>
+          <a:lstStyle/>
+          <a:p>
+            <a:r>
               <a:rPr kumimoji="1" lang="en-US" altLang="ja-JP" dirty="0" err="1" smtClean="0"/>
               <a:t>EaseType</a:t>
             </a:r>
@@ -7284,7 +7534,7 @@
 </p:sld>
 </file>
 
-<file path=ppt/slides/slide13.xml><?xml version="1.0" encoding="utf-8"?>
+<file path=ppt/slides/slide15.xml><?xml version="1.0" encoding="utf-8"?>
 <p:sld xmlns:a="http://schemas.openxmlformats.org/drawingml/2006/main" xmlns:r="http://schemas.openxmlformats.org/officeDocument/2006/relationships" xmlns:p="http://schemas.openxmlformats.org/presentationml/2006/main">
   <p:cSld>
     <p:spTree>
@@ -7318,35 +7568,45 @@
           <a:p>
             <a:r>
               <a:rPr kumimoji="1" lang="ja-JP" altLang="en-US" dirty="0" smtClean="0"/>
-              <a:t>動的、につおい</a:t>
+              <a:t>実例</a:t>
             </a:r>
             <a:endParaRPr kumimoji="1" lang="ja-JP" altLang="en-US" dirty="0"/>
           </a:p>
         </p:txBody>
       </p:sp>
-      <p:sp>
-        <p:nvSpPr>
-          <p:cNvPr id="3" name="コンテンツ プレースホルダー 2"/>
-          <p:cNvSpPr>
-            <a:spLocks noGrp="1"/>
-          </p:cNvSpPr>
+      <p:pic>
+        <p:nvPicPr>
+          <p:cNvPr id="4" name="コンテンツ プレースホルダー 3"/>
+          <p:cNvPicPr>
+            <a:picLocks noGrp="1" noChangeAspect="1"/>
+          </p:cNvPicPr>
           <p:nvPr>
             <p:ph idx="1"/>
           </p:nvPr>
-        </p:nvSpPr>
-        <p:spPr/>
-        <p:txBody>
-          <a:bodyPr/>
-          <a:lstStyle/>
-          <a:p>
-            <a:endParaRPr kumimoji="1" lang="ja-JP" altLang="en-US"/>
-          </a:p>
-        </p:txBody>
-      </p:sp>
+        </p:nvPicPr>
+        <p:blipFill>
+          <a:blip r:embed="rId2">
+            <a:extLst>
+              <a:ext uri="{28A0092B-C50C-407E-A947-70E740481C1C}">
+                <a14:useLocalDpi xmlns:a14="http://schemas.microsoft.com/office/drawing/2010/main" val="0"/>
+              </a:ext>
+            </a:extLst>
+          </a:blip>
+          <a:stretch>
+            <a:fillRect/>
+          </a:stretch>
+        </p:blipFill>
+        <p:spPr>
+          <a:xfrm>
+            <a:off x="497685" y="1257291"/>
+            <a:ext cx="11501444" cy="3614740"/>
+          </a:xfrm>
+        </p:spPr>
+      </p:pic>
     </p:spTree>
     <p:extLst>
       <p:ext uri="{BB962C8B-B14F-4D97-AF65-F5344CB8AC3E}">
-        <p14:creationId xmlns:p14="http://schemas.microsoft.com/office/powerpoint/2010/main" val="144684845"/>
+        <p14:creationId xmlns:p14="http://schemas.microsoft.com/office/powerpoint/2010/main" val="1965371566"/>
       </p:ext>
     </p:extLst>
   </p:cSld>
@@ -7356,7 +7616,7 @@
 </p:sld>
 </file>
 
-<file path=ppt/slides/slide14.xml><?xml version="1.0" encoding="utf-8"?>
+<file path=ppt/slides/slide16.xml><?xml version="1.0" encoding="utf-8"?>
 <p:sld xmlns:a="http://schemas.openxmlformats.org/drawingml/2006/main" xmlns:r="http://schemas.openxmlformats.org/officeDocument/2006/relationships" xmlns:p="http://schemas.openxmlformats.org/presentationml/2006/main">
   <p:cSld>
     <p:spTree>
@@ -7444,7 +7704,7 @@
 </p:sld>
 </file>
 
-<file path=ppt/slides/slide15.xml><?xml version="1.0" encoding="utf-8"?>
+<file path=ppt/slides/slide17.xml><?xml version="1.0" encoding="utf-8"?>
 <p:sld xmlns:a="http://schemas.openxmlformats.org/drawingml/2006/main" xmlns:r="http://schemas.openxmlformats.org/officeDocument/2006/relationships" xmlns:p="http://schemas.openxmlformats.org/presentationml/2006/main">
   <p:cSld>
     <p:spTree>
@@ -7907,7 +8167,32 @@
                   <a:srgbClr val="FFFF00"/>
                 </a:solidFill>
               </a:rPr>
-              <a:t>どの数値から（初期値</a:t>
+              <a:t>どの数値から（初期値）</a:t>
+            </a:r>
+            <a:endParaRPr kumimoji="1" lang="en-US" altLang="ja-JP" sz="2400" dirty="0"/>
+          </a:p>
+          <a:p>
+            <a:r>
+              <a:rPr kumimoji="1" lang="en-US" altLang="ja-JP" sz="2400" dirty="0"/>
+              <a:t>s</a:t>
+            </a:r>
+            <a:r>
+              <a:rPr kumimoji="1" lang="en-US" altLang="ja-JP" sz="2400" dirty="0" smtClean="0"/>
+              <a:t>etter : (x) =&gt; </a:t>
+            </a:r>
+            <a:r>
+              <a:rPr kumimoji="1" lang="en-US" altLang="ja-JP" sz="2400" dirty="0" err="1" smtClean="0"/>
+              <a:t>this.scoreNum</a:t>
+            </a:r>
+            <a:r>
+              <a:rPr kumimoji="1" lang="en-US" altLang="ja-JP" sz="2400" dirty="0" smtClean="0"/>
+              <a:t> = x</a:t>
+            </a:r>
+          </a:p>
+          <a:p>
+            <a:r>
+              <a:rPr kumimoji="1" lang="en-US" altLang="ja-JP" sz="2400" dirty="0" smtClean="0"/>
+              <a:t>	</a:t>
             </a:r>
             <a:r>
               <a:rPr kumimoji="1" lang="ja-JP" altLang="en-US" sz="2400" dirty="0" smtClean="0">
@@ -7915,26 +8200,14 @@
                   <a:srgbClr val="FFFF00"/>
                 </a:solidFill>
               </a:rPr>
-              <a:t>）</a:t>
+              <a:t>どの数値へ</a:t>
             </a:r>
             <a:endParaRPr kumimoji="1" lang="en-US" altLang="ja-JP" sz="2400" dirty="0"/>
           </a:p>
           <a:p>
             <a:r>
-              <a:rPr kumimoji="1" lang="en-US" altLang="ja-JP" sz="2400" dirty="0"/>
-              <a:t>s</a:t>
-            </a:r>
-            <a:r>
               <a:rPr kumimoji="1" lang="en-US" altLang="ja-JP" sz="2400" dirty="0" smtClean="0"/>
-              <a:t>etter : (x) =&gt; </a:t>
-            </a:r>
-            <a:r>
-              <a:rPr kumimoji="1" lang="en-US" altLang="ja-JP" sz="2400" dirty="0" err="1" smtClean="0"/>
-              <a:t>this.scoreNum</a:t>
-            </a:r>
-            <a:r>
-              <a:rPr kumimoji="1" lang="en-US" altLang="ja-JP" sz="2400" dirty="0" smtClean="0"/>
-              <a:t> = x</a:t>
+              <a:t>to : 10000</a:t>
             </a:r>
           </a:p>
           <a:p>
@@ -7948,7 +8221,20 @@
                   <a:srgbClr val="FFFF00"/>
                 </a:solidFill>
               </a:rPr>
-              <a:t>どの数値</a:t>
+              <a:t>どれくらいの数値にするか</a:t>
+            </a:r>
+            <a:endParaRPr kumimoji="1" lang="en-US" altLang="ja-JP" sz="2400" dirty="0"/>
+          </a:p>
+          <a:p>
+            <a:r>
+              <a:rPr kumimoji="1" lang="en-US" altLang="ja-JP" sz="2400" dirty="0" smtClean="0"/>
+              <a:t>duration : 1.5f</a:t>
+            </a:r>
+          </a:p>
+          <a:p>
+            <a:r>
+              <a:rPr kumimoji="1" lang="en-US" altLang="ja-JP" sz="2400" dirty="0" smtClean="0"/>
+              <a:t>	</a:t>
             </a:r>
             <a:r>
               <a:rPr kumimoji="1" lang="ja-JP" altLang="en-US" sz="2400" dirty="0" smtClean="0">
@@ -7956,65 +8242,7 @@
                   <a:srgbClr val="FFFF00"/>
                 </a:solidFill>
               </a:rPr>
-              <a:t>へ</a:t>
-            </a:r>
-            <a:endParaRPr kumimoji="1" lang="en-US" altLang="ja-JP" sz="2400" dirty="0"/>
-          </a:p>
-          <a:p>
-            <a:r>
-              <a:rPr kumimoji="1" lang="en-US" altLang="ja-JP" sz="2400" dirty="0" smtClean="0"/>
-              <a:t>to : 10000</a:t>
-            </a:r>
-          </a:p>
-          <a:p>
-            <a:r>
-              <a:rPr kumimoji="1" lang="en-US" altLang="ja-JP" sz="2400" dirty="0" smtClean="0"/>
-              <a:t>	</a:t>
-            </a:r>
-            <a:r>
-              <a:rPr kumimoji="1" lang="ja-JP" altLang="en-US" sz="2400" dirty="0" smtClean="0">
-                <a:solidFill>
-                  <a:srgbClr val="FFFF00"/>
-                </a:solidFill>
-              </a:rPr>
-              <a:t>どれくらいの数値にする</a:t>
-            </a:r>
-            <a:r>
-              <a:rPr kumimoji="1" lang="ja-JP" altLang="en-US" sz="2400" dirty="0" smtClean="0">
-                <a:solidFill>
-                  <a:srgbClr val="FFFF00"/>
-                </a:solidFill>
-              </a:rPr>
-              <a:t>か</a:t>
-            </a:r>
-            <a:endParaRPr kumimoji="1" lang="en-US" altLang="ja-JP" sz="2400" dirty="0"/>
-          </a:p>
-          <a:p>
-            <a:r>
-              <a:rPr kumimoji="1" lang="en-US" altLang="ja-JP" sz="2400" dirty="0" smtClean="0"/>
-              <a:t>duration : 1.5f</a:t>
-            </a:r>
-          </a:p>
-          <a:p>
-            <a:r>
-              <a:rPr kumimoji="1" lang="en-US" altLang="ja-JP" sz="2400" dirty="0" smtClean="0"/>
-              <a:t>	</a:t>
-            </a:r>
-            <a:r>
-              <a:rPr kumimoji="1" lang="ja-JP" altLang="en-US" sz="2400" dirty="0" smtClean="0">
-                <a:solidFill>
-                  <a:srgbClr val="FFFF00"/>
-                </a:solidFill>
-              </a:rPr>
-              <a:t>何秒で処理を行う</a:t>
-            </a:r>
-            <a:r>
-              <a:rPr kumimoji="1" lang="ja-JP" altLang="en-US" sz="2400" dirty="0" smtClean="0">
-                <a:solidFill>
-                  <a:srgbClr val="FFFF00"/>
-                </a:solidFill>
-              </a:rPr>
-              <a:t>か</a:t>
+              <a:t>何秒で処理を行うか</a:t>
             </a:r>
             <a:endParaRPr kumimoji="1" lang="en-US" altLang="ja-JP" sz="2400" dirty="0" smtClean="0">
               <a:solidFill>
@@ -8616,11 +8844,7 @@
             </a:r>
             <a:r>
               <a:rPr kumimoji="1" lang="ja-JP" altLang="en-US" sz="2400" dirty="0" smtClean="0"/>
-              <a:t>関数</a:t>
-            </a:r>
-            <a:r>
-              <a:rPr kumimoji="1" lang="ja-JP" altLang="en-US" sz="2400" dirty="0" smtClean="0"/>
-              <a:t>があり、</a:t>
+              <a:t>関数があり、</a:t>
             </a:r>
             <a:r>
               <a:rPr lang="en-US" altLang="ja-JP" sz="2400" dirty="0" smtClean="0"/>
@@ -8631,11 +8855,7 @@
             </a:br>
             <a:r>
               <a:rPr lang="ja-JP" altLang="en-US" sz="2400" dirty="0" smtClean="0"/>
-              <a:t>アニメーション終了時コールバックを</a:t>
-            </a:r>
-            <a:r>
-              <a:rPr lang="ja-JP" altLang="en-US" sz="2400" dirty="0" smtClean="0"/>
-              <a:t>登録できる</a:t>
+              <a:t>アニメーション終了時コールバックを登録できる</a:t>
             </a:r>
             <a:endParaRPr lang="en-US" altLang="ja-JP" sz="2400" dirty="0"/>
           </a:p>

--- a/RHStudy/Documents/プレゼンテーション1.pptx
+++ b/RHStudy/Documents/プレゼンテーション1.pptx
@@ -19,8 +19,8 @@
     <p:sldId id="262" r:id="rId10"/>
     <p:sldId id="271" r:id="rId11"/>
     <p:sldId id="272" r:id="rId12"/>
-    <p:sldId id="274" r:id="rId13"/>
-    <p:sldId id="275" r:id="rId14"/>
+    <p:sldId id="275" r:id="rId13"/>
+    <p:sldId id="274" r:id="rId14"/>
     <p:sldId id="270" r:id="rId15"/>
     <p:sldId id="273" r:id="rId16"/>
     <p:sldId id="266" r:id="rId17"/>
@@ -224,7 +224,7 @@
           <a:p>
             <a:fld id="{A59D8A1F-F0AA-1E4F-8D40-F254B1315685}" type="datetimeFigureOut">
               <a:rPr kumimoji="1" lang="ja-JP" altLang="en-US" smtClean="0"/>
-              <a:t>2016/8/24</a:t>
+              <a:t>2016/8/25</a:t>
             </a:fld>
             <a:endParaRPr kumimoji="1" lang="ja-JP" altLang="en-US"/>
           </a:p>
@@ -608,6 +608,303 @@
 </p:notes>
 </file>
 
+<file path=ppt/notesSlides/notesSlide2.xml><?xml version="1.0" encoding="utf-8"?>
+<p:notes xmlns:a="http://schemas.openxmlformats.org/drawingml/2006/main" xmlns:r="http://schemas.openxmlformats.org/officeDocument/2006/relationships" xmlns:p="http://schemas.openxmlformats.org/presentationml/2006/main">
+  <p:cSld>
+    <p:spTree>
+      <p:nvGrpSpPr>
+        <p:cNvPr id="1" name=""/>
+        <p:cNvGrpSpPr/>
+        <p:nvPr/>
+      </p:nvGrpSpPr>
+      <p:grpSpPr>
+        <a:xfrm>
+          <a:off x="0" y="0"/>
+          <a:ext cx="0" cy="0"/>
+          <a:chOff x="0" y="0"/>
+          <a:chExt cx="0" cy="0"/>
+        </a:xfrm>
+      </p:grpSpPr>
+      <p:sp>
+        <p:nvSpPr>
+          <p:cNvPr id="2" name="スライド イメージ プレースホルダー 1"/>
+          <p:cNvSpPr>
+            <a:spLocks noGrp="1" noRot="1" noChangeAspect="1"/>
+          </p:cNvSpPr>
+          <p:nvPr>
+            <p:ph type="sldImg"/>
+          </p:nvPr>
+        </p:nvSpPr>
+        <p:spPr/>
+      </p:sp>
+      <p:sp>
+        <p:nvSpPr>
+          <p:cNvPr id="3" name="ノート プレースホルダー 2"/>
+          <p:cNvSpPr>
+            <a:spLocks noGrp="1"/>
+          </p:cNvSpPr>
+          <p:nvPr>
+            <p:ph type="body" idx="1"/>
+          </p:nvPr>
+        </p:nvSpPr>
+        <p:spPr/>
+        <p:txBody>
+          <a:bodyPr/>
+          <a:lstStyle/>
+          <a:p>
+            <a:r>
+              <a:rPr kumimoji="1" lang="ja-JP" altLang="en-US" dirty="0" smtClean="0"/>
+              <a:t>実行順として</a:t>
+            </a:r>
+            <a:endParaRPr kumimoji="1" lang="en-US" altLang="ja-JP" dirty="0" smtClean="0"/>
+          </a:p>
+          <a:p>
+            <a:r>
+              <a:rPr kumimoji="1" lang="ja-JP" altLang="en-US" dirty="0" smtClean="0"/>
+              <a:t>まずボタンが</a:t>
+            </a:r>
+            <a:r>
+              <a:rPr kumimoji="1" lang="en-US" altLang="ja-JP" dirty="0" smtClean="0"/>
+              <a:t>x:200f</a:t>
+            </a:r>
+            <a:r>
+              <a:rPr kumimoji="1" lang="ja-JP" altLang="en-US" dirty="0" smtClean="0"/>
+              <a:t>の位置まで移動</a:t>
+            </a:r>
+            <a:endParaRPr kumimoji="1" lang="en-US" altLang="ja-JP" dirty="0" smtClean="0"/>
+          </a:p>
+          <a:p>
+            <a:r>
+              <a:rPr kumimoji="1" lang="ja-JP" altLang="en-US" dirty="0" smtClean="0"/>
+              <a:t>それが終わり更に</a:t>
+            </a:r>
+            <a:r>
+              <a:rPr kumimoji="1" lang="en-US" altLang="ja-JP" dirty="0" smtClean="0"/>
+              <a:t>0.5f</a:t>
+            </a:r>
+            <a:r>
+              <a:rPr kumimoji="1" lang="ja-JP" altLang="en-US" dirty="0" smtClean="0"/>
+              <a:t>待った時に</a:t>
+            </a:r>
+            <a:endParaRPr kumimoji="1" lang="en-US" altLang="ja-JP" dirty="0" smtClean="0"/>
+          </a:p>
+          <a:p>
+            <a:r>
+              <a:rPr kumimoji="1" lang="ja-JP" altLang="en-US" dirty="0" smtClean="0"/>
+              <a:t>フラグが</a:t>
+            </a:r>
+            <a:r>
+              <a:rPr kumimoji="1" lang="en-US" altLang="ja-JP" dirty="0" smtClean="0"/>
+              <a:t>true</a:t>
+            </a:r>
+            <a:r>
+              <a:rPr kumimoji="1" lang="ja-JP" altLang="en-US" dirty="0" smtClean="0"/>
+              <a:t>になる</a:t>
+            </a:r>
+            <a:endParaRPr kumimoji="1" lang="en-US" altLang="ja-JP" dirty="0" smtClean="0"/>
+          </a:p>
+          <a:p>
+            <a:endParaRPr kumimoji="1" lang="en-US" altLang="ja-JP" dirty="0" smtClean="0"/>
+          </a:p>
+          <a:p>
+            <a:r>
+              <a:rPr kumimoji="1" lang="ja-JP" altLang="en-US" dirty="0" smtClean="0"/>
+              <a:t>フラグが</a:t>
+            </a:r>
+            <a:r>
+              <a:rPr kumimoji="1" lang="en-US" altLang="ja-JP" dirty="0" smtClean="0"/>
+              <a:t>true</a:t>
+            </a:r>
+            <a:r>
+              <a:rPr kumimoji="1" lang="ja-JP" altLang="en-US" dirty="0" smtClean="0"/>
+              <a:t>になるまで</a:t>
+            </a:r>
+            <a:r>
+              <a:rPr kumimoji="1" lang="en-US" altLang="ja-JP" dirty="0" smtClean="0"/>
+              <a:t>1.5f</a:t>
+            </a:r>
+            <a:r>
+              <a:rPr kumimoji="1" lang="ja-JP" altLang="en-US" dirty="0" smtClean="0"/>
+              <a:t>かかる</a:t>
+            </a:r>
+            <a:endParaRPr kumimoji="1" lang="ja-JP" altLang="en-US" dirty="0"/>
+          </a:p>
+        </p:txBody>
+      </p:sp>
+      <p:sp>
+        <p:nvSpPr>
+          <p:cNvPr id="4" name="スライド番号プレースホルダー 3"/>
+          <p:cNvSpPr>
+            <a:spLocks noGrp="1"/>
+          </p:cNvSpPr>
+          <p:nvPr>
+            <p:ph type="sldNum" sz="quarter" idx="10"/>
+          </p:nvPr>
+        </p:nvSpPr>
+        <p:spPr/>
+        <p:txBody>
+          <a:bodyPr/>
+          <a:lstStyle/>
+          <a:p>
+            <a:fld id="{03CC8917-4D48-8149-BC32-9AB0DD2FF5D3}" type="slidenum">
+              <a:rPr kumimoji="1" lang="ja-JP" altLang="en-US" smtClean="0"/>
+              <a:t>11</a:t>
+            </a:fld>
+            <a:endParaRPr kumimoji="1" lang="ja-JP" altLang="en-US"/>
+          </a:p>
+        </p:txBody>
+      </p:sp>
+    </p:spTree>
+    <p:extLst>
+      <p:ext uri="{BB962C8B-B14F-4D97-AF65-F5344CB8AC3E}">
+        <p14:creationId xmlns:p14="http://schemas.microsoft.com/office/powerpoint/2010/main" val="1864955768"/>
+      </p:ext>
+    </p:extLst>
+  </p:cSld>
+  <p:clrMapOvr>
+    <a:masterClrMapping/>
+  </p:clrMapOvr>
+</p:notes>
+</file>
+
+<file path=ppt/notesSlides/notesSlide3.xml><?xml version="1.0" encoding="utf-8"?>
+<p:notes xmlns:a="http://schemas.openxmlformats.org/drawingml/2006/main" xmlns:r="http://schemas.openxmlformats.org/officeDocument/2006/relationships" xmlns:p="http://schemas.openxmlformats.org/presentationml/2006/main">
+  <p:cSld>
+    <p:spTree>
+      <p:nvGrpSpPr>
+        <p:cNvPr id="1" name=""/>
+        <p:cNvGrpSpPr/>
+        <p:nvPr/>
+      </p:nvGrpSpPr>
+      <p:grpSpPr>
+        <a:xfrm>
+          <a:off x="0" y="0"/>
+          <a:ext cx="0" cy="0"/>
+          <a:chOff x="0" y="0"/>
+          <a:chExt cx="0" cy="0"/>
+        </a:xfrm>
+      </p:grpSpPr>
+      <p:sp>
+        <p:nvSpPr>
+          <p:cNvPr id="2" name="スライド イメージ プレースホルダー 1"/>
+          <p:cNvSpPr>
+            <a:spLocks noGrp="1" noRot="1" noChangeAspect="1"/>
+          </p:cNvSpPr>
+          <p:nvPr>
+            <p:ph type="sldImg"/>
+          </p:nvPr>
+        </p:nvSpPr>
+        <p:spPr/>
+      </p:sp>
+      <p:sp>
+        <p:nvSpPr>
+          <p:cNvPr id="3" name="ノート プレースホルダー 2"/>
+          <p:cNvSpPr>
+            <a:spLocks noGrp="1"/>
+          </p:cNvSpPr>
+          <p:nvPr>
+            <p:ph type="body" idx="1"/>
+          </p:nvPr>
+        </p:nvSpPr>
+        <p:spPr/>
+        <p:txBody>
+          <a:bodyPr/>
+          <a:lstStyle/>
+          <a:p>
+            <a:r>
+              <a:rPr kumimoji="1" lang="ja-JP" altLang="en-US" dirty="0" smtClean="0"/>
+              <a:t>さきほどの処理に加えて</a:t>
+            </a:r>
+            <a:endParaRPr kumimoji="1" lang="en-US" altLang="ja-JP" dirty="0" smtClean="0"/>
+          </a:p>
+          <a:p>
+            <a:r>
+              <a:rPr kumimoji="1" lang="ja-JP" altLang="en-US" dirty="0" smtClean="0"/>
+              <a:t>ボタンの横移動の途中（</a:t>
+            </a:r>
+            <a:r>
+              <a:rPr kumimoji="1" lang="en-US" altLang="ja-JP" dirty="0" smtClean="0"/>
+              <a:t>0.5f</a:t>
+            </a:r>
+            <a:r>
+              <a:rPr kumimoji="1" lang="ja-JP" altLang="en-US" dirty="0" smtClean="0"/>
+              <a:t>の段階）で</a:t>
+            </a:r>
+            <a:endParaRPr kumimoji="1" lang="en-US" altLang="ja-JP" dirty="0" smtClean="0"/>
+          </a:p>
+          <a:p>
+            <a:r>
+              <a:rPr kumimoji="1" lang="ja-JP" altLang="en-US" dirty="0" smtClean="0"/>
+              <a:t>上移動も行われる</a:t>
+            </a:r>
+            <a:endParaRPr kumimoji="1" lang="en-US" altLang="ja-JP" dirty="0" smtClean="0"/>
+          </a:p>
+          <a:p>
+            <a:r>
+              <a:rPr kumimoji="1" lang="ja-JP" altLang="en-US" dirty="0" smtClean="0"/>
+              <a:t>終わる時間は</a:t>
+            </a:r>
+            <a:r>
+              <a:rPr kumimoji="1" lang="en-US" altLang="ja-JP" dirty="0" smtClean="0"/>
+              <a:t>1f</a:t>
+            </a:r>
+          </a:p>
+          <a:p>
+            <a:endParaRPr kumimoji="1" lang="en-US" altLang="ja-JP" dirty="0" smtClean="0"/>
+          </a:p>
+          <a:p>
+            <a:r>
+              <a:rPr kumimoji="1" lang="ja-JP" altLang="en-US" dirty="0" smtClean="0"/>
+              <a:t>さらに終わった時間に</a:t>
+            </a:r>
+            <a:r>
+              <a:rPr kumimoji="1" lang="en-US" altLang="ja-JP" dirty="0" err="1" smtClean="0"/>
+              <a:t>OnStopEffect</a:t>
+            </a:r>
+            <a:r>
+              <a:rPr kumimoji="1" lang="ja-JP" altLang="en-US" smtClean="0"/>
+              <a:t>関数が呼ばれる</a:t>
+            </a:r>
+            <a:endParaRPr kumimoji="1" lang="ja-JP" altLang="en-US" dirty="0"/>
+          </a:p>
+        </p:txBody>
+      </p:sp>
+      <p:sp>
+        <p:nvSpPr>
+          <p:cNvPr id="4" name="スライド番号プレースホルダー 3"/>
+          <p:cNvSpPr>
+            <a:spLocks noGrp="1"/>
+          </p:cNvSpPr>
+          <p:nvPr>
+            <p:ph type="sldNum" sz="quarter" idx="10"/>
+          </p:nvPr>
+        </p:nvSpPr>
+        <p:spPr/>
+        <p:txBody>
+          <a:bodyPr/>
+          <a:lstStyle/>
+          <a:p>
+            <a:fld id="{03CC8917-4D48-8149-BC32-9AB0DD2FF5D3}" type="slidenum">
+              <a:rPr kumimoji="1" lang="ja-JP" altLang="en-US" smtClean="0"/>
+              <a:t>12</a:t>
+            </a:fld>
+            <a:endParaRPr kumimoji="1" lang="ja-JP" altLang="en-US"/>
+          </a:p>
+        </p:txBody>
+      </p:sp>
+    </p:spTree>
+    <p:extLst>
+      <p:ext uri="{BB962C8B-B14F-4D97-AF65-F5344CB8AC3E}">
+        <p14:creationId xmlns:p14="http://schemas.microsoft.com/office/powerpoint/2010/main" val="1208856189"/>
+      </p:ext>
+    </p:extLst>
+  </p:cSld>
+  <p:clrMapOvr>
+    <a:masterClrMapping/>
+  </p:clrMapOvr>
+</p:notes>
+</file>
+
 <file path=ppt/slideLayouts/slideLayout1.xml><?xml version="1.0" encoding="utf-8"?>
 <p:sldLayout xmlns:a="http://schemas.openxmlformats.org/drawingml/2006/main" xmlns:r="http://schemas.openxmlformats.org/officeDocument/2006/relationships" xmlns:p="http://schemas.openxmlformats.org/presentationml/2006/main" type="title" preserve="1">
   <p:cSld name="タイトル スライド">
@@ -794,7 +1091,7 @@
           <a:p>
             <a:fld id="{4AAD347D-5ACD-4C99-B74B-A9C85AD731AF}" type="datetimeFigureOut">
               <a:rPr lang="en-US" dirty="0"/>
-              <a:t>8/24/16</a:t>
+              <a:t>8/25/16</a:t>
             </a:fld>
             <a:endParaRPr lang="en-US" dirty="0"/>
           </a:p>
@@ -1064,7 +1361,7 @@
           <a:p>
             <a:fld id="{4509A250-FF31-4206-8172-F9D3106AACB1}" type="datetimeFigureOut">
               <a:rPr lang="en-US" dirty="0"/>
-              <a:t>8/24/16</a:t>
+              <a:t>8/25/16</a:t>
             </a:fld>
             <a:endParaRPr lang="en-US" dirty="0"/>
           </a:p>
@@ -1253,7 +1550,7 @@
           <a:p>
             <a:fld id="{4509A250-FF31-4206-8172-F9D3106AACB1}" type="datetimeFigureOut">
               <a:rPr lang="en-US" dirty="0"/>
-              <a:t>8/24/16</a:t>
+              <a:t>8/25/16</a:t>
             </a:fld>
             <a:endParaRPr lang="en-US" dirty="0"/>
           </a:p>
@@ -1521,7 +1818,7 @@
           <a:p>
             <a:fld id="{4509A250-FF31-4206-8172-F9D3106AACB1}" type="datetimeFigureOut">
               <a:rPr lang="en-US" dirty="0"/>
-              <a:t>8/24/16</a:t>
+              <a:t>8/25/16</a:t>
             </a:fld>
             <a:endParaRPr lang="en-US" dirty="0"/>
           </a:p>
@@ -1857,7 +2154,7 @@
           <a:p>
             <a:fld id="{4509A250-FF31-4206-8172-F9D3106AACB1}" type="datetimeFigureOut">
               <a:rPr lang="en-US" dirty="0"/>
-              <a:t>8/24/16</a:t>
+              <a:t>8/25/16</a:t>
             </a:fld>
             <a:endParaRPr lang="en-US" dirty="0"/>
           </a:p>
@@ -2475,7 +2772,7 @@
           <a:p>
             <a:fld id="{4509A250-FF31-4206-8172-F9D3106AACB1}" type="datetimeFigureOut">
               <a:rPr lang="en-US" dirty="0"/>
-              <a:t>8/24/16</a:t>
+              <a:t>8/25/16</a:t>
             </a:fld>
             <a:endParaRPr lang="en-US" dirty="0"/>
           </a:p>
@@ -3330,7 +3627,7 @@
           <a:p>
             <a:fld id="{4509A250-FF31-4206-8172-F9D3106AACB1}" type="datetimeFigureOut">
               <a:rPr lang="en-US" dirty="0"/>
-              <a:t>8/24/16</a:t>
+              <a:t>8/25/16</a:t>
             </a:fld>
             <a:endParaRPr lang="en-US" dirty="0"/>
           </a:p>
@@ -3527,7 +3824,7 @@
           <a:p>
             <a:fld id="{4509A250-FF31-4206-8172-F9D3106AACB1}" type="datetimeFigureOut">
               <a:rPr lang="en-US" dirty="0"/>
-              <a:t>8/24/16</a:t>
+              <a:t>8/25/16</a:t>
             </a:fld>
             <a:endParaRPr lang="en-US" dirty="0"/>
           </a:p>
@@ -3734,7 +4031,7 @@
           <a:p>
             <a:fld id="{4509A250-FF31-4206-8172-F9D3106AACB1}" type="datetimeFigureOut">
               <a:rPr lang="en-US" dirty="0"/>
-              <a:t>8/24/16</a:t>
+              <a:t>8/25/16</a:t>
             </a:fld>
             <a:endParaRPr lang="en-US" dirty="0"/>
           </a:p>
@@ -3931,7 +4228,7 @@
           <a:p>
             <a:fld id="{4509A250-FF31-4206-8172-F9D3106AACB1}" type="datetimeFigureOut">
               <a:rPr lang="en-US" dirty="0"/>
-              <a:t>8/24/16</a:t>
+              <a:t>8/25/16</a:t>
             </a:fld>
             <a:endParaRPr lang="en-US" dirty="0"/>
           </a:p>
@@ -4173,7 +4470,7 @@
           <a:p>
             <a:fld id="{9796027F-7875-4030-9381-8BD8C4F21935}" type="datetimeFigureOut">
               <a:rPr lang="en-US" dirty="0"/>
-              <a:t>8/24/16</a:t>
+              <a:t>8/25/16</a:t>
             </a:fld>
             <a:endParaRPr lang="en-US" dirty="0"/>
           </a:p>
@@ -4524,7 +4821,7 @@
           <a:p>
             <a:fld id="{9796027F-7875-4030-9381-8BD8C4F21935}" type="datetimeFigureOut">
               <a:rPr lang="en-US" dirty="0"/>
-              <a:t>8/24/16</a:t>
+              <a:t>8/25/16</a:t>
             </a:fld>
             <a:endParaRPr lang="en-US" dirty="0"/>
           </a:p>
@@ -5027,7 +5324,7 @@
           <a:p>
             <a:fld id="{9796027F-7875-4030-9381-8BD8C4F21935}" type="datetimeFigureOut">
               <a:rPr lang="en-US" dirty="0"/>
-              <a:t>8/24/16</a:t>
+              <a:t>8/25/16</a:t>
             </a:fld>
             <a:endParaRPr lang="en-US" dirty="0"/>
           </a:p>
@@ -5140,7 +5437,7 @@
           <a:p>
             <a:fld id="{4509A250-FF31-4206-8172-F9D3106AACB1}" type="datetimeFigureOut">
               <a:rPr lang="en-US" dirty="0"/>
-              <a:t>8/24/16</a:t>
+              <a:t>8/25/16</a:t>
             </a:fld>
             <a:endParaRPr lang="en-US" dirty="0"/>
           </a:p>
@@ -5230,7 +5527,7 @@
           <a:p>
             <a:fld id="{4509A250-FF31-4206-8172-F9D3106AACB1}" type="datetimeFigureOut">
               <a:rPr lang="en-US" dirty="0"/>
-              <a:t>8/24/16</a:t>
+              <a:t>8/25/16</a:t>
             </a:fld>
             <a:endParaRPr lang="en-US" dirty="0"/>
           </a:p>
@@ -5536,7 +5833,7 @@
           <a:p>
             <a:fld id="{4509A250-FF31-4206-8172-F9D3106AACB1}" type="datetimeFigureOut">
               <a:rPr lang="en-US" dirty="0"/>
-              <a:t>8/24/16</a:t>
+              <a:t>8/25/16</a:t>
             </a:fld>
             <a:endParaRPr lang="en-US" dirty="0"/>
           </a:p>
@@ -5806,7 +6103,7 @@
           <a:p>
             <a:fld id="{4509A250-FF31-4206-8172-F9D3106AACB1}" type="datetimeFigureOut">
               <a:rPr lang="en-US" dirty="0"/>
-              <a:t>8/24/16</a:t>
+              <a:t>8/25/16</a:t>
             </a:fld>
             <a:endParaRPr lang="en-US" dirty="0"/>
           </a:p>
@@ -6262,7 +6559,7 @@
           <a:p>
             <a:fld id="{4AAD347D-5ACD-4C99-B74B-A9C85AD731AF}" type="datetimeFigureOut">
               <a:rPr lang="en-US" dirty="0"/>
-              <a:t>8/24/16</a:t>
+              <a:t>8/25/16</a:t>
             </a:fld>
             <a:endParaRPr lang="en-US" dirty="0"/>
           </a:p>
@@ -7097,16 +7394,16 @@
           <a:p>
             <a:r>
               <a:rPr lang="en-US" altLang="ja-JP" sz="2400" dirty="0" smtClean="0"/>
-              <a:t>Append</a:t>
+              <a:t>Append(Tween)</a:t>
+            </a:r>
+            <a:r>
+              <a:rPr lang="en-US" altLang="ja-JP" sz="2400" dirty="0" smtClean="0"/>
+              <a:t/>
             </a:r>
             <a:br>
               <a:rPr lang="en-US" altLang="ja-JP" sz="2400" dirty="0" smtClean="0"/>
             </a:br>
             <a:r>
-              <a:rPr lang="ja-JP" altLang="en-US" sz="2400" dirty="0" smtClean="0"/>
-              <a:t>基本的に</a:t>
-            </a:r>
-            <a:r>
               <a:rPr lang="en-US" altLang="ja-JP" sz="2400" dirty="0" smtClean="0"/>
               <a:t>Tween</a:t>
             </a:r>
@@ -7120,6 +7417,18 @@
             <a:r>
               <a:rPr kumimoji="1" lang="en-US" altLang="ja-JP" sz="2400" dirty="0" err="1" smtClean="0"/>
               <a:t>AppendCallback</a:t>
+            </a:r>
+            <a:r>
+              <a:rPr kumimoji="1" lang="en-US" altLang="ja-JP" sz="2400" dirty="0" smtClean="0"/>
+              <a:t>(</a:t>
+            </a:r>
+            <a:r>
+              <a:rPr kumimoji="1" lang="en-US" altLang="ja-JP" sz="2400" dirty="0" err="1" smtClean="0"/>
+              <a:t>TweenCallback</a:t>
+            </a:r>
+            <a:r>
+              <a:rPr kumimoji="1" lang="en-US" altLang="ja-JP" sz="2400" dirty="0" smtClean="0"/>
+              <a:t>)</a:t>
             </a:r>
             <a:r>
               <a:rPr kumimoji="1" lang="en-US" altLang="ja-JP" sz="2400" dirty="0" smtClean="0"/>
@@ -7130,7 +7439,11 @@
             </a:br>
             <a:r>
               <a:rPr kumimoji="1" lang="ja-JP" altLang="en-US" sz="2400" dirty="0" smtClean="0"/>
-              <a:t>基本的に関数を登録</a:t>
+              <a:t>関数</a:t>
+            </a:r>
+            <a:r>
+              <a:rPr kumimoji="1" lang="ja-JP" altLang="en-US" sz="2400" dirty="0" smtClean="0"/>
+              <a:t>を登録</a:t>
             </a:r>
             <a:endParaRPr kumimoji="1" lang="en-US" altLang="ja-JP" sz="2400" dirty="0" smtClean="0"/>
           </a:p>
@@ -7138,6 +7451,10 @@
             <a:r>
               <a:rPr lang="en-US" altLang="ja-JP" sz="2400" dirty="0" err="1" smtClean="0"/>
               <a:t>AppendInterval</a:t>
+            </a:r>
+            <a:r>
+              <a:rPr lang="en-US" altLang="ja-JP" sz="2400" dirty="0" smtClean="0"/>
+              <a:t>(float)</a:t>
             </a:r>
             <a:r>
               <a:rPr lang="en-US" altLang="ja-JP" sz="2400" dirty="0" smtClean="0"/>
@@ -7158,6 +7475,36 @@
           </a:p>
         </p:txBody>
       </p:sp>
+      <p:pic>
+        <p:nvPicPr>
+          <p:cNvPr id="4" name="図 3"/>
+          <p:cNvPicPr>
+            <a:picLocks noChangeAspect="1"/>
+          </p:cNvPicPr>
+          <p:nvPr/>
+        </p:nvPicPr>
+        <p:blipFill>
+          <a:blip r:embed="rId3">
+            <a:extLst>
+              <a:ext uri="{28A0092B-C50C-407E-A947-70E740481C1C}">
+                <a14:useLocalDpi xmlns:a14="http://schemas.microsoft.com/office/drawing/2010/main" val="0"/>
+              </a:ext>
+            </a:extLst>
+          </a:blip>
+          <a:stretch>
+            <a:fillRect/>
+          </a:stretch>
+        </p:blipFill>
+        <p:spPr>
+          <a:xfrm>
+            <a:off x="1433779" y="4471992"/>
+            <a:ext cx="9010106" cy="1771650"/>
+          </a:xfrm>
+          <a:prstGeom prst="rect">
+            <a:avLst/>
+          </a:prstGeom>
+        </p:spPr>
+      </p:pic>
     </p:spTree>
     <p:extLst>
       <p:ext uri="{BB962C8B-B14F-4D97-AF65-F5344CB8AC3E}">
@@ -7235,7 +7582,34 @@
           <a:p>
             <a:r>
               <a:rPr lang="en-US" altLang="ja-JP" sz="2400" dirty="0" smtClean="0"/>
-              <a:t>Join</a:t>
+              <a:t>Insert(float </a:t>
+            </a:r>
+            <a:r>
+              <a:rPr lang="en-US" altLang="ja-JP" sz="2400" dirty="0" err="1" smtClean="0"/>
+              <a:t>timePos</a:t>
+            </a:r>
+            <a:r>
+              <a:rPr lang="en-US" altLang="ja-JP" sz="2400" dirty="0" smtClean="0"/>
+              <a:t>, Tween)</a:t>
+            </a:r>
+            <a:r>
+              <a:rPr lang="en-US" altLang="ja-JP" sz="2400" dirty="0"/>
+              <a:t/>
+            </a:r>
+            <a:br>
+              <a:rPr lang="en-US" altLang="ja-JP" sz="2400" dirty="0"/>
+            </a:br>
+            <a:r>
+              <a:rPr lang="en-US" altLang="ja-JP" sz="2400" dirty="0" smtClean="0"/>
+              <a:t>Tween</a:t>
+            </a:r>
+            <a:r>
+              <a:rPr lang="ja-JP" altLang="en-US" sz="2400" dirty="0" smtClean="0"/>
+              <a:t>を</a:t>
+            </a:r>
+            <a:r>
+              <a:rPr lang="ja-JP" altLang="en-US" sz="2400" dirty="0" smtClean="0"/>
+              <a:t>登録</a:t>
             </a:r>
             <a:r>
               <a:rPr lang="en-US" altLang="ja-JP" sz="2400" dirty="0" smtClean="0"/>
@@ -7245,23 +7619,51 @@
               <a:rPr lang="en-US" altLang="ja-JP" sz="2400" dirty="0" smtClean="0"/>
             </a:br>
             <a:r>
+              <a:rPr lang="en-US" altLang="ja-JP" sz="2400" dirty="0" smtClean="0"/>
+              <a:t>float</a:t>
+            </a:r>
+            <a:r>
               <a:rPr lang="ja-JP" altLang="en-US" sz="2400" dirty="0" smtClean="0"/>
-              <a:t>基本的に</a:t>
+              <a:t>で指定した</a:t>
+            </a:r>
+            <a:r>
+              <a:rPr lang="ja-JP" altLang="en-US" sz="2400" dirty="0" smtClean="0"/>
+              <a:t>時間に実行される</a:t>
+            </a:r>
+            <a:endParaRPr lang="en-US" altLang="ja-JP" sz="2400" dirty="0" smtClean="0"/>
+          </a:p>
+          <a:p>
+            <a:r>
+              <a:rPr kumimoji="1" lang="en-US" altLang="ja-JP" sz="2400" dirty="0" err="1" smtClean="0"/>
+              <a:t>InsertCallback</a:t>
+            </a:r>
+            <a:r>
+              <a:rPr kumimoji="1" lang="en-US" altLang="ja-JP" sz="2400" dirty="0" smtClean="0"/>
+              <a:t>(</a:t>
+            </a:r>
+            <a:r>
+              <a:rPr kumimoji="1" lang="en-US" altLang="ja-JP" sz="2400" dirty="0" err="1" smtClean="0"/>
+              <a:t>foat</a:t>
+            </a:r>
+            <a:r>
+              <a:rPr kumimoji="1" lang="en-US" altLang="ja-JP" sz="2400" dirty="0" smtClean="0"/>
+              <a:t> </a:t>
+            </a:r>
+            <a:r>
+              <a:rPr kumimoji="1" lang="en-US" altLang="ja-JP" sz="2400" dirty="0" err="1" smtClean="0"/>
+              <a:t>timePos</a:t>
             </a:r>
             <a:r>
               <a:rPr lang="en-US" altLang="ja-JP" sz="2400" dirty="0" smtClean="0"/>
-              <a:t>Tween</a:t>
-            </a:r>
-            <a:r>
-              <a:rPr lang="ja-JP" altLang="en-US" sz="2400" dirty="0" smtClean="0"/>
-              <a:t>を登録</a:t>
-            </a:r>
-            <a:endParaRPr lang="en-US" altLang="ja-JP" sz="2400" dirty="0" smtClean="0"/>
-          </a:p>
-          <a:p>
+              <a:t>, </a:t>
+            </a:r>
             <a:r>
               <a:rPr kumimoji="1" lang="en-US" altLang="ja-JP" sz="2400" dirty="0" err="1" smtClean="0"/>
-              <a:t>JoinCallback</a:t>
+              <a:t>TweenCallback</a:t>
+            </a:r>
+            <a:r>
+              <a:rPr lang="en-US" altLang="ja-JP" sz="2400" dirty="0"/>
+              <a:t>)</a:t>
             </a:r>
             <a:r>
               <a:rPr kumimoji="1" lang="en-US" altLang="ja-JP" sz="2400" dirty="0" smtClean="0"/>
@@ -7272,20 +7674,69 @@
             </a:br>
             <a:r>
               <a:rPr kumimoji="1" lang="ja-JP" altLang="en-US" sz="2400" dirty="0" smtClean="0"/>
-              <a:t>基本的に関数を</a:t>
+              <a:t>関数</a:t>
+            </a:r>
+            <a:r>
+              <a:rPr kumimoji="1" lang="ja-JP" altLang="en-US" sz="2400" dirty="0" smtClean="0"/>
+              <a:t>を</a:t>
             </a:r>
             <a:r>
               <a:rPr kumimoji="1" lang="ja-JP" altLang="en-US" sz="2400" dirty="0" smtClean="0"/>
               <a:t>登録</a:t>
             </a:r>
+            <a:r>
+              <a:rPr kumimoji="1" lang="en-US" altLang="ja-JP" sz="2400" dirty="0" smtClean="0"/>
+              <a:t/>
+            </a:r>
+            <a:br>
+              <a:rPr kumimoji="1" lang="en-US" altLang="ja-JP" sz="2400" dirty="0" smtClean="0"/>
+            </a:br>
+            <a:r>
+              <a:rPr kumimoji="1" lang="en-US" altLang="ja-JP" sz="2400" dirty="0" smtClean="0"/>
+              <a:t>float</a:t>
+            </a:r>
+            <a:r>
+              <a:rPr kumimoji="1" lang="ja-JP" altLang="en-US" sz="2400" dirty="0" smtClean="0"/>
+              <a:t>で指定した時間に実行される</a:t>
+            </a:r>
             <a:endParaRPr kumimoji="1" lang="en-US" altLang="ja-JP" sz="2400" dirty="0" smtClean="0"/>
           </a:p>
         </p:txBody>
       </p:sp>
+      <p:pic>
+        <p:nvPicPr>
+          <p:cNvPr id="4" name="図 3"/>
+          <p:cNvPicPr>
+            <a:picLocks noChangeAspect="1"/>
+          </p:cNvPicPr>
+          <p:nvPr/>
+        </p:nvPicPr>
+        <p:blipFill>
+          <a:blip r:embed="rId3">
+            <a:extLst>
+              <a:ext uri="{28A0092B-C50C-407E-A947-70E740481C1C}">
+                <a14:useLocalDpi xmlns:a14="http://schemas.microsoft.com/office/drawing/2010/main" val="0"/>
+              </a:ext>
+            </a:extLst>
+          </a:blip>
+          <a:stretch>
+            <a:fillRect/>
+          </a:stretch>
+        </p:blipFill>
+        <p:spPr>
+          <a:xfrm>
+            <a:off x="1252424" y="4130677"/>
+            <a:ext cx="10103084" cy="2384426"/>
+          </a:xfrm>
+          <a:prstGeom prst="rect">
+            <a:avLst/>
+          </a:prstGeom>
+        </p:spPr>
+      </p:pic>
     </p:spTree>
     <p:extLst>
       <p:ext uri="{BB962C8B-B14F-4D97-AF65-F5344CB8AC3E}">
-        <p14:creationId xmlns:p14="http://schemas.microsoft.com/office/powerpoint/2010/main" val="1367286450"/>
+        <p14:creationId xmlns:p14="http://schemas.microsoft.com/office/powerpoint/2010/main" val="878709102"/>
       </p:ext>
     </p:extLst>
   </p:cSld>
@@ -7359,7 +7810,7 @@
           <a:p>
             <a:r>
               <a:rPr lang="en-US" altLang="ja-JP" sz="2400" dirty="0" smtClean="0"/>
-              <a:t>Insert</a:t>
+              <a:t>Join(Tween)</a:t>
             </a:r>
             <a:r>
               <a:rPr lang="en-US" altLang="ja-JP" sz="2400" dirty="0" smtClean="0"/>
@@ -7369,47 +7820,52 @@
               <a:rPr lang="en-US" altLang="ja-JP" sz="2400" dirty="0" smtClean="0"/>
             </a:br>
             <a:r>
-              <a:rPr lang="ja-JP" altLang="en-US" sz="2400" dirty="0" smtClean="0"/>
-              <a:t>基本的に</a:t>
-            </a:r>
-            <a:r>
               <a:rPr lang="en-US" altLang="ja-JP" sz="2400" dirty="0" smtClean="0"/>
               <a:t>Tween</a:t>
             </a:r>
             <a:r>
               <a:rPr lang="ja-JP" altLang="en-US" sz="2400" dirty="0" smtClean="0"/>
-              <a:t>を登録</a:t>
+              <a:t>を</a:t>
+            </a:r>
+            <a:r>
+              <a:rPr lang="ja-JP" altLang="en-US" sz="2400" dirty="0" smtClean="0"/>
+              <a:t>登録</a:t>
+            </a:r>
+            <a:r>
+              <a:rPr lang="en-US" altLang="ja-JP" sz="2400" dirty="0" smtClean="0"/>
+              <a:t/>
+            </a:r>
+            <a:br>
+              <a:rPr lang="en-US" altLang="ja-JP" sz="2400" dirty="0" smtClean="0"/>
+            </a:br>
+            <a:r>
+              <a:rPr lang="ja-JP" altLang="en-US" sz="2400" dirty="0" smtClean="0"/>
+              <a:t>直前に</a:t>
+            </a:r>
+            <a:r>
+              <a:rPr lang="en-US" altLang="ja-JP" sz="2400" dirty="0" smtClean="0"/>
+              <a:t>Append</a:t>
+            </a:r>
+            <a:r>
+              <a:rPr lang="ja-JP" altLang="en-US" sz="2400" dirty="0" smtClean="0"/>
+              <a:t>した</a:t>
+            </a:r>
+            <a:r>
+              <a:rPr lang="en-US" altLang="ja-JP" sz="2400" dirty="0" smtClean="0"/>
+              <a:t>Tween</a:t>
+            </a:r>
+            <a:r>
+              <a:rPr lang="ja-JP" altLang="en-US" sz="2400" dirty="0" smtClean="0"/>
+              <a:t>と同時に行われる</a:t>
             </a:r>
             <a:endParaRPr lang="en-US" altLang="ja-JP" sz="2400" dirty="0" smtClean="0"/>
-          </a:p>
-          <a:p>
-            <a:r>
-              <a:rPr kumimoji="1" lang="en-US" altLang="ja-JP" sz="2400" smtClean="0"/>
-              <a:t>InsertCallback</a:t>
-            </a:r>
-            <a:r>
-              <a:rPr kumimoji="1" lang="en-US" altLang="ja-JP" sz="2400" dirty="0" smtClean="0"/>
-              <a:t/>
-            </a:r>
-            <a:br>
-              <a:rPr kumimoji="1" lang="en-US" altLang="ja-JP" sz="2400" dirty="0" smtClean="0"/>
-            </a:br>
-            <a:r>
-              <a:rPr kumimoji="1" lang="ja-JP" altLang="en-US" sz="2400" dirty="0" smtClean="0"/>
-              <a:t>基本的に関数を</a:t>
-            </a:r>
-            <a:r>
-              <a:rPr kumimoji="1" lang="ja-JP" altLang="en-US" sz="2400" dirty="0" smtClean="0"/>
-              <a:t>登録</a:t>
-            </a:r>
-            <a:endParaRPr kumimoji="1" lang="en-US" altLang="ja-JP" sz="2400" dirty="0" smtClean="0"/>
           </a:p>
         </p:txBody>
       </p:sp>
     </p:spTree>
     <p:extLst>
       <p:ext uri="{BB962C8B-B14F-4D97-AF65-F5344CB8AC3E}">
-        <p14:creationId xmlns:p14="http://schemas.microsoft.com/office/powerpoint/2010/main" val="878709102"/>
+        <p14:creationId xmlns:p14="http://schemas.microsoft.com/office/powerpoint/2010/main" val="1367286450"/>
       </p:ext>
     </p:extLst>
   </p:cSld>

--- a/RHStudy/Documents/プレゼンテーション1.pptx
+++ b/RHStudy/Documents/プレゼンテーション1.pptx
@@ -5,7 +5,7 @@
     <p:sldMasterId id="2147483648" r:id="rId1"/>
   </p:sldMasterIdLst>
   <p:notesMasterIdLst>
-    <p:notesMasterId r:id="rId19"/>
+    <p:notesMasterId r:id="rId20"/>
   </p:notesMasterIdLst>
   <p:sldIdLst>
     <p:sldId id="256" r:id="rId2"/>
@@ -23,8 +23,9 @@
     <p:sldId id="274" r:id="rId14"/>
     <p:sldId id="270" r:id="rId15"/>
     <p:sldId id="273" r:id="rId16"/>
-    <p:sldId id="266" r:id="rId17"/>
-    <p:sldId id="265" r:id="rId18"/>
+    <p:sldId id="276" r:id="rId17"/>
+    <p:sldId id="266" r:id="rId18"/>
+    <p:sldId id="265" r:id="rId19"/>
   </p:sldIdLst>
   <p:sldSz cx="12192000" cy="6858000"/>
   <p:notesSz cx="6858000" cy="9144000"/>
@@ -862,7 +863,7 @@
               <a:t>OnStopEffect</a:t>
             </a:r>
             <a:r>
-              <a:rPr kumimoji="1" lang="ja-JP" altLang="en-US" smtClean="0"/>
+              <a:rPr kumimoji="1" lang="ja-JP" altLang="en-US" dirty="0" smtClean="0"/>
               <a:t>関数が呼ばれる</a:t>
             </a:r>
             <a:endParaRPr kumimoji="1" lang="ja-JP" altLang="en-US" dirty="0"/>
@@ -896,6 +897,135 @@
     <p:extLst>
       <p:ext uri="{BB962C8B-B14F-4D97-AF65-F5344CB8AC3E}">
         <p14:creationId xmlns:p14="http://schemas.microsoft.com/office/powerpoint/2010/main" val="1208856189"/>
+      </p:ext>
+    </p:extLst>
+  </p:cSld>
+  <p:clrMapOvr>
+    <a:masterClrMapping/>
+  </p:clrMapOvr>
+</p:notes>
+</file>
+
+<file path=ppt/notesSlides/notesSlide4.xml><?xml version="1.0" encoding="utf-8"?>
+<p:notes xmlns:a="http://schemas.openxmlformats.org/drawingml/2006/main" xmlns:r="http://schemas.openxmlformats.org/officeDocument/2006/relationships" xmlns:p="http://schemas.openxmlformats.org/presentationml/2006/main">
+  <p:cSld>
+    <p:spTree>
+      <p:nvGrpSpPr>
+        <p:cNvPr id="1" name=""/>
+        <p:cNvGrpSpPr/>
+        <p:nvPr/>
+      </p:nvGrpSpPr>
+      <p:grpSpPr>
+        <a:xfrm>
+          <a:off x="0" y="0"/>
+          <a:ext cx="0" cy="0"/>
+          <a:chOff x="0" y="0"/>
+          <a:chExt cx="0" cy="0"/>
+        </a:xfrm>
+      </p:grpSpPr>
+      <p:sp>
+        <p:nvSpPr>
+          <p:cNvPr id="2" name="スライド イメージ プレースホルダー 1"/>
+          <p:cNvSpPr>
+            <a:spLocks noGrp="1" noRot="1" noChangeAspect="1"/>
+          </p:cNvSpPr>
+          <p:nvPr>
+            <p:ph type="sldImg"/>
+          </p:nvPr>
+        </p:nvSpPr>
+        <p:spPr/>
+      </p:sp>
+      <p:sp>
+        <p:nvSpPr>
+          <p:cNvPr id="3" name="ノート プレースホルダー 2"/>
+          <p:cNvSpPr>
+            <a:spLocks noGrp="1"/>
+          </p:cNvSpPr>
+          <p:nvPr>
+            <p:ph type="body" idx="1"/>
+          </p:nvPr>
+        </p:nvSpPr>
+        <p:spPr/>
+        <p:txBody>
+          <a:bodyPr/>
+          <a:lstStyle/>
+          <a:p>
+            <a:r>
+              <a:rPr kumimoji="1" lang="ja-JP" altLang="en-US" dirty="0" smtClean="0"/>
+              <a:t>横移動と縦移動は同時に行われる</a:t>
+            </a:r>
+            <a:endParaRPr kumimoji="1" lang="en-US" altLang="ja-JP" dirty="0" smtClean="0"/>
+          </a:p>
+          <a:p>
+            <a:endParaRPr kumimoji="1" lang="en-US" altLang="ja-JP" dirty="0" smtClean="0"/>
+          </a:p>
+          <a:p>
+            <a:r>
+              <a:rPr kumimoji="1" lang="ja-JP" altLang="en-US" dirty="0" smtClean="0"/>
+              <a:t>下の方の</a:t>
+            </a:r>
+            <a:r>
+              <a:rPr kumimoji="1" lang="en-US" altLang="ja-JP" dirty="0" smtClean="0"/>
+              <a:t>Join</a:t>
+            </a:r>
+            <a:r>
+              <a:rPr kumimoji="1" lang="ja-JP" altLang="en-US" dirty="0" smtClean="0"/>
+              <a:t>は</a:t>
+            </a:r>
+            <a:r>
+              <a:rPr kumimoji="1" lang="en-US" altLang="ja-JP" dirty="0" err="1" smtClean="0"/>
+              <a:t>AppendInterval</a:t>
+            </a:r>
+            <a:r>
+              <a:rPr kumimoji="1" lang="ja-JP" altLang="en-US" dirty="0" smtClean="0"/>
+              <a:t>に付随する</a:t>
+            </a:r>
+            <a:endParaRPr kumimoji="1" lang="en-US" altLang="ja-JP" dirty="0" smtClean="0"/>
+          </a:p>
+          <a:p>
+            <a:r>
+              <a:rPr kumimoji="1" lang="en-US" altLang="ja-JP" dirty="0" smtClean="0"/>
+              <a:t>(</a:t>
+            </a:r>
+            <a:r>
+              <a:rPr kumimoji="1" lang="ja-JP" altLang="en-US" smtClean="0"/>
+              <a:t>最新版では色が変わるタイミングで判断できるように</a:t>
+            </a:r>
+            <a:r>
+              <a:rPr kumimoji="1" lang="en-US" altLang="ja-JP" smtClean="0"/>
+              <a:t>)</a:t>
+            </a:r>
+            <a:endParaRPr kumimoji="1" lang="ja-JP" altLang="en-US" dirty="0"/>
+          </a:p>
+        </p:txBody>
+      </p:sp>
+      <p:sp>
+        <p:nvSpPr>
+          <p:cNvPr id="4" name="スライド番号プレースホルダー 3"/>
+          <p:cNvSpPr>
+            <a:spLocks noGrp="1"/>
+          </p:cNvSpPr>
+          <p:nvPr>
+            <p:ph type="sldNum" sz="quarter" idx="10"/>
+          </p:nvPr>
+        </p:nvSpPr>
+        <p:spPr/>
+        <p:txBody>
+          <a:bodyPr/>
+          <a:lstStyle/>
+          <a:p>
+            <a:fld id="{03CC8917-4D48-8149-BC32-9AB0DD2FF5D3}" type="slidenum">
+              <a:rPr kumimoji="1" lang="ja-JP" altLang="en-US" smtClean="0"/>
+              <a:t>13</a:t>
+            </a:fld>
+            <a:endParaRPr kumimoji="1" lang="ja-JP" altLang="en-US"/>
+          </a:p>
+        </p:txBody>
+      </p:sp>
+    </p:spTree>
+    <p:extLst>
+      <p:ext uri="{BB962C8B-B14F-4D97-AF65-F5344CB8AC3E}">
+        <p14:creationId xmlns:p14="http://schemas.microsoft.com/office/powerpoint/2010/main" val="1428151152"/>
       </p:ext>
     </p:extLst>
   </p:cSld>
@@ -7862,6 +7992,36 @@
           </a:p>
         </p:txBody>
       </p:sp>
+      <p:pic>
+        <p:nvPicPr>
+          <p:cNvPr id="4" name="図 3"/>
+          <p:cNvPicPr>
+            <a:picLocks noChangeAspect="1"/>
+          </p:cNvPicPr>
+          <p:nvPr/>
+        </p:nvPicPr>
+        <p:blipFill>
+          <a:blip r:embed="rId3">
+            <a:extLst>
+              <a:ext uri="{28A0092B-C50C-407E-A947-70E740481C1C}">
+                <a14:useLocalDpi xmlns:a14="http://schemas.microsoft.com/office/drawing/2010/main" val="0"/>
+              </a:ext>
+            </a:extLst>
+          </a:blip>
+          <a:stretch>
+            <a:fillRect/>
+          </a:stretch>
+        </p:blipFill>
+        <p:spPr>
+          <a:xfrm>
+            <a:off x="1326216" y="3059112"/>
+            <a:ext cx="10184102" cy="2098676"/>
+          </a:xfrm>
+          <a:prstGeom prst="rect">
+            <a:avLst/>
+          </a:prstGeom>
+        </p:spPr>
+      </p:pic>
     </p:spTree>
     <p:extLst>
       <p:ext uri="{BB962C8B-B14F-4D97-AF65-F5344CB8AC3E}">
@@ -8105,6 +8265,135 @@
           <a:lstStyle/>
           <a:p>
             <a:r>
+              <a:rPr lang="en-US" altLang="ja-JP" dirty="0" err="1" smtClean="0"/>
+              <a:t>DOFade</a:t>
+            </a:r>
+            <a:r>
+              <a:rPr lang="en-US" altLang="ja-JP" dirty="0" smtClean="0"/>
+              <a:t>, </a:t>
+            </a:r>
+            <a:r>
+              <a:rPr lang="en-US" altLang="ja-JP" dirty="0" err="1" smtClean="0"/>
+              <a:t>DOColor</a:t>
+            </a:r>
+            <a:endParaRPr kumimoji="1" lang="ja-JP" altLang="en-US" dirty="0"/>
+          </a:p>
+        </p:txBody>
+      </p:sp>
+      <p:sp>
+        <p:nvSpPr>
+          <p:cNvPr id="3" name="コンテンツ プレースホルダー 2"/>
+          <p:cNvSpPr>
+            <a:spLocks noGrp="1"/>
+          </p:cNvSpPr>
+          <p:nvPr>
+            <p:ph idx="1"/>
+          </p:nvPr>
+        </p:nvSpPr>
+        <p:spPr/>
+        <p:txBody>
+          <a:bodyPr/>
+          <a:lstStyle/>
+          <a:p>
+            <a:r>
+              <a:rPr kumimoji="1" lang="ja-JP" altLang="en-US" dirty="0" smtClean="0"/>
+              <a:t>簡単にフェードなどができる</a:t>
+            </a:r>
+            <a:endParaRPr kumimoji="1" lang="en-US" altLang="ja-JP" dirty="0" smtClean="0"/>
+          </a:p>
+          <a:p>
+            <a:r>
+              <a:rPr lang="ja-JP" altLang="en-US" dirty="0" smtClean="0"/>
+              <a:t>しかし</a:t>
+            </a:r>
+            <a:r>
+              <a:rPr lang="en-US" altLang="ja-JP" dirty="0" smtClean="0"/>
+              <a:t>Pro Only</a:t>
+            </a:r>
+            <a:r>
+              <a:rPr lang="is-IS" altLang="ja-JP" dirty="0" smtClean="0"/>
+              <a:t>…</a:t>
+            </a:r>
+          </a:p>
+          <a:p>
+            <a:r>
+              <a:rPr lang="ja-JP" altLang="en-US" dirty="0" smtClean="0"/>
+              <a:t>公式ドキュメントには</a:t>
+            </a:r>
+            <a:r>
+              <a:rPr lang="en-US" altLang="ja-JP" dirty="0" smtClean="0"/>
+              <a:t>4.6</a:t>
+            </a:r>
+            <a:r>
+              <a:rPr lang="ja-JP" altLang="en-US" dirty="0" smtClean="0"/>
+              <a:t>系の</a:t>
+            </a:r>
+            <a:r>
+              <a:rPr lang="en-US" altLang="ja-JP" dirty="0" smtClean="0"/>
+              <a:t>UI</a:t>
+            </a:r>
+            <a:r>
+              <a:rPr lang="ja-JP" altLang="en-US" dirty="0" smtClean="0"/>
+              <a:t>ならいけると</a:t>
+            </a:r>
+            <a:r>
+              <a:rPr lang="is-IS" altLang="ja-JP" dirty="0" smtClean="0"/>
+              <a:t>…</a:t>
+            </a:r>
+            <a:r>
+              <a:rPr lang="ja-JP" altLang="en-US" dirty="0" smtClean="0"/>
+              <a:t>？</a:t>
+            </a:r>
+            <a:endParaRPr lang="is-IS" altLang="ja-JP" dirty="0" smtClean="0"/>
+          </a:p>
+        </p:txBody>
+      </p:sp>
+    </p:spTree>
+    <p:extLst>
+      <p:ext uri="{BB962C8B-B14F-4D97-AF65-F5344CB8AC3E}">
+        <p14:creationId xmlns:p14="http://schemas.microsoft.com/office/powerpoint/2010/main" val="268153909"/>
+      </p:ext>
+    </p:extLst>
+  </p:cSld>
+  <p:clrMapOvr>
+    <a:masterClrMapping/>
+  </p:clrMapOvr>
+</p:sld>
+</file>
+
+<file path=ppt/slides/slide17.xml><?xml version="1.0" encoding="utf-8"?>
+<p:sld xmlns:a="http://schemas.openxmlformats.org/drawingml/2006/main" xmlns:r="http://schemas.openxmlformats.org/officeDocument/2006/relationships" xmlns:p="http://schemas.openxmlformats.org/presentationml/2006/main">
+  <p:cSld>
+    <p:spTree>
+      <p:nvGrpSpPr>
+        <p:cNvPr id="1" name=""/>
+        <p:cNvGrpSpPr/>
+        <p:nvPr/>
+      </p:nvGrpSpPr>
+      <p:grpSpPr>
+        <a:xfrm>
+          <a:off x="0" y="0"/>
+          <a:ext cx="0" cy="0"/>
+          <a:chOff x="0" y="0"/>
+          <a:chExt cx="0" cy="0"/>
+        </a:xfrm>
+      </p:grpSpPr>
+      <p:sp>
+        <p:nvSpPr>
+          <p:cNvPr id="2" name="タイトル 1"/>
+          <p:cNvSpPr>
+            <a:spLocks noGrp="1"/>
+          </p:cNvSpPr>
+          <p:nvPr>
+            <p:ph type="title"/>
+          </p:nvPr>
+        </p:nvSpPr>
+        <p:spPr/>
+        <p:txBody>
+          <a:bodyPr/>
+          <a:lstStyle/>
+          <a:p>
+            <a:r>
               <a:rPr lang="ja-JP" altLang="en-US" dirty="0" smtClean="0"/>
               <a:t>参考</a:t>
             </a:r>
@@ -8160,7 +8449,7 @@
 </p:sld>
 </file>
 
-<file path=ppt/slides/slide17.xml><?xml version="1.0" encoding="utf-8"?>
+<file path=ppt/slides/slide18.xml><?xml version="1.0" encoding="utf-8"?>
 <p:sld xmlns:a="http://schemas.openxmlformats.org/drawingml/2006/main" xmlns:r="http://schemas.openxmlformats.org/officeDocument/2006/relationships" xmlns:p="http://schemas.openxmlformats.org/presentationml/2006/main">
   <p:cSld>
     <p:spTree>

--- a/RHStudy/Documents/プレゼンテーション1.pptx
+++ b/RHStudy/Documents/プレゼンテーション1.pptx
@@ -5,7 +5,7 @@
     <p:sldMasterId id="2147483648" r:id="rId1"/>
   </p:sldMasterIdLst>
   <p:notesMasterIdLst>
-    <p:notesMasterId r:id="rId20"/>
+    <p:notesMasterId r:id="rId21"/>
   </p:notesMasterIdLst>
   <p:sldIdLst>
     <p:sldId id="256" r:id="rId2"/>
@@ -24,8 +24,9 @@
     <p:sldId id="270" r:id="rId15"/>
     <p:sldId id="273" r:id="rId16"/>
     <p:sldId id="276" r:id="rId17"/>
-    <p:sldId id="266" r:id="rId18"/>
-    <p:sldId id="265" r:id="rId19"/>
+    <p:sldId id="277" r:id="rId18"/>
+    <p:sldId id="266" r:id="rId19"/>
+    <p:sldId id="278" r:id="rId20"/>
   </p:sldIdLst>
   <p:sldSz cx="12192000" cy="6858000"/>
   <p:notesSz cx="6858000" cy="9144000"/>
@@ -569,6 +570,22 @@
           <a:bodyPr/>
           <a:lstStyle/>
           <a:p>
+            <a:r>
+              <a:rPr kumimoji="1" lang="en-US" altLang="ja-JP" dirty="0" err="1" smtClean="0"/>
+              <a:t>Color.DOColor</a:t>
+            </a:r>
+            <a:r>
+              <a:rPr kumimoji="1" lang="ja-JP" altLang="en-US" dirty="0" smtClean="0"/>
+              <a:t>は</a:t>
+            </a:r>
+            <a:r>
+              <a:rPr kumimoji="1" lang="en-US" altLang="ja-JP" dirty="0" err="1" smtClean="0"/>
+              <a:t>ProOnly</a:t>
+            </a:r>
+            <a:r>
+              <a:rPr kumimoji="1" lang="en-US" altLang="ja-JP" dirty="0" smtClean="0"/>
+              <a:t>?</a:t>
+            </a:r>
             <a:endParaRPr kumimoji="1" lang="ja-JP" altLang="en-US" dirty="0"/>
           </a:p>
         </p:txBody>
@@ -654,81 +671,71 @@
           <a:lstStyle/>
           <a:p>
             <a:r>
+              <a:rPr kumimoji="1" lang="en-US" altLang="ja-JP" dirty="0" smtClean="0"/>
+              <a:t>Float</a:t>
+            </a:r>
+            <a:r>
+              <a:rPr kumimoji="1" lang="en-US" altLang="ja-JP" baseline="0" dirty="0" smtClean="0"/>
+              <a:t>, </a:t>
+            </a:r>
+            <a:r>
+              <a:rPr kumimoji="1" lang="en-US" altLang="ja-JP" dirty="0" smtClean="0"/>
+              <a:t>Vector3, Vector4, Quaternion, Color, </a:t>
+            </a:r>
+            <a:r>
+              <a:rPr kumimoji="1" lang="en-US" altLang="ja-JP" dirty="0" err="1" smtClean="0"/>
+              <a:t>Rect</a:t>
+            </a:r>
+            <a:r>
+              <a:rPr kumimoji="1" lang="en-US" altLang="ja-JP" dirty="0" smtClean="0"/>
+              <a:t>, </a:t>
+            </a:r>
+            <a:r>
+              <a:rPr kumimoji="1" lang="en-US" altLang="ja-JP" dirty="0" err="1" smtClean="0"/>
+              <a:t>RectOffset</a:t>
+            </a:r>
+            <a:endParaRPr kumimoji="1" lang="en-US" altLang="ja-JP" dirty="0" smtClean="0"/>
+          </a:p>
+          <a:p>
+            <a:r>
+              <a:rPr kumimoji="1" lang="en-US" altLang="ja-JP" dirty="0" smtClean="0"/>
+              <a:t>Vector2, double, </a:t>
+            </a:r>
+            <a:r>
+              <a:rPr kumimoji="1" lang="en-US" altLang="ja-JP" dirty="0" err="1" smtClean="0"/>
+              <a:t>int</a:t>
+            </a:r>
+            <a:r>
+              <a:rPr kumimoji="1" lang="en-US" altLang="ja-JP" dirty="0" smtClean="0"/>
+              <a:t>, </a:t>
+            </a:r>
+            <a:r>
+              <a:rPr kumimoji="1" lang="en-US" altLang="ja-JP" dirty="0" err="1" smtClean="0"/>
+              <a:t>uint</a:t>
+            </a:r>
+            <a:r>
+              <a:rPr kumimoji="1" lang="en-US" altLang="ja-JP" dirty="0" smtClean="0"/>
+              <a:t>, long,</a:t>
+            </a:r>
+            <a:r>
+              <a:rPr kumimoji="1" lang="en-US" altLang="ja-JP" baseline="0" dirty="0" smtClean="0"/>
+              <a:t> </a:t>
+            </a:r>
+            <a:r>
+              <a:rPr kumimoji="1" lang="en-US" altLang="ja-JP" dirty="0" err="1" smtClean="0"/>
+              <a:t>ulong</a:t>
+            </a:r>
+            <a:r>
+              <a:rPr kumimoji="1" lang="en-US" altLang="ja-JP" dirty="0" smtClean="0"/>
+              <a:t>, string</a:t>
+            </a:r>
+          </a:p>
+          <a:p>
+            <a:r>
               <a:rPr kumimoji="1" lang="ja-JP" altLang="en-US" dirty="0" smtClean="0"/>
-              <a:t>実行順として</a:t>
+              <a:t>ができるらしい</a:t>
             </a:r>
             <a:endParaRPr kumimoji="1" lang="en-US" altLang="ja-JP" dirty="0" smtClean="0"/>
-          </a:p>
-          <a:p>
-            <a:r>
-              <a:rPr kumimoji="1" lang="ja-JP" altLang="en-US" dirty="0" smtClean="0"/>
-              <a:t>まずボタンが</a:t>
-            </a:r>
-            <a:r>
-              <a:rPr kumimoji="1" lang="en-US" altLang="ja-JP" dirty="0" smtClean="0"/>
-              <a:t>x:200f</a:t>
-            </a:r>
-            <a:r>
-              <a:rPr kumimoji="1" lang="ja-JP" altLang="en-US" dirty="0" smtClean="0"/>
-              <a:t>の位置まで移動</a:t>
-            </a:r>
-            <a:endParaRPr kumimoji="1" lang="en-US" altLang="ja-JP" dirty="0" smtClean="0"/>
-          </a:p>
-          <a:p>
-            <a:r>
-              <a:rPr kumimoji="1" lang="ja-JP" altLang="en-US" dirty="0" smtClean="0"/>
-              <a:t>それが終わり更に</a:t>
-            </a:r>
-            <a:r>
-              <a:rPr kumimoji="1" lang="en-US" altLang="ja-JP" dirty="0" smtClean="0"/>
-              <a:t>0.5f</a:t>
-            </a:r>
-            <a:r>
-              <a:rPr kumimoji="1" lang="ja-JP" altLang="en-US" dirty="0" smtClean="0"/>
-              <a:t>待った時に</a:t>
-            </a:r>
-            <a:endParaRPr kumimoji="1" lang="en-US" altLang="ja-JP" dirty="0" smtClean="0"/>
-          </a:p>
-          <a:p>
-            <a:r>
-              <a:rPr kumimoji="1" lang="ja-JP" altLang="en-US" dirty="0" smtClean="0"/>
-              <a:t>フラグが</a:t>
-            </a:r>
-            <a:r>
-              <a:rPr kumimoji="1" lang="en-US" altLang="ja-JP" dirty="0" smtClean="0"/>
-              <a:t>true</a:t>
-            </a:r>
-            <a:r>
-              <a:rPr kumimoji="1" lang="ja-JP" altLang="en-US" dirty="0" smtClean="0"/>
-              <a:t>になる</a:t>
-            </a:r>
-            <a:endParaRPr kumimoji="1" lang="en-US" altLang="ja-JP" dirty="0" smtClean="0"/>
-          </a:p>
-          <a:p>
-            <a:endParaRPr kumimoji="1" lang="en-US" altLang="ja-JP" dirty="0" smtClean="0"/>
-          </a:p>
-          <a:p>
-            <a:r>
-              <a:rPr kumimoji="1" lang="ja-JP" altLang="en-US" dirty="0" smtClean="0"/>
-              <a:t>フラグが</a:t>
-            </a:r>
-            <a:r>
-              <a:rPr kumimoji="1" lang="en-US" altLang="ja-JP" dirty="0" smtClean="0"/>
-              <a:t>true</a:t>
-            </a:r>
-            <a:r>
-              <a:rPr kumimoji="1" lang="ja-JP" altLang="en-US" dirty="0" smtClean="0"/>
-              <a:t>になるまで</a:t>
-            </a:r>
-            <a:r>
-              <a:rPr kumimoji="1" lang="en-US" altLang="ja-JP" dirty="0" smtClean="0"/>
-              <a:t>1.5f</a:t>
-            </a:r>
-            <a:r>
-              <a:rPr kumimoji="1" lang="ja-JP" altLang="en-US" dirty="0" smtClean="0"/>
-              <a:t>かかる</a:t>
-            </a:r>
-            <a:endParaRPr kumimoji="1" lang="ja-JP" altLang="en-US" dirty="0"/>
           </a:p>
         </p:txBody>
       </p:sp>
@@ -749,7 +756,7 @@
           <a:p>
             <a:fld id="{03CC8917-4D48-8149-BC32-9AB0DD2FF5D3}" type="slidenum">
               <a:rPr kumimoji="1" lang="ja-JP" altLang="en-US" smtClean="0"/>
-              <a:t>11</a:t>
+              <a:t>3</a:t>
             </a:fld>
             <a:endParaRPr kumimoji="1" lang="ja-JP" altLang="en-US"/>
           </a:p>
@@ -758,7 +765,7 @@
     </p:spTree>
     <p:extLst>
       <p:ext uri="{BB962C8B-B14F-4D97-AF65-F5344CB8AC3E}">
-        <p14:creationId xmlns:p14="http://schemas.microsoft.com/office/powerpoint/2010/main" val="1864955768"/>
+        <p14:creationId xmlns:p14="http://schemas.microsoft.com/office/powerpoint/2010/main" val="1725110851"/>
       </p:ext>
     </p:extLst>
   </p:cSld>
@@ -814,14 +821,29 @@
           <a:p>
             <a:r>
               <a:rPr kumimoji="1" lang="ja-JP" altLang="en-US" dirty="0" smtClean="0"/>
-              <a:t>さきほどの処理に加えて</a:t>
+              <a:t>実行順として</a:t>
             </a:r>
             <a:endParaRPr kumimoji="1" lang="en-US" altLang="ja-JP" dirty="0" smtClean="0"/>
           </a:p>
           <a:p>
             <a:r>
               <a:rPr kumimoji="1" lang="ja-JP" altLang="en-US" dirty="0" smtClean="0"/>
-              <a:t>ボタンの横移動の途中（</a:t>
+              <a:t>まずボタンが</a:t>
+            </a:r>
+            <a:r>
+              <a:rPr kumimoji="1" lang="en-US" altLang="ja-JP" dirty="0" smtClean="0"/>
+              <a:t>x:200f</a:t>
+            </a:r>
+            <a:r>
+              <a:rPr kumimoji="1" lang="ja-JP" altLang="en-US" dirty="0" smtClean="0"/>
+              <a:t>の位置まで移動</a:t>
+            </a:r>
+            <a:endParaRPr kumimoji="1" lang="en-US" altLang="ja-JP" dirty="0" smtClean="0"/>
+          </a:p>
+          <a:p>
+            <a:r>
+              <a:rPr kumimoji="1" lang="ja-JP" altLang="en-US" dirty="0" smtClean="0"/>
+              <a:t>それが終わり更に</a:t>
             </a:r>
             <a:r>
               <a:rPr kumimoji="1" lang="en-US" altLang="ja-JP" dirty="0" smtClean="0"/>
@@ -829,42 +851,48 @@
             </a:r>
             <a:r>
               <a:rPr kumimoji="1" lang="ja-JP" altLang="en-US" dirty="0" smtClean="0"/>
-              <a:t>の段階）で</a:t>
+              <a:t>待った時に</a:t>
             </a:r>
             <a:endParaRPr kumimoji="1" lang="en-US" altLang="ja-JP" dirty="0" smtClean="0"/>
           </a:p>
           <a:p>
             <a:r>
               <a:rPr kumimoji="1" lang="ja-JP" altLang="en-US" dirty="0" smtClean="0"/>
-              <a:t>上移動も行われる</a:t>
+              <a:t>フラグが</a:t>
+            </a:r>
+            <a:r>
+              <a:rPr kumimoji="1" lang="en-US" altLang="ja-JP" dirty="0" smtClean="0"/>
+              <a:t>true</a:t>
+            </a:r>
+            <a:r>
+              <a:rPr kumimoji="1" lang="ja-JP" altLang="en-US" dirty="0" smtClean="0"/>
+              <a:t>になる</a:t>
             </a:r>
             <a:endParaRPr kumimoji="1" lang="en-US" altLang="ja-JP" dirty="0" smtClean="0"/>
           </a:p>
           <a:p>
+            <a:endParaRPr kumimoji="1" lang="en-US" altLang="ja-JP" dirty="0" smtClean="0"/>
+          </a:p>
+          <a:p>
             <a:r>
               <a:rPr kumimoji="1" lang="ja-JP" altLang="en-US" dirty="0" smtClean="0"/>
-              <a:t>終わる時間は</a:t>
+              <a:t>フラグが</a:t>
             </a:r>
             <a:r>
               <a:rPr kumimoji="1" lang="en-US" altLang="ja-JP" dirty="0" smtClean="0"/>
-              <a:t>1f</a:t>
-            </a:r>
-          </a:p>
-          <a:p>
-            <a:endParaRPr kumimoji="1" lang="en-US" altLang="ja-JP" dirty="0" smtClean="0"/>
-          </a:p>
-          <a:p>
+              <a:t>true</a:t>
+            </a:r>
             <a:r>
               <a:rPr kumimoji="1" lang="ja-JP" altLang="en-US" dirty="0" smtClean="0"/>
-              <a:t>さらに終わった時間に</a:t>
-            </a:r>
-            <a:r>
-              <a:rPr kumimoji="1" lang="en-US" altLang="ja-JP" dirty="0" err="1" smtClean="0"/>
-              <a:t>OnStopEffect</a:t>
+              <a:t>になるまで</a:t>
+            </a:r>
+            <a:r>
+              <a:rPr kumimoji="1" lang="en-US" altLang="ja-JP" dirty="0" smtClean="0"/>
+              <a:t>1.5f</a:t>
             </a:r>
             <a:r>
               <a:rPr kumimoji="1" lang="ja-JP" altLang="en-US" dirty="0" smtClean="0"/>
-              <a:t>関数が呼ばれる</a:t>
+              <a:t>かかる</a:t>
             </a:r>
             <a:endParaRPr kumimoji="1" lang="ja-JP" altLang="en-US" dirty="0"/>
           </a:p>
@@ -887,7 +915,7 @@
           <a:p>
             <a:fld id="{03CC8917-4D48-8149-BC32-9AB0DD2FF5D3}" type="slidenum">
               <a:rPr kumimoji="1" lang="ja-JP" altLang="en-US" smtClean="0"/>
-              <a:t>12</a:t>
+              <a:t>11</a:t>
             </a:fld>
             <a:endParaRPr kumimoji="1" lang="ja-JP" altLang="en-US"/>
           </a:p>
@@ -896,7 +924,7 @@
     </p:spTree>
     <p:extLst>
       <p:ext uri="{BB962C8B-B14F-4D97-AF65-F5344CB8AC3E}">
-        <p14:creationId xmlns:p14="http://schemas.microsoft.com/office/powerpoint/2010/main" val="1208856189"/>
+        <p14:creationId xmlns:p14="http://schemas.microsoft.com/office/powerpoint/2010/main" val="1864955768"/>
       </p:ext>
     </p:extLst>
   </p:cSld>
@@ -952,6 +980,144 @@
           <a:p>
             <a:r>
               <a:rPr kumimoji="1" lang="ja-JP" altLang="en-US" dirty="0" smtClean="0"/>
+              <a:t>さきほどの処理に加えて</a:t>
+            </a:r>
+            <a:endParaRPr kumimoji="1" lang="en-US" altLang="ja-JP" dirty="0" smtClean="0"/>
+          </a:p>
+          <a:p>
+            <a:r>
+              <a:rPr kumimoji="1" lang="ja-JP" altLang="en-US" dirty="0" smtClean="0"/>
+              <a:t>ボタンの横移動の途中（</a:t>
+            </a:r>
+            <a:r>
+              <a:rPr kumimoji="1" lang="en-US" altLang="ja-JP" dirty="0" smtClean="0"/>
+              <a:t>0.5f</a:t>
+            </a:r>
+            <a:r>
+              <a:rPr kumimoji="1" lang="ja-JP" altLang="en-US" dirty="0" smtClean="0"/>
+              <a:t>の段階）で</a:t>
+            </a:r>
+            <a:endParaRPr kumimoji="1" lang="en-US" altLang="ja-JP" dirty="0" smtClean="0"/>
+          </a:p>
+          <a:p>
+            <a:r>
+              <a:rPr kumimoji="1" lang="ja-JP" altLang="en-US" dirty="0" smtClean="0"/>
+              <a:t>上移動も行われる</a:t>
+            </a:r>
+            <a:endParaRPr kumimoji="1" lang="en-US" altLang="ja-JP" dirty="0" smtClean="0"/>
+          </a:p>
+          <a:p>
+            <a:r>
+              <a:rPr kumimoji="1" lang="ja-JP" altLang="en-US" dirty="0" smtClean="0"/>
+              <a:t>終わる時間は</a:t>
+            </a:r>
+            <a:r>
+              <a:rPr kumimoji="1" lang="en-US" altLang="ja-JP" dirty="0" smtClean="0"/>
+              <a:t>1f</a:t>
+            </a:r>
+          </a:p>
+          <a:p>
+            <a:endParaRPr kumimoji="1" lang="en-US" altLang="ja-JP" dirty="0" smtClean="0"/>
+          </a:p>
+          <a:p>
+            <a:r>
+              <a:rPr kumimoji="1" lang="ja-JP" altLang="en-US" dirty="0" smtClean="0"/>
+              <a:t>さらに終わった時間に</a:t>
+            </a:r>
+            <a:r>
+              <a:rPr kumimoji="1" lang="en-US" altLang="ja-JP" dirty="0" err="1" smtClean="0"/>
+              <a:t>OnStopEffect</a:t>
+            </a:r>
+            <a:r>
+              <a:rPr kumimoji="1" lang="ja-JP" altLang="en-US" dirty="0" smtClean="0"/>
+              <a:t>関数が呼ばれる</a:t>
+            </a:r>
+            <a:endParaRPr kumimoji="1" lang="ja-JP" altLang="en-US" dirty="0"/>
+          </a:p>
+        </p:txBody>
+      </p:sp>
+      <p:sp>
+        <p:nvSpPr>
+          <p:cNvPr id="4" name="スライド番号プレースホルダー 3"/>
+          <p:cNvSpPr>
+            <a:spLocks noGrp="1"/>
+          </p:cNvSpPr>
+          <p:nvPr>
+            <p:ph type="sldNum" sz="quarter" idx="10"/>
+          </p:nvPr>
+        </p:nvSpPr>
+        <p:spPr/>
+        <p:txBody>
+          <a:bodyPr/>
+          <a:lstStyle/>
+          <a:p>
+            <a:fld id="{03CC8917-4D48-8149-BC32-9AB0DD2FF5D3}" type="slidenum">
+              <a:rPr kumimoji="1" lang="ja-JP" altLang="en-US" smtClean="0"/>
+              <a:t>12</a:t>
+            </a:fld>
+            <a:endParaRPr kumimoji="1" lang="ja-JP" altLang="en-US"/>
+          </a:p>
+        </p:txBody>
+      </p:sp>
+    </p:spTree>
+    <p:extLst>
+      <p:ext uri="{BB962C8B-B14F-4D97-AF65-F5344CB8AC3E}">
+        <p14:creationId xmlns:p14="http://schemas.microsoft.com/office/powerpoint/2010/main" val="1208856189"/>
+      </p:ext>
+    </p:extLst>
+  </p:cSld>
+  <p:clrMapOvr>
+    <a:masterClrMapping/>
+  </p:clrMapOvr>
+</p:notes>
+</file>
+
+<file path=ppt/notesSlides/notesSlide5.xml><?xml version="1.0" encoding="utf-8"?>
+<p:notes xmlns:a="http://schemas.openxmlformats.org/drawingml/2006/main" xmlns:r="http://schemas.openxmlformats.org/officeDocument/2006/relationships" xmlns:p="http://schemas.openxmlformats.org/presentationml/2006/main">
+  <p:cSld>
+    <p:spTree>
+      <p:nvGrpSpPr>
+        <p:cNvPr id="1" name=""/>
+        <p:cNvGrpSpPr/>
+        <p:nvPr/>
+      </p:nvGrpSpPr>
+      <p:grpSpPr>
+        <a:xfrm>
+          <a:off x="0" y="0"/>
+          <a:ext cx="0" cy="0"/>
+          <a:chOff x="0" y="0"/>
+          <a:chExt cx="0" cy="0"/>
+        </a:xfrm>
+      </p:grpSpPr>
+      <p:sp>
+        <p:nvSpPr>
+          <p:cNvPr id="2" name="スライド イメージ プレースホルダー 1"/>
+          <p:cNvSpPr>
+            <a:spLocks noGrp="1" noRot="1" noChangeAspect="1"/>
+          </p:cNvSpPr>
+          <p:nvPr>
+            <p:ph type="sldImg"/>
+          </p:nvPr>
+        </p:nvSpPr>
+        <p:spPr/>
+      </p:sp>
+      <p:sp>
+        <p:nvSpPr>
+          <p:cNvPr id="3" name="ノート プレースホルダー 2"/>
+          <p:cNvSpPr>
+            <a:spLocks noGrp="1"/>
+          </p:cNvSpPr>
+          <p:nvPr>
+            <p:ph type="body" idx="1"/>
+          </p:nvPr>
+        </p:nvSpPr>
+        <p:spPr/>
+        <p:txBody>
+          <a:bodyPr/>
+          <a:lstStyle/>
+          <a:p>
+            <a:r>
+              <a:rPr kumimoji="1" lang="ja-JP" altLang="en-US" dirty="0" smtClean="0"/>
               <a:t>横移動と縦移動は同時に行われる</a:t>
             </a:r>
             <a:endParaRPr kumimoji="1" lang="en-US" altLang="ja-JP" dirty="0" smtClean="0"/>
@@ -988,11 +1154,11 @@
               <a:t>(</a:t>
             </a:r>
             <a:r>
-              <a:rPr kumimoji="1" lang="ja-JP" altLang="en-US" smtClean="0"/>
+              <a:rPr kumimoji="1" lang="ja-JP" altLang="en-US" dirty="0" smtClean="0"/>
               <a:t>最新版では色が変わるタイミングで判断できるように</a:t>
             </a:r>
             <a:r>
-              <a:rPr kumimoji="1" lang="en-US" altLang="ja-JP" smtClean="0"/>
+              <a:rPr kumimoji="1" lang="en-US" altLang="ja-JP" dirty="0" smtClean="0"/>
               <a:t>)</a:t>
             </a:r>
             <a:endParaRPr kumimoji="1" lang="ja-JP" altLang="en-US" dirty="0"/>
@@ -1026,6 +1192,201 @@
     <p:extLst>
       <p:ext uri="{BB962C8B-B14F-4D97-AF65-F5344CB8AC3E}">
         <p14:creationId xmlns:p14="http://schemas.microsoft.com/office/powerpoint/2010/main" val="1428151152"/>
+      </p:ext>
+    </p:extLst>
+  </p:cSld>
+  <p:clrMapOvr>
+    <a:masterClrMapping/>
+  </p:clrMapOvr>
+</p:notes>
+</file>
+
+<file path=ppt/notesSlides/notesSlide6.xml><?xml version="1.0" encoding="utf-8"?>
+<p:notes xmlns:a="http://schemas.openxmlformats.org/drawingml/2006/main" xmlns:r="http://schemas.openxmlformats.org/officeDocument/2006/relationships" xmlns:p="http://schemas.openxmlformats.org/presentationml/2006/main">
+  <p:cSld>
+    <p:spTree>
+      <p:nvGrpSpPr>
+        <p:cNvPr id="1" name=""/>
+        <p:cNvGrpSpPr/>
+        <p:nvPr/>
+      </p:nvGrpSpPr>
+      <p:grpSpPr>
+        <a:xfrm>
+          <a:off x="0" y="0"/>
+          <a:ext cx="0" cy="0"/>
+          <a:chOff x="0" y="0"/>
+          <a:chExt cx="0" cy="0"/>
+        </a:xfrm>
+      </p:grpSpPr>
+      <p:sp>
+        <p:nvSpPr>
+          <p:cNvPr id="2" name="スライド イメージ プレースホルダー 1"/>
+          <p:cNvSpPr>
+            <a:spLocks noGrp="1" noRot="1" noChangeAspect="1"/>
+          </p:cNvSpPr>
+          <p:nvPr>
+            <p:ph type="sldImg"/>
+          </p:nvPr>
+        </p:nvSpPr>
+        <p:spPr/>
+      </p:sp>
+      <p:sp>
+        <p:nvSpPr>
+          <p:cNvPr id="3" name="ノート プレースホルダー 2"/>
+          <p:cNvSpPr>
+            <a:spLocks noGrp="1"/>
+          </p:cNvSpPr>
+          <p:nvPr>
+            <p:ph type="body" idx="1"/>
+          </p:nvPr>
+        </p:nvSpPr>
+        <p:spPr/>
+        <p:txBody>
+          <a:bodyPr/>
+          <a:lstStyle/>
+          <a:p>
+            <a:r>
+              <a:rPr kumimoji="1" lang="en-US" altLang="ja-JP" dirty="0" smtClean="0"/>
+              <a:t>Unity</a:t>
+            </a:r>
+            <a:r>
+              <a:rPr kumimoji="1" lang="ja-JP" altLang="en-US" dirty="0" smtClean="0"/>
+              <a:t>で動作を確認</a:t>
+            </a:r>
+            <a:endParaRPr kumimoji="1" lang="ja-JP" altLang="en-US" dirty="0"/>
+          </a:p>
+        </p:txBody>
+      </p:sp>
+      <p:sp>
+        <p:nvSpPr>
+          <p:cNvPr id="4" name="スライド番号プレースホルダー 3"/>
+          <p:cNvSpPr>
+            <a:spLocks noGrp="1"/>
+          </p:cNvSpPr>
+          <p:nvPr>
+            <p:ph type="sldNum" sz="quarter" idx="10"/>
+          </p:nvPr>
+        </p:nvSpPr>
+        <p:spPr/>
+        <p:txBody>
+          <a:bodyPr/>
+          <a:lstStyle/>
+          <a:p>
+            <a:fld id="{03CC8917-4D48-8149-BC32-9AB0DD2FF5D3}" type="slidenum">
+              <a:rPr kumimoji="1" lang="ja-JP" altLang="en-US" smtClean="0"/>
+              <a:t>14</a:t>
+            </a:fld>
+            <a:endParaRPr kumimoji="1" lang="ja-JP" altLang="en-US"/>
+          </a:p>
+        </p:txBody>
+      </p:sp>
+    </p:spTree>
+    <p:extLst>
+      <p:ext uri="{BB962C8B-B14F-4D97-AF65-F5344CB8AC3E}">
+        <p14:creationId xmlns:p14="http://schemas.microsoft.com/office/powerpoint/2010/main" val="1832075283"/>
+      </p:ext>
+    </p:extLst>
+  </p:cSld>
+  <p:clrMapOvr>
+    <a:masterClrMapping/>
+  </p:clrMapOvr>
+</p:notes>
+</file>
+
+<file path=ppt/notesSlides/notesSlide7.xml><?xml version="1.0" encoding="utf-8"?>
+<p:notes xmlns:a="http://schemas.openxmlformats.org/drawingml/2006/main" xmlns:r="http://schemas.openxmlformats.org/officeDocument/2006/relationships" xmlns:p="http://schemas.openxmlformats.org/presentationml/2006/main">
+  <p:cSld>
+    <p:spTree>
+      <p:nvGrpSpPr>
+        <p:cNvPr id="1" name=""/>
+        <p:cNvGrpSpPr/>
+        <p:nvPr/>
+      </p:nvGrpSpPr>
+      <p:grpSpPr>
+        <a:xfrm>
+          <a:off x="0" y="0"/>
+          <a:ext cx="0" cy="0"/>
+          <a:chOff x="0" y="0"/>
+          <a:chExt cx="0" cy="0"/>
+        </a:xfrm>
+      </p:grpSpPr>
+      <p:sp>
+        <p:nvSpPr>
+          <p:cNvPr id="2" name="スライド イメージ プレースホルダー 1"/>
+          <p:cNvSpPr>
+            <a:spLocks noGrp="1" noRot="1" noChangeAspect="1"/>
+          </p:cNvSpPr>
+          <p:nvPr>
+            <p:ph type="sldImg"/>
+          </p:nvPr>
+        </p:nvSpPr>
+        <p:spPr/>
+      </p:sp>
+      <p:sp>
+        <p:nvSpPr>
+          <p:cNvPr id="3" name="ノート プレースホルダー 2"/>
+          <p:cNvSpPr>
+            <a:spLocks noGrp="1"/>
+          </p:cNvSpPr>
+          <p:nvPr>
+            <p:ph type="body" idx="1"/>
+          </p:nvPr>
+        </p:nvSpPr>
+        <p:spPr/>
+        <p:txBody>
+          <a:bodyPr/>
+          <a:lstStyle/>
+          <a:p>
+            <a:r>
+              <a:rPr kumimoji="1" lang="en-US" altLang="ja-JP" dirty="0" smtClean="0"/>
+              <a:t>tween</a:t>
+            </a:r>
+            <a:r>
+              <a:rPr kumimoji="1" lang="ja-JP" altLang="en-US" dirty="0" smtClean="0"/>
+              <a:t>アニメーションの終了を待つ</a:t>
+            </a:r>
+            <a:endParaRPr kumimoji="1" lang="en-US" altLang="ja-JP" dirty="0" smtClean="0"/>
+          </a:p>
+          <a:p>
+            <a:r>
+              <a:rPr kumimoji="1" lang="en-US" altLang="ja-JP" dirty="0" err="1" smtClean="0"/>
+              <a:t>Sequecne</a:t>
+            </a:r>
+            <a:r>
+              <a:rPr kumimoji="1" lang="ja-JP" altLang="en-US" dirty="0" smtClean="0"/>
+              <a:t>でもできる</a:t>
+            </a:r>
+            <a:endParaRPr kumimoji="1" lang="ja-JP" altLang="en-US" dirty="0"/>
+          </a:p>
+        </p:txBody>
+      </p:sp>
+      <p:sp>
+        <p:nvSpPr>
+          <p:cNvPr id="4" name="スライド番号プレースホルダー 3"/>
+          <p:cNvSpPr>
+            <a:spLocks noGrp="1"/>
+          </p:cNvSpPr>
+          <p:nvPr>
+            <p:ph type="sldNum" sz="quarter" idx="10"/>
+          </p:nvPr>
+        </p:nvSpPr>
+        <p:spPr/>
+        <p:txBody>
+          <a:bodyPr/>
+          <a:lstStyle/>
+          <a:p>
+            <a:fld id="{03CC8917-4D48-8149-BC32-9AB0DD2FF5D3}" type="slidenum">
+              <a:rPr kumimoji="1" lang="ja-JP" altLang="en-US" smtClean="0"/>
+              <a:t>17</a:t>
+            </a:fld>
+            <a:endParaRPr kumimoji="1" lang="ja-JP" altLang="en-US"/>
+          </a:p>
+        </p:txBody>
+      </p:sp>
+    </p:spTree>
+    <p:extLst>
+      <p:ext uri="{BB962C8B-B14F-4D97-AF65-F5344CB8AC3E}">
+        <p14:creationId xmlns:p14="http://schemas.microsoft.com/office/powerpoint/2010/main" val="1158314432"/>
       </p:ext>
     </p:extLst>
   </p:cSld>
@@ -7523,7 +7884,7 @@
           <a:lstStyle/>
           <a:p>
             <a:r>
-              <a:rPr lang="en-US" altLang="ja-JP" sz="2400" dirty="0" smtClean="0"/>
+              <a:rPr lang="en-US" altLang="ja-JP" sz="2400" b="1" dirty="0" smtClean="0"/>
               <a:t>Append(Tween)</a:t>
             </a:r>
             <a:r>
@@ -7545,19 +7906,19 @@
           </a:p>
           <a:p>
             <a:r>
-              <a:rPr kumimoji="1" lang="en-US" altLang="ja-JP" sz="2400" dirty="0" err="1" smtClean="0"/>
+              <a:rPr kumimoji="1" lang="en-US" altLang="ja-JP" sz="2400" b="1" dirty="0" err="1" smtClean="0"/>
               <a:t>AppendCallback</a:t>
             </a:r>
             <a:r>
-              <a:rPr kumimoji="1" lang="en-US" altLang="ja-JP" sz="2400" dirty="0" smtClean="0"/>
+              <a:rPr kumimoji="1" lang="en-US" altLang="ja-JP" sz="2400" b="1" dirty="0" smtClean="0"/>
               <a:t>(</a:t>
             </a:r>
             <a:r>
-              <a:rPr kumimoji="1" lang="en-US" altLang="ja-JP" sz="2400" dirty="0" err="1" smtClean="0"/>
+              <a:rPr kumimoji="1" lang="en-US" altLang="ja-JP" sz="2400" b="1" dirty="0" err="1" smtClean="0"/>
               <a:t>TweenCallback</a:t>
             </a:r>
             <a:r>
-              <a:rPr kumimoji="1" lang="en-US" altLang="ja-JP" sz="2400" dirty="0" smtClean="0"/>
+              <a:rPr kumimoji="1" lang="en-US" altLang="ja-JP" sz="2400" b="1" dirty="0" smtClean="0"/>
               <a:t>)</a:t>
             </a:r>
             <a:r>
@@ -7579,11 +7940,11 @@
           </a:p>
           <a:p>
             <a:r>
-              <a:rPr lang="en-US" altLang="ja-JP" sz="2400" dirty="0" err="1" smtClean="0"/>
+              <a:rPr lang="en-US" altLang="ja-JP" sz="2400" b="1" dirty="0" err="1" smtClean="0"/>
               <a:t>AppendInterval</a:t>
             </a:r>
             <a:r>
-              <a:rPr lang="en-US" altLang="ja-JP" sz="2400" dirty="0" smtClean="0"/>
+              <a:rPr lang="en-US" altLang="ja-JP" sz="2400" b="1" dirty="0" smtClean="0"/>
               <a:t>(float)</a:t>
             </a:r>
             <a:r>
@@ -7711,23 +8072,23 @@
           <a:lstStyle/>
           <a:p>
             <a:r>
-              <a:rPr lang="en-US" altLang="ja-JP" sz="2400" dirty="0" smtClean="0"/>
+              <a:rPr lang="en-US" altLang="ja-JP" sz="2400" b="1" dirty="0" smtClean="0"/>
               <a:t>Insert(float </a:t>
             </a:r>
             <a:r>
-              <a:rPr lang="en-US" altLang="ja-JP" sz="2400" dirty="0" err="1" smtClean="0"/>
+              <a:rPr lang="en-US" altLang="ja-JP" sz="2400" b="1" dirty="0" err="1" smtClean="0"/>
               <a:t>timePos</a:t>
             </a:r>
             <a:r>
-              <a:rPr lang="en-US" altLang="ja-JP" sz="2400" dirty="0" smtClean="0"/>
+              <a:rPr lang="en-US" altLang="ja-JP" sz="2400" b="1" dirty="0" smtClean="0"/>
               <a:t>, Tween)</a:t>
             </a:r>
             <a:r>
-              <a:rPr lang="en-US" altLang="ja-JP" sz="2400" dirty="0"/>
+              <a:rPr lang="en-US" altLang="ja-JP" sz="2400" b="1" dirty="0"/>
               <a:t/>
             </a:r>
             <a:br>
-              <a:rPr lang="en-US" altLang="ja-JP" sz="2400" dirty="0"/>
+              <a:rPr lang="en-US" altLang="ja-JP" sz="2400" b="1" dirty="0"/>
             </a:br>
             <a:r>
               <a:rPr lang="en-US" altLang="ja-JP" sz="2400" dirty="0" smtClean="0"/>
@@ -7764,43 +8125,43 @@
           </a:p>
           <a:p>
             <a:r>
-              <a:rPr kumimoji="1" lang="en-US" altLang="ja-JP" sz="2400" dirty="0" err="1" smtClean="0"/>
+              <a:rPr kumimoji="1" lang="en-US" altLang="ja-JP" sz="2400" b="1" dirty="0" err="1" smtClean="0"/>
               <a:t>InsertCallback</a:t>
             </a:r>
             <a:r>
-              <a:rPr kumimoji="1" lang="en-US" altLang="ja-JP" sz="2400" dirty="0" smtClean="0"/>
+              <a:rPr kumimoji="1" lang="en-US" altLang="ja-JP" sz="2400" b="1" dirty="0" smtClean="0"/>
               <a:t>(</a:t>
             </a:r>
             <a:r>
-              <a:rPr kumimoji="1" lang="en-US" altLang="ja-JP" sz="2400" dirty="0" err="1" smtClean="0"/>
+              <a:rPr kumimoji="1" lang="en-US" altLang="ja-JP" sz="2400" b="1" dirty="0" err="1" smtClean="0"/>
               <a:t>foat</a:t>
             </a:r>
             <a:r>
-              <a:rPr kumimoji="1" lang="en-US" altLang="ja-JP" sz="2400" dirty="0" smtClean="0"/>
+              <a:rPr kumimoji="1" lang="en-US" altLang="ja-JP" sz="2400" b="1" dirty="0" smtClean="0"/>
               <a:t> </a:t>
             </a:r>
             <a:r>
-              <a:rPr kumimoji="1" lang="en-US" altLang="ja-JP" sz="2400" dirty="0" err="1" smtClean="0"/>
+              <a:rPr kumimoji="1" lang="en-US" altLang="ja-JP" sz="2400" b="1" dirty="0" err="1" smtClean="0"/>
               <a:t>timePos</a:t>
             </a:r>
             <a:r>
-              <a:rPr lang="en-US" altLang="ja-JP" sz="2400" dirty="0" smtClean="0"/>
+              <a:rPr lang="en-US" altLang="ja-JP" sz="2400" b="1" dirty="0" smtClean="0"/>
               <a:t>, </a:t>
             </a:r>
             <a:r>
-              <a:rPr kumimoji="1" lang="en-US" altLang="ja-JP" sz="2400" dirty="0" err="1" smtClean="0"/>
+              <a:rPr kumimoji="1" lang="en-US" altLang="ja-JP" sz="2400" b="1" dirty="0" err="1" smtClean="0"/>
               <a:t>TweenCallback</a:t>
             </a:r>
             <a:r>
-              <a:rPr lang="en-US" altLang="ja-JP" sz="2400" dirty="0"/>
+              <a:rPr lang="en-US" altLang="ja-JP" sz="2400" b="1" dirty="0"/>
               <a:t>)</a:t>
             </a:r>
             <a:r>
-              <a:rPr kumimoji="1" lang="en-US" altLang="ja-JP" sz="2400" dirty="0" smtClean="0"/>
+              <a:rPr kumimoji="1" lang="en-US" altLang="ja-JP" sz="2400" b="1" dirty="0" smtClean="0"/>
               <a:t/>
             </a:r>
             <a:br>
-              <a:rPr kumimoji="1" lang="en-US" altLang="ja-JP" sz="2400" dirty="0" smtClean="0"/>
+              <a:rPr kumimoji="1" lang="en-US" altLang="ja-JP" sz="2400" b="1" dirty="0" smtClean="0"/>
             </a:br>
             <a:r>
               <a:rPr kumimoji="1" lang="ja-JP" altLang="en-US" sz="2400" dirty="0" smtClean="0"/>
@@ -7939,15 +8300,15 @@
           <a:lstStyle/>
           <a:p>
             <a:r>
-              <a:rPr lang="en-US" altLang="ja-JP" sz="2400" dirty="0" smtClean="0"/>
+              <a:rPr lang="en-US" altLang="ja-JP" sz="2400" b="1" dirty="0" smtClean="0"/>
               <a:t>Join(Tween)</a:t>
             </a:r>
             <a:r>
-              <a:rPr lang="en-US" altLang="ja-JP" sz="2400" dirty="0" smtClean="0"/>
+              <a:rPr lang="en-US" altLang="ja-JP" sz="2400" b="1" dirty="0" smtClean="0"/>
               <a:t/>
             </a:r>
             <a:br>
-              <a:rPr lang="en-US" altLang="ja-JP" sz="2400" dirty="0" smtClean="0"/>
+              <a:rPr lang="en-US" altLang="ja-JP" sz="2400" b="1" dirty="0" smtClean="0"/>
             </a:br>
             <a:r>
               <a:rPr lang="en-US" altLang="ja-JP" sz="2400" dirty="0" smtClean="0"/>
@@ -8116,7 +8477,7 @@
           <p:nvPr/>
         </p:nvPicPr>
         <p:blipFill>
-          <a:blip r:embed="rId2">
+          <a:blip r:embed="rId3">
             <a:extLst>
               <a:ext uri="{28A0092B-C50C-407E-A947-70E740481C1C}">
                 <a14:useLocalDpi xmlns:a14="http://schemas.microsoft.com/office/drawing/2010/main" val="0"/>
@@ -8129,8 +8490,8 @@
         </p:blipFill>
         <p:spPr>
           <a:xfrm>
-            <a:off x="5180035" y="1686349"/>
-            <a:ext cx="6764316" cy="4928618"/>
+            <a:off x="4314825" y="1118531"/>
+            <a:ext cx="7877175" cy="5739470"/>
           </a:xfrm>
           <a:prstGeom prst="rect">
             <a:avLst/>
@@ -8314,6 +8675,11 @@
               <a:rPr lang="is-IS" altLang="ja-JP" dirty="0" smtClean="0"/>
               <a:t>…</a:t>
             </a:r>
+            <a:r>
+              <a:rPr lang="ja-JP" altLang="en-US" dirty="0" smtClean="0"/>
+              <a:t>？</a:t>
+            </a:r>
+            <a:endParaRPr lang="is-IS" altLang="ja-JP" dirty="0" smtClean="0"/>
           </a:p>
           <a:p>
             <a:r>
@@ -8394,8 +8760,16 @@
           <a:lstStyle/>
           <a:p>
             <a:r>
+              <a:rPr lang="en-US" altLang="ja-JP" dirty="0" smtClean="0"/>
+              <a:t>yield</a:t>
+            </a:r>
+            <a:r>
               <a:rPr lang="ja-JP" altLang="en-US" dirty="0" smtClean="0"/>
-              <a:t>参考</a:t>
+              <a:t>と</a:t>
+            </a:r>
+            <a:r>
+              <a:rPr lang="en-US" altLang="ja-JP" dirty="0" err="1" smtClean="0"/>
+              <a:t>DOTween</a:t>
             </a:r>
             <a:endParaRPr kumimoji="1" lang="ja-JP" altLang="en-US" dirty="0"/>
           </a:p>
@@ -8418,28 +8792,87 @@
           <a:p>
             <a:r>
               <a:rPr lang="en-US" altLang="ja-JP" dirty="0"/>
-              <a:t>http://</a:t>
-            </a:r>
-            <a:r>
-              <a:rPr lang="en-US" altLang="ja-JP" dirty="0" err="1"/>
-              <a:t>dotween.demigiant.com</a:t>
+              <a:t>y</a:t>
+            </a:r>
+            <a:r>
+              <a:rPr lang="en-US" altLang="ja-JP" dirty="0" smtClean="0"/>
+              <a:t>ield</a:t>
+            </a:r>
+            <a:r>
+              <a:rPr lang="ja-JP" altLang="en-US" dirty="0" smtClean="0"/>
+              <a:t>なしで非同期処理を行うことができる</a:t>
+            </a:r>
+            <a:r>
+              <a:rPr lang="en-US" altLang="ja-JP" dirty="0" smtClean="0"/>
+              <a:t/>
+            </a:r>
+            <a:br>
+              <a:rPr lang="en-US" altLang="ja-JP" dirty="0" smtClean="0"/>
+            </a:br>
+            <a:r>
+              <a:rPr lang="en-US" altLang="ja-JP" dirty="0" smtClean="0"/>
+              <a:t>(</a:t>
+            </a:r>
+            <a:r>
+              <a:rPr lang="en-US" altLang="ja-JP" dirty="0" err="1" smtClean="0"/>
+              <a:t>Sequecne</a:t>
+            </a:r>
+            <a:r>
+              <a:rPr lang="ja-JP" altLang="en-US" dirty="0" smtClean="0"/>
+              <a:t>や</a:t>
+            </a:r>
+            <a:r>
+              <a:rPr lang="en-US" altLang="ja-JP" dirty="0" err="1" smtClean="0"/>
+              <a:t>OnComplete</a:t>
+            </a:r>
+            <a:r>
+              <a:rPr lang="en-US" altLang="ja-JP" dirty="0" smtClean="0"/>
+              <a:t>)</a:t>
+            </a:r>
+          </a:p>
+          <a:p>
+            <a:endParaRPr lang="en-US" altLang="ja-JP" dirty="0"/>
+          </a:p>
+          <a:p>
+            <a:r>
+              <a:rPr lang="en-US" altLang="ja-JP" dirty="0" smtClean="0"/>
+              <a:t>yield return </a:t>
+            </a:r>
+            <a:r>
+              <a:rPr lang="en-US" altLang="ja-JP" dirty="0" err="1" smtClean="0"/>
+              <a:t>tween.WaitForCompletion</a:t>
+            </a:r>
+            <a:r>
+              <a:rPr lang="en-US" altLang="ja-JP" dirty="0" smtClean="0"/>
+              <a:t>();</a:t>
             </a:r>
             <a:r>
               <a:rPr lang="en-US" altLang="ja-JP" dirty="0"/>
-              <a:t>/</a:t>
-            </a:r>
-            <a:r>
-              <a:rPr lang="en-US" altLang="ja-JP" dirty="0" err="1"/>
-              <a:t>documentation.php</a:t>
-            </a:r>
-            <a:endParaRPr kumimoji="1" lang="ja-JP" altLang="en-US" dirty="0"/>
+              <a:t/>
+            </a:r>
+            <a:br>
+              <a:rPr lang="en-US" altLang="ja-JP" dirty="0"/>
+            </a:br>
+            <a:r>
+              <a:rPr lang="ja-JP" altLang="en-US" dirty="0" smtClean="0"/>
+              <a:t>というように</a:t>
+            </a:r>
+            <a:r>
+              <a:rPr lang="en-US" altLang="ja-JP" dirty="0" smtClean="0"/>
+              <a:t>yield</a:t>
+            </a:r>
+            <a:r>
+              <a:rPr lang="ja-JP" altLang="en-US" dirty="0" smtClean="0"/>
+              <a:t>と併用することもできる</a:t>
+            </a:r>
+            <a:endParaRPr lang="en-US" altLang="ja-JP" dirty="0" smtClean="0"/>
           </a:p>
         </p:txBody>
       </p:sp>
     </p:spTree>
     <p:extLst>
       <p:ext uri="{BB962C8B-B14F-4D97-AF65-F5344CB8AC3E}">
-        <p14:creationId xmlns:p14="http://schemas.microsoft.com/office/powerpoint/2010/main" val="702235136"/>
+        <p14:creationId xmlns:p14="http://schemas.microsoft.com/office/powerpoint/2010/main" val="791520105"/>
       </p:ext>
     </p:extLst>
   </p:cSld>
@@ -8481,7 +8914,11 @@
           <a:bodyPr/>
           <a:lstStyle/>
           <a:p>
-            <a:endParaRPr kumimoji="1" lang="ja-JP" altLang="en-US"/>
+            <a:r>
+              <a:rPr lang="ja-JP" altLang="en-US" dirty="0" smtClean="0"/>
+              <a:t>参考</a:t>
+            </a:r>
+            <a:endParaRPr kumimoji="1" lang="ja-JP" altLang="en-US" dirty="0"/>
           </a:p>
         </p:txBody>
       </p:sp>
@@ -8500,14 +8937,114 @@
           <a:bodyPr/>
           <a:lstStyle/>
           <a:p>
-            <a:endParaRPr kumimoji="1" lang="ja-JP" altLang="en-US"/>
+            <a:r>
+              <a:rPr lang="en-US" altLang="ja-JP" dirty="0"/>
+              <a:t>http://</a:t>
+            </a:r>
+            <a:r>
+              <a:rPr lang="en-US" altLang="ja-JP" dirty="0" err="1"/>
+              <a:t>dotween.demigiant.com</a:t>
+            </a:r>
+            <a:r>
+              <a:rPr lang="en-US" altLang="ja-JP" dirty="0"/>
+              <a:t>/</a:t>
+            </a:r>
+            <a:r>
+              <a:rPr lang="en-US" altLang="ja-JP" dirty="0" err="1"/>
+              <a:t>documentation.php</a:t>
+            </a:r>
+            <a:endParaRPr kumimoji="1" lang="ja-JP" altLang="en-US" dirty="0"/>
           </a:p>
         </p:txBody>
       </p:sp>
     </p:spTree>
     <p:extLst>
       <p:ext uri="{BB962C8B-B14F-4D97-AF65-F5344CB8AC3E}">
-        <p14:creationId xmlns:p14="http://schemas.microsoft.com/office/powerpoint/2010/main" val="1520664910"/>
+        <p14:creationId xmlns:p14="http://schemas.microsoft.com/office/powerpoint/2010/main" val="702235136"/>
+      </p:ext>
+    </p:extLst>
+  </p:cSld>
+  <p:clrMapOvr>
+    <a:masterClrMapping/>
+  </p:clrMapOvr>
+</p:sld>
+</file>
+
+<file path=ppt/slides/slide19.xml><?xml version="1.0" encoding="utf-8"?>
+<p:sld xmlns:a="http://schemas.openxmlformats.org/drawingml/2006/main" xmlns:r="http://schemas.openxmlformats.org/officeDocument/2006/relationships" xmlns:p="http://schemas.openxmlformats.org/presentationml/2006/main">
+  <p:cSld>
+    <p:spTree>
+      <p:nvGrpSpPr>
+        <p:cNvPr id="1" name=""/>
+        <p:cNvGrpSpPr/>
+        <p:nvPr/>
+      </p:nvGrpSpPr>
+      <p:grpSpPr>
+        <a:xfrm>
+          <a:off x="0" y="0"/>
+          <a:ext cx="0" cy="0"/>
+          <a:chOff x="0" y="0"/>
+          <a:chExt cx="0" cy="0"/>
+        </a:xfrm>
+      </p:grpSpPr>
+      <p:sp>
+        <p:nvSpPr>
+          <p:cNvPr id="2" name="タイトル 1"/>
+          <p:cNvSpPr>
+            <a:spLocks noGrp="1"/>
+          </p:cNvSpPr>
+          <p:nvPr>
+            <p:ph type="title"/>
+          </p:nvPr>
+        </p:nvSpPr>
+        <p:spPr/>
+        <p:txBody>
+          <a:bodyPr/>
+          <a:lstStyle/>
+          <a:p>
+            <a:r>
+              <a:rPr kumimoji="1" lang="ja-JP" altLang="en-US" dirty="0" smtClean="0"/>
+              <a:t>最後に</a:t>
+            </a:r>
+            <a:endParaRPr kumimoji="1" lang="ja-JP" altLang="en-US" dirty="0"/>
+          </a:p>
+        </p:txBody>
+      </p:sp>
+      <p:sp>
+        <p:nvSpPr>
+          <p:cNvPr id="3" name="コンテンツ プレースホルダー 2"/>
+          <p:cNvSpPr>
+            <a:spLocks noGrp="1"/>
+          </p:cNvSpPr>
+          <p:nvPr>
+            <p:ph idx="1"/>
+          </p:nvPr>
+        </p:nvSpPr>
+        <p:spPr/>
+        <p:txBody>
+          <a:bodyPr/>
+          <a:lstStyle/>
+          <a:p>
+            <a:r>
+              <a:rPr kumimoji="1" lang="ja-JP" altLang="en-US" dirty="0" smtClean="0"/>
+              <a:t>実際に</a:t>
+            </a:r>
+            <a:r>
+              <a:rPr kumimoji="1" lang="en-US" altLang="ja-JP" dirty="0" err="1" smtClean="0"/>
+              <a:t>DOTween</a:t>
+            </a:r>
+            <a:r>
+              <a:rPr kumimoji="1" lang="ja-JP" altLang="en-US" dirty="0" smtClean="0"/>
+              <a:t>を使ったプロジェクト</a:t>
+            </a:r>
+            <a:endParaRPr kumimoji="1" lang="ja-JP" altLang="en-US" dirty="0"/>
+          </a:p>
+        </p:txBody>
+      </p:sp>
+    </p:spTree>
+    <p:extLst>
+      <p:ext uri="{BB962C8B-B14F-4D97-AF65-F5344CB8AC3E}">
+        <p14:creationId xmlns:p14="http://schemas.microsoft.com/office/powerpoint/2010/main" val="2111821367"/>
       </p:ext>
     </p:extLst>
   </p:cSld>
@@ -8830,11 +9367,11 @@
           </a:p>
           <a:p>
             <a:r>
-              <a:rPr kumimoji="1" lang="en-US" altLang="ja-JP" sz="2400" dirty="0" err="1" smtClean="0"/>
+              <a:rPr kumimoji="1" lang="en-US" altLang="ja-JP" sz="2400" b="1" dirty="0" err="1" smtClean="0"/>
               <a:t>DOTween.To</a:t>
             </a:r>
             <a:r>
-              <a:rPr kumimoji="1" lang="en-US" altLang="ja-JP" sz="2400" dirty="0" smtClean="0"/>
+              <a:rPr kumimoji="1" lang="en-US" altLang="ja-JP" sz="2400" b="1" dirty="0" smtClean="0"/>
               <a:t>(getter, setter, to, float duration)</a:t>
             </a:r>
           </a:p>
@@ -8849,7 +9386,7 @@
           <p:nvPr/>
         </p:nvPicPr>
         <p:blipFill rotWithShape="1">
-          <a:blip r:embed="rId2">
+          <a:blip r:embed="rId3">
             <a:extLst>
               <a:ext uri="{28A0092B-C50C-407E-A947-70E740481C1C}">
                 <a14:useLocalDpi xmlns:a14="http://schemas.microsoft.com/office/drawing/2010/main" val="0"/>
@@ -9077,19 +9614,19 @@
           <a:lstStyle/>
           <a:p>
             <a:r>
-              <a:rPr lang="en-US" altLang="ja-JP" sz="2400" dirty="0" err="1" smtClean="0"/>
+              <a:rPr lang="en-US" altLang="ja-JP" sz="2400" b="1" dirty="0" err="1" smtClean="0"/>
               <a:t>Transform.DOLocalMove</a:t>
             </a:r>
             <a:r>
-              <a:rPr lang="en-US" altLang="ja-JP" sz="2400" dirty="0" smtClean="0"/>
+              <a:rPr lang="en-US" altLang="ja-JP" sz="2400" b="1" dirty="0" smtClean="0"/>
               <a:t>(Vector3 </a:t>
             </a:r>
             <a:r>
-              <a:rPr lang="en-US" altLang="ja-JP" sz="2400" dirty="0" err="1" smtClean="0"/>
+              <a:rPr lang="en-US" altLang="ja-JP" sz="2400" b="1" dirty="0" err="1" smtClean="0"/>
               <a:t>endValue</a:t>
             </a:r>
             <a:r>
-              <a:rPr lang="en-US" altLang="ja-JP" sz="2400" dirty="0" smtClean="0"/>
+              <a:rPr lang="en-US" altLang="ja-JP" sz="2400" b="1" dirty="0" smtClean="0"/>
               <a:t>, float duration)</a:t>
             </a:r>
           </a:p>
@@ -9341,19 +9878,19 @@
           <a:lstStyle/>
           <a:p>
             <a:r>
-              <a:rPr kumimoji="1" lang="en-US" altLang="ja-JP" sz="2400" dirty="0" err="1" smtClean="0"/>
+              <a:rPr kumimoji="1" lang="en-US" altLang="ja-JP" sz="2400" b="1" dirty="0" err="1" smtClean="0"/>
               <a:t>Transform.DOLocalMoveY</a:t>
             </a:r>
             <a:r>
-              <a:rPr kumimoji="1" lang="en-US" altLang="ja-JP" sz="2400" dirty="0" smtClean="0"/>
+              <a:rPr kumimoji="1" lang="en-US" altLang="ja-JP" sz="2400" b="1" dirty="0" smtClean="0"/>
               <a:t>(float </a:t>
             </a:r>
             <a:r>
-              <a:rPr kumimoji="1" lang="en-US" altLang="ja-JP" sz="2400" dirty="0" err="1" smtClean="0"/>
+              <a:rPr kumimoji="1" lang="en-US" altLang="ja-JP" sz="2400" b="1" dirty="0" err="1" smtClean="0"/>
               <a:t>endValue</a:t>
             </a:r>
             <a:r>
-              <a:rPr kumimoji="1" lang="en-US" altLang="ja-JP" sz="2400" dirty="0" smtClean="0"/>
+              <a:rPr kumimoji="1" lang="en-US" altLang="ja-JP" sz="2400" b="1" dirty="0" smtClean="0"/>
               <a:t>, float duration)</a:t>
             </a:r>
           </a:p>
@@ -9628,7 +10165,7 @@
         </p:blipFill>
         <p:spPr>
           <a:xfrm>
-            <a:off x="935953" y="2886072"/>
+            <a:off x="1250281" y="2886072"/>
             <a:ext cx="10720150" cy="771526"/>
           </a:xfrm>
           <a:prstGeom prst="rect">
